--- a/chukan/chukan2020_sato.pptx
+++ b/chukan/chukan2020_sato.pptx
@@ -5,7 +5,7 @@
     <p:sldMasterId id="2147483660" r:id="rId1"/>
   </p:sldMasterIdLst>
   <p:notesMasterIdLst>
-    <p:notesMasterId r:id="rId17"/>
+    <p:notesMasterId r:id="rId20"/>
   </p:notesMasterIdLst>
   <p:sldIdLst>
     <p:sldId id="256" r:id="rId2"/>
@@ -14,15 +14,18 @@
     <p:sldId id="421" r:id="rId5"/>
     <p:sldId id="269" r:id="rId6"/>
     <p:sldId id="422" r:id="rId7"/>
-    <p:sldId id="423" r:id="rId8"/>
-    <p:sldId id="264" r:id="rId9"/>
-    <p:sldId id="424" r:id="rId10"/>
-    <p:sldId id="259" r:id="rId11"/>
-    <p:sldId id="260" r:id="rId12"/>
-    <p:sldId id="420" r:id="rId13"/>
-    <p:sldId id="262" r:id="rId14"/>
-    <p:sldId id="263" r:id="rId15"/>
-    <p:sldId id="261" r:id="rId16"/>
+    <p:sldId id="427" r:id="rId8"/>
+    <p:sldId id="426" r:id="rId9"/>
+    <p:sldId id="425" r:id="rId10"/>
+    <p:sldId id="423" r:id="rId11"/>
+    <p:sldId id="264" r:id="rId12"/>
+    <p:sldId id="424" r:id="rId13"/>
+    <p:sldId id="259" r:id="rId14"/>
+    <p:sldId id="260" r:id="rId15"/>
+    <p:sldId id="420" r:id="rId16"/>
+    <p:sldId id="262" r:id="rId17"/>
+    <p:sldId id="263" r:id="rId18"/>
+    <p:sldId id="261" r:id="rId19"/>
   </p:sldIdLst>
   <p:sldSz cx="9144000" cy="6858000" type="screen4x3"/>
   <p:notesSz cx="6858000" cy="9144000"/>
@@ -211,7 +214,7 @@
           <a:p>
             <a:fld id="{0FB9BC34-7631-4F07-B44B-E8A1F99FCDCB}" type="datetimeFigureOut">
               <a:rPr kumimoji="1" lang="ja-JP" altLang="en-US" smtClean="0"/>
-              <a:t>2020/12/7</a:t>
+              <a:t>2020/12/10</a:t>
             </a:fld>
             <a:endParaRPr kumimoji="1" lang="ja-JP" altLang="en-US"/>
           </a:p>
@@ -885,7 +888,7 @@
           <a:p>
             <a:fld id="{844F5DE2-B296-4507-AFDA-C68D4D277656}" type="datetimeFigureOut">
               <a:rPr kumimoji="1" lang="ja-JP" altLang="en-US" smtClean="0"/>
-              <a:t>2020/12/7</a:t>
+              <a:t>2020/12/10</a:t>
             </a:fld>
             <a:endParaRPr kumimoji="1" lang="ja-JP" altLang="en-US"/>
           </a:p>
@@ -1045,7 +1048,7 @@
           <a:p>
             <a:fld id="{844F5DE2-B296-4507-AFDA-C68D4D277656}" type="datetimeFigureOut">
               <a:rPr kumimoji="1" lang="ja-JP" altLang="en-US" smtClean="0"/>
-              <a:t>2020/12/7</a:t>
+              <a:t>2020/12/10</a:t>
             </a:fld>
             <a:endParaRPr kumimoji="1" lang="ja-JP" altLang="en-US"/>
           </a:p>
@@ -1267,7 +1270,7 @@
           <a:p>
             <a:fld id="{844F5DE2-B296-4507-AFDA-C68D4D277656}" type="datetimeFigureOut">
               <a:rPr kumimoji="1" lang="ja-JP" altLang="en-US" smtClean="0"/>
-              <a:t>2020/12/7</a:t>
+              <a:t>2020/12/10</a:t>
             </a:fld>
             <a:endParaRPr kumimoji="1" lang="ja-JP" altLang="en-US"/>
           </a:p>
@@ -1895,7 +1898,7 @@
           <a:p>
             <a:fld id="{844F5DE2-B296-4507-AFDA-C68D4D277656}" type="datetimeFigureOut">
               <a:rPr kumimoji="1" lang="ja-JP" altLang="en-US" smtClean="0"/>
-              <a:t>2020/12/7</a:t>
+              <a:t>2020/12/10</a:t>
             </a:fld>
             <a:endParaRPr kumimoji="1" lang="ja-JP" altLang="en-US"/>
           </a:p>
@@ -2186,7 +2189,7 @@
           <a:p>
             <a:fld id="{844F5DE2-B296-4507-AFDA-C68D4D277656}" type="datetimeFigureOut">
               <a:rPr kumimoji="1" lang="ja-JP" altLang="en-US" smtClean="0"/>
-              <a:t>2020/12/7</a:t>
+              <a:t>2020/12/10</a:t>
             </a:fld>
             <a:endParaRPr kumimoji="1" lang="ja-JP" altLang="en-US"/>
           </a:p>
@@ -2540,7 +2543,7 @@
           <a:p>
             <a:fld id="{844F5DE2-B296-4507-AFDA-C68D4D277656}" type="datetimeFigureOut">
               <a:rPr kumimoji="1" lang="ja-JP" altLang="en-US" smtClean="0"/>
-              <a:t>2020/12/7</a:t>
+              <a:t>2020/12/10</a:t>
             </a:fld>
             <a:endParaRPr kumimoji="1" lang="ja-JP" altLang="en-US"/>
           </a:p>
@@ -2861,7 +2864,7 @@
           <a:p>
             <a:fld id="{844F5DE2-B296-4507-AFDA-C68D4D277656}" type="datetimeFigureOut">
               <a:rPr kumimoji="1" lang="ja-JP" altLang="en-US" smtClean="0"/>
-              <a:t>2020/12/7</a:t>
+              <a:t>2020/12/10</a:t>
             </a:fld>
             <a:endParaRPr kumimoji="1" lang="ja-JP" altLang="en-US"/>
           </a:p>
@@ -3176,7 +3179,7 @@
           <a:p>
             <a:fld id="{844F5DE2-B296-4507-AFDA-C68D4D277656}" type="datetimeFigureOut">
               <a:rPr kumimoji="1" lang="ja-JP" altLang="en-US" smtClean="0"/>
-              <a:t>2020/12/7</a:t>
+              <a:t>2020/12/10</a:t>
             </a:fld>
             <a:endParaRPr kumimoji="1" lang="ja-JP" altLang="en-US"/>
           </a:p>
@@ -3386,7 +3389,7 @@
           <a:p>
             <a:fld id="{844F5DE2-B296-4507-AFDA-C68D4D277656}" type="datetimeFigureOut">
               <a:rPr kumimoji="1" lang="ja-JP" altLang="en-US" smtClean="0"/>
-              <a:t>2020/12/7</a:t>
+              <a:t>2020/12/10</a:t>
             </a:fld>
             <a:endParaRPr kumimoji="1" lang="ja-JP" altLang="en-US"/>
           </a:p>
@@ -3494,7 +3497,7 @@
           <a:p>
             <a:fld id="{844F5DE2-B296-4507-AFDA-C68D4D277656}" type="datetimeFigureOut">
               <a:rPr kumimoji="1" lang="ja-JP" altLang="en-US" smtClean="0"/>
-              <a:t>2020/12/7</a:t>
+              <a:t>2020/12/10</a:t>
             </a:fld>
             <a:endParaRPr kumimoji="1" lang="ja-JP" altLang="en-US"/>
           </a:p>
@@ -3635,7 +3638,7 @@
           <a:p>
             <a:fld id="{844F5DE2-B296-4507-AFDA-C68D4D277656}" type="datetimeFigureOut">
               <a:rPr kumimoji="1" lang="ja-JP" altLang="en-US" smtClean="0"/>
-              <a:t>2020/12/7</a:t>
+              <a:t>2020/12/10</a:t>
             </a:fld>
             <a:endParaRPr kumimoji="1" lang="ja-JP" altLang="en-US"/>
           </a:p>
@@ -4190,7 +4193,7 @@
           <a:p>
             <a:fld id="{844F5DE2-B296-4507-AFDA-C68D4D277656}" type="datetimeFigureOut">
               <a:rPr kumimoji="1" lang="ja-JP" altLang="en-US" smtClean="0"/>
-              <a:t>2020/12/7</a:t>
+              <a:t>2020/12/10</a:t>
             </a:fld>
             <a:endParaRPr kumimoji="1" lang="ja-JP" altLang="en-US"/>
           </a:p>
@@ -4488,7 +4491,7 @@
           <a:p>
             <a:fld id="{844F5DE2-B296-4507-AFDA-C68D4D277656}" type="datetimeFigureOut">
               <a:rPr kumimoji="1" lang="ja-JP" altLang="en-US" smtClean="0"/>
-              <a:t>2020/12/7</a:t>
+              <a:t>2020/12/10</a:t>
             </a:fld>
             <a:endParaRPr kumimoji="1" lang="ja-JP" altLang="en-US"/>
           </a:p>
@@ -5147,6 +5150,2994 @@
           <p:cNvPr id="2" name="タイトル 1">
             <a:extLst>
               <a:ext uri="{FF2B5EF4-FFF2-40B4-BE49-F238E27FC236}">
+                <a16:creationId xmlns:a16="http://schemas.microsoft.com/office/drawing/2014/main" id="{89B5080C-4114-4489-B9C1-0956A90971FF}"/>
+              </a:ext>
+            </a:extLst>
+          </p:cNvPr>
+          <p:cNvSpPr>
+            <a:spLocks noGrp="1"/>
+          </p:cNvSpPr>
+          <p:nvPr>
+            <p:ph type="title"/>
+          </p:nvPr>
+        </p:nvSpPr>
+        <p:spPr/>
+        <p:txBody>
+          <a:bodyPr/>
+          <a:lstStyle/>
+          <a:p>
+            <a:r>
+              <a:rPr kumimoji="1" lang="en-US" altLang="ja-JP" dirty="0"/>
+              <a:t>2</a:t>
+            </a:r>
+            <a:r>
+              <a:rPr kumimoji="1" lang="ja-JP" altLang="en-US" dirty="0"/>
+              <a:t>者間交叉判定問題の通信複雑性</a:t>
+            </a:r>
+          </a:p>
+        </p:txBody>
+      </p:sp>
+      <mc:AlternateContent xmlns:mc="http://schemas.openxmlformats.org/markup-compatibility/2006" xmlns:a14="http://schemas.microsoft.com/office/drawing/2010/main">
+        <mc:Choice Requires="a14">
+          <p:sp>
+            <p:nvSpPr>
+              <p:cNvPr id="3" name="コンテンツ プレースホルダー 2">
+                <a:extLst>
+                  <a:ext uri="{FF2B5EF4-FFF2-40B4-BE49-F238E27FC236}">
+                    <a16:creationId xmlns:a16="http://schemas.microsoft.com/office/drawing/2014/main" id="{8740F7D8-D5CB-4078-8165-961AC04E5531}"/>
+                  </a:ext>
+                </a:extLst>
+              </p:cNvPr>
+              <p:cNvSpPr>
+                <a:spLocks noGrp="1"/>
+              </p:cNvSpPr>
+              <p:nvPr>
+                <p:ph sz="quarter" idx="1"/>
+              </p:nvPr>
+            </p:nvSpPr>
+            <p:spPr/>
+            <p:txBody>
+              <a:bodyPr/>
+              <a:lstStyle/>
+              <a:p>
+                <a:r>
+                  <a:rPr kumimoji="1" lang="en-US" altLang="ja-JP" dirty="0"/>
+                  <a:t>Alice </a:t>
+                </a:r>
+                <a:r>
+                  <a:rPr kumimoji="1" lang="ja-JP" altLang="en-US" dirty="0"/>
+                  <a:t>と </a:t>
+                </a:r>
+                <a:r>
+                  <a:rPr kumimoji="1" lang="en-US" altLang="ja-JP" dirty="0"/>
+                  <a:t>Bob</a:t>
+                </a:r>
+                <a:r>
+                  <a:rPr kumimoji="1" lang="ja-JP" altLang="en-US" dirty="0"/>
+                  <a:t>の</a:t>
+                </a:r>
+                <a:r>
+                  <a:rPr kumimoji="1" lang="en-US" altLang="ja-JP" dirty="0"/>
+                  <a:t>2</a:t>
+                </a:r>
+                <a:r>
+                  <a:rPr kumimoji="1" lang="ja-JP" altLang="en-US" dirty="0"/>
+                  <a:t>人のプレイヤーがいてそれぞれが</a:t>
+                </a:r>
+                <a:br>
+                  <a:rPr kumimoji="1" lang="en-US" altLang="ja-JP" dirty="0"/>
+                </a:br>
+                <a14:m>
+                  <m:oMath xmlns:m="http://schemas.openxmlformats.org/officeDocument/2006/math">
+                    <m:r>
+                      <a:rPr kumimoji="1" lang="en-US" altLang="ja-JP" b="0" i="1" smtClean="0">
+                        <a:latin typeface="Cambria Math" panose="02040503050406030204" pitchFamily="18" charset="0"/>
+                      </a:rPr>
+                      <m:t>𝑛</m:t>
+                    </m:r>
+                  </m:oMath>
+                </a14:m>
+                <a:r>
+                  <a:rPr kumimoji="1" lang="ja-JP" altLang="en-US" dirty="0"/>
+                  <a:t>ビットのデータ列</a:t>
+                </a:r>
+                <a14:m>
+                  <m:oMath xmlns:m="http://schemas.openxmlformats.org/officeDocument/2006/math">
+                    <m:r>
+                      <a:rPr kumimoji="1" lang="en-US" altLang="ja-JP" b="0" i="1" smtClean="0">
+                        <a:latin typeface="Cambria Math" panose="02040503050406030204" pitchFamily="18" charset="0"/>
+                      </a:rPr>
+                      <m:t>𝑥</m:t>
+                    </m:r>
+                    <m:r>
+                      <a:rPr kumimoji="1" lang="en-US" altLang="ja-JP" b="0" i="1" smtClean="0">
+                        <a:latin typeface="Cambria Math" panose="02040503050406030204" pitchFamily="18" charset="0"/>
+                      </a:rPr>
+                      <m:t>, </m:t>
+                    </m:r>
+                    <m:r>
+                      <a:rPr kumimoji="1" lang="en-US" altLang="ja-JP" b="0" i="1" smtClean="0">
+                        <a:latin typeface="Cambria Math" panose="02040503050406030204" pitchFamily="18" charset="0"/>
+                      </a:rPr>
+                      <m:t>𝑦</m:t>
+                    </m:r>
+                  </m:oMath>
+                </a14:m>
+                <a:r>
+                  <a:rPr kumimoji="1" lang="ja-JP" altLang="en-US" dirty="0"/>
+                  <a:t>を持っている</a:t>
+                </a:r>
+                <a:endParaRPr kumimoji="1" lang="en-US" altLang="ja-JP" dirty="0"/>
+              </a:p>
+              <a:p>
+                <a:endParaRPr kumimoji="1" lang="en-US" altLang="ja-JP" dirty="0"/>
+              </a:p>
+              <a:p>
+                <a:endParaRPr lang="en-US" altLang="ja-JP" dirty="0"/>
+              </a:p>
+              <a:p>
+                <a:endParaRPr kumimoji="1" lang="en-US" altLang="ja-JP" dirty="0"/>
+              </a:p>
+              <a:p>
+                <a:endParaRPr kumimoji="1" lang="en-US" altLang="ja-JP" dirty="0"/>
+              </a:p>
+              <a:p>
+                <a:pPr lvl="1"/>
+                <a:r>
+                  <a:rPr lang="ja-JP" altLang="en-US" dirty="0"/>
+                  <a:t>目的</a:t>
+                </a:r>
+                <a:r>
+                  <a:rPr lang="en-US" altLang="ja-JP" dirty="0"/>
+                  <a:t>: </a:t>
+                </a:r>
+                <a:r>
+                  <a:rPr lang="ja-JP" altLang="en-US" dirty="0"/>
+                  <a:t>関数</a:t>
+                </a:r>
+                <a14:m>
+                  <m:oMath xmlns:m="http://schemas.openxmlformats.org/officeDocument/2006/math">
+                    <m:r>
+                      <a:rPr lang="en-US" altLang="ja-JP" i="1">
+                        <a:latin typeface="Cambria Math" panose="02040503050406030204" pitchFamily="18" charset="0"/>
+                      </a:rPr>
+                      <m:t>𝑓</m:t>
+                    </m:r>
+                    <m:r>
+                      <a:rPr lang="en-US" altLang="ja-JP" i="1">
+                        <a:latin typeface="Cambria Math" panose="02040503050406030204" pitchFamily="18" charset="0"/>
+                      </a:rPr>
+                      <m:t>:</m:t>
+                    </m:r>
+                    <m:r>
+                      <a:rPr lang="en-US" altLang="ja-JP" i="1">
+                        <a:latin typeface="Cambria Math" panose="02040503050406030204" pitchFamily="18" charset="0"/>
+                      </a:rPr>
+                      <m:t>𝑋</m:t>
+                    </m:r>
+                    <m:r>
+                      <a:rPr lang="en-US" altLang="ja-JP" i="1">
+                        <a:latin typeface="Cambria Math" panose="02040503050406030204" pitchFamily="18" charset="0"/>
+                        <a:ea typeface="Cambria Math" panose="02040503050406030204" pitchFamily="18" charset="0"/>
+                      </a:rPr>
+                      <m:t>×</m:t>
+                    </m:r>
+                    <m:r>
+                      <a:rPr lang="en-US" altLang="ja-JP" i="1">
+                        <a:latin typeface="Cambria Math" panose="02040503050406030204" pitchFamily="18" charset="0"/>
+                        <a:ea typeface="Cambria Math" panose="02040503050406030204" pitchFamily="18" charset="0"/>
+                      </a:rPr>
+                      <m:t>𝑌</m:t>
+                    </m:r>
+                    <m:r>
+                      <a:rPr lang="en-US" altLang="ja-JP" i="1">
+                        <a:latin typeface="Cambria Math" panose="02040503050406030204" pitchFamily="18" charset="0"/>
+                        <a:ea typeface="Cambria Math" panose="02040503050406030204" pitchFamily="18" charset="0"/>
+                      </a:rPr>
+                      <m:t>→</m:t>
+                    </m:r>
+                    <m:r>
+                      <a:rPr lang="en-US" altLang="ja-JP" i="1">
+                        <a:latin typeface="Cambria Math" panose="02040503050406030204" pitchFamily="18" charset="0"/>
+                        <a:ea typeface="Cambria Math" panose="02040503050406030204" pitchFamily="18" charset="0"/>
+                      </a:rPr>
+                      <m:t>𝑍</m:t>
+                    </m:r>
+                  </m:oMath>
+                </a14:m>
+                <a:r>
+                  <a:rPr lang="ja-JP" altLang="en-US" dirty="0"/>
+                  <a:t>が与えられたとき</a:t>
+                </a:r>
+                <a:r>
+                  <a:rPr lang="en-US" altLang="ja-JP" dirty="0"/>
+                  <a:t>,</a:t>
+                </a:r>
+                <a14:m>
+                  <m:oMath xmlns:m="http://schemas.openxmlformats.org/officeDocument/2006/math">
+                    <m:r>
+                      <a:rPr lang="en-US" altLang="ja-JP" i="1">
+                        <a:latin typeface="Cambria Math" panose="02040503050406030204" pitchFamily="18" charset="0"/>
+                      </a:rPr>
+                      <m:t>𝑓</m:t>
+                    </m:r>
+                    <m:r>
+                      <a:rPr lang="en-US" altLang="ja-JP" i="1">
+                        <a:latin typeface="Cambria Math" panose="02040503050406030204" pitchFamily="18" charset="0"/>
+                      </a:rPr>
+                      <m:t>(</m:t>
+                    </m:r>
+                    <m:r>
+                      <a:rPr lang="en-US" altLang="ja-JP" i="1">
+                        <a:latin typeface="Cambria Math" panose="02040503050406030204" pitchFamily="18" charset="0"/>
+                      </a:rPr>
+                      <m:t>𝑥</m:t>
+                    </m:r>
+                    <m:r>
+                      <a:rPr lang="en-US" altLang="ja-JP" i="1">
+                        <a:latin typeface="Cambria Math" panose="02040503050406030204" pitchFamily="18" charset="0"/>
+                      </a:rPr>
+                      <m:t>, </m:t>
+                    </m:r>
+                    <m:r>
+                      <a:rPr lang="en-US" altLang="ja-JP" i="1">
+                        <a:latin typeface="Cambria Math" panose="02040503050406030204" pitchFamily="18" charset="0"/>
+                      </a:rPr>
+                      <m:t>𝑦</m:t>
+                    </m:r>
+                    <m:r>
+                      <a:rPr lang="en-US" altLang="ja-JP" i="1">
+                        <a:latin typeface="Cambria Math" panose="02040503050406030204" pitchFamily="18" charset="0"/>
+                      </a:rPr>
+                      <m:t>)</m:t>
+                    </m:r>
+                  </m:oMath>
+                </a14:m>
+                <a:r>
+                  <a:rPr lang="ja-JP" altLang="en-US" dirty="0"/>
+                  <a:t>を計算すること</a:t>
+                </a:r>
+                <a:endParaRPr lang="en-US" altLang="ja-JP" dirty="0"/>
+              </a:p>
+              <a:p>
+                <a:pPr lvl="1"/>
+                <a:r>
+                  <a:rPr lang="ja-JP" altLang="en-US" dirty="0"/>
+                  <a:t>問題</a:t>
+                </a:r>
+                <a:r>
+                  <a:rPr lang="en-US" altLang="ja-JP" dirty="0"/>
+                  <a:t>: </a:t>
+                </a:r>
+                <a14:m>
+                  <m:oMath xmlns:m="http://schemas.openxmlformats.org/officeDocument/2006/math">
+                    <m:r>
+                      <a:rPr lang="en-US" altLang="ja-JP" i="1">
+                        <a:latin typeface="Cambria Math" panose="02040503050406030204" pitchFamily="18" charset="0"/>
+                      </a:rPr>
+                      <m:t>𝑓</m:t>
+                    </m:r>
+                    <m:r>
+                      <a:rPr lang="en-US" altLang="ja-JP" i="1">
+                        <a:latin typeface="Cambria Math" panose="02040503050406030204" pitchFamily="18" charset="0"/>
+                      </a:rPr>
+                      <m:t>(</m:t>
+                    </m:r>
+                    <m:r>
+                      <a:rPr lang="en-US" altLang="ja-JP" i="1">
+                        <a:latin typeface="Cambria Math" panose="02040503050406030204" pitchFamily="18" charset="0"/>
+                      </a:rPr>
+                      <m:t>𝑥</m:t>
+                    </m:r>
+                    <m:r>
+                      <a:rPr lang="en-US" altLang="ja-JP" i="1">
+                        <a:latin typeface="Cambria Math" panose="02040503050406030204" pitchFamily="18" charset="0"/>
+                      </a:rPr>
+                      <m:t>, </m:t>
+                    </m:r>
+                    <m:r>
+                      <a:rPr lang="en-US" altLang="ja-JP" i="1">
+                        <a:latin typeface="Cambria Math" panose="02040503050406030204" pitchFamily="18" charset="0"/>
+                      </a:rPr>
+                      <m:t>𝑦</m:t>
+                    </m:r>
+                    <m:r>
+                      <a:rPr lang="en-US" altLang="ja-JP" i="1">
+                        <a:latin typeface="Cambria Math" panose="02040503050406030204" pitchFamily="18" charset="0"/>
+                      </a:rPr>
+                      <m:t>)</m:t>
+                    </m:r>
+                  </m:oMath>
+                </a14:m>
+                <a:r>
+                  <a:rPr lang="ja-JP" altLang="en-US" dirty="0"/>
+                  <a:t>の計算に必要な最悪通信ビット数はどのくらいか？</a:t>
+                </a:r>
+                <a:endParaRPr lang="en-US" altLang="ja-JP" dirty="0"/>
+              </a:p>
+              <a:p>
+                <a:pPr lvl="1"/>
+                <a:r>
+                  <a:rPr lang="en-US" altLang="ja-JP" dirty="0"/>
+                  <a:t>Alice </a:t>
+                </a:r>
+                <a:r>
+                  <a:rPr lang="ja-JP" altLang="en-US" dirty="0"/>
+                  <a:t>と </a:t>
+                </a:r>
+                <a:r>
+                  <a:rPr lang="en-US" altLang="ja-JP" dirty="0"/>
+                  <a:t>Bob</a:t>
+                </a:r>
+                <a:r>
+                  <a:rPr lang="ja-JP" altLang="en-US" dirty="0"/>
+                  <a:t>の計算能力は無限とする</a:t>
+                </a:r>
+              </a:p>
+              <a:p>
+                <a:pPr lvl="1"/>
+                <a:endParaRPr kumimoji="1" lang="ja-JP" altLang="en-US" dirty="0"/>
+              </a:p>
+            </p:txBody>
+          </p:sp>
+        </mc:Choice>
+        <mc:Fallback xmlns="">
+          <p:sp>
+            <p:nvSpPr>
+              <p:cNvPr id="3" name="コンテンツ プレースホルダー 2">
+                <a:extLst>
+                  <a:ext uri="{FF2B5EF4-FFF2-40B4-BE49-F238E27FC236}">
+                    <a16:creationId xmlns:a16="http://schemas.microsoft.com/office/drawing/2014/main" id="{8740F7D8-D5CB-4078-8165-961AC04E5531}"/>
+                  </a:ext>
+                </a:extLst>
+              </p:cNvPr>
+              <p:cNvSpPr>
+                <a:spLocks noGrp="1" noRot="1" noChangeAspect="1" noMove="1" noResize="1" noEditPoints="1" noAdjustHandles="1" noChangeArrowheads="1" noChangeShapeType="1" noTextEdit="1"/>
+              </p:cNvSpPr>
+              <p:nvPr>
+                <p:ph sz="quarter" idx="1"/>
+              </p:nvPr>
+            </p:nvSpPr>
+            <p:spPr>
+              <a:blipFill>
+                <a:blip r:embed="rId2"/>
+                <a:stretch>
+                  <a:fillRect l="-139" t="-928"/>
+                </a:stretch>
+              </a:blipFill>
+            </p:spPr>
+            <p:txBody>
+              <a:bodyPr/>
+              <a:lstStyle/>
+              <a:p>
+                <a:r>
+                  <a:rPr lang="ja-JP" altLang="en-US">
+                    <a:noFill/>
+                  </a:rPr>
+                  <a:t> </a:t>
+                </a:r>
+              </a:p>
+            </p:txBody>
+          </p:sp>
+        </mc:Fallback>
+      </mc:AlternateContent>
+      <p:sp>
+        <p:nvSpPr>
+          <p:cNvPr id="4" name="テキスト ボックス 3">
+            <a:extLst>
+              <a:ext uri="{FF2B5EF4-FFF2-40B4-BE49-F238E27FC236}">
+                <a16:creationId xmlns:a16="http://schemas.microsoft.com/office/drawing/2014/main" id="{5A21E651-0A96-436B-83BC-D65D6F11E990}"/>
+              </a:ext>
+            </a:extLst>
+          </p:cNvPr>
+          <p:cNvSpPr txBox="1"/>
+          <p:nvPr/>
+        </p:nvSpPr>
+        <p:spPr>
+          <a:xfrm>
+            <a:off x="1272988" y="2680447"/>
+            <a:ext cx="896471" cy="461665"/>
+          </a:xfrm>
+          <a:prstGeom prst="rect">
+            <a:avLst/>
+          </a:prstGeom>
+          <a:noFill/>
+        </p:spPr>
+        <p:txBody>
+          <a:bodyPr wrap="square" rtlCol="0">
+            <a:spAutoFit/>
+          </a:bodyPr>
+          <a:lstStyle/>
+          <a:p>
+            <a:r>
+              <a:rPr kumimoji="1" lang="en-US" altLang="ja-JP" sz="2400" dirty="0"/>
+              <a:t>Alice</a:t>
+            </a:r>
+            <a:endParaRPr kumimoji="1" lang="ja-JP" altLang="en-US" sz="2400" dirty="0"/>
+          </a:p>
+        </p:txBody>
+      </p:sp>
+      <p:sp>
+        <p:nvSpPr>
+          <p:cNvPr id="5" name="正方形/長方形 4">
+            <a:extLst>
+              <a:ext uri="{FF2B5EF4-FFF2-40B4-BE49-F238E27FC236}">
+                <a16:creationId xmlns:a16="http://schemas.microsoft.com/office/drawing/2014/main" id="{F5718DBE-4B50-4CDA-88E3-E9F47D02A7C2}"/>
+              </a:ext>
+            </a:extLst>
+          </p:cNvPr>
+          <p:cNvSpPr/>
+          <p:nvPr/>
+        </p:nvSpPr>
+        <p:spPr>
+          <a:xfrm>
+            <a:off x="1272988" y="2680447"/>
+            <a:ext cx="896471" cy="376518"/>
+          </a:xfrm>
+          <a:prstGeom prst="rect">
+            <a:avLst/>
+          </a:prstGeom>
+          <a:ln w="9525">
+            <a:solidFill>
+              <a:schemeClr val="tx1"/>
+            </a:solidFill>
+          </a:ln>
+        </p:spPr>
+        <p:style>
+          <a:lnRef idx="1">
+            <a:schemeClr val="accent1"/>
+          </a:lnRef>
+          <a:fillRef idx="0">
+            <a:schemeClr val="accent1"/>
+          </a:fillRef>
+          <a:effectRef idx="0">
+            <a:schemeClr val="accent1"/>
+          </a:effectRef>
+          <a:fontRef idx="minor">
+            <a:schemeClr val="tx1"/>
+          </a:fontRef>
+        </p:style>
+        <p:txBody>
+          <a:bodyPr rtlCol="0" anchor="ctr"/>
+          <a:lstStyle/>
+          <a:p>
+            <a:pPr algn="ctr"/>
+            <a:endParaRPr kumimoji="1" lang="ja-JP" altLang="en-US"/>
+          </a:p>
+        </p:txBody>
+      </p:sp>
+      <mc:AlternateContent xmlns:mc="http://schemas.openxmlformats.org/markup-compatibility/2006" xmlns:a14="http://schemas.microsoft.com/office/drawing/2010/main">
+        <mc:Choice Requires="a14">
+          <p:sp>
+            <p:nvSpPr>
+              <p:cNvPr id="6" name="テキスト ボックス 5">
+                <a:extLst>
+                  <a:ext uri="{FF2B5EF4-FFF2-40B4-BE49-F238E27FC236}">
+                    <a16:creationId xmlns:a16="http://schemas.microsoft.com/office/drawing/2014/main" id="{3179AEA0-D1B0-4C38-9D58-4327E32BC4D5}"/>
+                  </a:ext>
+                </a:extLst>
+              </p:cNvPr>
+              <p:cNvSpPr txBox="1"/>
+              <p:nvPr/>
+            </p:nvSpPr>
+            <p:spPr>
+              <a:xfrm>
+                <a:off x="833717" y="3142112"/>
+                <a:ext cx="1775012" cy="369332"/>
+              </a:xfrm>
+              <a:prstGeom prst="rect">
+                <a:avLst/>
+              </a:prstGeom>
+              <a:noFill/>
+            </p:spPr>
+            <p:txBody>
+              <a:bodyPr wrap="square" rtlCol="0">
+                <a:spAutoFit/>
+              </a:bodyPr>
+              <a:lstStyle/>
+              <a:p>
+                <a:pPr/>
+                <a14:m>
+                  <m:oMathPara xmlns:m="http://schemas.openxmlformats.org/officeDocument/2006/math">
+                    <m:oMathParaPr>
+                      <m:jc m:val="centerGroup"/>
+                    </m:oMathParaPr>
+                    <m:oMath xmlns:m="http://schemas.openxmlformats.org/officeDocument/2006/math">
+                      <m:r>
+                        <a:rPr kumimoji="1" lang="en-US" altLang="ja-JP" b="0" i="1" smtClean="0">
+                          <a:latin typeface="Cambria Math" panose="02040503050406030204" pitchFamily="18" charset="0"/>
+                        </a:rPr>
+                        <m:t>𝑥</m:t>
+                      </m:r>
+                      <m:r>
+                        <a:rPr kumimoji="1" lang="en-US" altLang="ja-JP" b="0" i="1" smtClean="0">
+                          <a:latin typeface="Cambria Math" panose="02040503050406030204" pitchFamily="18" charset="0"/>
+                        </a:rPr>
+                        <m:t>=001011001</m:t>
+                      </m:r>
+                    </m:oMath>
+                  </m:oMathPara>
+                </a14:m>
+                <a:endParaRPr kumimoji="1" lang="ja-JP" altLang="en-US" dirty="0"/>
+              </a:p>
+            </p:txBody>
+          </p:sp>
+        </mc:Choice>
+        <mc:Fallback xmlns="">
+          <p:sp>
+            <p:nvSpPr>
+              <p:cNvPr id="6" name="テキスト ボックス 5">
+                <a:extLst>
+                  <a:ext uri="{FF2B5EF4-FFF2-40B4-BE49-F238E27FC236}">
+                    <a16:creationId xmlns:a16="http://schemas.microsoft.com/office/drawing/2014/main" id="{3179AEA0-D1B0-4C38-9D58-4327E32BC4D5}"/>
+                  </a:ext>
+                </a:extLst>
+              </p:cNvPr>
+              <p:cNvSpPr txBox="1">
+                <a:spLocks noRot="1" noChangeAspect="1" noMove="1" noResize="1" noEditPoints="1" noAdjustHandles="1" noChangeArrowheads="1" noChangeShapeType="1" noTextEdit="1"/>
+              </p:cNvSpPr>
+              <p:nvPr/>
+            </p:nvSpPr>
+            <p:spPr>
+              <a:xfrm>
+                <a:off x="833717" y="3142112"/>
+                <a:ext cx="1775012" cy="369332"/>
+              </a:xfrm>
+              <a:prstGeom prst="rect">
+                <a:avLst/>
+              </a:prstGeom>
+              <a:blipFill>
+                <a:blip r:embed="rId3"/>
+                <a:stretch>
+                  <a:fillRect/>
+                </a:stretch>
+              </a:blipFill>
+            </p:spPr>
+            <p:txBody>
+              <a:bodyPr/>
+              <a:lstStyle/>
+              <a:p>
+                <a:r>
+                  <a:rPr lang="ja-JP" altLang="en-US">
+                    <a:noFill/>
+                  </a:rPr>
+                  <a:t> </a:t>
+                </a:r>
+              </a:p>
+            </p:txBody>
+          </p:sp>
+        </mc:Fallback>
+      </mc:AlternateContent>
+      <p:sp>
+        <p:nvSpPr>
+          <p:cNvPr id="7" name="テキスト ボックス 6">
+            <a:extLst>
+              <a:ext uri="{FF2B5EF4-FFF2-40B4-BE49-F238E27FC236}">
+                <a16:creationId xmlns:a16="http://schemas.microsoft.com/office/drawing/2014/main" id="{697266B6-3581-4418-BFBD-A9A9D305113A}"/>
+              </a:ext>
+            </a:extLst>
+          </p:cNvPr>
+          <p:cNvSpPr txBox="1"/>
+          <p:nvPr/>
+        </p:nvSpPr>
+        <p:spPr>
+          <a:xfrm>
+            <a:off x="6284259" y="2680447"/>
+            <a:ext cx="896471" cy="461665"/>
+          </a:xfrm>
+          <a:prstGeom prst="rect">
+            <a:avLst/>
+          </a:prstGeom>
+          <a:noFill/>
+        </p:spPr>
+        <p:txBody>
+          <a:bodyPr wrap="square" rtlCol="0">
+            <a:spAutoFit/>
+          </a:bodyPr>
+          <a:lstStyle/>
+          <a:p>
+            <a:pPr algn="ctr"/>
+            <a:r>
+              <a:rPr lang="en-US" altLang="ja-JP" sz="2400" dirty="0"/>
+              <a:t>Bob</a:t>
+            </a:r>
+            <a:endParaRPr kumimoji="1" lang="ja-JP" altLang="en-US" sz="2400" dirty="0"/>
+          </a:p>
+        </p:txBody>
+      </p:sp>
+      <p:sp>
+        <p:nvSpPr>
+          <p:cNvPr id="8" name="正方形/長方形 7">
+            <a:extLst>
+              <a:ext uri="{FF2B5EF4-FFF2-40B4-BE49-F238E27FC236}">
+                <a16:creationId xmlns:a16="http://schemas.microsoft.com/office/drawing/2014/main" id="{DFAC4876-C0DA-4436-B842-D697F7B606D2}"/>
+              </a:ext>
+            </a:extLst>
+          </p:cNvPr>
+          <p:cNvSpPr/>
+          <p:nvPr/>
+        </p:nvSpPr>
+        <p:spPr>
+          <a:xfrm>
+            <a:off x="6284259" y="2680447"/>
+            <a:ext cx="896471" cy="376518"/>
+          </a:xfrm>
+          <a:prstGeom prst="rect">
+            <a:avLst/>
+          </a:prstGeom>
+          <a:ln w="9525">
+            <a:solidFill>
+              <a:schemeClr val="tx1"/>
+            </a:solidFill>
+          </a:ln>
+        </p:spPr>
+        <p:style>
+          <a:lnRef idx="1">
+            <a:schemeClr val="accent1"/>
+          </a:lnRef>
+          <a:fillRef idx="0">
+            <a:schemeClr val="accent1"/>
+          </a:fillRef>
+          <a:effectRef idx="0">
+            <a:schemeClr val="accent1"/>
+          </a:effectRef>
+          <a:fontRef idx="minor">
+            <a:schemeClr val="tx1"/>
+          </a:fontRef>
+        </p:style>
+        <p:txBody>
+          <a:bodyPr rtlCol="0" anchor="ctr"/>
+          <a:lstStyle/>
+          <a:p>
+            <a:pPr algn="ctr"/>
+            <a:endParaRPr kumimoji="1" lang="ja-JP" altLang="en-US"/>
+          </a:p>
+        </p:txBody>
+      </p:sp>
+      <mc:AlternateContent xmlns:mc="http://schemas.openxmlformats.org/markup-compatibility/2006" xmlns:a14="http://schemas.microsoft.com/office/drawing/2010/main">
+        <mc:Choice Requires="a14">
+          <p:sp>
+            <p:nvSpPr>
+              <p:cNvPr id="9" name="テキスト ボックス 8">
+                <a:extLst>
+                  <a:ext uri="{FF2B5EF4-FFF2-40B4-BE49-F238E27FC236}">
+                    <a16:creationId xmlns:a16="http://schemas.microsoft.com/office/drawing/2014/main" id="{E261C578-9A07-48CD-B1C4-B2FE371D00D2}"/>
+                  </a:ext>
+                </a:extLst>
+              </p:cNvPr>
+              <p:cNvSpPr txBox="1"/>
+              <p:nvPr/>
+            </p:nvSpPr>
+            <p:spPr>
+              <a:xfrm>
+                <a:off x="5844988" y="3142112"/>
+                <a:ext cx="1775012" cy="369332"/>
+              </a:xfrm>
+              <a:prstGeom prst="rect">
+                <a:avLst/>
+              </a:prstGeom>
+              <a:noFill/>
+            </p:spPr>
+            <p:txBody>
+              <a:bodyPr wrap="square" rtlCol="0">
+                <a:spAutoFit/>
+              </a:bodyPr>
+              <a:lstStyle/>
+              <a:p>
+                <a:pPr/>
+                <a14:m>
+                  <m:oMathPara xmlns:m="http://schemas.openxmlformats.org/officeDocument/2006/math">
+                    <m:oMathParaPr>
+                      <m:jc m:val="centerGroup"/>
+                    </m:oMathParaPr>
+                    <m:oMath xmlns:m="http://schemas.openxmlformats.org/officeDocument/2006/math">
+                      <m:r>
+                        <a:rPr kumimoji="1" lang="en-US" altLang="ja-JP" b="0" i="1" smtClean="0">
+                          <a:latin typeface="Cambria Math" panose="02040503050406030204" pitchFamily="18" charset="0"/>
+                        </a:rPr>
+                        <m:t>𝑦</m:t>
+                      </m:r>
+                      <m:r>
+                        <a:rPr kumimoji="1" lang="en-US" altLang="ja-JP" b="0" i="1" smtClean="0">
+                          <a:latin typeface="Cambria Math" panose="02040503050406030204" pitchFamily="18" charset="0"/>
+                        </a:rPr>
+                        <m:t>=001101010</m:t>
+                      </m:r>
+                    </m:oMath>
+                  </m:oMathPara>
+                </a14:m>
+                <a:endParaRPr kumimoji="1" lang="ja-JP" altLang="en-US" dirty="0"/>
+              </a:p>
+            </p:txBody>
+          </p:sp>
+        </mc:Choice>
+        <mc:Fallback xmlns="">
+          <p:sp>
+            <p:nvSpPr>
+              <p:cNvPr id="9" name="テキスト ボックス 8">
+                <a:extLst>
+                  <a:ext uri="{FF2B5EF4-FFF2-40B4-BE49-F238E27FC236}">
+                    <a16:creationId xmlns:a16="http://schemas.microsoft.com/office/drawing/2014/main" id="{E261C578-9A07-48CD-B1C4-B2FE371D00D2}"/>
+                  </a:ext>
+                </a:extLst>
+              </p:cNvPr>
+              <p:cNvSpPr txBox="1">
+                <a:spLocks noRot="1" noChangeAspect="1" noMove="1" noResize="1" noEditPoints="1" noAdjustHandles="1" noChangeArrowheads="1" noChangeShapeType="1" noTextEdit="1"/>
+              </p:cNvSpPr>
+              <p:nvPr/>
+            </p:nvSpPr>
+            <p:spPr>
+              <a:xfrm>
+                <a:off x="5844988" y="3142112"/>
+                <a:ext cx="1775012" cy="369332"/>
+              </a:xfrm>
+              <a:prstGeom prst="rect">
+                <a:avLst/>
+              </a:prstGeom>
+              <a:blipFill>
+                <a:blip r:embed="rId4"/>
+                <a:stretch>
+                  <a:fillRect b="-3279"/>
+                </a:stretch>
+              </a:blipFill>
+            </p:spPr>
+            <p:txBody>
+              <a:bodyPr/>
+              <a:lstStyle/>
+              <a:p>
+                <a:r>
+                  <a:rPr lang="ja-JP" altLang="en-US">
+                    <a:noFill/>
+                  </a:rPr>
+                  <a:t> </a:t>
+                </a:r>
+              </a:p>
+            </p:txBody>
+          </p:sp>
+        </mc:Fallback>
+      </mc:AlternateContent>
+      <p:sp>
+        <p:nvSpPr>
+          <p:cNvPr id="10" name="矢印: 左右 9">
+            <a:extLst>
+              <a:ext uri="{FF2B5EF4-FFF2-40B4-BE49-F238E27FC236}">
+                <a16:creationId xmlns:a16="http://schemas.microsoft.com/office/drawing/2014/main" id="{4C85541E-1FA4-4BBD-9FC1-68FE037D145A}"/>
+              </a:ext>
+            </a:extLst>
+          </p:cNvPr>
+          <p:cNvSpPr/>
+          <p:nvPr/>
+        </p:nvSpPr>
+        <p:spPr>
+          <a:xfrm>
+            <a:off x="3411070" y="2685819"/>
+            <a:ext cx="1649506" cy="667853"/>
+          </a:xfrm>
+          <a:prstGeom prst="leftRightArrow">
+            <a:avLst/>
+          </a:prstGeom>
+          <a:solidFill>
+            <a:schemeClr val="accent2">
+              <a:lumMod val="60000"/>
+              <a:lumOff val="40000"/>
+            </a:schemeClr>
+          </a:solidFill>
+          <a:ln w="28575">
+            <a:solidFill>
+              <a:schemeClr val="tx1"/>
+            </a:solidFill>
+          </a:ln>
+        </p:spPr>
+        <p:style>
+          <a:lnRef idx="1">
+            <a:schemeClr val="accent1"/>
+          </a:lnRef>
+          <a:fillRef idx="0">
+            <a:schemeClr val="accent1"/>
+          </a:fillRef>
+          <a:effectRef idx="0">
+            <a:schemeClr val="accent1"/>
+          </a:effectRef>
+          <a:fontRef idx="minor">
+            <a:schemeClr val="tx1"/>
+          </a:fontRef>
+        </p:style>
+        <p:txBody>
+          <a:bodyPr rtlCol="0" anchor="ctr"/>
+          <a:lstStyle/>
+          <a:p>
+            <a:pPr algn="ctr"/>
+            <a:endParaRPr kumimoji="1" lang="ja-JP" altLang="en-US"/>
+          </a:p>
+        </p:txBody>
+      </p:sp>
+      <p:sp>
+        <p:nvSpPr>
+          <p:cNvPr id="11" name="テキスト ボックス 10">
+            <a:extLst>
+              <a:ext uri="{FF2B5EF4-FFF2-40B4-BE49-F238E27FC236}">
+                <a16:creationId xmlns:a16="http://schemas.microsoft.com/office/drawing/2014/main" id="{7D773926-60EC-4CC3-ACED-0D85CAAC2A04}"/>
+              </a:ext>
+            </a:extLst>
+          </p:cNvPr>
+          <p:cNvSpPr txBox="1"/>
+          <p:nvPr/>
+        </p:nvSpPr>
+        <p:spPr>
+          <a:xfrm>
+            <a:off x="3958851" y="2868706"/>
+            <a:ext cx="707278" cy="369332"/>
+          </a:xfrm>
+          <a:prstGeom prst="rect">
+            <a:avLst/>
+          </a:prstGeom>
+          <a:noFill/>
+        </p:spPr>
+        <p:txBody>
+          <a:bodyPr wrap="square" rtlCol="0">
+            <a:spAutoFit/>
+          </a:bodyPr>
+          <a:lstStyle/>
+          <a:p>
+            <a:r>
+              <a:rPr kumimoji="1" lang="ja-JP" altLang="en-US" dirty="0"/>
+              <a:t>通信</a:t>
+            </a:r>
+          </a:p>
+        </p:txBody>
+      </p:sp>
+    </p:spTree>
+    <p:extLst>
+      <p:ext uri="{BB962C8B-B14F-4D97-AF65-F5344CB8AC3E}">
+        <p14:creationId xmlns:p14="http://schemas.microsoft.com/office/powerpoint/2010/main" val="1169318554"/>
+      </p:ext>
+    </p:extLst>
+  </p:cSld>
+  <p:clrMapOvr>
+    <a:masterClrMapping/>
+  </p:clrMapOvr>
+</p:sld>
+</file>
+
+<file path=ppt/slides/slide11.xml><?xml version="1.0" encoding="utf-8"?>
+<p:sld xmlns:a="http://schemas.openxmlformats.org/drawingml/2006/main" xmlns:r="http://schemas.openxmlformats.org/officeDocument/2006/relationships" xmlns:p="http://schemas.openxmlformats.org/presentationml/2006/main">
+  <p:cSld>
+    <p:spTree>
+      <p:nvGrpSpPr>
+        <p:cNvPr id="1" name=""/>
+        <p:cNvGrpSpPr/>
+        <p:nvPr/>
+      </p:nvGrpSpPr>
+      <p:grpSpPr>
+        <a:xfrm>
+          <a:off x="0" y="0"/>
+          <a:ext cx="0" cy="0"/>
+          <a:chOff x="0" y="0"/>
+          <a:chExt cx="0" cy="0"/>
+        </a:xfrm>
+      </p:grpSpPr>
+      <p:sp>
+        <p:nvSpPr>
+          <p:cNvPr id="2" name="タイトル 1">
+            <a:extLst>
+              <a:ext uri="{FF2B5EF4-FFF2-40B4-BE49-F238E27FC236}">
+                <a16:creationId xmlns:a16="http://schemas.microsoft.com/office/drawing/2014/main" id="{89B5080C-4114-4489-B9C1-0956A90971FF}"/>
+              </a:ext>
+            </a:extLst>
+          </p:cNvPr>
+          <p:cNvSpPr>
+            <a:spLocks noGrp="1"/>
+          </p:cNvSpPr>
+          <p:nvPr>
+            <p:ph type="title"/>
+          </p:nvPr>
+        </p:nvSpPr>
+        <p:spPr/>
+        <p:txBody>
+          <a:bodyPr/>
+          <a:lstStyle/>
+          <a:p>
+            <a:r>
+              <a:rPr lang="ja-JP" altLang="en-US" dirty="0"/>
+              <a:t>交叉判定問題</a:t>
+            </a:r>
+            <a:endParaRPr kumimoji="1" lang="ja-JP" altLang="en-US" dirty="0"/>
+          </a:p>
+        </p:txBody>
+      </p:sp>
+      <mc:AlternateContent xmlns:mc="http://schemas.openxmlformats.org/markup-compatibility/2006" xmlns:a14="http://schemas.microsoft.com/office/drawing/2010/main">
+        <mc:Choice Requires="a14">
+          <p:sp>
+            <p:nvSpPr>
+              <p:cNvPr id="3" name="コンテンツ プレースホルダー 2">
+                <a:extLst>
+                  <a:ext uri="{FF2B5EF4-FFF2-40B4-BE49-F238E27FC236}">
+                    <a16:creationId xmlns:a16="http://schemas.microsoft.com/office/drawing/2014/main" id="{8740F7D8-D5CB-4078-8165-961AC04E5531}"/>
+                  </a:ext>
+                </a:extLst>
+              </p:cNvPr>
+              <p:cNvSpPr>
+                <a:spLocks noGrp="1"/>
+              </p:cNvSpPr>
+              <p:nvPr>
+                <p:ph sz="quarter" idx="1"/>
+              </p:nvPr>
+            </p:nvSpPr>
+            <p:spPr/>
+            <p:txBody>
+              <a:bodyPr/>
+              <a:lstStyle/>
+              <a:p>
+                <a:r>
+                  <a:rPr kumimoji="1" lang="en-US" altLang="ja-JP" dirty="0"/>
+                  <a:t>Alice </a:t>
+                </a:r>
+                <a:r>
+                  <a:rPr kumimoji="1" lang="ja-JP" altLang="en-US" dirty="0"/>
+                  <a:t>と </a:t>
+                </a:r>
+                <a:r>
+                  <a:rPr kumimoji="1" lang="en-US" altLang="ja-JP" dirty="0"/>
+                  <a:t>Bob</a:t>
+                </a:r>
+                <a:r>
+                  <a:rPr kumimoji="1" lang="ja-JP" altLang="en-US" dirty="0"/>
+                  <a:t>の</a:t>
+                </a:r>
+                <a:r>
+                  <a:rPr kumimoji="1" lang="en-US" altLang="ja-JP" dirty="0"/>
+                  <a:t>2</a:t>
+                </a:r>
+                <a:r>
+                  <a:rPr kumimoji="1" lang="ja-JP" altLang="en-US" dirty="0"/>
+                  <a:t>人のプレイヤーがいてそれぞれが</a:t>
+                </a:r>
+                <a:br>
+                  <a:rPr kumimoji="1" lang="en-US" altLang="ja-JP" dirty="0"/>
+                </a:br>
+                <a14:m>
+                  <m:oMath xmlns:m="http://schemas.openxmlformats.org/officeDocument/2006/math">
+                    <m:r>
+                      <a:rPr kumimoji="1" lang="en-US" altLang="ja-JP" b="0" i="1" smtClean="0">
+                        <a:latin typeface="Cambria Math" panose="02040503050406030204" pitchFamily="18" charset="0"/>
+                      </a:rPr>
+                      <m:t>𝑛</m:t>
+                    </m:r>
+                  </m:oMath>
+                </a14:m>
+                <a:r>
+                  <a:rPr kumimoji="1" lang="ja-JP" altLang="en-US" dirty="0"/>
+                  <a:t>ビットのデータ列</a:t>
+                </a:r>
+                <a14:m>
+                  <m:oMath xmlns:m="http://schemas.openxmlformats.org/officeDocument/2006/math">
+                    <m:r>
+                      <a:rPr kumimoji="1" lang="en-US" altLang="ja-JP" b="0" i="1" smtClean="0">
+                        <a:latin typeface="Cambria Math" panose="02040503050406030204" pitchFamily="18" charset="0"/>
+                      </a:rPr>
+                      <m:t>𝑥</m:t>
+                    </m:r>
+                    <m:r>
+                      <a:rPr kumimoji="1" lang="en-US" altLang="ja-JP" b="0" i="1" smtClean="0">
+                        <a:latin typeface="Cambria Math" panose="02040503050406030204" pitchFamily="18" charset="0"/>
+                      </a:rPr>
+                      <m:t>, </m:t>
+                    </m:r>
+                    <m:r>
+                      <a:rPr kumimoji="1" lang="en-US" altLang="ja-JP" b="0" i="1" smtClean="0">
+                        <a:latin typeface="Cambria Math" panose="02040503050406030204" pitchFamily="18" charset="0"/>
+                      </a:rPr>
+                      <m:t>𝑦</m:t>
+                    </m:r>
+                  </m:oMath>
+                </a14:m>
+                <a:r>
+                  <a:rPr kumimoji="1" lang="ja-JP" altLang="en-US" dirty="0"/>
+                  <a:t>を持っている</a:t>
+                </a:r>
+                <a:endParaRPr kumimoji="1" lang="en-US" altLang="ja-JP" dirty="0"/>
+              </a:p>
+              <a:p>
+                <a:endParaRPr kumimoji="1" lang="en-US" altLang="ja-JP" dirty="0"/>
+              </a:p>
+              <a:p>
+                <a:endParaRPr lang="en-US" altLang="ja-JP" dirty="0"/>
+              </a:p>
+              <a:p>
+                <a:endParaRPr kumimoji="1" lang="en-US" altLang="ja-JP" dirty="0"/>
+              </a:p>
+              <a:p>
+                <a:endParaRPr kumimoji="1" lang="en-US" altLang="ja-JP" dirty="0"/>
+              </a:p>
+              <a:p>
+                <a:pPr lvl="1"/>
+                <a:r>
+                  <a:rPr kumimoji="1" lang="en-US" altLang="ja-JP" dirty="0"/>
+                  <a:t>2</a:t>
+                </a:r>
+                <a:r>
+                  <a:rPr kumimoji="1" lang="ja-JP" altLang="en-US" dirty="0"/>
+                  <a:t>人が共通のアイテムを持つか？</a:t>
+                </a:r>
+                <a:br>
+                  <a:rPr kumimoji="1" lang="en-US" altLang="ja-JP" dirty="0"/>
+                </a:br>
+                <a14:m>
+                  <m:oMath xmlns:m="http://schemas.openxmlformats.org/officeDocument/2006/math">
+                    <m:r>
+                      <a:rPr kumimoji="1" lang="en-US" altLang="ja-JP" i="1" smtClean="0">
+                        <a:latin typeface="Cambria Math" panose="02040503050406030204" pitchFamily="18" charset="0"/>
+                        <a:ea typeface="Cambria Math" panose="02040503050406030204" pitchFamily="18" charset="0"/>
+                      </a:rPr>
+                      <m:t>↔</m:t>
+                    </m:r>
+                    <m:sSub>
+                      <m:sSubPr>
+                        <m:ctrlPr>
+                          <a:rPr kumimoji="1" lang="en-US" altLang="ja-JP" b="0" i="1" smtClean="0">
+                            <a:latin typeface="Cambria Math" panose="02040503050406030204" pitchFamily="18" charset="0"/>
+                          </a:rPr>
+                        </m:ctrlPr>
+                      </m:sSubPr>
+                      <m:e>
+                        <m:r>
+                          <a:rPr kumimoji="1" lang="en-US" altLang="ja-JP" b="0" i="1" smtClean="0">
+                            <a:latin typeface="Cambria Math" panose="02040503050406030204" pitchFamily="18" charset="0"/>
+                          </a:rPr>
+                          <m:t>𝑥</m:t>
+                        </m:r>
+                      </m:e>
+                      <m:sub>
+                        <m:r>
+                          <a:rPr kumimoji="1" lang="en-US" altLang="ja-JP" b="0" i="1" smtClean="0">
+                            <a:latin typeface="Cambria Math" panose="02040503050406030204" pitchFamily="18" charset="0"/>
+                          </a:rPr>
+                          <m:t>𝑖</m:t>
+                        </m:r>
+                      </m:sub>
+                    </m:sSub>
+                    <m:r>
+                      <a:rPr kumimoji="1" lang="en-US" altLang="ja-JP" b="0" i="1" smtClean="0">
+                        <a:latin typeface="Cambria Math" panose="02040503050406030204" pitchFamily="18" charset="0"/>
+                      </a:rPr>
+                      <m:t>, </m:t>
+                    </m:r>
+                    <m:sSub>
+                      <m:sSubPr>
+                        <m:ctrlPr>
+                          <a:rPr kumimoji="1" lang="en-US" altLang="ja-JP" b="0" i="1" smtClean="0">
+                            <a:latin typeface="Cambria Math" panose="02040503050406030204" pitchFamily="18" charset="0"/>
+                          </a:rPr>
+                        </m:ctrlPr>
+                      </m:sSubPr>
+                      <m:e>
+                        <m:r>
+                          <a:rPr kumimoji="1" lang="en-US" altLang="ja-JP" b="0" i="1" smtClean="0">
+                            <a:latin typeface="Cambria Math" panose="02040503050406030204" pitchFamily="18" charset="0"/>
+                          </a:rPr>
+                          <m:t>𝑦</m:t>
+                        </m:r>
+                      </m:e>
+                      <m:sub>
+                        <m:r>
+                          <a:rPr kumimoji="1" lang="en-US" altLang="ja-JP" b="0" i="1" smtClean="0">
+                            <a:latin typeface="Cambria Math" panose="02040503050406030204" pitchFamily="18" charset="0"/>
+                          </a:rPr>
+                          <m:t>𝑖</m:t>
+                        </m:r>
+                      </m:sub>
+                    </m:sSub>
+                    <m:r>
+                      <a:rPr kumimoji="1" lang="en-US" altLang="ja-JP" b="0" i="1" smtClean="0">
+                        <a:latin typeface="Cambria Math" panose="02040503050406030204" pitchFamily="18" charset="0"/>
+                      </a:rPr>
+                      <m:t>=1</m:t>
+                    </m:r>
+                  </m:oMath>
+                </a14:m>
+                <a:r>
+                  <a:rPr kumimoji="1" lang="ja-JP" altLang="en-US" dirty="0"/>
+                  <a:t>となる</a:t>
+                </a:r>
+                <a14:m>
+                  <m:oMath xmlns:m="http://schemas.openxmlformats.org/officeDocument/2006/math">
+                    <m:r>
+                      <a:rPr kumimoji="1" lang="en-US" altLang="ja-JP" b="0" i="1" smtClean="0">
+                        <a:latin typeface="Cambria Math" panose="02040503050406030204" pitchFamily="18" charset="0"/>
+                      </a:rPr>
+                      <m:t>𝑖</m:t>
+                    </m:r>
+                    <m:r>
+                      <a:rPr kumimoji="1" lang="en-US" altLang="ja-JP" b="0" i="1" smtClean="0">
+                        <a:latin typeface="Cambria Math" panose="02040503050406030204" pitchFamily="18" charset="0"/>
+                        <a:ea typeface="Cambria Math" panose="02040503050406030204" pitchFamily="18" charset="0"/>
+                      </a:rPr>
+                      <m:t>∈</m:t>
+                    </m:r>
+                    <m:d>
+                      <m:dPr>
+                        <m:begChr m:val="["/>
+                        <m:endChr m:val="]"/>
+                        <m:ctrlPr>
+                          <a:rPr kumimoji="1" lang="en-US" altLang="ja-JP" b="0" i="1" smtClean="0">
+                            <a:latin typeface="Cambria Math" panose="02040503050406030204" pitchFamily="18" charset="0"/>
+                            <a:ea typeface="Cambria Math" panose="02040503050406030204" pitchFamily="18" charset="0"/>
+                          </a:rPr>
+                        </m:ctrlPr>
+                      </m:dPr>
+                      <m:e>
+                        <m:r>
+                          <a:rPr kumimoji="1" lang="en-US" altLang="ja-JP" b="0" i="1" smtClean="0">
+                            <a:latin typeface="Cambria Math" panose="02040503050406030204" pitchFamily="18" charset="0"/>
+                            <a:ea typeface="Cambria Math" panose="02040503050406030204" pitchFamily="18" charset="0"/>
+                          </a:rPr>
+                          <m:t>𝑛</m:t>
+                        </m:r>
+                      </m:e>
+                    </m:d>
+                  </m:oMath>
+                </a14:m>
+                <a:r>
+                  <a:rPr kumimoji="1" lang="ja-JP" altLang="en-US" dirty="0"/>
+                  <a:t>が存在するか？</a:t>
+                </a:r>
+              </a:p>
+            </p:txBody>
+          </p:sp>
+        </mc:Choice>
+        <mc:Fallback xmlns="">
+          <p:sp>
+            <p:nvSpPr>
+              <p:cNvPr id="3" name="コンテンツ プレースホルダー 2">
+                <a:extLst>
+                  <a:ext uri="{FF2B5EF4-FFF2-40B4-BE49-F238E27FC236}">
+                    <a16:creationId xmlns:a16="http://schemas.microsoft.com/office/drawing/2014/main" id="{8740F7D8-D5CB-4078-8165-961AC04E5531}"/>
+                  </a:ext>
+                </a:extLst>
+              </p:cNvPr>
+              <p:cNvSpPr>
+                <a:spLocks noGrp="1" noRot="1" noChangeAspect="1" noMove="1" noResize="1" noEditPoints="1" noAdjustHandles="1" noChangeArrowheads="1" noChangeShapeType="1" noTextEdit="1"/>
+              </p:cNvSpPr>
+              <p:nvPr>
+                <p:ph sz="quarter" idx="1"/>
+              </p:nvPr>
+            </p:nvSpPr>
+            <p:spPr>
+              <a:blipFill>
+                <a:blip r:embed="rId2"/>
+                <a:stretch>
+                  <a:fillRect l="-139" t="-928"/>
+                </a:stretch>
+              </a:blipFill>
+            </p:spPr>
+            <p:txBody>
+              <a:bodyPr/>
+              <a:lstStyle/>
+              <a:p>
+                <a:r>
+                  <a:rPr lang="ja-JP" altLang="en-US">
+                    <a:noFill/>
+                  </a:rPr>
+                  <a:t> </a:t>
+                </a:r>
+              </a:p>
+            </p:txBody>
+          </p:sp>
+        </mc:Fallback>
+      </mc:AlternateContent>
+      <p:sp>
+        <p:nvSpPr>
+          <p:cNvPr id="4" name="テキスト ボックス 3">
+            <a:extLst>
+              <a:ext uri="{FF2B5EF4-FFF2-40B4-BE49-F238E27FC236}">
+                <a16:creationId xmlns:a16="http://schemas.microsoft.com/office/drawing/2014/main" id="{5A21E651-0A96-436B-83BC-D65D6F11E990}"/>
+              </a:ext>
+            </a:extLst>
+          </p:cNvPr>
+          <p:cNvSpPr txBox="1"/>
+          <p:nvPr/>
+        </p:nvSpPr>
+        <p:spPr>
+          <a:xfrm>
+            <a:off x="1272988" y="2151528"/>
+            <a:ext cx="896471" cy="461665"/>
+          </a:xfrm>
+          <a:prstGeom prst="rect">
+            <a:avLst/>
+          </a:prstGeom>
+          <a:noFill/>
+        </p:spPr>
+        <p:txBody>
+          <a:bodyPr wrap="square" rtlCol="0">
+            <a:spAutoFit/>
+          </a:bodyPr>
+          <a:lstStyle/>
+          <a:p>
+            <a:r>
+              <a:rPr kumimoji="1" lang="en-US" altLang="ja-JP" sz="2400" dirty="0"/>
+              <a:t>Alice</a:t>
+            </a:r>
+            <a:endParaRPr kumimoji="1" lang="ja-JP" altLang="en-US" sz="2400" dirty="0"/>
+          </a:p>
+        </p:txBody>
+      </p:sp>
+      <p:sp>
+        <p:nvSpPr>
+          <p:cNvPr id="5" name="正方形/長方形 4">
+            <a:extLst>
+              <a:ext uri="{FF2B5EF4-FFF2-40B4-BE49-F238E27FC236}">
+                <a16:creationId xmlns:a16="http://schemas.microsoft.com/office/drawing/2014/main" id="{F5718DBE-4B50-4CDA-88E3-E9F47D02A7C2}"/>
+              </a:ext>
+            </a:extLst>
+          </p:cNvPr>
+          <p:cNvSpPr/>
+          <p:nvPr/>
+        </p:nvSpPr>
+        <p:spPr>
+          <a:xfrm>
+            <a:off x="1272988" y="2151528"/>
+            <a:ext cx="896471" cy="376518"/>
+          </a:xfrm>
+          <a:prstGeom prst="rect">
+            <a:avLst/>
+          </a:prstGeom>
+          <a:ln w="9525">
+            <a:solidFill>
+              <a:schemeClr val="tx1"/>
+            </a:solidFill>
+          </a:ln>
+        </p:spPr>
+        <p:style>
+          <a:lnRef idx="1">
+            <a:schemeClr val="accent1"/>
+          </a:lnRef>
+          <a:fillRef idx="0">
+            <a:schemeClr val="accent1"/>
+          </a:fillRef>
+          <a:effectRef idx="0">
+            <a:schemeClr val="accent1"/>
+          </a:effectRef>
+          <a:fontRef idx="minor">
+            <a:schemeClr val="tx1"/>
+          </a:fontRef>
+        </p:style>
+        <p:txBody>
+          <a:bodyPr rtlCol="0" anchor="ctr"/>
+          <a:lstStyle/>
+          <a:p>
+            <a:pPr algn="ctr"/>
+            <a:endParaRPr kumimoji="1" lang="ja-JP" altLang="en-US"/>
+          </a:p>
+        </p:txBody>
+      </p:sp>
+      <mc:AlternateContent xmlns:mc="http://schemas.openxmlformats.org/markup-compatibility/2006" xmlns:a14="http://schemas.microsoft.com/office/drawing/2010/main">
+        <mc:Choice Requires="a14">
+          <p:sp>
+            <p:nvSpPr>
+              <p:cNvPr id="6" name="テキスト ボックス 5">
+                <a:extLst>
+                  <a:ext uri="{FF2B5EF4-FFF2-40B4-BE49-F238E27FC236}">
+                    <a16:creationId xmlns:a16="http://schemas.microsoft.com/office/drawing/2014/main" id="{3179AEA0-D1B0-4C38-9D58-4327E32BC4D5}"/>
+                  </a:ext>
+                </a:extLst>
+              </p:cNvPr>
+              <p:cNvSpPr txBox="1"/>
+              <p:nvPr/>
+            </p:nvSpPr>
+            <p:spPr>
+              <a:xfrm>
+                <a:off x="833717" y="2613193"/>
+                <a:ext cx="1775012" cy="369332"/>
+              </a:xfrm>
+              <a:prstGeom prst="rect">
+                <a:avLst/>
+              </a:prstGeom>
+              <a:noFill/>
+            </p:spPr>
+            <p:txBody>
+              <a:bodyPr wrap="square" rtlCol="0">
+                <a:spAutoFit/>
+              </a:bodyPr>
+              <a:lstStyle/>
+              <a:p>
+                <a:pPr/>
+                <a14:m>
+                  <m:oMathPara xmlns:m="http://schemas.openxmlformats.org/officeDocument/2006/math">
+                    <m:oMathParaPr>
+                      <m:jc m:val="centerGroup"/>
+                    </m:oMathParaPr>
+                    <m:oMath xmlns:m="http://schemas.openxmlformats.org/officeDocument/2006/math">
+                      <m:r>
+                        <a:rPr kumimoji="1" lang="en-US" altLang="ja-JP" b="0" i="1" smtClean="0">
+                          <a:latin typeface="Cambria Math" panose="02040503050406030204" pitchFamily="18" charset="0"/>
+                        </a:rPr>
+                        <m:t>𝑥</m:t>
+                      </m:r>
+                      <m:r>
+                        <a:rPr kumimoji="1" lang="en-US" altLang="ja-JP" b="0" i="1" smtClean="0">
+                          <a:latin typeface="Cambria Math" panose="02040503050406030204" pitchFamily="18" charset="0"/>
+                        </a:rPr>
+                        <m:t>=001011001</m:t>
+                      </m:r>
+                    </m:oMath>
+                  </m:oMathPara>
+                </a14:m>
+                <a:endParaRPr kumimoji="1" lang="ja-JP" altLang="en-US" dirty="0"/>
+              </a:p>
+            </p:txBody>
+          </p:sp>
+        </mc:Choice>
+        <mc:Fallback xmlns="">
+          <p:sp>
+            <p:nvSpPr>
+              <p:cNvPr id="6" name="テキスト ボックス 5">
+                <a:extLst>
+                  <a:ext uri="{FF2B5EF4-FFF2-40B4-BE49-F238E27FC236}">
+                    <a16:creationId xmlns:a16="http://schemas.microsoft.com/office/drawing/2014/main" id="{3179AEA0-D1B0-4C38-9D58-4327E32BC4D5}"/>
+                  </a:ext>
+                </a:extLst>
+              </p:cNvPr>
+              <p:cNvSpPr txBox="1">
+                <a:spLocks noRot="1" noChangeAspect="1" noMove="1" noResize="1" noEditPoints="1" noAdjustHandles="1" noChangeArrowheads="1" noChangeShapeType="1" noTextEdit="1"/>
+              </p:cNvSpPr>
+              <p:nvPr/>
+            </p:nvSpPr>
+            <p:spPr>
+              <a:xfrm>
+                <a:off x="833717" y="2613193"/>
+                <a:ext cx="1775012" cy="369332"/>
+              </a:xfrm>
+              <a:prstGeom prst="rect">
+                <a:avLst/>
+              </a:prstGeom>
+              <a:blipFill>
+                <a:blip r:embed="rId3"/>
+                <a:stretch>
+                  <a:fillRect/>
+                </a:stretch>
+              </a:blipFill>
+            </p:spPr>
+            <p:txBody>
+              <a:bodyPr/>
+              <a:lstStyle/>
+              <a:p>
+                <a:r>
+                  <a:rPr lang="ja-JP" altLang="en-US">
+                    <a:noFill/>
+                  </a:rPr>
+                  <a:t> </a:t>
+                </a:r>
+              </a:p>
+            </p:txBody>
+          </p:sp>
+        </mc:Fallback>
+      </mc:AlternateContent>
+      <p:sp>
+        <p:nvSpPr>
+          <p:cNvPr id="7" name="テキスト ボックス 6">
+            <a:extLst>
+              <a:ext uri="{FF2B5EF4-FFF2-40B4-BE49-F238E27FC236}">
+                <a16:creationId xmlns:a16="http://schemas.microsoft.com/office/drawing/2014/main" id="{697266B6-3581-4418-BFBD-A9A9D305113A}"/>
+              </a:ext>
+            </a:extLst>
+          </p:cNvPr>
+          <p:cNvSpPr txBox="1"/>
+          <p:nvPr/>
+        </p:nvSpPr>
+        <p:spPr>
+          <a:xfrm>
+            <a:off x="6284259" y="2151528"/>
+            <a:ext cx="896471" cy="461665"/>
+          </a:xfrm>
+          <a:prstGeom prst="rect">
+            <a:avLst/>
+          </a:prstGeom>
+          <a:noFill/>
+        </p:spPr>
+        <p:txBody>
+          <a:bodyPr wrap="square" rtlCol="0">
+            <a:spAutoFit/>
+          </a:bodyPr>
+          <a:lstStyle/>
+          <a:p>
+            <a:pPr algn="ctr"/>
+            <a:r>
+              <a:rPr lang="en-US" altLang="ja-JP" sz="2400" dirty="0"/>
+              <a:t>Bob</a:t>
+            </a:r>
+            <a:endParaRPr kumimoji="1" lang="ja-JP" altLang="en-US" sz="2400" dirty="0"/>
+          </a:p>
+        </p:txBody>
+      </p:sp>
+      <p:sp>
+        <p:nvSpPr>
+          <p:cNvPr id="8" name="正方形/長方形 7">
+            <a:extLst>
+              <a:ext uri="{FF2B5EF4-FFF2-40B4-BE49-F238E27FC236}">
+                <a16:creationId xmlns:a16="http://schemas.microsoft.com/office/drawing/2014/main" id="{DFAC4876-C0DA-4436-B842-D697F7B606D2}"/>
+              </a:ext>
+            </a:extLst>
+          </p:cNvPr>
+          <p:cNvSpPr/>
+          <p:nvPr/>
+        </p:nvSpPr>
+        <p:spPr>
+          <a:xfrm>
+            <a:off x="6284259" y="2151528"/>
+            <a:ext cx="896471" cy="376518"/>
+          </a:xfrm>
+          <a:prstGeom prst="rect">
+            <a:avLst/>
+          </a:prstGeom>
+          <a:ln w="9525">
+            <a:solidFill>
+              <a:schemeClr val="tx1"/>
+            </a:solidFill>
+          </a:ln>
+        </p:spPr>
+        <p:style>
+          <a:lnRef idx="1">
+            <a:schemeClr val="accent1"/>
+          </a:lnRef>
+          <a:fillRef idx="0">
+            <a:schemeClr val="accent1"/>
+          </a:fillRef>
+          <a:effectRef idx="0">
+            <a:schemeClr val="accent1"/>
+          </a:effectRef>
+          <a:fontRef idx="minor">
+            <a:schemeClr val="tx1"/>
+          </a:fontRef>
+        </p:style>
+        <p:txBody>
+          <a:bodyPr rtlCol="0" anchor="ctr"/>
+          <a:lstStyle/>
+          <a:p>
+            <a:pPr algn="ctr"/>
+            <a:endParaRPr kumimoji="1" lang="ja-JP" altLang="en-US"/>
+          </a:p>
+        </p:txBody>
+      </p:sp>
+      <mc:AlternateContent xmlns:mc="http://schemas.openxmlformats.org/markup-compatibility/2006" xmlns:a14="http://schemas.microsoft.com/office/drawing/2010/main">
+        <mc:Choice Requires="a14">
+          <p:sp>
+            <p:nvSpPr>
+              <p:cNvPr id="9" name="テキスト ボックス 8">
+                <a:extLst>
+                  <a:ext uri="{FF2B5EF4-FFF2-40B4-BE49-F238E27FC236}">
+                    <a16:creationId xmlns:a16="http://schemas.microsoft.com/office/drawing/2014/main" id="{E261C578-9A07-48CD-B1C4-B2FE371D00D2}"/>
+                  </a:ext>
+                </a:extLst>
+              </p:cNvPr>
+              <p:cNvSpPr txBox="1"/>
+              <p:nvPr/>
+            </p:nvSpPr>
+            <p:spPr>
+              <a:xfrm>
+                <a:off x="5844988" y="2613193"/>
+                <a:ext cx="1775012" cy="369332"/>
+              </a:xfrm>
+              <a:prstGeom prst="rect">
+                <a:avLst/>
+              </a:prstGeom>
+              <a:noFill/>
+            </p:spPr>
+            <p:txBody>
+              <a:bodyPr wrap="square" rtlCol="0">
+                <a:spAutoFit/>
+              </a:bodyPr>
+              <a:lstStyle/>
+              <a:p>
+                <a:pPr/>
+                <a14:m>
+                  <m:oMathPara xmlns:m="http://schemas.openxmlformats.org/officeDocument/2006/math">
+                    <m:oMathParaPr>
+                      <m:jc m:val="centerGroup"/>
+                    </m:oMathParaPr>
+                    <m:oMath xmlns:m="http://schemas.openxmlformats.org/officeDocument/2006/math">
+                      <m:r>
+                        <a:rPr kumimoji="1" lang="en-US" altLang="ja-JP" b="0" i="1" smtClean="0">
+                          <a:latin typeface="Cambria Math" panose="02040503050406030204" pitchFamily="18" charset="0"/>
+                        </a:rPr>
+                        <m:t>𝑦</m:t>
+                      </m:r>
+                      <m:r>
+                        <a:rPr kumimoji="1" lang="en-US" altLang="ja-JP" b="0" i="1" smtClean="0">
+                          <a:latin typeface="Cambria Math" panose="02040503050406030204" pitchFamily="18" charset="0"/>
+                        </a:rPr>
+                        <m:t>=001101010</m:t>
+                      </m:r>
+                    </m:oMath>
+                  </m:oMathPara>
+                </a14:m>
+                <a:endParaRPr kumimoji="1" lang="ja-JP" altLang="en-US" dirty="0"/>
+              </a:p>
+            </p:txBody>
+          </p:sp>
+        </mc:Choice>
+        <mc:Fallback xmlns="">
+          <p:sp>
+            <p:nvSpPr>
+              <p:cNvPr id="9" name="テキスト ボックス 8">
+                <a:extLst>
+                  <a:ext uri="{FF2B5EF4-FFF2-40B4-BE49-F238E27FC236}">
+                    <a16:creationId xmlns:a16="http://schemas.microsoft.com/office/drawing/2014/main" id="{E261C578-9A07-48CD-B1C4-B2FE371D00D2}"/>
+                  </a:ext>
+                </a:extLst>
+              </p:cNvPr>
+              <p:cNvSpPr txBox="1">
+                <a:spLocks noRot="1" noChangeAspect="1" noMove="1" noResize="1" noEditPoints="1" noAdjustHandles="1" noChangeArrowheads="1" noChangeShapeType="1" noTextEdit="1"/>
+              </p:cNvSpPr>
+              <p:nvPr/>
+            </p:nvSpPr>
+            <p:spPr>
+              <a:xfrm>
+                <a:off x="5844988" y="2613193"/>
+                <a:ext cx="1775012" cy="369332"/>
+              </a:xfrm>
+              <a:prstGeom prst="rect">
+                <a:avLst/>
+              </a:prstGeom>
+              <a:blipFill>
+                <a:blip r:embed="rId4"/>
+                <a:stretch>
+                  <a:fillRect b="-3333"/>
+                </a:stretch>
+              </a:blipFill>
+            </p:spPr>
+            <p:txBody>
+              <a:bodyPr/>
+              <a:lstStyle/>
+              <a:p>
+                <a:r>
+                  <a:rPr lang="ja-JP" altLang="en-US">
+                    <a:noFill/>
+                  </a:rPr>
+                  <a:t> </a:t>
+                </a:r>
+              </a:p>
+            </p:txBody>
+          </p:sp>
+        </mc:Fallback>
+      </mc:AlternateContent>
+      <p:sp>
+        <p:nvSpPr>
+          <p:cNvPr id="10" name="矢印: 左右 9">
+            <a:extLst>
+              <a:ext uri="{FF2B5EF4-FFF2-40B4-BE49-F238E27FC236}">
+                <a16:creationId xmlns:a16="http://schemas.microsoft.com/office/drawing/2014/main" id="{4C85541E-1FA4-4BBD-9FC1-68FE037D145A}"/>
+              </a:ext>
+            </a:extLst>
+          </p:cNvPr>
+          <p:cNvSpPr/>
+          <p:nvPr/>
+        </p:nvSpPr>
+        <p:spPr>
+          <a:xfrm>
+            <a:off x="3411070" y="2156900"/>
+            <a:ext cx="1649506" cy="667853"/>
+          </a:xfrm>
+          <a:prstGeom prst="leftRightArrow">
+            <a:avLst/>
+          </a:prstGeom>
+          <a:solidFill>
+            <a:schemeClr val="accent2">
+              <a:lumMod val="60000"/>
+              <a:lumOff val="40000"/>
+            </a:schemeClr>
+          </a:solidFill>
+          <a:ln w="28575">
+            <a:solidFill>
+              <a:schemeClr val="tx1"/>
+            </a:solidFill>
+          </a:ln>
+        </p:spPr>
+        <p:style>
+          <a:lnRef idx="1">
+            <a:schemeClr val="accent1"/>
+          </a:lnRef>
+          <a:fillRef idx="0">
+            <a:schemeClr val="accent1"/>
+          </a:fillRef>
+          <a:effectRef idx="0">
+            <a:schemeClr val="accent1"/>
+          </a:effectRef>
+          <a:fontRef idx="minor">
+            <a:schemeClr val="tx1"/>
+          </a:fontRef>
+        </p:style>
+        <p:txBody>
+          <a:bodyPr rtlCol="0" anchor="ctr"/>
+          <a:lstStyle/>
+          <a:p>
+            <a:pPr algn="ctr"/>
+            <a:endParaRPr kumimoji="1" lang="ja-JP" altLang="en-US"/>
+          </a:p>
+        </p:txBody>
+      </p:sp>
+      <p:sp>
+        <p:nvSpPr>
+          <p:cNvPr id="11" name="テキスト ボックス 10">
+            <a:extLst>
+              <a:ext uri="{FF2B5EF4-FFF2-40B4-BE49-F238E27FC236}">
+                <a16:creationId xmlns:a16="http://schemas.microsoft.com/office/drawing/2014/main" id="{7D773926-60EC-4CC3-ACED-0D85CAAC2A04}"/>
+              </a:ext>
+            </a:extLst>
+          </p:cNvPr>
+          <p:cNvSpPr txBox="1"/>
+          <p:nvPr/>
+        </p:nvSpPr>
+        <p:spPr>
+          <a:xfrm>
+            <a:off x="3958851" y="2339787"/>
+            <a:ext cx="707278" cy="369332"/>
+          </a:xfrm>
+          <a:prstGeom prst="rect">
+            <a:avLst/>
+          </a:prstGeom>
+          <a:noFill/>
+        </p:spPr>
+        <p:txBody>
+          <a:bodyPr wrap="square" rtlCol="0">
+            <a:spAutoFit/>
+          </a:bodyPr>
+          <a:lstStyle/>
+          <a:p>
+            <a:r>
+              <a:rPr kumimoji="1" lang="ja-JP" altLang="en-US" dirty="0"/>
+              <a:t>通信</a:t>
+            </a:r>
+          </a:p>
+        </p:txBody>
+      </p:sp>
+      <p:sp>
+        <p:nvSpPr>
+          <p:cNvPr id="13" name="矢印: 上下 12">
+            <a:extLst>
+              <a:ext uri="{FF2B5EF4-FFF2-40B4-BE49-F238E27FC236}">
+                <a16:creationId xmlns:a16="http://schemas.microsoft.com/office/drawing/2014/main" id="{CC6730F7-62D1-4CD6-905C-A89B79E508AB}"/>
+              </a:ext>
+            </a:extLst>
+          </p:cNvPr>
+          <p:cNvSpPr/>
+          <p:nvPr/>
+        </p:nvSpPr>
+        <p:spPr>
+          <a:xfrm>
+            <a:off x="1546411" y="2989711"/>
+            <a:ext cx="349623" cy="582706"/>
+          </a:xfrm>
+          <a:prstGeom prst="upDownArrow">
+            <a:avLst/>
+          </a:prstGeom>
+          <a:ln w="28575">
+            <a:solidFill>
+              <a:schemeClr val="tx1"/>
+            </a:solidFill>
+          </a:ln>
+        </p:spPr>
+        <p:style>
+          <a:lnRef idx="1">
+            <a:schemeClr val="accent1"/>
+          </a:lnRef>
+          <a:fillRef idx="0">
+            <a:schemeClr val="accent1"/>
+          </a:fillRef>
+          <a:effectRef idx="0">
+            <a:schemeClr val="accent1"/>
+          </a:effectRef>
+          <a:fontRef idx="minor">
+            <a:schemeClr val="tx1"/>
+          </a:fontRef>
+        </p:style>
+        <p:txBody>
+          <a:bodyPr rtlCol="0" anchor="ctr"/>
+          <a:lstStyle/>
+          <a:p>
+            <a:pPr algn="ctr"/>
+            <a:endParaRPr kumimoji="1" lang="ja-JP" altLang="en-US"/>
+          </a:p>
+        </p:txBody>
+      </p:sp>
+      <mc:AlternateContent xmlns:mc="http://schemas.openxmlformats.org/markup-compatibility/2006" xmlns:a14="http://schemas.microsoft.com/office/drawing/2010/main">
+        <mc:Choice Requires="a14">
+          <p:sp>
+            <p:nvSpPr>
+              <p:cNvPr id="14" name="テキスト ボックス 13">
+                <a:extLst>
+                  <a:ext uri="{FF2B5EF4-FFF2-40B4-BE49-F238E27FC236}">
+                    <a16:creationId xmlns:a16="http://schemas.microsoft.com/office/drawing/2014/main" id="{C66C531D-6E81-4265-A5DF-4C94B935BB6D}"/>
+                  </a:ext>
+                </a:extLst>
+              </p:cNvPr>
+              <p:cNvSpPr txBox="1"/>
+              <p:nvPr/>
+            </p:nvSpPr>
+            <p:spPr>
+              <a:xfrm>
+                <a:off x="918880" y="3668940"/>
+                <a:ext cx="1604683" cy="584775"/>
+              </a:xfrm>
+              <a:prstGeom prst="rect">
+                <a:avLst/>
+              </a:prstGeom>
+              <a:noFill/>
+            </p:spPr>
+            <p:txBody>
+              <a:bodyPr wrap="square" rtlCol="0">
+                <a:spAutoFit/>
+              </a:bodyPr>
+              <a:lstStyle/>
+              <a:p>
+                <a:pPr algn="ctr"/>
+                <a:r>
+                  <a:rPr kumimoji="1" lang="ja-JP" altLang="en-US" sz="1600" dirty="0"/>
+                  <a:t>アイテム集合</a:t>
+                </a:r>
+                <a:endParaRPr kumimoji="1" lang="en-US" altLang="ja-JP" sz="1600" dirty="0"/>
+              </a:p>
+              <a:p>
+                <a:pPr algn="ctr"/>
+                <a14:m>
+                  <m:oMathPara xmlns:m="http://schemas.openxmlformats.org/officeDocument/2006/math">
+                    <m:oMathParaPr>
+                      <m:jc m:val="centerGroup"/>
+                    </m:oMathParaPr>
+                    <m:oMath xmlns:m="http://schemas.openxmlformats.org/officeDocument/2006/math">
+                      <m:r>
+                        <a:rPr kumimoji="1" lang="en-US" altLang="ja-JP" sz="1600" b="0" i="1" smtClean="0">
+                          <a:latin typeface="Cambria Math" panose="02040503050406030204" pitchFamily="18" charset="0"/>
+                        </a:rPr>
+                        <m:t>{3, 5, 6, 9}</m:t>
+                      </m:r>
+                    </m:oMath>
+                  </m:oMathPara>
+                </a14:m>
+                <a:endParaRPr kumimoji="1" lang="ja-JP" altLang="en-US" sz="1600" dirty="0"/>
+              </a:p>
+            </p:txBody>
+          </p:sp>
+        </mc:Choice>
+        <mc:Fallback xmlns="">
+          <p:sp>
+            <p:nvSpPr>
+              <p:cNvPr id="14" name="テキスト ボックス 13">
+                <a:extLst>
+                  <a:ext uri="{FF2B5EF4-FFF2-40B4-BE49-F238E27FC236}">
+                    <a16:creationId xmlns:a16="http://schemas.microsoft.com/office/drawing/2014/main" id="{C66C531D-6E81-4265-A5DF-4C94B935BB6D}"/>
+                  </a:ext>
+                </a:extLst>
+              </p:cNvPr>
+              <p:cNvSpPr txBox="1">
+                <a:spLocks noRot="1" noChangeAspect="1" noMove="1" noResize="1" noEditPoints="1" noAdjustHandles="1" noChangeArrowheads="1" noChangeShapeType="1" noTextEdit="1"/>
+              </p:cNvSpPr>
+              <p:nvPr/>
+            </p:nvSpPr>
+            <p:spPr>
+              <a:xfrm>
+                <a:off x="918880" y="3668940"/>
+                <a:ext cx="1604683" cy="584775"/>
+              </a:xfrm>
+              <a:prstGeom prst="rect">
+                <a:avLst/>
+              </a:prstGeom>
+              <a:blipFill>
+                <a:blip r:embed="rId5"/>
+                <a:stretch>
+                  <a:fillRect t="-3125" b="-3125"/>
+                </a:stretch>
+              </a:blipFill>
+            </p:spPr>
+            <p:txBody>
+              <a:bodyPr/>
+              <a:lstStyle/>
+              <a:p>
+                <a:r>
+                  <a:rPr lang="ja-JP" altLang="en-US">
+                    <a:noFill/>
+                  </a:rPr>
+                  <a:t> </a:t>
+                </a:r>
+              </a:p>
+            </p:txBody>
+          </p:sp>
+        </mc:Fallback>
+      </mc:AlternateContent>
+      <p:sp>
+        <p:nvSpPr>
+          <p:cNvPr id="15" name="矢印: 上下 14">
+            <a:extLst>
+              <a:ext uri="{FF2B5EF4-FFF2-40B4-BE49-F238E27FC236}">
+                <a16:creationId xmlns:a16="http://schemas.microsoft.com/office/drawing/2014/main" id="{C60DDBD6-D0DE-4424-86F8-D7D54E43F116}"/>
+              </a:ext>
+            </a:extLst>
+          </p:cNvPr>
+          <p:cNvSpPr/>
+          <p:nvPr/>
+        </p:nvSpPr>
+        <p:spPr>
+          <a:xfrm>
+            <a:off x="6620437" y="2982525"/>
+            <a:ext cx="349623" cy="582706"/>
+          </a:xfrm>
+          <a:prstGeom prst="upDownArrow">
+            <a:avLst/>
+          </a:prstGeom>
+          <a:ln w="28575">
+            <a:solidFill>
+              <a:schemeClr val="tx1"/>
+            </a:solidFill>
+          </a:ln>
+        </p:spPr>
+        <p:style>
+          <a:lnRef idx="1">
+            <a:schemeClr val="accent1"/>
+          </a:lnRef>
+          <a:fillRef idx="0">
+            <a:schemeClr val="accent1"/>
+          </a:fillRef>
+          <a:effectRef idx="0">
+            <a:schemeClr val="accent1"/>
+          </a:effectRef>
+          <a:fontRef idx="minor">
+            <a:schemeClr val="tx1"/>
+          </a:fontRef>
+        </p:style>
+        <p:txBody>
+          <a:bodyPr rtlCol="0" anchor="ctr"/>
+          <a:lstStyle/>
+          <a:p>
+            <a:pPr algn="ctr"/>
+            <a:endParaRPr kumimoji="1" lang="ja-JP" altLang="en-US"/>
+          </a:p>
+        </p:txBody>
+      </p:sp>
+      <mc:AlternateContent xmlns:mc="http://schemas.openxmlformats.org/markup-compatibility/2006" xmlns:a14="http://schemas.microsoft.com/office/drawing/2010/main">
+        <mc:Choice Requires="a14">
+          <p:sp>
+            <p:nvSpPr>
+              <p:cNvPr id="16" name="テキスト ボックス 15">
+                <a:extLst>
+                  <a:ext uri="{FF2B5EF4-FFF2-40B4-BE49-F238E27FC236}">
+                    <a16:creationId xmlns:a16="http://schemas.microsoft.com/office/drawing/2014/main" id="{A7146EF4-E151-4BCC-9AB7-765C4C3AEF88}"/>
+                  </a:ext>
+                </a:extLst>
+              </p:cNvPr>
+              <p:cNvSpPr txBox="1"/>
+              <p:nvPr/>
+            </p:nvSpPr>
+            <p:spPr>
+              <a:xfrm>
+                <a:off x="5992906" y="3661754"/>
+                <a:ext cx="1604683" cy="584775"/>
+              </a:xfrm>
+              <a:prstGeom prst="rect">
+                <a:avLst/>
+              </a:prstGeom>
+              <a:noFill/>
+            </p:spPr>
+            <p:txBody>
+              <a:bodyPr wrap="square" rtlCol="0">
+                <a:spAutoFit/>
+              </a:bodyPr>
+              <a:lstStyle/>
+              <a:p>
+                <a:pPr algn="ctr"/>
+                <a:r>
+                  <a:rPr kumimoji="1" lang="ja-JP" altLang="en-US" sz="1600" dirty="0"/>
+                  <a:t>アイテム集合</a:t>
+                </a:r>
+                <a:endParaRPr kumimoji="1" lang="en-US" altLang="ja-JP" sz="1600" dirty="0"/>
+              </a:p>
+              <a:p>
+                <a:pPr algn="ctr"/>
+                <a14:m>
+                  <m:oMathPara xmlns:m="http://schemas.openxmlformats.org/officeDocument/2006/math">
+                    <m:oMathParaPr>
+                      <m:jc m:val="centerGroup"/>
+                    </m:oMathParaPr>
+                    <m:oMath xmlns:m="http://schemas.openxmlformats.org/officeDocument/2006/math">
+                      <m:r>
+                        <a:rPr kumimoji="1" lang="en-US" altLang="ja-JP" sz="1600" b="0" i="1" smtClean="0">
+                          <a:latin typeface="Cambria Math" panose="02040503050406030204" pitchFamily="18" charset="0"/>
+                        </a:rPr>
+                        <m:t>{3, 4, 6, 8}</m:t>
+                      </m:r>
+                    </m:oMath>
+                  </m:oMathPara>
+                </a14:m>
+                <a:endParaRPr kumimoji="1" lang="ja-JP" altLang="en-US" sz="1600" dirty="0"/>
+              </a:p>
+            </p:txBody>
+          </p:sp>
+        </mc:Choice>
+        <mc:Fallback xmlns="">
+          <p:sp>
+            <p:nvSpPr>
+              <p:cNvPr id="16" name="テキスト ボックス 15">
+                <a:extLst>
+                  <a:ext uri="{FF2B5EF4-FFF2-40B4-BE49-F238E27FC236}">
+                    <a16:creationId xmlns:a16="http://schemas.microsoft.com/office/drawing/2014/main" id="{A7146EF4-E151-4BCC-9AB7-765C4C3AEF88}"/>
+                  </a:ext>
+                </a:extLst>
+              </p:cNvPr>
+              <p:cNvSpPr txBox="1">
+                <a:spLocks noRot="1" noChangeAspect="1" noMove="1" noResize="1" noEditPoints="1" noAdjustHandles="1" noChangeArrowheads="1" noChangeShapeType="1" noTextEdit="1"/>
+              </p:cNvSpPr>
+              <p:nvPr/>
+            </p:nvSpPr>
+            <p:spPr>
+              <a:xfrm>
+                <a:off x="5992906" y="3661754"/>
+                <a:ext cx="1604683" cy="584775"/>
+              </a:xfrm>
+              <a:prstGeom prst="rect">
+                <a:avLst/>
+              </a:prstGeom>
+              <a:blipFill>
+                <a:blip r:embed="rId6"/>
+                <a:stretch>
+                  <a:fillRect t="-3125" b="-3125"/>
+                </a:stretch>
+              </a:blipFill>
+            </p:spPr>
+            <p:txBody>
+              <a:bodyPr/>
+              <a:lstStyle/>
+              <a:p>
+                <a:r>
+                  <a:rPr lang="ja-JP" altLang="en-US">
+                    <a:noFill/>
+                  </a:rPr>
+                  <a:t> </a:t>
+                </a:r>
+              </a:p>
+            </p:txBody>
+          </p:sp>
+        </mc:Fallback>
+      </mc:AlternateContent>
+    </p:spTree>
+    <p:extLst>
+      <p:ext uri="{BB962C8B-B14F-4D97-AF65-F5344CB8AC3E}">
+        <p14:creationId xmlns:p14="http://schemas.microsoft.com/office/powerpoint/2010/main" val="3482157308"/>
+      </p:ext>
+    </p:extLst>
+  </p:cSld>
+  <p:clrMapOvr>
+    <a:masterClrMapping/>
+  </p:clrMapOvr>
+</p:sld>
+</file>
+
+<file path=ppt/slides/slide12.xml><?xml version="1.0" encoding="utf-8"?>
+<p:sld xmlns:a="http://schemas.openxmlformats.org/drawingml/2006/main" xmlns:r="http://schemas.openxmlformats.org/officeDocument/2006/relationships" xmlns:p="http://schemas.openxmlformats.org/presentationml/2006/main">
+  <p:cSld>
+    <p:spTree>
+      <p:nvGrpSpPr>
+        <p:cNvPr id="1" name=""/>
+        <p:cNvGrpSpPr/>
+        <p:nvPr/>
+      </p:nvGrpSpPr>
+      <p:grpSpPr>
+        <a:xfrm>
+          <a:off x="0" y="0"/>
+          <a:ext cx="0" cy="0"/>
+          <a:chOff x="0" y="0"/>
+          <a:chExt cx="0" cy="0"/>
+        </a:xfrm>
+      </p:grpSpPr>
+      <p:sp>
+        <p:nvSpPr>
+          <p:cNvPr id="2" name="タイトル 1">
+            <a:extLst>
+              <a:ext uri="{FF2B5EF4-FFF2-40B4-BE49-F238E27FC236}">
+                <a16:creationId xmlns:a16="http://schemas.microsoft.com/office/drawing/2014/main" id="{89B5080C-4114-4489-B9C1-0956A90971FF}"/>
+              </a:ext>
+            </a:extLst>
+          </p:cNvPr>
+          <p:cNvSpPr>
+            <a:spLocks noGrp="1"/>
+          </p:cNvSpPr>
+          <p:nvPr>
+            <p:ph type="title"/>
+          </p:nvPr>
+        </p:nvSpPr>
+        <p:spPr/>
+        <p:txBody>
+          <a:bodyPr/>
+          <a:lstStyle/>
+          <a:p>
+            <a:r>
+              <a:rPr lang="ja-JP" altLang="en-US" dirty="0"/>
+              <a:t>等価問題</a:t>
+            </a:r>
+            <a:endParaRPr kumimoji="1" lang="ja-JP" altLang="en-US" dirty="0"/>
+          </a:p>
+        </p:txBody>
+      </p:sp>
+      <mc:AlternateContent xmlns:mc="http://schemas.openxmlformats.org/markup-compatibility/2006" xmlns:a14="http://schemas.microsoft.com/office/drawing/2010/main">
+        <mc:Choice Requires="a14">
+          <p:sp>
+            <p:nvSpPr>
+              <p:cNvPr id="3" name="コンテンツ プレースホルダー 2">
+                <a:extLst>
+                  <a:ext uri="{FF2B5EF4-FFF2-40B4-BE49-F238E27FC236}">
+                    <a16:creationId xmlns:a16="http://schemas.microsoft.com/office/drawing/2014/main" id="{8740F7D8-D5CB-4078-8165-961AC04E5531}"/>
+                  </a:ext>
+                </a:extLst>
+              </p:cNvPr>
+              <p:cNvSpPr>
+                <a:spLocks noGrp="1"/>
+              </p:cNvSpPr>
+              <p:nvPr>
+                <p:ph sz="quarter" idx="1"/>
+              </p:nvPr>
+            </p:nvSpPr>
+            <p:spPr/>
+            <p:txBody>
+              <a:bodyPr/>
+              <a:lstStyle/>
+              <a:p>
+                <a:r>
+                  <a:rPr kumimoji="1" lang="en-US" altLang="ja-JP" dirty="0"/>
+                  <a:t>Alice </a:t>
+                </a:r>
+                <a:r>
+                  <a:rPr kumimoji="1" lang="ja-JP" altLang="en-US" dirty="0"/>
+                  <a:t>と </a:t>
+                </a:r>
+                <a:r>
+                  <a:rPr kumimoji="1" lang="en-US" altLang="ja-JP" dirty="0"/>
+                  <a:t>Bob</a:t>
+                </a:r>
+                <a:r>
+                  <a:rPr kumimoji="1" lang="ja-JP" altLang="en-US" dirty="0"/>
+                  <a:t>の</a:t>
+                </a:r>
+                <a:r>
+                  <a:rPr kumimoji="1" lang="en-US" altLang="ja-JP" dirty="0"/>
+                  <a:t>2</a:t>
+                </a:r>
+                <a:r>
+                  <a:rPr kumimoji="1" lang="ja-JP" altLang="en-US" dirty="0"/>
+                  <a:t>人のプレイヤーがいてそれぞれが</a:t>
+                </a:r>
+                <a:br>
+                  <a:rPr kumimoji="1" lang="en-US" altLang="ja-JP" dirty="0"/>
+                </a:br>
+                <a14:m>
+                  <m:oMath xmlns:m="http://schemas.openxmlformats.org/officeDocument/2006/math">
+                    <m:r>
+                      <a:rPr kumimoji="1" lang="en-US" altLang="ja-JP" b="0" i="1" smtClean="0">
+                        <a:latin typeface="Cambria Math" panose="02040503050406030204" pitchFamily="18" charset="0"/>
+                      </a:rPr>
+                      <m:t>𝑛</m:t>
+                    </m:r>
+                  </m:oMath>
+                </a14:m>
+                <a:r>
+                  <a:rPr kumimoji="1" lang="ja-JP" altLang="en-US" dirty="0"/>
+                  <a:t>ビットのデータ列</a:t>
+                </a:r>
+                <a14:m>
+                  <m:oMath xmlns:m="http://schemas.openxmlformats.org/officeDocument/2006/math">
+                    <m:r>
+                      <a:rPr kumimoji="1" lang="en-US" altLang="ja-JP" b="0" i="1" smtClean="0">
+                        <a:latin typeface="Cambria Math" panose="02040503050406030204" pitchFamily="18" charset="0"/>
+                      </a:rPr>
+                      <m:t>𝑥</m:t>
+                    </m:r>
+                    <m:r>
+                      <a:rPr kumimoji="1" lang="en-US" altLang="ja-JP" b="0" i="1" smtClean="0">
+                        <a:latin typeface="Cambria Math" panose="02040503050406030204" pitchFamily="18" charset="0"/>
+                      </a:rPr>
+                      <m:t>, </m:t>
+                    </m:r>
+                    <m:r>
+                      <a:rPr kumimoji="1" lang="en-US" altLang="ja-JP" b="0" i="1" smtClean="0">
+                        <a:latin typeface="Cambria Math" panose="02040503050406030204" pitchFamily="18" charset="0"/>
+                      </a:rPr>
+                      <m:t>𝑦</m:t>
+                    </m:r>
+                  </m:oMath>
+                </a14:m>
+                <a:r>
+                  <a:rPr kumimoji="1" lang="ja-JP" altLang="en-US" dirty="0"/>
+                  <a:t>を持っている</a:t>
+                </a:r>
+                <a:endParaRPr kumimoji="1" lang="en-US" altLang="ja-JP" dirty="0"/>
+              </a:p>
+              <a:p>
+                <a:endParaRPr kumimoji="1" lang="en-US" altLang="ja-JP" dirty="0"/>
+              </a:p>
+              <a:p>
+                <a:endParaRPr lang="en-US" altLang="ja-JP" dirty="0"/>
+              </a:p>
+              <a:p>
+                <a:endParaRPr kumimoji="1" lang="en-US" altLang="ja-JP" dirty="0"/>
+              </a:p>
+              <a:p>
+                <a:endParaRPr kumimoji="1" lang="en-US" altLang="ja-JP" dirty="0"/>
+              </a:p>
+              <a:p>
+                <a:pPr lvl="1"/>
+                <a14:m>
+                  <m:oMath xmlns:m="http://schemas.openxmlformats.org/officeDocument/2006/math">
+                    <m:r>
+                      <a:rPr kumimoji="1" lang="en-US" altLang="ja-JP" b="0" i="1" smtClean="0">
+                        <a:latin typeface="Cambria Math" panose="02040503050406030204" pitchFamily="18" charset="0"/>
+                      </a:rPr>
+                      <m:t>𝑥</m:t>
+                    </m:r>
+                    <m:r>
+                      <a:rPr kumimoji="1" lang="en-US" altLang="ja-JP" b="0" i="1" smtClean="0">
+                        <a:latin typeface="Cambria Math" panose="02040503050406030204" pitchFamily="18" charset="0"/>
+                      </a:rPr>
+                      <m:t>=</m:t>
+                    </m:r>
+                    <m:r>
+                      <a:rPr kumimoji="1" lang="en-US" altLang="ja-JP" b="0" i="1" smtClean="0">
+                        <a:latin typeface="Cambria Math" panose="02040503050406030204" pitchFamily="18" charset="0"/>
+                      </a:rPr>
+                      <m:t>𝑦</m:t>
+                    </m:r>
+                  </m:oMath>
+                </a14:m>
+                <a:r>
+                  <a:rPr kumimoji="1" lang="ja-JP" altLang="en-US" dirty="0"/>
+                  <a:t>か？</a:t>
+                </a:r>
+                <a:endParaRPr kumimoji="1" lang="en-US" altLang="ja-JP" dirty="0"/>
+              </a:p>
+            </p:txBody>
+          </p:sp>
+        </mc:Choice>
+        <mc:Fallback xmlns="">
+          <p:sp>
+            <p:nvSpPr>
+              <p:cNvPr id="3" name="コンテンツ プレースホルダー 2">
+                <a:extLst>
+                  <a:ext uri="{FF2B5EF4-FFF2-40B4-BE49-F238E27FC236}">
+                    <a16:creationId xmlns:a16="http://schemas.microsoft.com/office/drawing/2014/main" id="{8740F7D8-D5CB-4078-8165-961AC04E5531}"/>
+                  </a:ext>
+                </a:extLst>
+              </p:cNvPr>
+              <p:cNvSpPr>
+                <a:spLocks noGrp="1" noRot="1" noChangeAspect="1" noMove="1" noResize="1" noEditPoints="1" noAdjustHandles="1" noChangeArrowheads="1" noChangeShapeType="1" noTextEdit="1"/>
+              </p:cNvSpPr>
+              <p:nvPr>
+                <p:ph sz="quarter" idx="1"/>
+              </p:nvPr>
+            </p:nvSpPr>
+            <p:spPr>
+              <a:blipFill>
+                <a:blip r:embed="rId2"/>
+                <a:stretch>
+                  <a:fillRect l="-139" t="-928"/>
+                </a:stretch>
+              </a:blipFill>
+            </p:spPr>
+            <p:txBody>
+              <a:bodyPr/>
+              <a:lstStyle/>
+              <a:p>
+                <a:r>
+                  <a:rPr lang="ja-JP" altLang="en-US">
+                    <a:noFill/>
+                  </a:rPr>
+                  <a:t> </a:t>
+                </a:r>
+              </a:p>
+            </p:txBody>
+          </p:sp>
+        </mc:Fallback>
+      </mc:AlternateContent>
+      <p:sp>
+        <p:nvSpPr>
+          <p:cNvPr id="4" name="テキスト ボックス 3">
+            <a:extLst>
+              <a:ext uri="{FF2B5EF4-FFF2-40B4-BE49-F238E27FC236}">
+                <a16:creationId xmlns:a16="http://schemas.microsoft.com/office/drawing/2014/main" id="{5A21E651-0A96-436B-83BC-D65D6F11E990}"/>
+              </a:ext>
+            </a:extLst>
+          </p:cNvPr>
+          <p:cNvSpPr txBox="1"/>
+          <p:nvPr/>
+        </p:nvSpPr>
+        <p:spPr>
+          <a:xfrm>
+            <a:off x="1272988" y="2151528"/>
+            <a:ext cx="896471" cy="461665"/>
+          </a:xfrm>
+          <a:prstGeom prst="rect">
+            <a:avLst/>
+          </a:prstGeom>
+          <a:noFill/>
+        </p:spPr>
+        <p:txBody>
+          <a:bodyPr wrap="square" rtlCol="0">
+            <a:spAutoFit/>
+          </a:bodyPr>
+          <a:lstStyle/>
+          <a:p>
+            <a:r>
+              <a:rPr kumimoji="1" lang="en-US" altLang="ja-JP" sz="2400" dirty="0"/>
+              <a:t>Alice</a:t>
+            </a:r>
+            <a:endParaRPr kumimoji="1" lang="ja-JP" altLang="en-US" sz="2400" dirty="0"/>
+          </a:p>
+        </p:txBody>
+      </p:sp>
+      <p:sp>
+        <p:nvSpPr>
+          <p:cNvPr id="5" name="正方形/長方形 4">
+            <a:extLst>
+              <a:ext uri="{FF2B5EF4-FFF2-40B4-BE49-F238E27FC236}">
+                <a16:creationId xmlns:a16="http://schemas.microsoft.com/office/drawing/2014/main" id="{F5718DBE-4B50-4CDA-88E3-E9F47D02A7C2}"/>
+              </a:ext>
+            </a:extLst>
+          </p:cNvPr>
+          <p:cNvSpPr/>
+          <p:nvPr/>
+        </p:nvSpPr>
+        <p:spPr>
+          <a:xfrm>
+            <a:off x="1272988" y="2151528"/>
+            <a:ext cx="896471" cy="376518"/>
+          </a:xfrm>
+          <a:prstGeom prst="rect">
+            <a:avLst/>
+          </a:prstGeom>
+          <a:ln w="9525">
+            <a:solidFill>
+              <a:schemeClr val="tx1"/>
+            </a:solidFill>
+          </a:ln>
+        </p:spPr>
+        <p:style>
+          <a:lnRef idx="1">
+            <a:schemeClr val="accent1"/>
+          </a:lnRef>
+          <a:fillRef idx="0">
+            <a:schemeClr val="accent1"/>
+          </a:fillRef>
+          <a:effectRef idx="0">
+            <a:schemeClr val="accent1"/>
+          </a:effectRef>
+          <a:fontRef idx="minor">
+            <a:schemeClr val="tx1"/>
+          </a:fontRef>
+        </p:style>
+        <p:txBody>
+          <a:bodyPr rtlCol="0" anchor="ctr"/>
+          <a:lstStyle/>
+          <a:p>
+            <a:pPr algn="ctr"/>
+            <a:endParaRPr kumimoji="1" lang="ja-JP" altLang="en-US"/>
+          </a:p>
+        </p:txBody>
+      </p:sp>
+      <mc:AlternateContent xmlns:mc="http://schemas.openxmlformats.org/markup-compatibility/2006" xmlns:a14="http://schemas.microsoft.com/office/drawing/2010/main">
+        <mc:Choice Requires="a14">
+          <p:sp>
+            <p:nvSpPr>
+              <p:cNvPr id="6" name="テキスト ボックス 5">
+                <a:extLst>
+                  <a:ext uri="{FF2B5EF4-FFF2-40B4-BE49-F238E27FC236}">
+                    <a16:creationId xmlns:a16="http://schemas.microsoft.com/office/drawing/2014/main" id="{3179AEA0-D1B0-4C38-9D58-4327E32BC4D5}"/>
+                  </a:ext>
+                </a:extLst>
+              </p:cNvPr>
+              <p:cNvSpPr txBox="1"/>
+              <p:nvPr/>
+            </p:nvSpPr>
+            <p:spPr>
+              <a:xfrm>
+                <a:off x="833717" y="2613193"/>
+                <a:ext cx="1775012" cy="369332"/>
+              </a:xfrm>
+              <a:prstGeom prst="rect">
+                <a:avLst/>
+              </a:prstGeom>
+              <a:noFill/>
+            </p:spPr>
+            <p:txBody>
+              <a:bodyPr wrap="square" rtlCol="0">
+                <a:spAutoFit/>
+              </a:bodyPr>
+              <a:lstStyle/>
+              <a:p>
+                <a:pPr/>
+                <a14:m>
+                  <m:oMathPara xmlns:m="http://schemas.openxmlformats.org/officeDocument/2006/math">
+                    <m:oMathParaPr>
+                      <m:jc m:val="centerGroup"/>
+                    </m:oMathParaPr>
+                    <m:oMath xmlns:m="http://schemas.openxmlformats.org/officeDocument/2006/math">
+                      <m:r>
+                        <a:rPr kumimoji="1" lang="en-US" altLang="ja-JP" b="0" i="1" smtClean="0">
+                          <a:latin typeface="Cambria Math" panose="02040503050406030204" pitchFamily="18" charset="0"/>
+                        </a:rPr>
+                        <m:t>𝑥</m:t>
+                      </m:r>
+                      <m:r>
+                        <a:rPr kumimoji="1" lang="en-US" altLang="ja-JP" b="0" i="1" smtClean="0">
+                          <a:latin typeface="Cambria Math" panose="02040503050406030204" pitchFamily="18" charset="0"/>
+                        </a:rPr>
+                        <m:t>=001011001</m:t>
+                      </m:r>
+                    </m:oMath>
+                  </m:oMathPara>
+                </a14:m>
+                <a:endParaRPr kumimoji="1" lang="ja-JP" altLang="en-US" dirty="0"/>
+              </a:p>
+            </p:txBody>
+          </p:sp>
+        </mc:Choice>
+        <mc:Fallback xmlns="">
+          <p:sp>
+            <p:nvSpPr>
+              <p:cNvPr id="6" name="テキスト ボックス 5">
+                <a:extLst>
+                  <a:ext uri="{FF2B5EF4-FFF2-40B4-BE49-F238E27FC236}">
+                    <a16:creationId xmlns:a16="http://schemas.microsoft.com/office/drawing/2014/main" id="{3179AEA0-D1B0-4C38-9D58-4327E32BC4D5}"/>
+                  </a:ext>
+                </a:extLst>
+              </p:cNvPr>
+              <p:cNvSpPr txBox="1">
+                <a:spLocks noRot="1" noChangeAspect="1" noMove="1" noResize="1" noEditPoints="1" noAdjustHandles="1" noChangeArrowheads="1" noChangeShapeType="1" noTextEdit="1"/>
+              </p:cNvSpPr>
+              <p:nvPr/>
+            </p:nvSpPr>
+            <p:spPr>
+              <a:xfrm>
+                <a:off x="833717" y="2613193"/>
+                <a:ext cx="1775012" cy="369332"/>
+              </a:xfrm>
+              <a:prstGeom prst="rect">
+                <a:avLst/>
+              </a:prstGeom>
+              <a:blipFill>
+                <a:blip r:embed="rId3"/>
+                <a:stretch>
+                  <a:fillRect/>
+                </a:stretch>
+              </a:blipFill>
+            </p:spPr>
+            <p:txBody>
+              <a:bodyPr/>
+              <a:lstStyle/>
+              <a:p>
+                <a:r>
+                  <a:rPr lang="ja-JP" altLang="en-US">
+                    <a:noFill/>
+                  </a:rPr>
+                  <a:t> </a:t>
+                </a:r>
+              </a:p>
+            </p:txBody>
+          </p:sp>
+        </mc:Fallback>
+      </mc:AlternateContent>
+      <p:sp>
+        <p:nvSpPr>
+          <p:cNvPr id="7" name="テキスト ボックス 6">
+            <a:extLst>
+              <a:ext uri="{FF2B5EF4-FFF2-40B4-BE49-F238E27FC236}">
+                <a16:creationId xmlns:a16="http://schemas.microsoft.com/office/drawing/2014/main" id="{697266B6-3581-4418-BFBD-A9A9D305113A}"/>
+              </a:ext>
+            </a:extLst>
+          </p:cNvPr>
+          <p:cNvSpPr txBox="1"/>
+          <p:nvPr/>
+        </p:nvSpPr>
+        <p:spPr>
+          <a:xfrm>
+            <a:off x="6284259" y="2151528"/>
+            <a:ext cx="896471" cy="461665"/>
+          </a:xfrm>
+          <a:prstGeom prst="rect">
+            <a:avLst/>
+          </a:prstGeom>
+          <a:noFill/>
+        </p:spPr>
+        <p:txBody>
+          <a:bodyPr wrap="square" rtlCol="0">
+            <a:spAutoFit/>
+          </a:bodyPr>
+          <a:lstStyle/>
+          <a:p>
+            <a:pPr algn="ctr"/>
+            <a:r>
+              <a:rPr lang="en-US" altLang="ja-JP" sz="2400" dirty="0"/>
+              <a:t>Bob</a:t>
+            </a:r>
+            <a:endParaRPr kumimoji="1" lang="ja-JP" altLang="en-US" sz="2400" dirty="0"/>
+          </a:p>
+        </p:txBody>
+      </p:sp>
+      <p:sp>
+        <p:nvSpPr>
+          <p:cNvPr id="8" name="正方形/長方形 7">
+            <a:extLst>
+              <a:ext uri="{FF2B5EF4-FFF2-40B4-BE49-F238E27FC236}">
+                <a16:creationId xmlns:a16="http://schemas.microsoft.com/office/drawing/2014/main" id="{DFAC4876-C0DA-4436-B842-D697F7B606D2}"/>
+              </a:ext>
+            </a:extLst>
+          </p:cNvPr>
+          <p:cNvSpPr/>
+          <p:nvPr/>
+        </p:nvSpPr>
+        <p:spPr>
+          <a:xfrm>
+            <a:off x="6284259" y="2151528"/>
+            <a:ext cx="896471" cy="376518"/>
+          </a:xfrm>
+          <a:prstGeom prst="rect">
+            <a:avLst/>
+          </a:prstGeom>
+          <a:ln w="9525">
+            <a:solidFill>
+              <a:schemeClr val="tx1"/>
+            </a:solidFill>
+          </a:ln>
+        </p:spPr>
+        <p:style>
+          <a:lnRef idx="1">
+            <a:schemeClr val="accent1"/>
+          </a:lnRef>
+          <a:fillRef idx="0">
+            <a:schemeClr val="accent1"/>
+          </a:fillRef>
+          <a:effectRef idx="0">
+            <a:schemeClr val="accent1"/>
+          </a:effectRef>
+          <a:fontRef idx="minor">
+            <a:schemeClr val="tx1"/>
+          </a:fontRef>
+        </p:style>
+        <p:txBody>
+          <a:bodyPr rtlCol="0" anchor="ctr"/>
+          <a:lstStyle/>
+          <a:p>
+            <a:pPr algn="ctr"/>
+            <a:endParaRPr kumimoji="1" lang="ja-JP" altLang="en-US"/>
+          </a:p>
+        </p:txBody>
+      </p:sp>
+      <mc:AlternateContent xmlns:mc="http://schemas.openxmlformats.org/markup-compatibility/2006" xmlns:a14="http://schemas.microsoft.com/office/drawing/2010/main">
+        <mc:Choice Requires="a14">
+          <p:sp>
+            <p:nvSpPr>
+              <p:cNvPr id="9" name="テキスト ボックス 8">
+                <a:extLst>
+                  <a:ext uri="{FF2B5EF4-FFF2-40B4-BE49-F238E27FC236}">
+                    <a16:creationId xmlns:a16="http://schemas.microsoft.com/office/drawing/2014/main" id="{E261C578-9A07-48CD-B1C4-B2FE371D00D2}"/>
+                  </a:ext>
+                </a:extLst>
+              </p:cNvPr>
+              <p:cNvSpPr txBox="1"/>
+              <p:nvPr/>
+            </p:nvSpPr>
+            <p:spPr>
+              <a:xfrm>
+                <a:off x="5844988" y="2613193"/>
+                <a:ext cx="1775012" cy="369332"/>
+              </a:xfrm>
+              <a:prstGeom prst="rect">
+                <a:avLst/>
+              </a:prstGeom>
+              <a:noFill/>
+            </p:spPr>
+            <p:txBody>
+              <a:bodyPr wrap="square" rtlCol="0">
+                <a:spAutoFit/>
+              </a:bodyPr>
+              <a:lstStyle/>
+              <a:p>
+                <a:pPr/>
+                <a14:m>
+                  <m:oMathPara xmlns:m="http://schemas.openxmlformats.org/officeDocument/2006/math">
+                    <m:oMathParaPr>
+                      <m:jc m:val="centerGroup"/>
+                    </m:oMathParaPr>
+                    <m:oMath xmlns:m="http://schemas.openxmlformats.org/officeDocument/2006/math">
+                      <m:r>
+                        <a:rPr kumimoji="1" lang="en-US" altLang="ja-JP" b="0" i="1" smtClean="0">
+                          <a:latin typeface="Cambria Math" panose="02040503050406030204" pitchFamily="18" charset="0"/>
+                        </a:rPr>
+                        <m:t>𝑦</m:t>
+                      </m:r>
+                      <m:r>
+                        <a:rPr kumimoji="1" lang="en-US" altLang="ja-JP" b="0" i="1" smtClean="0">
+                          <a:latin typeface="Cambria Math" panose="02040503050406030204" pitchFamily="18" charset="0"/>
+                        </a:rPr>
+                        <m:t>=001101010</m:t>
+                      </m:r>
+                    </m:oMath>
+                  </m:oMathPara>
+                </a14:m>
+                <a:endParaRPr kumimoji="1" lang="ja-JP" altLang="en-US" dirty="0"/>
+              </a:p>
+            </p:txBody>
+          </p:sp>
+        </mc:Choice>
+        <mc:Fallback xmlns="">
+          <p:sp>
+            <p:nvSpPr>
+              <p:cNvPr id="9" name="テキスト ボックス 8">
+                <a:extLst>
+                  <a:ext uri="{FF2B5EF4-FFF2-40B4-BE49-F238E27FC236}">
+                    <a16:creationId xmlns:a16="http://schemas.microsoft.com/office/drawing/2014/main" id="{E261C578-9A07-48CD-B1C4-B2FE371D00D2}"/>
+                  </a:ext>
+                </a:extLst>
+              </p:cNvPr>
+              <p:cNvSpPr txBox="1">
+                <a:spLocks noRot="1" noChangeAspect="1" noMove="1" noResize="1" noEditPoints="1" noAdjustHandles="1" noChangeArrowheads="1" noChangeShapeType="1" noTextEdit="1"/>
+              </p:cNvSpPr>
+              <p:nvPr/>
+            </p:nvSpPr>
+            <p:spPr>
+              <a:xfrm>
+                <a:off x="5844988" y="2613193"/>
+                <a:ext cx="1775012" cy="369332"/>
+              </a:xfrm>
+              <a:prstGeom prst="rect">
+                <a:avLst/>
+              </a:prstGeom>
+              <a:blipFill>
+                <a:blip r:embed="rId4"/>
+                <a:stretch>
+                  <a:fillRect b="-3333"/>
+                </a:stretch>
+              </a:blipFill>
+            </p:spPr>
+            <p:txBody>
+              <a:bodyPr/>
+              <a:lstStyle/>
+              <a:p>
+                <a:r>
+                  <a:rPr lang="ja-JP" altLang="en-US">
+                    <a:noFill/>
+                  </a:rPr>
+                  <a:t> </a:t>
+                </a:r>
+              </a:p>
+            </p:txBody>
+          </p:sp>
+        </mc:Fallback>
+      </mc:AlternateContent>
+      <p:sp>
+        <p:nvSpPr>
+          <p:cNvPr id="10" name="矢印: 左右 9">
+            <a:extLst>
+              <a:ext uri="{FF2B5EF4-FFF2-40B4-BE49-F238E27FC236}">
+                <a16:creationId xmlns:a16="http://schemas.microsoft.com/office/drawing/2014/main" id="{4C85541E-1FA4-4BBD-9FC1-68FE037D145A}"/>
+              </a:ext>
+            </a:extLst>
+          </p:cNvPr>
+          <p:cNvSpPr/>
+          <p:nvPr/>
+        </p:nvSpPr>
+        <p:spPr>
+          <a:xfrm>
+            <a:off x="3411070" y="2156900"/>
+            <a:ext cx="1649506" cy="667853"/>
+          </a:xfrm>
+          <a:prstGeom prst="leftRightArrow">
+            <a:avLst/>
+          </a:prstGeom>
+          <a:solidFill>
+            <a:schemeClr val="accent2">
+              <a:lumMod val="60000"/>
+              <a:lumOff val="40000"/>
+            </a:schemeClr>
+          </a:solidFill>
+          <a:ln w="28575">
+            <a:solidFill>
+              <a:schemeClr val="tx1"/>
+            </a:solidFill>
+          </a:ln>
+        </p:spPr>
+        <p:style>
+          <a:lnRef idx="1">
+            <a:schemeClr val="accent1"/>
+          </a:lnRef>
+          <a:fillRef idx="0">
+            <a:schemeClr val="accent1"/>
+          </a:fillRef>
+          <a:effectRef idx="0">
+            <a:schemeClr val="accent1"/>
+          </a:effectRef>
+          <a:fontRef idx="minor">
+            <a:schemeClr val="tx1"/>
+          </a:fontRef>
+        </p:style>
+        <p:txBody>
+          <a:bodyPr rtlCol="0" anchor="ctr"/>
+          <a:lstStyle/>
+          <a:p>
+            <a:pPr algn="ctr"/>
+            <a:endParaRPr kumimoji="1" lang="ja-JP" altLang="en-US"/>
+          </a:p>
+        </p:txBody>
+      </p:sp>
+      <p:sp>
+        <p:nvSpPr>
+          <p:cNvPr id="11" name="テキスト ボックス 10">
+            <a:extLst>
+              <a:ext uri="{FF2B5EF4-FFF2-40B4-BE49-F238E27FC236}">
+                <a16:creationId xmlns:a16="http://schemas.microsoft.com/office/drawing/2014/main" id="{7D773926-60EC-4CC3-ACED-0D85CAAC2A04}"/>
+              </a:ext>
+            </a:extLst>
+          </p:cNvPr>
+          <p:cNvSpPr txBox="1"/>
+          <p:nvPr/>
+        </p:nvSpPr>
+        <p:spPr>
+          <a:xfrm>
+            <a:off x="3958851" y="2339787"/>
+            <a:ext cx="707278" cy="369332"/>
+          </a:xfrm>
+          <a:prstGeom prst="rect">
+            <a:avLst/>
+          </a:prstGeom>
+          <a:noFill/>
+        </p:spPr>
+        <p:txBody>
+          <a:bodyPr wrap="square" rtlCol="0">
+            <a:spAutoFit/>
+          </a:bodyPr>
+          <a:lstStyle/>
+          <a:p>
+            <a:r>
+              <a:rPr kumimoji="1" lang="ja-JP" altLang="en-US" dirty="0"/>
+              <a:t>通信</a:t>
+            </a:r>
+          </a:p>
+        </p:txBody>
+      </p:sp>
+      <p:sp>
+        <p:nvSpPr>
+          <p:cNvPr id="13" name="矢印: 上下 12">
+            <a:extLst>
+              <a:ext uri="{FF2B5EF4-FFF2-40B4-BE49-F238E27FC236}">
+                <a16:creationId xmlns:a16="http://schemas.microsoft.com/office/drawing/2014/main" id="{CC6730F7-62D1-4CD6-905C-A89B79E508AB}"/>
+              </a:ext>
+            </a:extLst>
+          </p:cNvPr>
+          <p:cNvSpPr/>
+          <p:nvPr/>
+        </p:nvSpPr>
+        <p:spPr>
+          <a:xfrm>
+            <a:off x="1546411" y="2989711"/>
+            <a:ext cx="349623" cy="582706"/>
+          </a:xfrm>
+          <a:prstGeom prst="upDownArrow">
+            <a:avLst/>
+          </a:prstGeom>
+          <a:ln w="28575">
+            <a:solidFill>
+              <a:schemeClr val="tx1"/>
+            </a:solidFill>
+          </a:ln>
+        </p:spPr>
+        <p:style>
+          <a:lnRef idx="1">
+            <a:schemeClr val="accent1"/>
+          </a:lnRef>
+          <a:fillRef idx="0">
+            <a:schemeClr val="accent1"/>
+          </a:fillRef>
+          <a:effectRef idx="0">
+            <a:schemeClr val="accent1"/>
+          </a:effectRef>
+          <a:fontRef idx="minor">
+            <a:schemeClr val="tx1"/>
+          </a:fontRef>
+        </p:style>
+        <p:txBody>
+          <a:bodyPr rtlCol="0" anchor="ctr"/>
+          <a:lstStyle/>
+          <a:p>
+            <a:pPr algn="ctr"/>
+            <a:endParaRPr kumimoji="1" lang="ja-JP" altLang="en-US"/>
+          </a:p>
+        </p:txBody>
+      </p:sp>
+      <mc:AlternateContent xmlns:mc="http://schemas.openxmlformats.org/markup-compatibility/2006" xmlns:a14="http://schemas.microsoft.com/office/drawing/2010/main">
+        <mc:Choice Requires="a14">
+          <p:sp>
+            <p:nvSpPr>
+              <p:cNvPr id="14" name="テキスト ボックス 13">
+                <a:extLst>
+                  <a:ext uri="{FF2B5EF4-FFF2-40B4-BE49-F238E27FC236}">
+                    <a16:creationId xmlns:a16="http://schemas.microsoft.com/office/drawing/2014/main" id="{C66C531D-6E81-4265-A5DF-4C94B935BB6D}"/>
+                  </a:ext>
+                </a:extLst>
+              </p:cNvPr>
+              <p:cNvSpPr txBox="1"/>
+              <p:nvPr/>
+            </p:nvSpPr>
+            <p:spPr>
+              <a:xfrm>
+                <a:off x="918880" y="3668940"/>
+                <a:ext cx="1604683" cy="584775"/>
+              </a:xfrm>
+              <a:prstGeom prst="rect">
+                <a:avLst/>
+              </a:prstGeom>
+              <a:noFill/>
+            </p:spPr>
+            <p:txBody>
+              <a:bodyPr wrap="square" rtlCol="0">
+                <a:spAutoFit/>
+              </a:bodyPr>
+              <a:lstStyle/>
+              <a:p>
+                <a:pPr algn="ctr"/>
+                <a:r>
+                  <a:rPr kumimoji="1" lang="ja-JP" altLang="en-US" sz="1600" dirty="0"/>
+                  <a:t>アイテム集合</a:t>
+                </a:r>
+                <a:endParaRPr kumimoji="1" lang="en-US" altLang="ja-JP" sz="1600" dirty="0"/>
+              </a:p>
+              <a:p>
+                <a:pPr algn="ctr"/>
+                <a14:m>
+                  <m:oMathPara xmlns:m="http://schemas.openxmlformats.org/officeDocument/2006/math">
+                    <m:oMathParaPr>
+                      <m:jc m:val="centerGroup"/>
+                    </m:oMathParaPr>
+                    <m:oMath xmlns:m="http://schemas.openxmlformats.org/officeDocument/2006/math">
+                      <m:r>
+                        <a:rPr kumimoji="1" lang="en-US" altLang="ja-JP" sz="1600" b="0" i="1" smtClean="0">
+                          <a:latin typeface="Cambria Math" panose="02040503050406030204" pitchFamily="18" charset="0"/>
+                        </a:rPr>
+                        <m:t>{3, 5, 6, 9}</m:t>
+                      </m:r>
+                    </m:oMath>
+                  </m:oMathPara>
+                </a14:m>
+                <a:endParaRPr kumimoji="1" lang="ja-JP" altLang="en-US" sz="1600" dirty="0"/>
+              </a:p>
+            </p:txBody>
+          </p:sp>
+        </mc:Choice>
+        <mc:Fallback xmlns="">
+          <p:sp>
+            <p:nvSpPr>
+              <p:cNvPr id="14" name="テキスト ボックス 13">
+                <a:extLst>
+                  <a:ext uri="{FF2B5EF4-FFF2-40B4-BE49-F238E27FC236}">
+                    <a16:creationId xmlns:a16="http://schemas.microsoft.com/office/drawing/2014/main" id="{C66C531D-6E81-4265-A5DF-4C94B935BB6D}"/>
+                  </a:ext>
+                </a:extLst>
+              </p:cNvPr>
+              <p:cNvSpPr txBox="1">
+                <a:spLocks noRot="1" noChangeAspect="1" noMove="1" noResize="1" noEditPoints="1" noAdjustHandles="1" noChangeArrowheads="1" noChangeShapeType="1" noTextEdit="1"/>
+              </p:cNvSpPr>
+              <p:nvPr/>
+            </p:nvSpPr>
+            <p:spPr>
+              <a:xfrm>
+                <a:off x="918880" y="3668940"/>
+                <a:ext cx="1604683" cy="584775"/>
+              </a:xfrm>
+              <a:prstGeom prst="rect">
+                <a:avLst/>
+              </a:prstGeom>
+              <a:blipFill>
+                <a:blip r:embed="rId5"/>
+                <a:stretch>
+                  <a:fillRect t="-3125" b="-3125"/>
+                </a:stretch>
+              </a:blipFill>
+            </p:spPr>
+            <p:txBody>
+              <a:bodyPr/>
+              <a:lstStyle/>
+              <a:p>
+                <a:r>
+                  <a:rPr lang="ja-JP" altLang="en-US">
+                    <a:noFill/>
+                  </a:rPr>
+                  <a:t> </a:t>
+                </a:r>
+              </a:p>
+            </p:txBody>
+          </p:sp>
+        </mc:Fallback>
+      </mc:AlternateContent>
+      <p:sp>
+        <p:nvSpPr>
+          <p:cNvPr id="15" name="矢印: 上下 14">
+            <a:extLst>
+              <a:ext uri="{FF2B5EF4-FFF2-40B4-BE49-F238E27FC236}">
+                <a16:creationId xmlns:a16="http://schemas.microsoft.com/office/drawing/2014/main" id="{C60DDBD6-D0DE-4424-86F8-D7D54E43F116}"/>
+              </a:ext>
+            </a:extLst>
+          </p:cNvPr>
+          <p:cNvSpPr/>
+          <p:nvPr/>
+        </p:nvSpPr>
+        <p:spPr>
+          <a:xfrm>
+            <a:off x="6620437" y="2982525"/>
+            <a:ext cx="349623" cy="582706"/>
+          </a:xfrm>
+          <a:prstGeom prst="upDownArrow">
+            <a:avLst/>
+          </a:prstGeom>
+          <a:ln w="28575">
+            <a:solidFill>
+              <a:schemeClr val="tx1"/>
+            </a:solidFill>
+          </a:ln>
+        </p:spPr>
+        <p:style>
+          <a:lnRef idx="1">
+            <a:schemeClr val="accent1"/>
+          </a:lnRef>
+          <a:fillRef idx="0">
+            <a:schemeClr val="accent1"/>
+          </a:fillRef>
+          <a:effectRef idx="0">
+            <a:schemeClr val="accent1"/>
+          </a:effectRef>
+          <a:fontRef idx="minor">
+            <a:schemeClr val="tx1"/>
+          </a:fontRef>
+        </p:style>
+        <p:txBody>
+          <a:bodyPr rtlCol="0" anchor="ctr"/>
+          <a:lstStyle/>
+          <a:p>
+            <a:pPr algn="ctr"/>
+            <a:endParaRPr kumimoji="1" lang="ja-JP" altLang="en-US"/>
+          </a:p>
+        </p:txBody>
+      </p:sp>
+      <mc:AlternateContent xmlns:mc="http://schemas.openxmlformats.org/markup-compatibility/2006" xmlns:a14="http://schemas.microsoft.com/office/drawing/2010/main">
+        <mc:Choice Requires="a14">
+          <p:sp>
+            <p:nvSpPr>
+              <p:cNvPr id="16" name="テキスト ボックス 15">
+                <a:extLst>
+                  <a:ext uri="{FF2B5EF4-FFF2-40B4-BE49-F238E27FC236}">
+                    <a16:creationId xmlns:a16="http://schemas.microsoft.com/office/drawing/2014/main" id="{A7146EF4-E151-4BCC-9AB7-765C4C3AEF88}"/>
+                  </a:ext>
+                </a:extLst>
+              </p:cNvPr>
+              <p:cNvSpPr txBox="1"/>
+              <p:nvPr/>
+            </p:nvSpPr>
+            <p:spPr>
+              <a:xfrm>
+                <a:off x="5992906" y="3661754"/>
+                <a:ext cx="1604683" cy="584775"/>
+              </a:xfrm>
+              <a:prstGeom prst="rect">
+                <a:avLst/>
+              </a:prstGeom>
+              <a:noFill/>
+            </p:spPr>
+            <p:txBody>
+              <a:bodyPr wrap="square" rtlCol="0">
+                <a:spAutoFit/>
+              </a:bodyPr>
+              <a:lstStyle/>
+              <a:p>
+                <a:pPr algn="ctr"/>
+                <a:r>
+                  <a:rPr kumimoji="1" lang="ja-JP" altLang="en-US" sz="1600" dirty="0"/>
+                  <a:t>アイテム集合</a:t>
+                </a:r>
+                <a:endParaRPr kumimoji="1" lang="en-US" altLang="ja-JP" sz="1600" dirty="0"/>
+              </a:p>
+              <a:p>
+                <a:pPr algn="ctr"/>
+                <a14:m>
+                  <m:oMathPara xmlns:m="http://schemas.openxmlformats.org/officeDocument/2006/math">
+                    <m:oMathParaPr>
+                      <m:jc m:val="centerGroup"/>
+                    </m:oMathParaPr>
+                    <m:oMath xmlns:m="http://schemas.openxmlformats.org/officeDocument/2006/math">
+                      <m:r>
+                        <a:rPr kumimoji="1" lang="en-US" altLang="ja-JP" sz="1600" b="0" i="1" smtClean="0">
+                          <a:latin typeface="Cambria Math" panose="02040503050406030204" pitchFamily="18" charset="0"/>
+                        </a:rPr>
+                        <m:t>{3, 4, 6, 8}</m:t>
+                      </m:r>
+                    </m:oMath>
+                  </m:oMathPara>
+                </a14:m>
+                <a:endParaRPr kumimoji="1" lang="ja-JP" altLang="en-US" sz="1600" dirty="0"/>
+              </a:p>
+            </p:txBody>
+          </p:sp>
+        </mc:Choice>
+        <mc:Fallback xmlns="">
+          <p:sp>
+            <p:nvSpPr>
+              <p:cNvPr id="16" name="テキスト ボックス 15">
+                <a:extLst>
+                  <a:ext uri="{FF2B5EF4-FFF2-40B4-BE49-F238E27FC236}">
+                    <a16:creationId xmlns:a16="http://schemas.microsoft.com/office/drawing/2014/main" id="{A7146EF4-E151-4BCC-9AB7-765C4C3AEF88}"/>
+                  </a:ext>
+                </a:extLst>
+              </p:cNvPr>
+              <p:cNvSpPr txBox="1">
+                <a:spLocks noRot="1" noChangeAspect="1" noMove="1" noResize="1" noEditPoints="1" noAdjustHandles="1" noChangeArrowheads="1" noChangeShapeType="1" noTextEdit="1"/>
+              </p:cNvSpPr>
+              <p:nvPr/>
+            </p:nvSpPr>
+            <p:spPr>
+              <a:xfrm>
+                <a:off x="5992906" y="3661754"/>
+                <a:ext cx="1604683" cy="584775"/>
+              </a:xfrm>
+              <a:prstGeom prst="rect">
+                <a:avLst/>
+              </a:prstGeom>
+              <a:blipFill>
+                <a:blip r:embed="rId6"/>
+                <a:stretch>
+                  <a:fillRect t="-3125" b="-3125"/>
+                </a:stretch>
+              </a:blipFill>
+            </p:spPr>
+            <p:txBody>
+              <a:bodyPr/>
+              <a:lstStyle/>
+              <a:p>
+                <a:r>
+                  <a:rPr lang="ja-JP" altLang="en-US">
+                    <a:noFill/>
+                  </a:rPr>
+                  <a:t> </a:t>
+                </a:r>
+              </a:p>
+            </p:txBody>
+          </p:sp>
+        </mc:Fallback>
+      </mc:AlternateContent>
+    </p:spTree>
+    <p:extLst>
+      <p:ext uri="{BB962C8B-B14F-4D97-AF65-F5344CB8AC3E}">
+        <p14:creationId xmlns:p14="http://schemas.microsoft.com/office/powerpoint/2010/main" val="3484008835"/>
+      </p:ext>
+    </p:extLst>
+  </p:cSld>
+  <p:clrMapOvr>
+    <a:masterClrMapping/>
+  </p:clrMapOvr>
+</p:sld>
+</file>
+
+<file path=ppt/slides/slide13.xml><?xml version="1.0" encoding="utf-8"?>
+<p:sld xmlns:a="http://schemas.openxmlformats.org/drawingml/2006/main" xmlns:r="http://schemas.openxmlformats.org/officeDocument/2006/relationships" xmlns:p="http://schemas.openxmlformats.org/presentationml/2006/main">
+  <p:cSld>
+    <p:spTree>
+      <p:nvGrpSpPr>
+        <p:cNvPr id="1" name=""/>
+        <p:cNvGrpSpPr/>
+        <p:nvPr/>
+      </p:nvGrpSpPr>
+      <p:grpSpPr>
+        <a:xfrm>
+          <a:off x="0" y="0"/>
+          <a:ext cx="0" cy="0"/>
+          <a:chOff x="0" y="0"/>
+          <a:chExt cx="0" cy="0"/>
+        </a:xfrm>
+      </p:grpSpPr>
+      <p:sp>
+        <p:nvSpPr>
+          <p:cNvPr id="2" name="タイトル 1">
+            <a:extLst>
+              <a:ext uri="{FF2B5EF4-FFF2-40B4-BE49-F238E27FC236}">
                 <a16:creationId xmlns:a16="http://schemas.microsoft.com/office/drawing/2014/main" id="{454CB6F3-315C-44B8-9C17-A36A0E3D1EB1}"/>
               </a:ext>
             </a:extLst>
@@ -5208,7 +8199,7 @@
 </p:sld>
 </file>
 
-<file path=ppt/slides/slide11.xml><?xml version="1.0" encoding="utf-8"?>
+<file path=ppt/slides/slide14.xml><?xml version="1.0" encoding="utf-8"?>
 <p:sld xmlns:a="http://schemas.openxmlformats.org/drawingml/2006/main" xmlns:r="http://schemas.openxmlformats.org/officeDocument/2006/relationships" xmlns:p="http://schemas.openxmlformats.org/presentationml/2006/main">
   <p:cSld>
     <p:spTree>
@@ -5291,7 +8282,7 @@
 </p:sld>
 </file>
 
-<file path=ppt/slides/slide12.xml><?xml version="1.0" encoding="utf-8"?>
+<file path=ppt/slides/slide15.xml><?xml version="1.0" encoding="utf-8"?>
 <p:sld xmlns:a="http://schemas.openxmlformats.org/drawingml/2006/main" xmlns:r="http://schemas.openxmlformats.org/officeDocument/2006/relationships" xmlns:p="http://schemas.openxmlformats.org/presentationml/2006/main">
   <p:cSld>
     <p:spTree>
@@ -5803,7 +8794,7 @@
 </p:sld>
 </file>
 
-<file path=ppt/slides/slide13.xml><?xml version="1.0" encoding="utf-8"?>
+<file path=ppt/slides/slide16.xml><?xml version="1.0" encoding="utf-8"?>
 <p:sld xmlns:a="http://schemas.openxmlformats.org/drawingml/2006/main" xmlns:r="http://schemas.openxmlformats.org/officeDocument/2006/relationships" xmlns:p="http://schemas.openxmlformats.org/presentationml/2006/main">
   <p:cSld>
     <p:spTree>
@@ -9973,7 +12964,7 @@
 </p:sld>
 </file>
 
-<file path=ppt/slides/slide14.xml><?xml version="1.0" encoding="utf-8"?>
+<file path=ppt/slides/slide17.xml><?xml version="1.0" encoding="utf-8"?>
 <p:sld xmlns:a="http://schemas.openxmlformats.org/drawingml/2006/main" xmlns:r="http://schemas.openxmlformats.org/officeDocument/2006/relationships" xmlns:p="http://schemas.openxmlformats.org/presentationml/2006/main">
   <p:cSld>
     <p:spTree>
@@ -15173,7 +18164,7 @@
 </p:sld>
 </file>
 
-<file path=ppt/slides/slide15.xml><?xml version="1.0" encoding="utf-8"?>
+<file path=ppt/slides/slide18.xml><?xml version="1.0" encoding="utf-8"?>
 <p:sld xmlns:a="http://schemas.openxmlformats.org/drawingml/2006/main" xmlns:r="http://schemas.openxmlformats.org/officeDocument/2006/relationships" xmlns:p="http://schemas.openxmlformats.org/presentationml/2006/main">
   <p:cSld>
     <p:spTree>
@@ -19946,18 +22937,6 @@
                       </a:rPr>
                       <m:t>=</m:t>
                     </m:r>
-                    <m:r>
-                      <a:rPr lang="en-US" altLang="ja-JP" b="0" i="1" smtClean="0">
-                        <a:latin typeface="Cambria Math" panose="02040503050406030204" pitchFamily="18" charset="0"/>
-                      </a:rPr>
-                      <m:t>𝑂</m:t>
-                    </m:r>
-                    <m:r>
-                      <a:rPr lang="en-US" altLang="ja-JP" b="0" i="1" smtClean="0">
-                        <a:latin typeface="Cambria Math" panose="02040503050406030204" pitchFamily="18" charset="0"/>
-                      </a:rPr>
-                      <m:t>(</m:t>
-                    </m:r>
                     <m:func>
                       <m:funcPr>
                         <m:ctrlPr>
@@ -19986,12 +22965,6 @@
                         </m:r>
                       </m:e>
                     </m:func>
-                    <m:r>
-                      <a:rPr lang="en-US" altLang="ja-JP" b="0" i="1" smtClean="0">
-                        <a:latin typeface="Cambria Math" panose="02040503050406030204" pitchFamily="18" charset="0"/>
-                      </a:rPr>
-                      <m:t>)</m:t>
-                    </m:r>
                   </m:oMath>
                 </a14:m>
                 <a:r>
@@ -20127,69 +23100,71 @@
           <a:p>
             <a:r>
               <a:rPr lang="ja-JP" altLang="en-US" dirty="0"/>
-              <a:t>𝐶𝑂𝑁𝐺𝐸𝑆𝑇モデルにおいてさまざまな問題に対する</a:t>
-            </a:r>
-            <a:br>
-              <a:rPr lang="ja-JP" altLang="en-US" dirty="0"/>
-            </a:br>
-            <a:r>
-              <a:rPr lang="ja-JP" altLang="en-US" dirty="0"/>
-              <a:t>複雑性に興味がもたれている</a:t>
-            </a:r>
-          </a:p>
-          <a:p>
-            <a:pPr lvl="1"/>
-            <a:r>
-              <a:rPr lang="ja-JP" altLang="en-US" dirty="0"/>
-              <a:t>距離計算</a:t>
-            </a:r>
-          </a:p>
-          <a:p>
-            <a:pPr lvl="1"/>
-            <a:r>
-              <a:rPr lang="ja-JP" altLang="en-US" dirty="0"/>
-              <a:t>最小全域木の構築</a:t>
-            </a:r>
-          </a:p>
-          <a:p>
-            <a:pPr lvl="1"/>
-            <a:r>
-              <a:rPr lang="ja-JP" altLang="en-US" dirty="0"/>
-              <a:t>最小頂点被覆の発見 など</a:t>
-            </a:r>
-            <a:endParaRPr lang="en-US" altLang="ja-JP" dirty="0"/>
-          </a:p>
-          <a:p>
-            <a:pPr lvl="1"/>
-            <a:endParaRPr lang="en-US" altLang="ja-JP" dirty="0"/>
-          </a:p>
-          <a:p>
-            <a:r>
-              <a:rPr lang="ja-JP" altLang="en-US" dirty="0"/>
-              <a:t>近年</a:t>
-            </a:r>
-            <a:r>
-              <a:rPr lang="en-US" altLang="ja-JP" dirty="0"/>
-              <a:t>,2</a:t>
-            </a:r>
-            <a:r>
-              <a:rPr lang="ja-JP" altLang="en-US" dirty="0"/>
-              <a:t>者間通信複雑性への帰着を通じて下限を証明する</a:t>
+              <a:t>組み合わせ最適化問題の一つである最大独立集合問題の</a:t>
             </a:r>
             <a:br>
               <a:rPr lang="en-US" altLang="ja-JP" dirty="0"/>
             </a:br>
             <a:r>
               <a:rPr lang="ja-JP" altLang="en-US" dirty="0"/>
-              <a:t>手法のおかげで𝐶𝑂𝑁𝐺𝐸𝑆𝑇モデルにおけるいくつかの問題の</a:t>
+              <a:t>分散アルゴリズムに対する多くの研究がされている</a:t>
+            </a:r>
+            <a:endParaRPr lang="en-US" altLang="ja-JP" dirty="0"/>
+          </a:p>
+          <a:p>
+            <a:endParaRPr lang="en-US" altLang="ja-JP" dirty="0"/>
+          </a:p>
+          <a:p>
+            <a:r>
+              <a:rPr lang="ja-JP" altLang="en-US" dirty="0"/>
+              <a:t>独立集合</a:t>
+            </a:r>
+            <a:r>
+              <a:rPr lang="en-US" altLang="ja-JP" dirty="0"/>
+              <a:t>:</a:t>
+            </a:r>
+            <a:r>
+              <a:rPr lang="ja-JP" altLang="en-US" dirty="0"/>
+              <a:t>各頂点が隣接していない頂点部分集合</a:t>
+            </a:r>
+            <a:endParaRPr lang="en-US" altLang="ja-JP" dirty="0"/>
+          </a:p>
+          <a:p>
+            <a:r>
+              <a:rPr lang="ja-JP" altLang="en-US" dirty="0"/>
+              <a:t>最大独立集合</a:t>
             </a:r>
             <a:br>
               <a:rPr lang="en-US" altLang="ja-JP" dirty="0"/>
             </a:br>
             <a:r>
               <a:rPr lang="ja-JP" altLang="en-US" dirty="0"/>
-              <a:t>複雑性に関する理解が大幅に向上している</a:t>
-            </a:r>
+              <a:t>重みなしグラフ</a:t>
+            </a:r>
+            <a:r>
+              <a:rPr lang="en-US" altLang="ja-JP" dirty="0"/>
+              <a:t>-</a:t>
+            </a:r>
+            <a:r>
+              <a:rPr lang="ja-JP" altLang="en-US" dirty="0"/>
+              <a:t>頂点数が最も多い独立集合</a:t>
+            </a:r>
+            <a:br>
+              <a:rPr lang="en-US" altLang="ja-JP" dirty="0"/>
+            </a:br>
+            <a:r>
+              <a:rPr lang="ja-JP" altLang="en-US" dirty="0"/>
+              <a:t>重み付きグラフ</a:t>
+            </a:r>
+            <a:r>
+              <a:rPr lang="en-US" altLang="ja-JP" dirty="0"/>
+              <a:t>-</a:t>
+            </a:r>
+            <a:r>
+              <a:rPr lang="ja-JP" altLang="en-US" dirty="0"/>
+              <a:t>合計重みが最も大きい独立集合</a:t>
+            </a:r>
+            <a:endParaRPr lang="en-US" altLang="ja-JP" dirty="0"/>
           </a:p>
           <a:p>
             <a:endParaRPr lang="en-US" altLang="ja-JP" dirty="0"/>
@@ -20231,7 +23206,7 @@
           <p:cNvPr id="2" name="タイトル 1">
             <a:extLst>
               <a:ext uri="{FF2B5EF4-FFF2-40B4-BE49-F238E27FC236}">
-                <a16:creationId xmlns:a16="http://schemas.microsoft.com/office/drawing/2014/main" id="{89B5080C-4114-4489-B9C1-0956A90971FF}"/>
+                <a16:creationId xmlns:a16="http://schemas.microsoft.com/office/drawing/2014/main" id="{3985119C-01E4-4E2F-ABE2-E8C8C583FA29}"/>
               </a:ext>
             </a:extLst>
           </p:cNvPr>
@@ -20248,819 +23223,8 @@
           <a:lstStyle/>
           <a:p>
             <a:r>
-              <a:rPr kumimoji="1" lang="en-US" altLang="ja-JP" dirty="0"/>
-              <a:t>2</a:t>
-            </a:r>
-            <a:r>
               <a:rPr kumimoji="1" lang="ja-JP" altLang="en-US" dirty="0"/>
-              <a:t>者間交叉判定問題の通信複雑性</a:t>
-            </a:r>
-          </a:p>
-        </p:txBody>
-      </p:sp>
-      <mc:AlternateContent xmlns:mc="http://schemas.openxmlformats.org/markup-compatibility/2006">
-        <mc:Choice xmlns:a14="http://schemas.microsoft.com/office/drawing/2010/main" Requires="a14">
-          <p:sp>
-            <p:nvSpPr>
-              <p:cNvPr id="3" name="コンテンツ プレースホルダー 2">
-                <a:extLst>
-                  <a:ext uri="{FF2B5EF4-FFF2-40B4-BE49-F238E27FC236}">
-                    <a16:creationId xmlns:a16="http://schemas.microsoft.com/office/drawing/2014/main" id="{8740F7D8-D5CB-4078-8165-961AC04E5531}"/>
-                  </a:ext>
-                </a:extLst>
-              </p:cNvPr>
-              <p:cNvSpPr>
-                <a:spLocks noGrp="1"/>
-              </p:cNvSpPr>
-              <p:nvPr>
-                <p:ph sz="quarter" idx="1"/>
-              </p:nvPr>
-            </p:nvSpPr>
-            <p:spPr/>
-            <p:txBody>
-              <a:bodyPr/>
-              <a:lstStyle/>
-              <a:p>
-                <a:r>
-                  <a:rPr kumimoji="1" lang="en-US" altLang="ja-JP" dirty="0"/>
-                  <a:t>Alice </a:t>
-                </a:r>
-                <a:r>
-                  <a:rPr kumimoji="1" lang="ja-JP" altLang="en-US" dirty="0"/>
-                  <a:t>と </a:t>
-                </a:r>
-                <a:r>
-                  <a:rPr kumimoji="1" lang="en-US" altLang="ja-JP" dirty="0"/>
-                  <a:t>Bob</a:t>
-                </a:r>
-                <a:r>
-                  <a:rPr kumimoji="1" lang="ja-JP" altLang="en-US" dirty="0"/>
-                  <a:t>の</a:t>
-                </a:r>
-                <a:r>
-                  <a:rPr kumimoji="1" lang="en-US" altLang="ja-JP" dirty="0"/>
-                  <a:t>2</a:t>
-                </a:r>
-                <a:r>
-                  <a:rPr kumimoji="1" lang="ja-JP" altLang="en-US" dirty="0"/>
-                  <a:t>人のプレイヤーがいてそれぞれが</a:t>
-                </a:r>
-                <a:br>
-                  <a:rPr kumimoji="1" lang="en-US" altLang="ja-JP" dirty="0"/>
-                </a:br>
-                <a14:m>
-                  <m:oMath xmlns:m="http://schemas.openxmlformats.org/officeDocument/2006/math">
-                    <m:r>
-                      <a:rPr kumimoji="1" lang="en-US" altLang="ja-JP" b="0" i="1" smtClean="0">
-                        <a:latin typeface="Cambria Math" panose="02040503050406030204" pitchFamily="18" charset="0"/>
-                      </a:rPr>
-                      <m:t>𝑛</m:t>
-                    </m:r>
-                  </m:oMath>
-                </a14:m>
-                <a:r>
-                  <a:rPr kumimoji="1" lang="ja-JP" altLang="en-US" dirty="0"/>
-                  <a:t>ビットのデータ列</a:t>
-                </a:r>
-                <a14:m>
-                  <m:oMath xmlns:m="http://schemas.openxmlformats.org/officeDocument/2006/math">
-                    <m:r>
-                      <a:rPr kumimoji="1" lang="en-US" altLang="ja-JP" b="0" i="1" smtClean="0">
-                        <a:latin typeface="Cambria Math" panose="02040503050406030204" pitchFamily="18" charset="0"/>
-                      </a:rPr>
-                      <m:t>𝑥</m:t>
-                    </m:r>
-                    <m:r>
-                      <a:rPr kumimoji="1" lang="en-US" altLang="ja-JP" b="0" i="1" smtClean="0">
-                        <a:latin typeface="Cambria Math" panose="02040503050406030204" pitchFamily="18" charset="0"/>
-                      </a:rPr>
-                      <m:t>, </m:t>
-                    </m:r>
-                    <m:r>
-                      <a:rPr kumimoji="1" lang="en-US" altLang="ja-JP" b="0" i="1" smtClean="0">
-                        <a:latin typeface="Cambria Math" panose="02040503050406030204" pitchFamily="18" charset="0"/>
-                      </a:rPr>
-                      <m:t>𝑦</m:t>
-                    </m:r>
-                  </m:oMath>
-                </a14:m>
-                <a:r>
-                  <a:rPr kumimoji="1" lang="ja-JP" altLang="en-US" dirty="0"/>
-                  <a:t>を持っている</a:t>
-                </a:r>
-                <a:endParaRPr kumimoji="1" lang="en-US" altLang="ja-JP" dirty="0"/>
-              </a:p>
-              <a:p>
-                <a:endParaRPr kumimoji="1" lang="en-US" altLang="ja-JP" dirty="0"/>
-              </a:p>
-              <a:p>
-                <a:endParaRPr lang="en-US" altLang="ja-JP" dirty="0"/>
-              </a:p>
-              <a:p>
-                <a:endParaRPr kumimoji="1" lang="en-US" altLang="ja-JP" dirty="0"/>
-              </a:p>
-              <a:p>
-                <a:endParaRPr kumimoji="1" lang="en-US" altLang="ja-JP" dirty="0"/>
-              </a:p>
-              <a:p>
-                <a:pPr lvl="1"/>
-                <a:r>
-                  <a:rPr lang="ja-JP" altLang="en-US" dirty="0"/>
-                  <a:t>目的</a:t>
-                </a:r>
-                <a:r>
-                  <a:rPr lang="en-US" altLang="ja-JP" dirty="0"/>
-                  <a:t>: </a:t>
-                </a:r>
-                <a:r>
-                  <a:rPr lang="ja-JP" altLang="en-US" dirty="0"/>
-                  <a:t>関数</a:t>
-                </a:r>
-                <a14:m>
-                  <m:oMath xmlns:m="http://schemas.openxmlformats.org/officeDocument/2006/math">
-                    <m:r>
-                      <a:rPr lang="en-US" altLang="ja-JP" i="1">
-                        <a:latin typeface="Cambria Math" panose="02040503050406030204" pitchFamily="18" charset="0"/>
-                      </a:rPr>
-                      <m:t>𝑓</m:t>
-                    </m:r>
-                    <m:r>
-                      <a:rPr lang="en-US" altLang="ja-JP" i="1">
-                        <a:latin typeface="Cambria Math" panose="02040503050406030204" pitchFamily="18" charset="0"/>
-                      </a:rPr>
-                      <m:t>:</m:t>
-                    </m:r>
-                    <m:r>
-                      <a:rPr lang="en-US" altLang="ja-JP" i="1">
-                        <a:latin typeface="Cambria Math" panose="02040503050406030204" pitchFamily="18" charset="0"/>
-                      </a:rPr>
-                      <m:t>𝑋</m:t>
-                    </m:r>
-                    <m:r>
-                      <a:rPr lang="en-US" altLang="ja-JP" i="1">
-                        <a:latin typeface="Cambria Math" panose="02040503050406030204" pitchFamily="18" charset="0"/>
-                        <a:ea typeface="Cambria Math" panose="02040503050406030204" pitchFamily="18" charset="0"/>
-                      </a:rPr>
-                      <m:t>×</m:t>
-                    </m:r>
-                    <m:r>
-                      <a:rPr lang="en-US" altLang="ja-JP" i="1">
-                        <a:latin typeface="Cambria Math" panose="02040503050406030204" pitchFamily="18" charset="0"/>
-                        <a:ea typeface="Cambria Math" panose="02040503050406030204" pitchFamily="18" charset="0"/>
-                      </a:rPr>
-                      <m:t>𝑌</m:t>
-                    </m:r>
-                    <m:r>
-                      <a:rPr lang="en-US" altLang="ja-JP" i="1">
-                        <a:latin typeface="Cambria Math" panose="02040503050406030204" pitchFamily="18" charset="0"/>
-                        <a:ea typeface="Cambria Math" panose="02040503050406030204" pitchFamily="18" charset="0"/>
-                      </a:rPr>
-                      <m:t>→</m:t>
-                    </m:r>
-                    <m:r>
-                      <a:rPr lang="en-US" altLang="ja-JP" i="1">
-                        <a:latin typeface="Cambria Math" panose="02040503050406030204" pitchFamily="18" charset="0"/>
-                        <a:ea typeface="Cambria Math" panose="02040503050406030204" pitchFamily="18" charset="0"/>
-                      </a:rPr>
-                      <m:t>𝑍</m:t>
-                    </m:r>
-                  </m:oMath>
-                </a14:m>
-                <a:r>
-                  <a:rPr lang="ja-JP" altLang="en-US" dirty="0"/>
-                  <a:t>が与えられたとき</a:t>
-                </a:r>
-                <a:r>
-                  <a:rPr lang="en-US" altLang="ja-JP" dirty="0"/>
-                  <a:t>,</a:t>
-                </a:r>
-                <a14:m>
-                  <m:oMath xmlns:m="http://schemas.openxmlformats.org/officeDocument/2006/math">
-                    <m:r>
-                      <a:rPr lang="en-US" altLang="ja-JP" i="1">
-                        <a:latin typeface="Cambria Math" panose="02040503050406030204" pitchFamily="18" charset="0"/>
-                      </a:rPr>
-                      <m:t>𝑓</m:t>
-                    </m:r>
-                    <m:r>
-                      <a:rPr lang="en-US" altLang="ja-JP" i="1">
-                        <a:latin typeface="Cambria Math" panose="02040503050406030204" pitchFamily="18" charset="0"/>
-                      </a:rPr>
-                      <m:t>(</m:t>
-                    </m:r>
-                    <m:r>
-                      <a:rPr lang="en-US" altLang="ja-JP" i="1">
-                        <a:latin typeface="Cambria Math" panose="02040503050406030204" pitchFamily="18" charset="0"/>
-                      </a:rPr>
-                      <m:t>𝑥</m:t>
-                    </m:r>
-                    <m:r>
-                      <a:rPr lang="en-US" altLang="ja-JP" i="1">
-                        <a:latin typeface="Cambria Math" panose="02040503050406030204" pitchFamily="18" charset="0"/>
-                      </a:rPr>
-                      <m:t>, </m:t>
-                    </m:r>
-                    <m:r>
-                      <a:rPr lang="en-US" altLang="ja-JP" i="1">
-                        <a:latin typeface="Cambria Math" panose="02040503050406030204" pitchFamily="18" charset="0"/>
-                      </a:rPr>
-                      <m:t>𝑦</m:t>
-                    </m:r>
-                    <m:r>
-                      <a:rPr lang="en-US" altLang="ja-JP" i="1">
-                        <a:latin typeface="Cambria Math" panose="02040503050406030204" pitchFamily="18" charset="0"/>
-                      </a:rPr>
-                      <m:t>)</m:t>
-                    </m:r>
-                  </m:oMath>
-                </a14:m>
-                <a:r>
-                  <a:rPr lang="ja-JP" altLang="en-US" dirty="0"/>
-                  <a:t>を計算すること</a:t>
-                </a:r>
-                <a:endParaRPr lang="en-US" altLang="ja-JP" dirty="0"/>
-              </a:p>
-              <a:p>
-                <a:pPr lvl="1"/>
-                <a:r>
-                  <a:rPr lang="ja-JP" altLang="en-US" dirty="0"/>
-                  <a:t>問題</a:t>
-                </a:r>
-                <a:r>
-                  <a:rPr lang="en-US" altLang="ja-JP" dirty="0"/>
-                  <a:t>: </a:t>
-                </a:r>
-                <a14:m>
-                  <m:oMath xmlns:m="http://schemas.openxmlformats.org/officeDocument/2006/math">
-                    <m:r>
-                      <a:rPr lang="en-US" altLang="ja-JP" i="1">
-                        <a:latin typeface="Cambria Math" panose="02040503050406030204" pitchFamily="18" charset="0"/>
-                      </a:rPr>
-                      <m:t>𝑓</m:t>
-                    </m:r>
-                    <m:r>
-                      <a:rPr lang="en-US" altLang="ja-JP" i="1">
-                        <a:latin typeface="Cambria Math" panose="02040503050406030204" pitchFamily="18" charset="0"/>
-                      </a:rPr>
-                      <m:t>(</m:t>
-                    </m:r>
-                    <m:r>
-                      <a:rPr lang="en-US" altLang="ja-JP" i="1">
-                        <a:latin typeface="Cambria Math" panose="02040503050406030204" pitchFamily="18" charset="0"/>
-                      </a:rPr>
-                      <m:t>𝑥</m:t>
-                    </m:r>
-                    <m:r>
-                      <a:rPr lang="en-US" altLang="ja-JP" i="1">
-                        <a:latin typeface="Cambria Math" panose="02040503050406030204" pitchFamily="18" charset="0"/>
-                      </a:rPr>
-                      <m:t>, </m:t>
-                    </m:r>
-                    <m:r>
-                      <a:rPr lang="en-US" altLang="ja-JP" i="1">
-                        <a:latin typeface="Cambria Math" panose="02040503050406030204" pitchFamily="18" charset="0"/>
-                      </a:rPr>
-                      <m:t>𝑦</m:t>
-                    </m:r>
-                    <m:r>
-                      <a:rPr lang="en-US" altLang="ja-JP" i="1">
-                        <a:latin typeface="Cambria Math" panose="02040503050406030204" pitchFamily="18" charset="0"/>
-                      </a:rPr>
-                      <m:t>)</m:t>
-                    </m:r>
-                  </m:oMath>
-                </a14:m>
-                <a:r>
-                  <a:rPr lang="ja-JP" altLang="en-US" dirty="0"/>
-                  <a:t>の計算に必要な最悪通信ビット数はどのくらいか？</a:t>
-                </a:r>
-                <a:endParaRPr lang="en-US" altLang="ja-JP" dirty="0"/>
-              </a:p>
-              <a:p>
-                <a:pPr lvl="1"/>
-                <a:r>
-                  <a:rPr lang="en-US" altLang="ja-JP" dirty="0"/>
-                  <a:t>Alice </a:t>
-                </a:r>
-                <a:r>
-                  <a:rPr lang="ja-JP" altLang="en-US" dirty="0"/>
-                  <a:t>と </a:t>
-                </a:r>
-                <a:r>
-                  <a:rPr lang="en-US" altLang="ja-JP" dirty="0"/>
-                  <a:t>Bob</a:t>
-                </a:r>
-                <a:r>
-                  <a:rPr lang="ja-JP" altLang="en-US" dirty="0"/>
-                  <a:t>の計算能力は無限とする</a:t>
-                </a:r>
-              </a:p>
-              <a:p>
-                <a:pPr lvl="1"/>
-                <a:endParaRPr kumimoji="1" lang="ja-JP" altLang="en-US" dirty="0"/>
-              </a:p>
-            </p:txBody>
-          </p:sp>
-        </mc:Choice>
-        <mc:Fallback>
-          <p:sp>
-            <p:nvSpPr>
-              <p:cNvPr id="3" name="コンテンツ プレースホルダー 2">
-                <a:extLst>
-                  <a:ext uri="{FF2B5EF4-FFF2-40B4-BE49-F238E27FC236}">
-                    <a16:creationId xmlns:a16="http://schemas.microsoft.com/office/drawing/2014/main" id="{8740F7D8-D5CB-4078-8165-961AC04E5531}"/>
-                  </a:ext>
-                </a:extLst>
-              </p:cNvPr>
-              <p:cNvSpPr>
-                <a:spLocks noGrp="1" noRot="1" noChangeAspect="1" noMove="1" noResize="1" noEditPoints="1" noAdjustHandles="1" noChangeArrowheads="1" noChangeShapeType="1" noTextEdit="1"/>
-              </p:cNvSpPr>
-              <p:nvPr>
-                <p:ph sz="quarter" idx="1"/>
-              </p:nvPr>
-            </p:nvSpPr>
-            <p:spPr>
-              <a:blipFill>
-                <a:blip r:embed="rId2"/>
-                <a:stretch>
-                  <a:fillRect l="-139" t="-928"/>
-                </a:stretch>
-              </a:blipFill>
-            </p:spPr>
-            <p:txBody>
-              <a:bodyPr/>
-              <a:lstStyle/>
-              <a:p>
-                <a:r>
-                  <a:rPr lang="ja-JP" altLang="en-US">
-                    <a:noFill/>
-                  </a:rPr>
-                  <a:t> </a:t>
-                </a:r>
-              </a:p>
-            </p:txBody>
-          </p:sp>
-        </mc:Fallback>
-      </mc:AlternateContent>
-      <p:sp>
-        <p:nvSpPr>
-          <p:cNvPr id="4" name="テキスト ボックス 3">
-            <a:extLst>
-              <a:ext uri="{FF2B5EF4-FFF2-40B4-BE49-F238E27FC236}">
-                <a16:creationId xmlns:a16="http://schemas.microsoft.com/office/drawing/2014/main" id="{5A21E651-0A96-436B-83BC-D65D6F11E990}"/>
-              </a:ext>
-            </a:extLst>
-          </p:cNvPr>
-          <p:cNvSpPr txBox="1"/>
-          <p:nvPr/>
-        </p:nvSpPr>
-        <p:spPr>
-          <a:xfrm>
-            <a:off x="1272988" y="2680447"/>
-            <a:ext cx="896471" cy="461665"/>
-          </a:xfrm>
-          <a:prstGeom prst="rect">
-            <a:avLst/>
-          </a:prstGeom>
-          <a:noFill/>
-        </p:spPr>
-        <p:txBody>
-          <a:bodyPr wrap="square" rtlCol="0">
-            <a:spAutoFit/>
-          </a:bodyPr>
-          <a:lstStyle/>
-          <a:p>
-            <a:r>
-              <a:rPr kumimoji="1" lang="en-US" altLang="ja-JP" sz="2400" dirty="0"/>
-              <a:t>Alice</a:t>
-            </a:r>
-            <a:endParaRPr kumimoji="1" lang="ja-JP" altLang="en-US" sz="2400" dirty="0"/>
-          </a:p>
-        </p:txBody>
-      </p:sp>
-      <p:sp>
-        <p:nvSpPr>
-          <p:cNvPr id="5" name="正方形/長方形 4">
-            <a:extLst>
-              <a:ext uri="{FF2B5EF4-FFF2-40B4-BE49-F238E27FC236}">
-                <a16:creationId xmlns:a16="http://schemas.microsoft.com/office/drawing/2014/main" id="{F5718DBE-4B50-4CDA-88E3-E9F47D02A7C2}"/>
-              </a:ext>
-            </a:extLst>
-          </p:cNvPr>
-          <p:cNvSpPr/>
-          <p:nvPr/>
-        </p:nvSpPr>
-        <p:spPr>
-          <a:xfrm>
-            <a:off x="1272988" y="2680447"/>
-            <a:ext cx="896471" cy="376518"/>
-          </a:xfrm>
-          <a:prstGeom prst="rect">
-            <a:avLst/>
-          </a:prstGeom>
-          <a:ln w="9525">
-            <a:solidFill>
-              <a:schemeClr val="tx1"/>
-            </a:solidFill>
-          </a:ln>
-        </p:spPr>
-        <p:style>
-          <a:lnRef idx="1">
-            <a:schemeClr val="accent1"/>
-          </a:lnRef>
-          <a:fillRef idx="0">
-            <a:schemeClr val="accent1"/>
-          </a:fillRef>
-          <a:effectRef idx="0">
-            <a:schemeClr val="accent1"/>
-          </a:effectRef>
-          <a:fontRef idx="minor">
-            <a:schemeClr val="tx1"/>
-          </a:fontRef>
-        </p:style>
-        <p:txBody>
-          <a:bodyPr rtlCol="0" anchor="ctr"/>
-          <a:lstStyle/>
-          <a:p>
-            <a:pPr algn="ctr"/>
-            <a:endParaRPr kumimoji="1" lang="ja-JP" altLang="en-US"/>
-          </a:p>
-        </p:txBody>
-      </p:sp>
-      <mc:AlternateContent xmlns:mc="http://schemas.openxmlformats.org/markup-compatibility/2006">
-        <mc:Choice xmlns:a14="http://schemas.microsoft.com/office/drawing/2010/main" Requires="a14">
-          <p:sp>
-            <p:nvSpPr>
-              <p:cNvPr id="6" name="テキスト ボックス 5">
-                <a:extLst>
-                  <a:ext uri="{FF2B5EF4-FFF2-40B4-BE49-F238E27FC236}">
-                    <a16:creationId xmlns:a16="http://schemas.microsoft.com/office/drawing/2014/main" id="{3179AEA0-D1B0-4C38-9D58-4327E32BC4D5}"/>
-                  </a:ext>
-                </a:extLst>
-              </p:cNvPr>
-              <p:cNvSpPr txBox="1"/>
-              <p:nvPr/>
-            </p:nvSpPr>
-            <p:spPr>
-              <a:xfrm>
-                <a:off x="833717" y="3142112"/>
-                <a:ext cx="1775012" cy="369332"/>
-              </a:xfrm>
-              <a:prstGeom prst="rect">
-                <a:avLst/>
-              </a:prstGeom>
-              <a:noFill/>
-            </p:spPr>
-            <p:txBody>
-              <a:bodyPr wrap="square" rtlCol="0">
-                <a:spAutoFit/>
-              </a:bodyPr>
-              <a:lstStyle/>
-              <a:p>
-                <a14:m>
-                  <m:oMathPara xmlns:m="http://schemas.openxmlformats.org/officeDocument/2006/math">
-                    <m:oMathParaPr>
-                      <m:jc m:val="centerGroup"/>
-                    </m:oMathParaPr>
-                    <m:oMath xmlns:m="http://schemas.openxmlformats.org/officeDocument/2006/math">
-                      <m:r>
-                        <a:rPr kumimoji="1" lang="en-US" altLang="ja-JP" b="0" i="1" smtClean="0">
-                          <a:latin typeface="Cambria Math" panose="02040503050406030204" pitchFamily="18" charset="0"/>
-                        </a:rPr>
-                        <m:t>𝑥</m:t>
-                      </m:r>
-                      <m:r>
-                        <a:rPr kumimoji="1" lang="en-US" altLang="ja-JP" b="0" i="1" smtClean="0">
-                          <a:latin typeface="Cambria Math" panose="02040503050406030204" pitchFamily="18" charset="0"/>
-                        </a:rPr>
-                        <m:t>=001011001</m:t>
-                      </m:r>
-                    </m:oMath>
-                  </m:oMathPara>
-                </a14:m>
-                <a:endParaRPr kumimoji="1" lang="ja-JP" altLang="en-US" dirty="0"/>
-              </a:p>
-            </p:txBody>
-          </p:sp>
-        </mc:Choice>
-        <mc:Fallback>
-          <p:sp>
-            <p:nvSpPr>
-              <p:cNvPr id="6" name="テキスト ボックス 5">
-                <a:extLst>
-                  <a:ext uri="{FF2B5EF4-FFF2-40B4-BE49-F238E27FC236}">
-                    <a16:creationId xmlns:a16="http://schemas.microsoft.com/office/drawing/2014/main" id="{3179AEA0-D1B0-4C38-9D58-4327E32BC4D5}"/>
-                  </a:ext>
-                </a:extLst>
-              </p:cNvPr>
-              <p:cNvSpPr txBox="1">
-                <a:spLocks noRot="1" noChangeAspect="1" noMove="1" noResize="1" noEditPoints="1" noAdjustHandles="1" noChangeArrowheads="1" noChangeShapeType="1" noTextEdit="1"/>
-              </p:cNvSpPr>
-              <p:nvPr/>
-            </p:nvSpPr>
-            <p:spPr>
-              <a:xfrm>
-                <a:off x="833717" y="3142112"/>
-                <a:ext cx="1775012" cy="369332"/>
-              </a:xfrm>
-              <a:prstGeom prst="rect">
-                <a:avLst/>
-              </a:prstGeom>
-              <a:blipFill>
-                <a:blip r:embed="rId3"/>
-                <a:stretch>
-                  <a:fillRect/>
-                </a:stretch>
-              </a:blipFill>
-            </p:spPr>
-            <p:txBody>
-              <a:bodyPr/>
-              <a:lstStyle/>
-              <a:p>
-                <a:r>
-                  <a:rPr lang="ja-JP" altLang="en-US">
-                    <a:noFill/>
-                  </a:rPr>
-                  <a:t> </a:t>
-                </a:r>
-              </a:p>
-            </p:txBody>
-          </p:sp>
-        </mc:Fallback>
-      </mc:AlternateContent>
-      <p:sp>
-        <p:nvSpPr>
-          <p:cNvPr id="7" name="テキスト ボックス 6">
-            <a:extLst>
-              <a:ext uri="{FF2B5EF4-FFF2-40B4-BE49-F238E27FC236}">
-                <a16:creationId xmlns:a16="http://schemas.microsoft.com/office/drawing/2014/main" id="{697266B6-3581-4418-BFBD-A9A9D305113A}"/>
-              </a:ext>
-            </a:extLst>
-          </p:cNvPr>
-          <p:cNvSpPr txBox="1"/>
-          <p:nvPr/>
-        </p:nvSpPr>
-        <p:spPr>
-          <a:xfrm>
-            <a:off x="6284259" y="2680447"/>
-            <a:ext cx="896471" cy="461665"/>
-          </a:xfrm>
-          <a:prstGeom prst="rect">
-            <a:avLst/>
-          </a:prstGeom>
-          <a:noFill/>
-        </p:spPr>
-        <p:txBody>
-          <a:bodyPr wrap="square" rtlCol="0">
-            <a:spAutoFit/>
-          </a:bodyPr>
-          <a:lstStyle/>
-          <a:p>
-            <a:pPr algn="ctr"/>
-            <a:r>
-              <a:rPr lang="en-US" altLang="ja-JP" sz="2400" dirty="0"/>
-              <a:t>Bob</a:t>
-            </a:r>
-            <a:endParaRPr kumimoji="1" lang="ja-JP" altLang="en-US" sz="2400" dirty="0"/>
-          </a:p>
-        </p:txBody>
-      </p:sp>
-      <p:sp>
-        <p:nvSpPr>
-          <p:cNvPr id="8" name="正方形/長方形 7">
-            <a:extLst>
-              <a:ext uri="{FF2B5EF4-FFF2-40B4-BE49-F238E27FC236}">
-                <a16:creationId xmlns:a16="http://schemas.microsoft.com/office/drawing/2014/main" id="{DFAC4876-C0DA-4436-B842-D697F7B606D2}"/>
-              </a:ext>
-            </a:extLst>
-          </p:cNvPr>
-          <p:cNvSpPr/>
-          <p:nvPr/>
-        </p:nvSpPr>
-        <p:spPr>
-          <a:xfrm>
-            <a:off x="6284259" y="2680447"/>
-            <a:ext cx="896471" cy="376518"/>
-          </a:xfrm>
-          <a:prstGeom prst="rect">
-            <a:avLst/>
-          </a:prstGeom>
-          <a:ln w="9525">
-            <a:solidFill>
-              <a:schemeClr val="tx1"/>
-            </a:solidFill>
-          </a:ln>
-        </p:spPr>
-        <p:style>
-          <a:lnRef idx="1">
-            <a:schemeClr val="accent1"/>
-          </a:lnRef>
-          <a:fillRef idx="0">
-            <a:schemeClr val="accent1"/>
-          </a:fillRef>
-          <a:effectRef idx="0">
-            <a:schemeClr val="accent1"/>
-          </a:effectRef>
-          <a:fontRef idx="minor">
-            <a:schemeClr val="tx1"/>
-          </a:fontRef>
-        </p:style>
-        <p:txBody>
-          <a:bodyPr rtlCol="0" anchor="ctr"/>
-          <a:lstStyle/>
-          <a:p>
-            <a:pPr algn="ctr"/>
-            <a:endParaRPr kumimoji="1" lang="ja-JP" altLang="en-US"/>
-          </a:p>
-        </p:txBody>
-      </p:sp>
-      <mc:AlternateContent xmlns:mc="http://schemas.openxmlformats.org/markup-compatibility/2006">
-        <mc:Choice xmlns:a14="http://schemas.microsoft.com/office/drawing/2010/main" Requires="a14">
-          <p:sp>
-            <p:nvSpPr>
-              <p:cNvPr id="9" name="テキスト ボックス 8">
-                <a:extLst>
-                  <a:ext uri="{FF2B5EF4-FFF2-40B4-BE49-F238E27FC236}">
-                    <a16:creationId xmlns:a16="http://schemas.microsoft.com/office/drawing/2014/main" id="{E261C578-9A07-48CD-B1C4-B2FE371D00D2}"/>
-                  </a:ext>
-                </a:extLst>
-              </p:cNvPr>
-              <p:cNvSpPr txBox="1"/>
-              <p:nvPr/>
-            </p:nvSpPr>
-            <p:spPr>
-              <a:xfrm>
-                <a:off x="5844988" y="3142112"/>
-                <a:ext cx="1775012" cy="369332"/>
-              </a:xfrm>
-              <a:prstGeom prst="rect">
-                <a:avLst/>
-              </a:prstGeom>
-              <a:noFill/>
-            </p:spPr>
-            <p:txBody>
-              <a:bodyPr wrap="square" rtlCol="0">
-                <a:spAutoFit/>
-              </a:bodyPr>
-              <a:lstStyle/>
-              <a:p>
-                <a14:m>
-                  <m:oMathPara xmlns:m="http://schemas.openxmlformats.org/officeDocument/2006/math">
-                    <m:oMathParaPr>
-                      <m:jc m:val="centerGroup"/>
-                    </m:oMathParaPr>
-                    <m:oMath xmlns:m="http://schemas.openxmlformats.org/officeDocument/2006/math">
-                      <m:r>
-                        <a:rPr kumimoji="1" lang="en-US" altLang="ja-JP" b="0" i="1" smtClean="0">
-                          <a:latin typeface="Cambria Math" panose="02040503050406030204" pitchFamily="18" charset="0"/>
-                        </a:rPr>
-                        <m:t>𝑦</m:t>
-                      </m:r>
-                      <m:r>
-                        <a:rPr kumimoji="1" lang="en-US" altLang="ja-JP" b="0" i="1" smtClean="0">
-                          <a:latin typeface="Cambria Math" panose="02040503050406030204" pitchFamily="18" charset="0"/>
-                        </a:rPr>
-                        <m:t>=001101010</m:t>
-                      </m:r>
-                    </m:oMath>
-                  </m:oMathPara>
-                </a14:m>
-                <a:endParaRPr kumimoji="1" lang="ja-JP" altLang="en-US" dirty="0"/>
-              </a:p>
-            </p:txBody>
-          </p:sp>
-        </mc:Choice>
-        <mc:Fallback>
-          <p:sp>
-            <p:nvSpPr>
-              <p:cNvPr id="9" name="テキスト ボックス 8">
-                <a:extLst>
-                  <a:ext uri="{FF2B5EF4-FFF2-40B4-BE49-F238E27FC236}">
-                    <a16:creationId xmlns:a16="http://schemas.microsoft.com/office/drawing/2014/main" id="{E261C578-9A07-48CD-B1C4-B2FE371D00D2}"/>
-                  </a:ext>
-                </a:extLst>
-              </p:cNvPr>
-              <p:cNvSpPr txBox="1">
-                <a:spLocks noRot="1" noChangeAspect="1" noMove="1" noResize="1" noEditPoints="1" noAdjustHandles="1" noChangeArrowheads="1" noChangeShapeType="1" noTextEdit="1"/>
-              </p:cNvSpPr>
-              <p:nvPr/>
-            </p:nvSpPr>
-            <p:spPr>
-              <a:xfrm>
-                <a:off x="5844988" y="3142112"/>
-                <a:ext cx="1775012" cy="369332"/>
-              </a:xfrm>
-              <a:prstGeom prst="rect">
-                <a:avLst/>
-              </a:prstGeom>
-              <a:blipFill>
-                <a:blip r:embed="rId4"/>
-                <a:stretch>
-                  <a:fillRect b="-3279"/>
-                </a:stretch>
-              </a:blipFill>
-            </p:spPr>
-            <p:txBody>
-              <a:bodyPr/>
-              <a:lstStyle/>
-              <a:p>
-                <a:r>
-                  <a:rPr lang="ja-JP" altLang="en-US">
-                    <a:noFill/>
-                  </a:rPr>
-                  <a:t> </a:t>
-                </a:r>
-              </a:p>
-            </p:txBody>
-          </p:sp>
-        </mc:Fallback>
-      </mc:AlternateContent>
-      <p:sp>
-        <p:nvSpPr>
-          <p:cNvPr id="10" name="矢印: 左右 9">
-            <a:extLst>
-              <a:ext uri="{FF2B5EF4-FFF2-40B4-BE49-F238E27FC236}">
-                <a16:creationId xmlns:a16="http://schemas.microsoft.com/office/drawing/2014/main" id="{4C85541E-1FA4-4BBD-9FC1-68FE037D145A}"/>
-              </a:ext>
-            </a:extLst>
-          </p:cNvPr>
-          <p:cNvSpPr/>
-          <p:nvPr/>
-        </p:nvSpPr>
-        <p:spPr>
-          <a:xfrm>
-            <a:off x="3411070" y="2685819"/>
-            <a:ext cx="1649506" cy="667853"/>
-          </a:xfrm>
-          <a:prstGeom prst="leftRightArrow">
-            <a:avLst/>
-          </a:prstGeom>
-          <a:solidFill>
-            <a:schemeClr val="accent2">
-              <a:lumMod val="60000"/>
-              <a:lumOff val="40000"/>
-            </a:schemeClr>
-          </a:solidFill>
-          <a:ln w="28575">
-            <a:solidFill>
-              <a:schemeClr val="tx1"/>
-            </a:solidFill>
-          </a:ln>
-        </p:spPr>
-        <p:style>
-          <a:lnRef idx="1">
-            <a:schemeClr val="accent1"/>
-          </a:lnRef>
-          <a:fillRef idx="0">
-            <a:schemeClr val="accent1"/>
-          </a:fillRef>
-          <a:effectRef idx="0">
-            <a:schemeClr val="accent1"/>
-          </a:effectRef>
-          <a:fontRef idx="minor">
-            <a:schemeClr val="tx1"/>
-          </a:fontRef>
-        </p:style>
-        <p:txBody>
-          <a:bodyPr rtlCol="0" anchor="ctr"/>
-          <a:lstStyle/>
-          <a:p>
-            <a:pPr algn="ctr"/>
-            <a:endParaRPr kumimoji="1" lang="ja-JP" altLang="en-US"/>
-          </a:p>
-        </p:txBody>
-      </p:sp>
-      <p:sp>
-        <p:nvSpPr>
-          <p:cNvPr id="11" name="テキスト ボックス 10">
-            <a:extLst>
-              <a:ext uri="{FF2B5EF4-FFF2-40B4-BE49-F238E27FC236}">
-                <a16:creationId xmlns:a16="http://schemas.microsoft.com/office/drawing/2014/main" id="{7D773926-60EC-4CC3-ACED-0D85CAAC2A04}"/>
-              </a:ext>
-            </a:extLst>
-          </p:cNvPr>
-          <p:cNvSpPr txBox="1"/>
-          <p:nvPr/>
-        </p:nvSpPr>
-        <p:spPr>
-          <a:xfrm>
-            <a:off x="3958851" y="2868706"/>
-            <a:ext cx="707278" cy="369332"/>
-          </a:xfrm>
-          <a:prstGeom prst="rect">
-            <a:avLst/>
-          </a:prstGeom>
-          <a:noFill/>
-        </p:spPr>
-        <p:txBody>
-          <a:bodyPr wrap="square" rtlCol="0">
-            <a:spAutoFit/>
-          </a:bodyPr>
-          <a:lstStyle/>
-          <a:p>
-            <a:r>
-              <a:rPr kumimoji="1" lang="ja-JP" altLang="en-US" dirty="0"/>
-              <a:t>通信</a:t>
+              <a:t>例</a:t>
             </a:r>
           </a:p>
         </p:txBody>
@@ -21068,7 +23232,7 @@
     </p:spTree>
     <p:extLst>
       <p:ext uri="{BB962C8B-B14F-4D97-AF65-F5344CB8AC3E}">
-        <p14:creationId xmlns:p14="http://schemas.microsoft.com/office/powerpoint/2010/main" val="1169318554"/>
+        <p14:creationId xmlns:p14="http://schemas.microsoft.com/office/powerpoint/2010/main" val="661695486"/>
       </p:ext>
     </p:extLst>
   </p:cSld>
@@ -21097,13 +23261,7 @@
       </p:grpSpPr>
       <p:sp>
         <p:nvSpPr>
-          <p:cNvPr id="2" name="タイトル 1">
-            <a:extLst>
-              <a:ext uri="{FF2B5EF4-FFF2-40B4-BE49-F238E27FC236}">
-                <a16:creationId xmlns:a16="http://schemas.microsoft.com/office/drawing/2014/main" id="{89B5080C-4114-4489-B9C1-0956A90971FF}"/>
-              </a:ext>
-            </a:extLst>
-          </p:cNvPr>
+          <p:cNvPr id="2" name="タイトル 1"/>
           <p:cNvSpPr>
             <a:spLocks noGrp="1"/>
           </p:cNvSpPr>
@@ -21118,1065 +23276,48 @@
           <a:p>
             <a:r>
               <a:rPr lang="ja-JP" altLang="en-US" dirty="0"/>
-              <a:t>交叉判定問題</a:t>
-            </a:r>
-            <a:endParaRPr kumimoji="1" lang="ja-JP" altLang="en-US" dirty="0"/>
-          </a:p>
-        </p:txBody>
-      </p:sp>
-      <mc:AlternateContent xmlns:mc="http://schemas.openxmlformats.org/markup-compatibility/2006">
-        <mc:Choice xmlns:a14="http://schemas.microsoft.com/office/drawing/2010/main" Requires="a14">
-          <p:sp>
-            <p:nvSpPr>
-              <p:cNvPr id="3" name="コンテンツ プレースホルダー 2">
-                <a:extLst>
-                  <a:ext uri="{FF2B5EF4-FFF2-40B4-BE49-F238E27FC236}">
-                    <a16:creationId xmlns:a16="http://schemas.microsoft.com/office/drawing/2014/main" id="{8740F7D8-D5CB-4078-8165-961AC04E5531}"/>
-                  </a:ext>
-                </a:extLst>
-              </p:cNvPr>
-              <p:cNvSpPr>
-                <a:spLocks noGrp="1"/>
-              </p:cNvSpPr>
-              <p:nvPr>
-                <p:ph sz="quarter" idx="1"/>
-              </p:nvPr>
-            </p:nvSpPr>
-            <p:spPr/>
-            <p:txBody>
-              <a:bodyPr/>
-              <a:lstStyle/>
-              <a:p>
-                <a:r>
-                  <a:rPr kumimoji="1" lang="en-US" altLang="ja-JP" dirty="0"/>
-                  <a:t>Alice </a:t>
-                </a:r>
-                <a:r>
-                  <a:rPr kumimoji="1" lang="ja-JP" altLang="en-US" dirty="0"/>
-                  <a:t>と </a:t>
-                </a:r>
-                <a:r>
-                  <a:rPr kumimoji="1" lang="en-US" altLang="ja-JP" dirty="0"/>
-                  <a:t>Bob</a:t>
-                </a:r>
-                <a:r>
-                  <a:rPr kumimoji="1" lang="ja-JP" altLang="en-US" dirty="0"/>
-                  <a:t>の</a:t>
-                </a:r>
-                <a:r>
-                  <a:rPr kumimoji="1" lang="en-US" altLang="ja-JP" dirty="0"/>
-                  <a:t>2</a:t>
-                </a:r>
-                <a:r>
-                  <a:rPr kumimoji="1" lang="ja-JP" altLang="en-US" dirty="0"/>
-                  <a:t>人のプレイヤーがいてそれぞれが</a:t>
-                </a:r>
-                <a:br>
-                  <a:rPr kumimoji="1" lang="en-US" altLang="ja-JP" dirty="0"/>
-                </a:br>
-                <a14:m>
-                  <m:oMath xmlns:m="http://schemas.openxmlformats.org/officeDocument/2006/math">
-                    <m:r>
-                      <a:rPr kumimoji="1" lang="en-US" altLang="ja-JP" b="0" i="1" smtClean="0">
-                        <a:latin typeface="Cambria Math" panose="02040503050406030204" pitchFamily="18" charset="0"/>
-                      </a:rPr>
-                      <m:t>𝑛</m:t>
-                    </m:r>
-                  </m:oMath>
-                </a14:m>
-                <a:r>
-                  <a:rPr kumimoji="1" lang="ja-JP" altLang="en-US" dirty="0"/>
-                  <a:t>ビットのデータ列</a:t>
-                </a:r>
-                <a14:m>
-                  <m:oMath xmlns:m="http://schemas.openxmlformats.org/officeDocument/2006/math">
-                    <m:r>
-                      <a:rPr kumimoji="1" lang="en-US" altLang="ja-JP" b="0" i="1" smtClean="0">
-                        <a:latin typeface="Cambria Math" panose="02040503050406030204" pitchFamily="18" charset="0"/>
-                      </a:rPr>
-                      <m:t>𝑥</m:t>
-                    </m:r>
-                    <m:r>
-                      <a:rPr kumimoji="1" lang="en-US" altLang="ja-JP" b="0" i="1" smtClean="0">
-                        <a:latin typeface="Cambria Math" panose="02040503050406030204" pitchFamily="18" charset="0"/>
-                      </a:rPr>
-                      <m:t>, </m:t>
-                    </m:r>
-                    <m:r>
-                      <a:rPr kumimoji="1" lang="en-US" altLang="ja-JP" b="0" i="1" smtClean="0">
-                        <a:latin typeface="Cambria Math" panose="02040503050406030204" pitchFamily="18" charset="0"/>
-                      </a:rPr>
-                      <m:t>𝑦</m:t>
-                    </m:r>
-                  </m:oMath>
-                </a14:m>
-                <a:r>
-                  <a:rPr kumimoji="1" lang="ja-JP" altLang="en-US" dirty="0"/>
-                  <a:t>を持っている</a:t>
-                </a:r>
-                <a:endParaRPr kumimoji="1" lang="en-US" altLang="ja-JP" dirty="0"/>
-              </a:p>
-              <a:p>
-                <a:endParaRPr kumimoji="1" lang="en-US" altLang="ja-JP" dirty="0"/>
-              </a:p>
-              <a:p>
-                <a:endParaRPr lang="en-US" altLang="ja-JP" dirty="0"/>
-              </a:p>
-              <a:p>
-                <a:endParaRPr kumimoji="1" lang="en-US" altLang="ja-JP" dirty="0"/>
-              </a:p>
-              <a:p>
-                <a:endParaRPr kumimoji="1" lang="en-US" altLang="ja-JP" dirty="0"/>
-              </a:p>
-              <a:p>
-                <a:pPr lvl="1"/>
-                <a:r>
-                  <a:rPr kumimoji="1" lang="en-US" altLang="ja-JP" dirty="0"/>
-                  <a:t>2</a:t>
-                </a:r>
-                <a:r>
-                  <a:rPr kumimoji="1" lang="ja-JP" altLang="en-US" dirty="0"/>
-                  <a:t>人が共通のアイテムを持つか？</a:t>
-                </a:r>
-                <a:br>
-                  <a:rPr kumimoji="1" lang="en-US" altLang="ja-JP" dirty="0"/>
-                </a:br>
-                <a14:m>
-                  <m:oMath xmlns:m="http://schemas.openxmlformats.org/officeDocument/2006/math">
-                    <m:r>
-                      <a:rPr kumimoji="1" lang="en-US" altLang="ja-JP" i="1" smtClean="0">
-                        <a:latin typeface="Cambria Math" panose="02040503050406030204" pitchFamily="18" charset="0"/>
-                        <a:ea typeface="Cambria Math" panose="02040503050406030204" pitchFamily="18" charset="0"/>
-                      </a:rPr>
-                      <m:t>↔</m:t>
-                    </m:r>
-                    <m:sSub>
-                      <m:sSubPr>
-                        <m:ctrlPr>
-                          <a:rPr kumimoji="1" lang="en-US" altLang="ja-JP" b="0" i="1" smtClean="0">
-                            <a:latin typeface="Cambria Math" panose="02040503050406030204" pitchFamily="18" charset="0"/>
-                          </a:rPr>
-                        </m:ctrlPr>
-                      </m:sSubPr>
-                      <m:e>
-                        <m:r>
-                          <a:rPr kumimoji="1" lang="en-US" altLang="ja-JP" b="0" i="1" smtClean="0">
-                            <a:latin typeface="Cambria Math" panose="02040503050406030204" pitchFamily="18" charset="0"/>
-                          </a:rPr>
-                          <m:t>𝑥</m:t>
-                        </m:r>
-                      </m:e>
-                      <m:sub>
-                        <m:r>
-                          <a:rPr kumimoji="1" lang="en-US" altLang="ja-JP" b="0" i="1" smtClean="0">
-                            <a:latin typeface="Cambria Math" panose="02040503050406030204" pitchFamily="18" charset="0"/>
-                          </a:rPr>
-                          <m:t>𝑖</m:t>
-                        </m:r>
-                      </m:sub>
-                    </m:sSub>
-                    <m:r>
-                      <a:rPr kumimoji="1" lang="en-US" altLang="ja-JP" b="0" i="1" smtClean="0">
-                        <a:latin typeface="Cambria Math" panose="02040503050406030204" pitchFamily="18" charset="0"/>
-                      </a:rPr>
-                      <m:t>, </m:t>
-                    </m:r>
-                    <m:sSub>
-                      <m:sSubPr>
-                        <m:ctrlPr>
-                          <a:rPr kumimoji="1" lang="en-US" altLang="ja-JP" b="0" i="1" smtClean="0">
-                            <a:latin typeface="Cambria Math" panose="02040503050406030204" pitchFamily="18" charset="0"/>
-                          </a:rPr>
-                        </m:ctrlPr>
-                      </m:sSubPr>
-                      <m:e>
-                        <m:r>
-                          <a:rPr kumimoji="1" lang="en-US" altLang="ja-JP" b="0" i="1" smtClean="0">
-                            <a:latin typeface="Cambria Math" panose="02040503050406030204" pitchFamily="18" charset="0"/>
-                          </a:rPr>
-                          <m:t>𝑦</m:t>
-                        </m:r>
-                      </m:e>
-                      <m:sub>
-                        <m:r>
-                          <a:rPr kumimoji="1" lang="en-US" altLang="ja-JP" b="0" i="1" smtClean="0">
-                            <a:latin typeface="Cambria Math" panose="02040503050406030204" pitchFamily="18" charset="0"/>
-                          </a:rPr>
-                          <m:t>𝑖</m:t>
-                        </m:r>
-                      </m:sub>
-                    </m:sSub>
-                    <m:r>
-                      <a:rPr kumimoji="1" lang="en-US" altLang="ja-JP" b="0" i="1" smtClean="0">
-                        <a:latin typeface="Cambria Math" panose="02040503050406030204" pitchFamily="18" charset="0"/>
-                      </a:rPr>
-                      <m:t>=1</m:t>
-                    </m:r>
-                  </m:oMath>
-                </a14:m>
-                <a:r>
-                  <a:rPr kumimoji="1" lang="ja-JP" altLang="en-US" dirty="0"/>
-                  <a:t>となる</a:t>
-                </a:r>
-                <a14:m>
-                  <m:oMath xmlns:m="http://schemas.openxmlformats.org/officeDocument/2006/math">
-                    <m:r>
-                      <a:rPr kumimoji="1" lang="en-US" altLang="ja-JP" b="0" i="1" smtClean="0">
-                        <a:latin typeface="Cambria Math" panose="02040503050406030204" pitchFamily="18" charset="0"/>
-                      </a:rPr>
-                      <m:t>𝑖</m:t>
-                    </m:r>
-                    <m:r>
-                      <a:rPr kumimoji="1" lang="en-US" altLang="ja-JP" b="0" i="1" smtClean="0">
-                        <a:latin typeface="Cambria Math" panose="02040503050406030204" pitchFamily="18" charset="0"/>
-                        <a:ea typeface="Cambria Math" panose="02040503050406030204" pitchFamily="18" charset="0"/>
-                      </a:rPr>
-                      <m:t>∈</m:t>
-                    </m:r>
-                    <m:d>
-                      <m:dPr>
-                        <m:begChr m:val="["/>
-                        <m:endChr m:val="]"/>
-                        <m:ctrlPr>
-                          <a:rPr kumimoji="1" lang="en-US" altLang="ja-JP" b="0" i="1" smtClean="0">
-                            <a:latin typeface="Cambria Math" panose="02040503050406030204" pitchFamily="18" charset="0"/>
-                            <a:ea typeface="Cambria Math" panose="02040503050406030204" pitchFamily="18" charset="0"/>
-                          </a:rPr>
-                        </m:ctrlPr>
-                      </m:dPr>
-                      <m:e>
-                        <m:r>
-                          <a:rPr kumimoji="1" lang="en-US" altLang="ja-JP" b="0" i="1" smtClean="0">
-                            <a:latin typeface="Cambria Math" panose="02040503050406030204" pitchFamily="18" charset="0"/>
-                            <a:ea typeface="Cambria Math" panose="02040503050406030204" pitchFamily="18" charset="0"/>
-                          </a:rPr>
-                          <m:t>𝑛</m:t>
-                        </m:r>
-                      </m:e>
-                    </m:d>
-                  </m:oMath>
-                </a14:m>
-                <a:r>
-                  <a:rPr kumimoji="1" lang="ja-JP" altLang="en-US" dirty="0"/>
-                  <a:t>が存在するか？</a:t>
-                </a:r>
-              </a:p>
-            </p:txBody>
-          </p:sp>
-        </mc:Choice>
-        <mc:Fallback>
-          <p:sp>
-            <p:nvSpPr>
-              <p:cNvPr id="3" name="コンテンツ プレースホルダー 2">
-                <a:extLst>
-                  <a:ext uri="{FF2B5EF4-FFF2-40B4-BE49-F238E27FC236}">
-                    <a16:creationId xmlns:a16="http://schemas.microsoft.com/office/drawing/2014/main" id="{8740F7D8-D5CB-4078-8165-961AC04E5531}"/>
-                  </a:ext>
-                </a:extLst>
-              </p:cNvPr>
-              <p:cNvSpPr>
-                <a:spLocks noGrp="1" noRot="1" noChangeAspect="1" noMove="1" noResize="1" noEditPoints="1" noAdjustHandles="1" noChangeArrowheads="1" noChangeShapeType="1" noTextEdit="1"/>
-              </p:cNvSpPr>
-              <p:nvPr>
-                <p:ph sz="quarter" idx="1"/>
-              </p:nvPr>
-            </p:nvSpPr>
-            <p:spPr>
-              <a:blipFill>
-                <a:blip r:embed="rId2"/>
-                <a:stretch>
-                  <a:fillRect l="-139" t="-928"/>
-                </a:stretch>
-              </a:blipFill>
-            </p:spPr>
-            <p:txBody>
-              <a:bodyPr/>
-              <a:lstStyle/>
-              <a:p>
-                <a:r>
-                  <a:rPr lang="ja-JP" altLang="en-US">
-                    <a:noFill/>
-                  </a:rPr>
-                  <a:t> </a:t>
-                </a:r>
-              </a:p>
-            </p:txBody>
-          </p:sp>
-        </mc:Fallback>
-      </mc:AlternateContent>
-      <p:sp>
-        <p:nvSpPr>
-          <p:cNvPr id="4" name="テキスト ボックス 3">
-            <a:extLst>
-              <a:ext uri="{FF2B5EF4-FFF2-40B4-BE49-F238E27FC236}">
-                <a16:creationId xmlns:a16="http://schemas.microsoft.com/office/drawing/2014/main" id="{5A21E651-0A96-436B-83BC-D65D6F11E990}"/>
-              </a:ext>
-            </a:extLst>
-          </p:cNvPr>
-          <p:cNvSpPr txBox="1"/>
-          <p:nvPr/>
-        </p:nvSpPr>
-        <p:spPr>
-          <a:xfrm>
-            <a:off x="1272988" y="2151528"/>
-            <a:ext cx="896471" cy="461665"/>
-          </a:xfrm>
-          <a:prstGeom prst="rect">
-            <a:avLst/>
-          </a:prstGeom>
-          <a:noFill/>
-        </p:spPr>
-        <p:txBody>
-          <a:bodyPr wrap="square" rtlCol="0">
-            <a:spAutoFit/>
-          </a:bodyPr>
-          <a:lstStyle/>
-          <a:p>
-            <a:r>
-              <a:rPr kumimoji="1" lang="en-US" altLang="ja-JP" sz="2400" dirty="0"/>
-              <a:t>Alice</a:t>
-            </a:r>
-            <a:endParaRPr kumimoji="1" lang="ja-JP" altLang="en-US" sz="2400" dirty="0"/>
+              <a:t>背景</a:t>
+            </a:r>
           </a:p>
         </p:txBody>
       </p:sp>
       <p:sp>
         <p:nvSpPr>
-          <p:cNvPr id="5" name="正方形/長方形 4">
-            <a:extLst>
-              <a:ext uri="{FF2B5EF4-FFF2-40B4-BE49-F238E27FC236}">
-                <a16:creationId xmlns:a16="http://schemas.microsoft.com/office/drawing/2014/main" id="{F5718DBE-4B50-4CDA-88E3-E9F47D02A7C2}"/>
-              </a:ext>
-            </a:extLst>
-          </p:cNvPr>
-          <p:cNvSpPr/>
-          <p:nvPr/>
+          <p:cNvPr id="3" name="コンテンツ プレースホルダー 2"/>
+          <p:cNvSpPr>
+            <a:spLocks noGrp="1"/>
+          </p:cNvSpPr>
+          <p:nvPr>
+            <p:ph sz="quarter" idx="1"/>
+          </p:nvPr>
         </p:nvSpPr>
-        <p:spPr>
-          <a:xfrm>
-            <a:off x="1272988" y="2151528"/>
-            <a:ext cx="896471" cy="376518"/>
-          </a:xfrm>
-          <a:prstGeom prst="rect">
-            <a:avLst/>
-          </a:prstGeom>
-          <a:ln w="9525">
-            <a:solidFill>
-              <a:schemeClr val="tx1"/>
-            </a:solidFill>
-          </a:ln>
-        </p:spPr>
-        <p:style>
-          <a:lnRef idx="1">
-            <a:schemeClr val="accent1"/>
-          </a:lnRef>
-          <a:fillRef idx="0">
-            <a:schemeClr val="accent1"/>
-          </a:fillRef>
-          <a:effectRef idx="0">
-            <a:schemeClr val="accent1"/>
-          </a:effectRef>
-          <a:fontRef idx="minor">
-            <a:schemeClr val="tx1"/>
-          </a:fontRef>
-        </p:style>
+        <p:spPr/>
         <p:txBody>
-          <a:bodyPr rtlCol="0" anchor="ctr"/>
+          <a:bodyPr/>
           <a:lstStyle/>
           <a:p>
-            <a:pPr algn="ctr"/>
-            <a:endParaRPr kumimoji="1" lang="ja-JP" altLang="en-US"/>
+            <a:r>
+              <a:rPr lang="ja-JP" altLang="en-US" dirty="0"/>
+              <a:t>組み合わせ最適化問題の一つである最大独立集合問題の</a:t>
+            </a:r>
+            <a:br>
+              <a:rPr lang="en-US" altLang="ja-JP" dirty="0"/>
+            </a:br>
+            <a:r>
+              <a:rPr lang="ja-JP" altLang="en-US" dirty="0"/>
+              <a:t>分散アルゴリズムに対する多くの研究がされている</a:t>
+            </a:r>
+            <a:endParaRPr lang="en-US" altLang="ja-JP" dirty="0"/>
+          </a:p>
+          <a:p>
+            <a:endParaRPr lang="en-US" altLang="ja-JP" dirty="0"/>
           </a:p>
         </p:txBody>
       </p:sp>
-      <mc:AlternateContent xmlns:mc="http://schemas.openxmlformats.org/markup-compatibility/2006">
-        <mc:Choice xmlns:a14="http://schemas.microsoft.com/office/drawing/2010/main" Requires="a14">
-          <p:sp>
-            <p:nvSpPr>
-              <p:cNvPr id="6" name="テキスト ボックス 5">
-                <a:extLst>
-                  <a:ext uri="{FF2B5EF4-FFF2-40B4-BE49-F238E27FC236}">
-                    <a16:creationId xmlns:a16="http://schemas.microsoft.com/office/drawing/2014/main" id="{3179AEA0-D1B0-4C38-9D58-4327E32BC4D5}"/>
-                  </a:ext>
-                </a:extLst>
-              </p:cNvPr>
-              <p:cNvSpPr txBox="1"/>
-              <p:nvPr/>
-            </p:nvSpPr>
-            <p:spPr>
-              <a:xfrm>
-                <a:off x="833717" y="2613193"/>
-                <a:ext cx="1775012" cy="369332"/>
-              </a:xfrm>
-              <a:prstGeom prst="rect">
-                <a:avLst/>
-              </a:prstGeom>
-              <a:noFill/>
-            </p:spPr>
-            <p:txBody>
-              <a:bodyPr wrap="square" rtlCol="0">
-                <a:spAutoFit/>
-              </a:bodyPr>
-              <a:lstStyle/>
-              <a:p>
-                <a14:m>
-                  <m:oMathPara xmlns:m="http://schemas.openxmlformats.org/officeDocument/2006/math">
-                    <m:oMathParaPr>
-                      <m:jc m:val="centerGroup"/>
-                    </m:oMathParaPr>
-                    <m:oMath xmlns:m="http://schemas.openxmlformats.org/officeDocument/2006/math">
-                      <m:r>
-                        <a:rPr kumimoji="1" lang="en-US" altLang="ja-JP" b="0" i="1" smtClean="0">
-                          <a:latin typeface="Cambria Math" panose="02040503050406030204" pitchFamily="18" charset="0"/>
-                        </a:rPr>
-                        <m:t>𝑥</m:t>
-                      </m:r>
-                      <m:r>
-                        <a:rPr kumimoji="1" lang="en-US" altLang="ja-JP" b="0" i="1" smtClean="0">
-                          <a:latin typeface="Cambria Math" panose="02040503050406030204" pitchFamily="18" charset="0"/>
-                        </a:rPr>
-                        <m:t>=001011001</m:t>
-                      </m:r>
-                    </m:oMath>
-                  </m:oMathPara>
-                </a14:m>
-                <a:endParaRPr kumimoji="1" lang="ja-JP" altLang="en-US" dirty="0"/>
-              </a:p>
-            </p:txBody>
-          </p:sp>
-        </mc:Choice>
-        <mc:Fallback>
-          <p:sp>
-            <p:nvSpPr>
-              <p:cNvPr id="6" name="テキスト ボックス 5">
-                <a:extLst>
-                  <a:ext uri="{FF2B5EF4-FFF2-40B4-BE49-F238E27FC236}">
-                    <a16:creationId xmlns:a16="http://schemas.microsoft.com/office/drawing/2014/main" id="{3179AEA0-D1B0-4C38-9D58-4327E32BC4D5}"/>
-                  </a:ext>
-                </a:extLst>
-              </p:cNvPr>
-              <p:cNvSpPr txBox="1">
-                <a:spLocks noRot="1" noChangeAspect="1" noMove="1" noResize="1" noEditPoints="1" noAdjustHandles="1" noChangeArrowheads="1" noChangeShapeType="1" noTextEdit="1"/>
-              </p:cNvSpPr>
-              <p:nvPr/>
-            </p:nvSpPr>
-            <p:spPr>
-              <a:xfrm>
-                <a:off x="833717" y="2613193"/>
-                <a:ext cx="1775012" cy="369332"/>
-              </a:xfrm>
-              <a:prstGeom prst="rect">
-                <a:avLst/>
-              </a:prstGeom>
-              <a:blipFill>
-                <a:blip r:embed="rId3"/>
-                <a:stretch>
-                  <a:fillRect/>
-                </a:stretch>
-              </a:blipFill>
-            </p:spPr>
-            <p:txBody>
-              <a:bodyPr/>
-              <a:lstStyle/>
-              <a:p>
-                <a:r>
-                  <a:rPr lang="ja-JP" altLang="en-US">
-                    <a:noFill/>
-                  </a:rPr>
-                  <a:t> </a:t>
-                </a:r>
-              </a:p>
-            </p:txBody>
-          </p:sp>
-        </mc:Fallback>
-      </mc:AlternateContent>
-      <p:sp>
-        <p:nvSpPr>
-          <p:cNvPr id="7" name="テキスト ボックス 6">
-            <a:extLst>
-              <a:ext uri="{FF2B5EF4-FFF2-40B4-BE49-F238E27FC236}">
-                <a16:creationId xmlns:a16="http://schemas.microsoft.com/office/drawing/2014/main" id="{697266B6-3581-4418-BFBD-A9A9D305113A}"/>
-              </a:ext>
-            </a:extLst>
-          </p:cNvPr>
-          <p:cNvSpPr txBox="1"/>
-          <p:nvPr/>
-        </p:nvSpPr>
-        <p:spPr>
-          <a:xfrm>
-            <a:off x="6284259" y="2151528"/>
-            <a:ext cx="896471" cy="461665"/>
-          </a:xfrm>
-          <a:prstGeom prst="rect">
-            <a:avLst/>
-          </a:prstGeom>
-          <a:noFill/>
-        </p:spPr>
-        <p:txBody>
-          <a:bodyPr wrap="square" rtlCol="0">
-            <a:spAutoFit/>
-          </a:bodyPr>
-          <a:lstStyle/>
-          <a:p>
-            <a:pPr algn="ctr"/>
-            <a:r>
-              <a:rPr lang="en-US" altLang="ja-JP" sz="2400" dirty="0"/>
-              <a:t>Bob</a:t>
-            </a:r>
-            <a:endParaRPr kumimoji="1" lang="ja-JP" altLang="en-US" sz="2400" dirty="0"/>
-          </a:p>
-        </p:txBody>
-      </p:sp>
-      <p:sp>
-        <p:nvSpPr>
-          <p:cNvPr id="8" name="正方形/長方形 7">
-            <a:extLst>
-              <a:ext uri="{FF2B5EF4-FFF2-40B4-BE49-F238E27FC236}">
-                <a16:creationId xmlns:a16="http://schemas.microsoft.com/office/drawing/2014/main" id="{DFAC4876-C0DA-4436-B842-D697F7B606D2}"/>
-              </a:ext>
-            </a:extLst>
-          </p:cNvPr>
-          <p:cNvSpPr/>
-          <p:nvPr/>
-        </p:nvSpPr>
-        <p:spPr>
-          <a:xfrm>
-            <a:off x="6284259" y="2151528"/>
-            <a:ext cx="896471" cy="376518"/>
-          </a:xfrm>
-          <a:prstGeom prst="rect">
-            <a:avLst/>
-          </a:prstGeom>
-          <a:ln w="9525">
-            <a:solidFill>
-              <a:schemeClr val="tx1"/>
-            </a:solidFill>
-          </a:ln>
-        </p:spPr>
-        <p:style>
-          <a:lnRef idx="1">
-            <a:schemeClr val="accent1"/>
-          </a:lnRef>
-          <a:fillRef idx="0">
-            <a:schemeClr val="accent1"/>
-          </a:fillRef>
-          <a:effectRef idx="0">
-            <a:schemeClr val="accent1"/>
-          </a:effectRef>
-          <a:fontRef idx="minor">
-            <a:schemeClr val="tx1"/>
-          </a:fontRef>
-        </p:style>
-        <p:txBody>
-          <a:bodyPr rtlCol="0" anchor="ctr"/>
-          <a:lstStyle/>
-          <a:p>
-            <a:pPr algn="ctr"/>
-            <a:endParaRPr kumimoji="1" lang="ja-JP" altLang="en-US"/>
-          </a:p>
-        </p:txBody>
-      </p:sp>
-      <mc:AlternateContent xmlns:mc="http://schemas.openxmlformats.org/markup-compatibility/2006">
-        <mc:Choice xmlns:a14="http://schemas.microsoft.com/office/drawing/2010/main" Requires="a14">
-          <p:sp>
-            <p:nvSpPr>
-              <p:cNvPr id="9" name="テキスト ボックス 8">
-                <a:extLst>
-                  <a:ext uri="{FF2B5EF4-FFF2-40B4-BE49-F238E27FC236}">
-                    <a16:creationId xmlns:a16="http://schemas.microsoft.com/office/drawing/2014/main" id="{E261C578-9A07-48CD-B1C4-B2FE371D00D2}"/>
-                  </a:ext>
-                </a:extLst>
-              </p:cNvPr>
-              <p:cNvSpPr txBox="1"/>
-              <p:nvPr/>
-            </p:nvSpPr>
-            <p:spPr>
-              <a:xfrm>
-                <a:off x="5844988" y="2613193"/>
-                <a:ext cx="1775012" cy="369332"/>
-              </a:xfrm>
-              <a:prstGeom prst="rect">
-                <a:avLst/>
-              </a:prstGeom>
-              <a:noFill/>
-            </p:spPr>
-            <p:txBody>
-              <a:bodyPr wrap="square" rtlCol="0">
-                <a:spAutoFit/>
-              </a:bodyPr>
-              <a:lstStyle/>
-              <a:p>
-                <a14:m>
-                  <m:oMathPara xmlns:m="http://schemas.openxmlformats.org/officeDocument/2006/math">
-                    <m:oMathParaPr>
-                      <m:jc m:val="centerGroup"/>
-                    </m:oMathParaPr>
-                    <m:oMath xmlns:m="http://schemas.openxmlformats.org/officeDocument/2006/math">
-                      <m:r>
-                        <a:rPr kumimoji="1" lang="en-US" altLang="ja-JP" b="0" i="1" smtClean="0">
-                          <a:latin typeface="Cambria Math" panose="02040503050406030204" pitchFamily="18" charset="0"/>
-                        </a:rPr>
-                        <m:t>𝑦</m:t>
-                      </m:r>
-                      <m:r>
-                        <a:rPr kumimoji="1" lang="en-US" altLang="ja-JP" b="0" i="1" smtClean="0">
-                          <a:latin typeface="Cambria Math" panose="02040503050406030204" pitchFamily="18" charset="0"/>
-                        </a:rPr>
-                        <m:t>=001101010</m:t>
-                      </m:r>
-                    </m:oMath>
-                  </m:oMathPara>
-                </a14:m>
-                <a:endParaRPr kumimoji="1" lang="ja-JP" altLang="en-US" dirty="0"/>
-              </a:p>
-            </p:txBody>
-          </p:sp>
-        </mc:Choice>
-        <mc:Fallback>
-          <p:sp>
-            <p:nvSpPr>
-              <p:cNvPr id="9" name="テキスト ボックス 8">
-                <a:extLst>
-                  <a:ext uri="{FF2B5EF4-FFF2-40B4-BE49-F238E27FC236}">
-                    <a16:creationId xmlns:a16="http://schemas.microsoft.com/office/drawing/2014/main" id="{E261C578-9A07-48CD-B1C4-B2FE371D00D2}"/>
-                  </a:ext>
-                </a:extLst>
-              </p:cNvPr>
-              <p:cNvSpPr txBox="1">
-                <a:spLocks noRot="1" noChangeAspect="1" noMove="1" noResize="1" noEditPoints="1" noAdjustHandles="1" noChangeArrowheads="1" noChangeShapeType="1" noTextEdit="1"/>
-              </p:cNvSpPr>
-              <p:nvPr/>
-            </p:nvSpPr>
-            <p:spPr>
-              <a:xfrm>
-                <a:off x="5844988" y="2613193"/>
-                <a:ext cx="1775012" cy="369332"/>
-              </a:xfrm>
-              <a:prstGeom prst="rect">
-                <a:avLst/>
-              </a:prstGeom>
-              <a:blipFill>
-                <a:blip r:embed="rId4"/>
-                <a:stretch>
-                  <a:fillRect b="-3333"/>
-                </a:stretch>
-              </a:blipFill>
-            </p:spPr>
-            <p:txBody>
-              <a:bodyPr/>
-              <a:lstStyle/>
-              <a:p>
-                <a:r>
-                  <a:rPr lang="ja-JP" altLang="en-US">
-                    <a:noFill/>
-                  </a:rPr>
-                  <a:t> </a:t>
-                </a:r>
-              </a:p>
-            </p:txBody>
-          </p:sp>
-        </mc:Fallback>
-      </mc:AlternateContent>
-      <p:sp>
-        <p:nvSpPr>
-          <p:cNvPr id="10" name="矢印: 左右 9">
-            <a:extLst>
-              <a:ext uri="{FF2B5EF4-FFF2-40B4-BE49-F238E27FC236}">
-                <a16:creationId xmlns:a16="http://schemas.microsoft.com/office/drawing/2014/main" id="{4C85541E-1FA4-4BBD-9FC1-68FE037D145A}"/>
-              </a:ext>
-            </a:extLst>
-          </p:cNvPr>
-          <p:cNvSpPr/>
-          <p:nvPr/>
-        </p:nvSpPr>
-        <p:spPr>
-          <a:xfrm>
-            <a:off x="3411070" y="2156900"/>
-            <a:ext cx="1649506" cy="667853"/>
-          </a:xfrm>
-          <a:prstGeom prst="leftRightArrow">
-            <a:avLst/>
-          </a:prstGeom>
-          <a:solidFill>
-            <a:schemeClr val="accent2">
-              <a:lumMod val="60000"/>
-              <a:lumOff val="40000"/>
-            </a:schemeClr>
-          </a:solidFill>
-          <a:ln w="28575">
-            <a:solidFill>
-              <a:schemeClr val="tx1"/>
-            </a:solidFill>
-          </a:ln>
-        </p:spPr>
-        <p:style>
-          <a:lnRef idx="1">
-            <a:schemeClr val="accent1"/>
-          </a:lnRef>
-          <a:fillRef idx="0">
-            <a:schemeClr val="accent1"/>
-          </a:fillRef>
-          <a:effectRef idx="0">
-            <a:schemeClr val="accent1"/>
-          </a:effectRef>
-          <a:fontRef idx="minor">
-            <a:schemeClr val="tx1"/>
-          </a:fontRef>
-        </p:style>
-        <p:txBody>
-          <a:bodyPr rtlCol="0" anchor="ctr"/>
-          <a:lstStyle/>
-          <a:p>
-            <a:pPr algn="ctr"/>
-            <a:endParaRPr kumimoji="1" lang="ja-JP" altLang="en-US"/>
-          </a:p>
-        </p:txBody>
-      </p:sp>
-      <p:sp>
-        <p:nvSpPr>
-          <p:cNvPr id="11" name="テキスト ボックス 10">
-            <a:extLst>
-              <a:ext uri="{FF2B5EF4-FFF2-40B4-BE49-F238E27FC236}">
-                <a16:creationId xmlns:a16="http://schemas.microsoft.com/office/drawing/2014/main" id="{7D773926-60EC-4CC3-ACED-0D85CAAC2A04}"/>
-              </a:ext>
-            </a:extLst>
-          </p:cNvPr>
-          <p:cNvSpPr txBox="1"/>
-          <p:nvPr/>
-        </p:nvSpPr>
-        <p:spPr>
-          <a:xfrm>
-            <a:off x="3958851" y="2339787"/>
-            <a:ext cx="707278" cy="369332"/>
-          </a:xfrm>
-          <a:prstGeom prst="rect">
-            <a:avLst/>
-          </a:prstGeom>
-          <a:noFill/>
-        </p:spPr>
-        <p:txBody>
-          <a:bodyPr wrap="square" rtlCol="0">
-            <a:spAutoFit/>
-          </a:bodyPr>
-          <a:lstStyle/>
-          <a:p>
-            <a:r>
-              <a:rPr kumimoji="1" lang="ja-JP" altLang="en-US" dirty="0"/>
-              <a:t>通信</a:t>
-            </a:r>
-          </a:p>
-        </p:txBody>
-      </p:sp>
-      <p:sp>
-        <p:nvSpPr>
-          <p:cNvPr id="13" name="矢印: 上下 12">
-            <a:extLst>
-              <a:ext uri="{FF2B5EF4-FFF2-40B4-BE49-F238E27FC236}">
-                <a16:creationId xmlns:a16="http://schemas.microsoft.com/office/drawing/2014/main" id="{CC6730F7-62D1-4CD6-905C-A89B79E508AB}"/>
-              </a:ext>
-            </a:extLst>
-          </p:cNvPr>
-          <p:cNvSpPr/>
-          <p:nvPr/>
-        </p:nvSpPr>
-        <p:spPr>
-          <a:xfrm>
-            <a:off x="1546411" y="2989711"/>
-            <a:ext cx="349623" cy="582706"/>
-          </a:xfrm>
-          <a:prstGeom prst="upDownArrow">
-            <a:avLst/>
-          </a:prstGeom>
-          <a:ln w="28575">
-            <a:solidFill>
-              <a:schemeClr val="tx1"/>
-            </a:solidFill>
-          </a:ln>
-        </p:spPr>
-        <p:style>
-          <a:lnRef idx="1">
-            <a:schemeClr val="accent1"/>
-          </a:lnRef>
-          <a:fillRef idx="0">
-            <a:schemeClr val="accent1"/>
-          </a:fillRef>
-          <a:effectRef idx="0">
-            <a:schemeClr val="accent1"/>
-          </a:effectRef>
-          <a:fontRef idx="minor">
-            <a:schemeClr val="tx1"/>
-          </a:fontRef>
-        </p:style>
-        <p:txBody>
-          <a:bodyPr rtlCol="0" anchor="ctr"/>
-          <a:lstStyle/>
-          <a:p>
-            <a:pPr algn="ctr"/>
-            <a:endParaRPr kumimoji="1" lang="ja-JP" altLang="en-US"/>
-          </a:p>
-        </p:txBody>
-      </p:sp>
-      <mc:AlternateContent xmlns:mc="http://schemas.openxmlformats.org/markup-compatibility/2006">
-        <mc:Choice xmlns:a14="http://schemas.microsoft.com/office/drawing/2010/main" Requires="a14">
-          <p:sp>
-            <p:nvSpPr>
-              <p:cNvPr id="14" name="テキスト ボックス 13">
-                <a:extLst>
-                  <a:ext uri="{FF2B5EF4-FFF2-40B4-BE49-F238E27FC236}">
-                    <a16:creationId xmlns:a16="http://schemas.microsoft.com/office/drawing/2014/main" id="{C66C531D-6E81-4265-A5DF-4C94B935BB6D}"/>
-                  </a:ext>
-                </a:extLst>
-              </p:cNvPr>
-              <p:cNvSpPr txBox="1"/>
-              <p:nvPr/>
-            </p:nvSpPr>
-            <p:spPr>
-              <a:xfrm>
-                <a:off x="918880" y="3668940"/>
-                <a:ext cx="1604683" cy="584775"/>
-              </a:xfrm>
-              <a:prstGeom prst="rect">
-                <a:avLst/>
-              </a:prstGeom>
-              <a:noFill/>
-            </p:spPr>
-            <p:txBody>
-              <a:bodyPr wrap="square" rtlCol="0">
-                <a:spAutoFit/>
-              </a:bodyPr>
-              <a:lstStyle/>
-              <a:p>
-                <a:pPr algn="ctr"/>
-                <a:r>
-                  <a:rPr kumimoji="1" lang="ja-JP" altLang="en-US" sz="1600" dirty="0"/>
-                  <a:t>アイテム集合</a:t>
-                </a:r>
-                <a:endParaRPr kumimoji="1" lang="en-US" altLang="ja-JP" sz="1600" dirty="0"/>
-              </a:p>
-              <a:p>
-                <a:pPr algn="ctr"/>
-                <a14:m>
-                  <m:oMathPara xmlns:m="http://schemas.openxmlformats.org/officeDocument/2006/math">
-                    <m:oMathParaPr>
-                      <m:jc m:val="centerGroup"/>
-                    </m:oMathParaPr>
-                    <m:oMath xmlns:m="http://schemas.openxmlformats.org/officeDocument/2006/math">
-                      <m:r>
-                        <a:rPr kumimoji="1" lang="en-US" altLang="ja-JP" sz="1600" b="0" i="1" smtClean="0">
-                          <a:latin typeface="Cambria Math" panose="02040503050406030204" pitchFamily="18" charset="0"/>
-                        </a:rPr>
-                        <m:t>{3, 5, 6, 9}</m:t>
-                      </m:r>
-                    </m:oMath>
-                  </m:oMathPara>
-                </a14:m>
-                <a:endParaRPr kumimoji="1" lang="ja-JP" altLang="en-US" sz="1600" dirty="0"/>
-              </a:p>
-            </p:txBody>
-          </p:sp>
-        </mc:Choice>
-        <mc:Fallback>
-          <p:sp>
-            <p:nvSpPr>
-              <p:cNvPr id="14" name="テキスト ボックス 13">
-                <a:extLst>
-                  <a:ext uri="{FF2B5EF4-FFF2-40B4-BE49-F238E27FC236}">
-                    <a16:creationId xmlns:a16="http://schemas.microsoft.com/office/drawing/2014/main" id="{C66C531D-6E81-4265-A5DF-4C94B935BB6D}"/>
-                  </a:ext>
-                </a:extLst>
-              </p:cNvPr>
-              <p:cNvSpPr txBox="1">
-                <a:spLocks noRot="1" noChangeAspect="1" noMove="1" noResize="1" noEditPoints="1" noAdjustHandles="1" noChangeArrowheads="1" noChangeShapeType="1" noTextEdit="1"/>
-              </p:cNvSpPr>
-              <p:nvPr/>
-            </p:nvSpPr>
-            <p:spPr>
-              <a:xfrm>
-                <a:off x="918880" y="3668940"/>
-                <a:ext cx="1604683" cy="584775"/>
-              </a:xfrm>
-              <a:prstGeom prst="rect">
-                <a:avLst/>
-              </a:prstGeom>
-              <a:blipFill>
-                <a:blip r:embed="rId5"/>
-                <a:stretch>
-                  <a:fillRect t="-3125" b="-3125"/>
-                </a:stretch>
-              </a:blipFill>
-            </p:spPr>
-            <p:txBody>
-              <a:bodyPr/>
-              <a:lstStyle/>
-              <a:p>
-                <a:r>
-                  <a:rPr lang="ja-JP" altLang="en-US">
-                    <a:noFill/>
-                  </a:rPr>
-                  <a:t> </a:t>
-                </a:r>
-              </a:p>
-            </p:txBody>
-          </p:sp>
-        </mc:Fallback>
-      </mc:AlternateContent>
-      <p:sp>
-        <p:nvSpPr>
-          <p:cNvPr id="15" name="矢印: 上下 14">
-            <a:extLst>
-              <a:ext uri="{FF2B5EF4-FFF2-40B4-BE49-F238E27FC236}">
-                <a16:creationId xmlns:a16="http://schemas.microsoft.com/office/drawing/2014/main" id="{C60DDBD6-D0DE-4424-86F8-D7D54E43F116}"/>
-              </a:ext>
-            </a:extLst>
-          </p:cNvPr>
-          <p:cNvSpPr/>
-          <p:nvPr/>
-        </p:nvSpPr>
-        <p:spPr>
-          <a:xfrm>
-            <a:off x="6620437" y="2982525"/>
-            <a:ext cx="349623" cy="582706"/>
-          </a:xfrm>
-          <a:prstGeom prst="upDownArrow">
-            <a:avLst/>
-          </a:prstGeom>
-          <a:ln w="28575">
-            <a:solidFill>
-              <a:schemeClr val="tx1"/>
-            </a:solidFill>
-          </a:ln>
-        </p:spPr>
-        <p:style>
-          <a:lnRef idx="1">
-            <a:schemeClr val="accent1"/>
-          </a:lnRef>
-          <a:fillRef idx="0">
-            <a:schemeClr val="accent1"/>
-          </a:fillRef>
-          <a:effectRef idx="0">
-            <a:schemeClr val="accent1"/>
-          </a:effectRef>
-          <a:fontRef idx="minor">
-            <a:schemeClr val="tx1"/>
-          </a:fontRef>
-        </p:style>
-        <p:txBody>
-          <a:bodyPr rtlCol="0" anchor="ctr"/>
-          <a:lstStyle/>
-          <a:p>
-            <a:pPr algn="ctr"/>
-            <a:endParaRPr kumimoji="1" lang="ja-JP" altLang="en-US"/>
-          </a:p>
-        </p:txBody>
-      </p:sp>
-      <mc:AlternateContent xmlns:mc="http://schemas.openxmlformats.org/markup-compatibility/2006">
-        <mc:Choice xmlns:a14="http://schemas.microsoft.com/office/drawing/2010/main" Requires="a14">
-          <p:sp>
-            <p:nvSpPr>
-              <p:cNvPr id="16" name="テキスト ボックス 15">
-                <a:extLst>
-                  <a:ext uri="{FF2B5EF4-FFF2-40B4-BE49-F238E27FC236}">
-                    <a16:creationId xmlns:a16="http://schemas.microsoft.com/office/drawing/2014/main" id="{A7146EF4-E151-4BCC-9AB7-765C4C3AEF88}"/>
-                  </a:ext>
-                </a:extLst>
-              </p:cNvPr>
-              <p:cNvSpPr txBox="1"/>
-              <p:nvPr/>
-            </p:nvSpPr>
-            <p:spPr>
-              <a:xfrm>
-                <a:off x="5992906" y="3661754"/>
-                <a:ext cx="1604683" cy="584775"/>
-              </a:xfrm>
-              <a:prstGeom prst="rect">
-                <a:avLst/>
-              </a:prstGeom>
-              <a:noFill/>
-            </p:spPr>
-            <p:txBody>
-              <a:bodyPr wrap="square" rtlCol="0">
-                <a:spAutoFit/>
-              </a:bodyPr>
-              <a:lstStyle/>
-              <a:p>
-                <a:pPr algn="ctr"/>
-                <a:r>
-                  <a:rPr kumimoji="1" lang="ja-JP" altLang="en-US" sz="1600" dirty="0"/>
-                  <a:t>アイテム集合</a:t>
-                </a:r>
-                <a:endParaRPr kumimoji="1" lang="en-US" altLang="ja-JP" sz="1600" dirty="0"/>
-              </a:p>
-              <a:p>
-                <a:pPr algn="ctr"/>
-                <a14:m>
-                  <m:oMathPara xmlns:m="http://schemas.openxmlformats.org/officeDocument/2006/math">
-                    <m:oMathParaPr>
-                      <m:jc m:val="centerGroup"/>
-                    </m:oMathParaPr>
-                    <m:oMath xmlns:m="http://schemas.openxmlformats.org/officeDocument/2006/math">
-                      <m:r>
-                        <a:rPr kumimoji="1" lang="en-US" altLang="ja-JP" sz="1600" b="0" i="1" smtClean="0">
-                          <a:latin typeface="Cambria Math" panose="02040503050406030204" pitchFamily="18" charset="0"/>
-                        </a:rPr>
-                        <m:t>{3, 4, 6, 8}</m:t>
-                      </m:r>
-                    </m:oMath>
-                  </m:oMathPara>
-                </a14:m>
-                <a:endParaRPr kumimoji="1" lang="ja-JP" altLang="en-US" sz="1600" dirty="0"/>
-              </a:p>
-            </p:txBody>
-          </p:sp>
-        </mc:Choice>
-        <mc:Fallback>
-          <p:sp>
-            <p:nvSpPr>
-              <p:cNvPr id="16" name="テキスト ボックス 15">
-                <a:extLst>
-                  <a:ext uri="{FF2B5EF4-FFF2-40B4-BE49-F238E27FC236}">
-                    <a16:creationId xmlns:a16="http://schemas.microsoft.com/office/drawing/2014/main" id="{A7146EF4-E151-4BCC-9AB7-765C4C3AEF88}"/>
-                  </a:ext>
-                </a:extLst>
-              </p:cNvPr>
-              <p:cNvSpPr txBox="1">
-                <a:spLocks noRot="1" noChangeAspect="1" noMove="1" noResize="1" noEditPoints="1" noAdjustHandles="1" noChangeArrowheads="1" noChangeShapeType="1" noTextEdit="1"/>
-              </p:cNvSpPr>
-              <p:nvPr/>
-            </p:nvSpPr>
-            <p:spPr>
-              <a:xfrm>
-                <a:off x="5992906" y="3661754"/>
-                <a:ext cx="1604683" cy="584775"/>
-              </a:xfrm>
-              <a:prstGeom prst="rect">
-                <a:avLst/>
-              </a:prstGeom>
-              <a:blipFill>
-                <a:blip r:embed="rId6"/>
-                <a:stretch>
-                  <a:fillRect t="-3125" b="-3125"/>
-                </a:stretch>
-              </a:blipFill>
-            </p:spPr>
-            <p:txBody>
-              <a:bodyPr/>
-              <a:lstStyle/>
-              <a:p>
-                <a:r>
-                  <a:rPr lang="ja-JP" altLang="en-US">
-                    <a:noFill/>
-                  </a:rPr>
-                  <a:t> </a:t>
-                </a:r>
-              </a:p>
-            </p:txBody>
-          </p:sp>
-        </mc:Fallback>
-      </mc:AlternateContent>
     </p:spTree>
     <p:extLst>
       <p:ext uri="{BB962C8B-B14F-4D97-AF65-F5344CB8AC3E}">
-        <p14:creationId xmlns:p14="http://schemas.microsoft.com/office/powerpoint/2010/main" val="3482157308"/>
+        <p14:creationId xmlns:p14="http://schemas.microsoft.com/office/powerpoint/2010/main" val="2585799092"/>
       </p:ext>
     </p:extLst>
   </p:cSld>
@@ -22187,7 +23328,7 @@
 </file>
 
 <file path=ppt/slides/slide9.xml><?xml version="1.0" encoding="utf-8"?>
-<p:sld xmlns:a="http://schemas.openxmlformats.org/drawingml/2006/main" xmlns:r="http://schemas.openxmlformats.org/officeDocument/2006/relationships" xmlns:p="http://schemas.openxmlformats.org/presentationml/2006/main">
+<p:sld xmlns:a="http://schemas.openxmlformats.org/drawingml/2006/main" xmlns:r="http://schemas.openxmlformats.org/officeDocument/2006/relationships" xmlns:p="http://schemas.openxmlformats.org/presentationml/2006/main" show="0">
   <p:cSld>
     <p:spTree>
       <p:nvGrpSpPr>
@@ -22205,13 +23346,7 @@
       </p:grpSpPr>
       <p:sp>
         <p:nvSpPr>
-          <p:cNvPr id="2" name="タイトル 1">
-            <a:extLst>
-              <a:ext uri="{FF2B5EF4-FFF2-40B4-BE49-F238E27FC236}">
-                <a16:creationId xmlns:a16="http://schemas.microsoft.com/office/drawing/2014/main" id="{89B5080C-4114-4489-B9C1-0956A90971FF}"/>
-              </a:ext>
-            </a:extLst>
-          </p:cNvPr>
+          <p:cNvPr id="2" name="タイトル 1"/>
           <p:cNvSpPr>
             <a:spLocks noGrp="1"/>
           </p:cNvSpPr>
@@ -22226,962 +23361,101 @@
           <a:p>
             <a:r>
               <a:rPr lang="ja-JP" altLang="en-US" dirty="0"/>
-              <a:t>等価問題</a:t>
-            </a:r>
-            <a:endParaRPr kumimoji="1" lang="ja-JP" altLang="en-US" dirty="0"/>
-          </a:p>
-        </p:txBody>
-      </p:sp>
-      <mc:AlternateContent xmlns:mc="http://schemas.openxmlformats.org/markup-compatibility/2006">
-        <mc:Choice xmlns:a14="http://schemas.microsoft.com/office/drawing/2010/main" Requires="a14">
-          <p:sp>
-            <p:nvSpPr>
-              <p:cNvPr id="3" name="コンテンツ プレースホルダー 2">
-                <a:extLst>
-                  <a:ext uri="{FF2B5EF4-FFF2-40B4-BE49-F238E27FC236}">
-                    <a16:creationId xmlns:a16="http://schemas.microsoft.com/office/drawing/2014/main" id="{8740F7D8-D5CB-4078-8165-961AC04E5531}"/>
-                  </a:ext>
-                </a:extLst>
-              </p:cNvPr>
-              <p:cNvSpPr>
-                <a:spLocks noGrp="1"/>
-              </p:cNvSpPr>
-              <p:nvPr>
-                <p:ph sz="quarter" idx="1"/>
-              </p:nvPr>
-            </p:nvSpPr>
-            <p:spPr/>
-            <p:txBody>
-              <a:bodyPr/>
-              <a:lstStyle/>
-              <a:p>
-                <a:r>
-                  <a:rPr kumimoji="1" lang="en-US" altLang="ja-JP" dirty="0"/>
-                  <a:t>Alice </a:t>
-                </a:r>
-                <a:r>
-                  <a:rPr kumimoji="1" lang="ja-JP" altLang="en-US" dirty="0"/>
-                  <a:t>と </a:t>
-                </a:r>
-                <a:r>
-                  <a:rPr kumimoji="1" lang="en-US" altLang="ja-JP" dirty="0"/>
-                  <a:t>Bob</a:t>
-                </a:r>
-                <a:r>
-                  <a:rPr kumimoji="1" lang="ja-JP" altLang="en-US" dirty="0"/>
-                  <a:t>の</a:t>
-                </a:r>
-                <a:r>
-                  <a:rPr kumimoji="1" lang="en-US" altLang="ja-JP" dirty="0"/>
-                  <a:t>2</a:t>
-                </a:r>
-                <a:r>
-                  <a:rPr kumimoji="1" lang="ja-JP" altLang="en-US" dirty="0"/>
-                  <a:t>人のプレイヤーがいてそれぞれが</a:t>
-                </a:r>
-                <a:br>
-                  <a:rPr kumimoji="1" lang="en-US" altLang="ja-JP" dirty="0"/>
-                </a:br>
-                <a14:m>
-                  <m:oMath xmlns:m="http://schemas.openxmlformats.org/officeDocument/2006/math">
-                    <m:r>
-                      <a:rPr kumimoji="1" lang="en-US" altLang="ja-JP" b="0" i="1" smtClean="0">
-                        <a:latin typeface="Cambria Math" panose="02040503050406030204" pitchFamily="18" charset="0"/>
-                      </a:rPr>
-                      <m:t>𝑛</m:t>
-                    </m:r>
-                  </m:oMath>
-                </a14:m>
-                <a:r>
-                  <a:rPr kumimoji="1" lang="ja-JP" altLang="en-US" dirty="0"/>
-                  <a:t>ビットのデータ列</a:t>
-                </a:r>
-                <a14:m>
-                  <m:oMath xmlns:m="http://schemas.openxmlformats.org/officeDocument/2006/math">
-                    <m:r>
-                      <a:rPr kumimoji="1" lang="en-US" altLang="ja-JP" b="0" i="1" smtClean="0">
-                        <a:latin typeface="Cambria Math" panose="02040503050406030204" pitchFamily="18" charset="0"/>
-                      </a:rPr>
-                      <m:t>𝑥</m:t>
-                    </m:r>
-                    <m:r>
-                      <a:rPr kumimoji="1" lang="en-US" altLang="ja-JP" b="0" i="1" smtClean="0">
-                        <a:latin typeface="Cambria Math" panose="02040503050406030204" pitchFamily="18" charset="0"/>
-                      </a:rPr>
-                      <m:t>, </m:t>
-                    </m:r>
-                    <m:r>
-                      <a:rPr kumimoji="1" lang="en-US" altLang="ja-JP" b="0" i="1" smtClean="0">
-                        <a:latin typeface="Cambria Math" panose="02040503050406030204" pitchFamily="18" charset="0"/>
-                      </a:rPr>
-                      <m:t>𝑦</m:t>
-                    </m:r>
-                  </m:oMath>
-                </a14:m>
-                <a:r>
-                  <a:rPr kumimoji="1" lang="ja-JP" altLang="en-US" dirty="0"/>
-                  <a:t>を持っている</a:t>
-                </a:r>
-                <a:endParaRPr kumimoji="1" lang="en-US" altLang="ja-JP" dirty="0"/>
-              </a:p>
-              <a:p>
-                <a:endParaRPr kumimoji="1" lang="en-US" altLang="ja-JP" dirty="0"/>
-              </a:p>
-              <a:p>
-                <a:endParaRPr lang="en-US" altLang="ja-JP" dirty="0"/>
-              </a:p>
-              <a:p>
-                <a:endParaRPr kumimoji="1" lang="en-US" altLang="ja-JP" dirty="0"/>
-              </a:p>
-              <a:p>
-                <a:endParaRPr kumimoji="1" lang="en-US" altLang="ja-JP" dirty="0"/>
-              </a:p>
-              <a:p>
-                <a:pPr lvl="1"/>
-                <a14:m>
-                  <m:oMath xmlns:m="http://schemas.openxmlformats.org/officeDocument/2006/math">
-                    <m:r>
-                      <a:rPr kumimoji="1" lang="en-US" altLang="ja-JP" b="0" i="1" smtClean="0">
-                        <a:latin typeface="Cambria Math" panose="02040503050406030204" pitchFamily="18" charset="0"/>
-                      </a:rPr>
-                      <m:t>𝑥</m:t>
-                    </m:r>
-                    <m:r>
-                      <a:rPr kumimoji="1" lang="en-US" altLang="ja-JP" b="0" i="1" smtClean="0">
-                        <a:latin typeface="Cambria Math" panose="02040503050406030204" pitchFamily="18" charset="0"/>
-                      </a:rPr>
-                      <m:t>=</m:t>
-                    </m:r>
-                    <m:r>
-                      <a:rPr kumimoji="1" lang="en-US" altLang="ja-JP" b="0" i="1" smtClean="0">
-                        <a:latin typeface="Cambria Math" panose="02040503050406030204" pitchFamily="18" charset="0"/>
-                      </a:rPr>
-                      <m:t>𝑦</m:t>
-                    </m:r>
-                  </m:oMath>
-                </a14:m>
-                <a:r>
-                  <a:rPr kumimoji="1" lang="ja-JP" altLang="en-US" dirty="0"/>
-                  <a:t>か？</a:t>
-                </a:r>
-                <a:endParaRPr kumimoji="1" lang="en-US" altLang="ja-JP" dirty="0"/>
-              </a:p>
-            </p:txBody>
-          </p:sp>
-        </mc:Choice>
-        <mc:Fallback>
-          <p:sp>
-            <p:nvSpPr>
-              <p:cNvPr id="3" name="コンテンツ プレースホルダー 2">
-                <a:extLst>
-                  <a:ext uri="{FF2B5EF4-FFF2-40B4-BE49-F238E27FC236}">
-                    <a16:creationId xmlns:a16="http://schemas.microsoft.com/office/drawing/2014/main" id="{8740F7D8-D5CB-4078-8165-961AC04E5531}"/>
-                  </a:ext>
-                </a:extLst>
-              </p:cNvPr>
-              <p:cNvSpPr>
-                <a:spLocks noGrp="1" noRot="1" noChangeAspect="1" noMove="1" noResize="1" noEditPoints="1" noAdjustHandles="1" noChangeArrowheads="1" noChangeShapeType="1" noTextEdit="1"/>
-              </p:cNvSpPr>
-              <p:nvPr>
-                <p:ph sz="quarter" idx="1"/>
-              </p:nvPr>
-            </p:nvSpPr>
-            <p:spPr>
-              <a:blipFill>
-                <a:blip r:embed="rId2"/>
-                <a:stretch>
-                  <a:fillRect l="-139" t="-928"/>
-                </a:stretch>
-              </a:blipFill>
-            </p:spPr>
-            <p:txBody>
-              <a:bodyPr/>
-              <a:lstStyle/>
-              <a:p>
-                <a:r>
-                  <a:rPr lang="ja-JP" altLang="en-US">
-                    <a:noFill/>
-                  </a:rPr>
-                  <a:t> </a:t>
-                </a:r>
-              </a:p>
-            </p:txBody>
-          </p:sp>
-        </mc:Fallback>
-      </mc:AlternateContent>
-      <p:sp>
-        <p:nvSpPr>
-          <p:cNvPr id="4" name="テキスト ボックス 3">
-            <a:extLst>
-              <a:ext uri="{FF2B5EF4-FFF2-40B4-BE49-F238E27FC236}">
-                <a16:creationId xmlns:a16="http://schemas.microsoft.com/office/drawing/2014/main" id="{5A21E651-0A96-436B-83BC-D65D6F11E990}"/>
-              </a:ext>
-            </a:extLst>
-          </p:cNvPr>
-          <p:cNvSpPr txBox="1"/>
-          <p:nvPr/>
-        </p:nvSpPr>
-        <p:spPr>
-          <a:xfrm>
-            <a:off x="1272988" y="2151528"/>
-            <a:ext cx="896471" cy="461665"/>
-          </a:xfrm>
-          <a:prstGeom prst="rect">
-            <a:avLst/>
-          </a:prstGeom>
-          <a:noFill/>
-        </p:spPr>
-        <p:txBody>
-          <a:bodyPr wrap="square" rtlCol="0">
-            <a:spAutoFit/>
-          </a:bodyPr>
-          <a:lstStyle/>
-          <a:p>
-            <a:r>
-              <a:rPr kumimoji="1" lang="en-US" altLang="ja-JP" sz="2400" dirty="0"/>
-              <a:t>Alice</a:t>
-            </a:r>
-            <a:endParaRPr kumimoji="1" lang="ja-JP" altLang="en-US" sz="2400" dirty="0"/>
+              <a:t>背景</a:t>
+            </a:r>
           </a:p>
         </p:txBody>
       </p:sp>
       <p:sp>
         <p:nvSpPr>
-          <p:cNvPr id="5" name="正方形/長方形 4">
-            <a:extLst>
-              <a:ext uri="{FF2B5EF4-FFF2-40B4-BE49-F238E27FC236}">
-                <a16:creationId xmlns:a16="http://schemas.microsoft.com/office/drawing/2014/main" id="{F5718DBE-4B50-4CDA-88E3-E9F47D02A7C2}"/>
-              </a:ext>
-            </a:extLst>
-          </p:cNvPr>
-          <p:cNvSpPr/>
-          <p:nvPr/>
+          <p:cNvPr id="3" name="コンテンツ プレースホルダー 2"/>
+          <p:cNvSpPr>
+            <a:spLocks noGrp="1"/>
+          </p:cNvSpPr>
+          <p:nvPr>
+            <p:ph sz="quarter" idx="1"/>
+          </p:nvPr>
         </p:nvSpPr>
-        <p:spPr>
-          <a:xfrm>
-            <a:off x="1272988" y="2151528"/>
-            <a:ext cx="896471" cy="376518"/>
-          </a:xfrm>
-          <a:prstGeom prst="rect">
-            <a:avLst/>
-          </a:prstGeom>
-          <a:ln w="9525">
-            <a:solidFill>
-              <a:schemeClr val="tx1"/>
-            </a:solidFill>
-          </a:ln>
-        </p:spPr>
-        <p:style>
-          <a:lnRef idx="1">
-            <a:schemeClr val="accent1"/>
-          </a:lnRef>
-          <a:fillRef idx="0">
-            <a:schemeClr val="accent1"/>
-          </a:fillRef>
-          <a:effectRef idx="0">
-            <a:schemeClr val="accent1"/>
-          </a:effectRef>
-          <a:fontRef idx="minor">
-            <a:schemeClr val="tx1"/>
-          </a:fontRef>
-        </p:style>
+        <p:spPr/>
         <p:txBody>
-          <a:bodyPr rtlCol="0" anchor="ctr"/>
+          <a:bodyPr/>
           <a:lstStyle/>
           <a:p>
-            <a:pPr algn="ctr"/>
-            <a:endParaRPr kumimoji="1" lang="ja-JP" altLang="en-US"/>
+            <a:r>
+              <a:rPr lang="ja-JP" altLang="en-US" dirty="0"/>
+              <a:t>𝐶𝑂𝑁𝐺𝐸𝑆𝑇モデルにおいてさまざまな問題に対する</a:t>
+            </a:r>
+            <a:br>
+              <a:rPr lang="ja-JP" altLang="en-US" dirty="0"/>
+            </a:br>
+            <a:r>
+              <a:rPr lang="ja-JP" altLang="en-US" dirty="0"/>
+              <a:t>複雑性に興味がもたれている</a:t>
+            </a:r>
+          </a:p>
+          <a:p>
+            <a:pPr lvl="1"/>
+            <a:r>
+              <a:rPr lang="ja-JP" altLang="en-US" dirty="0"/>
+              <a:t>距離計算</a:t>
+            </a:r>
+          </a:p>
+          <a:p>
+            <a:pPr lvl="1"/>
+            <a:r>
+              <a:rPr lang="ja-JP" altLang="en-US" dirty="0"/>
+              <a:t>最小全域木の構築</a:t>
+            </a:r>
+          </a:p>
+          <a:p>
+            <a:pPr lvl="1"/>
+            <a:r>
+              <a:rPr lang="ja-JP" altLang="en-US" dirty="0"/>
+              <a:t>最小頂点被覆の発見 など</a:t>
+            </a:r>
+            <a:endParaRPr lang="en-US" altLang="ja-JP" dirty="0"/>
+          </a:p>
+          <a:p>
+            <a:pPr lvl="1"/>
+            <a:endParaRPr lang="en-US" altLang="ja-JP" dirty="0"/>
+          </a:p>
+          <a:p>
+            <a:r>
+              <a:rPr lang="ja-JP" altLang="en-US" dirty="0"/>
+              <a:t>近年</a:t>
+            </a:r>
+            <a:r>
+              <a:rPr lang="en-US" altLang="ja-JP" dirty="0"/>
+              <a:t>,2</a:t>
+            </a:r>
+            <a:r>
+              <a:rPr lang="ja-JP" altLang="en-US" dirty="0"/>
+              <a:t>者間通信複雑性への帰着を通じて下限を証明する</a:t>
+            </a:r>
+            <a:br>
+              <a:rPr lang="en-US" altLang="ja-JP" dirty="0"/>
+            </a:br>
+            <a:r>
+              <a:rPr lang="ja-JP" altLang="en-US" dirty="0"/>
+              <a:t>手法のおかげで𝐶𝑂𝑁𝐺𝐸𝑆𝑇モデルにおけるいくつかの問題の</a:t>
+            </a:r>
+            <a:br>
+              <a:rPr lang="en-US" altLang="ja-JP" dirty="0"/>
+            </a:br>
+            <a:r>
+              <a:rPr lang="ja-JP" altLang="en-US" dirty="0"/>
+              <a:t>複雑性に関する理解が大幅に向上している</a:t>
+            </a:r>
+          </a:p>
+          <a:p>
+            <a:endParaRPr lang="en-US" altLang="ja-JP" dirty="0"/>
           </a:p>
         </p:txBody>
       </p:sp>
-      <mc:AlternateContent xmlns:mc="http://schemas.openxmlformats.org/markup-compatibility/2006">
-        <mc:Choice xmlns:a14="http://schemas.microsoft.com/office/drawing/2010/main" Requires="a14">
-          <p:sp>
-            <p:nvSpPr>
-              <p:cNvPr id="6" name="テキスト ボックス 5">
-                <a:extLst>
-                  <a:ext uri="{FF2B5EF4-FFF2-40B4-BE49-F238E27FC236}">
-                    <a16:creationId xmlns:a16="http://schemas.microsoft.com/office/drawing/2014/main" id="{3179AEA0-D1B0-4C38-9D58-4327E32BC4D5}"/>
-                  </a:ext>
-                </a:extLst>
-              </p:cNvPr>
-              <p:cNvSpPr txBox="1"/>
-              <p:nvPr/>
-            </p:nvSpPr>
-            <p:spPr>
-              <a:xfrm>
-                <a:off x="833717" y="2613193"/>
-                <a:ext cx="1775012" cy="369332"/>
-              </a:xfrm>
-              <a:prstGeom prst="rect">
-                <a:avLst/>
-              </a:prstGeom>
-              <a:noFill/>
-            </p:spPr>
-            <p:txBody>
-              <a:bodyPr wrap="square" rtlCol="0">
-                <a:spAutoFit/>
-              </a:bodyPr>
-              <a:lstStyle/>
-              <a:p>
-                <a14:m>
-                  <m:oMathPara xmlns:m="http://schemas.openxmlformats.org/officeDocument/2006/math">
-                    <m:oMathParaPr>
-                      <m:jc m:val="centerGroup"/>
-                    </m:oMathParaPr>
-                    <m:oMath xmlns:m="http://schemas.openxmlformats.org/officeDocument/2006/math">
-                      <m:r>
-                        <a:rPr kumimoji="1" lang="en-US" altLang="ja-JP" b="0" i="1" smtClean="0">
-                          <a:latin typeface="Cambria Math" panose="02040503050406030204" pitchFamily="18" charset="0"/>
-                        </a:rPr>
-                        <m:t>𝑥</m:t>
-                      </m:r>
-                      <m:r>
-                        <a:rPr kumimoji="1" lang="en-US" altLang="ja-JP" b="0" i="1" smtClean="0">
-                          <a:latin typeface="Cambria Math" panose="02040503050406030204" pitchFamily="18" charset="0"/>
-                        </a:rPr>
-                        <m:t>=001011001</m:t>
-                      </m:r>
-                    </m:oMath>
-                  </m:oMathPara>
-                </a14:m>
-                <a:endParaRPr kumimoji="1" lang="ja-JP" altLang="en-US" dirty="0"/>
-              </a:p>
-            </p:txBody>
-          </p:sp>
-        </mc:Choice>
-        <mc:Fallback>
-          <p:sp>
-            <p:nvSpPr>
-              <p:cNvPr id="6" name="テキスト ボックス 5">
-                <a:extLst>
-                  <a:ext uri="{FF2B5EF4-FFF2-40B4-BE49-F238E27FC236}">
-                    <a16:creationId xmlns:a16="http://schemas.microsoft.com/office/drawing/2014/main" id="{3179AEA0-D1B0-4C38-9D58-4327E32BC4D5}"/>
-                  </a:ext>
-                </a:extLst>
-              </p:cNvPr>
-              <p:cNvSpPr txBox="1">
-                <a:spLocks noRot="1" noChangeAspect="1" noMove="1" noResize="1" noEditPoints="1" noAdjustHandles="1" noChangeArrowheads="1" noChangeShapeType="1" noTextEdit="1"/>
-              </p:cNvSpPr>
-              <p:nvPr/>
-            </p:nvSpPr>
-            <p:spPr>
-              <a:xfrm>
-                <a:off x="833717" y="2613193"/>
-                <a:ext cx="1775012" cy="369332"/>
-              </a:xfrm>
-              <a:prstGeom prst="rect">
-                <a:avLst/>
-              </a:prstGeom>
-              <a:blipFill>
-                <a:blip r:embed="rId3"/>
-                <a:stretch>
-                  <a:fillRect/>
-                </a:stretch>
-              </a:blipFill>
-            </p:spPr>
-            <p:txBody>
-              <a:bodyPr/>
-              <a:lstStyle/>
-              <a:p>
-                <a:r>
-                  <a:rPr lang="ja-JP" altLang="en-US">
-                    <a:noFill/>
-                  </a:rPr>
-                  <a:t> </a:t>
-                </a:r>
-              </a:p>
-            </p:txBody>
-          </p:sp>
-        </mc:Fallback>
-      </mc:AlternateContent>
-      <p:sp>
-        <p:nvSpPr>
-          <p:cNvPr id="7" name="テキスト ボックス 6">
-            <a:extLst>
-              <a:ext uri="{FF2B5EF4-FFF2-40B4-BE49-F238E27FC236}">
-                <a16:creationId xmlns:a16="http://schemas.microsoft.com/office/drawing/2014/main" id="{697266B6-3581-4418-BFBD-A9A9D305113A}"/>
-              </a:ext>
-            </a:extLst>
-          </p:cNvPr>
-          <p:cNvSpPr txBox="1"/>
-          <p:nvPr/>
-        </p:nvSpPr>
-        <p:spPr>
-          <a:xfrm>
-            <a:off x="6284259" y="2151528"/>
-            <a:ext cx="896471" cy="461665"/>
-          </a:xfrm>
-          <a:prstGeom prst="rect">
-            <a:avLst/>
-          </a:prstGeom>
-          <a:noFill/>
-        </p:spPr>
-        <p:txBody>
-          <a:bodyPr wrap="square" rtlCol="0">
-            <a:spAutoFit/>
-          </a:bodyPr>
-          <a:lstStyle/>
-          <a:p>
-            <a:pPr algn="ctr"/>
-            <a:r>
-              <a:rPr lang="en-US" altLang="ja-JP" sz="2400" dirty="0"/>
-              <a:t>Bob</a:t>
-            </a:r>
-            <a:endParaRPr kumimoji="1" lang="ja-JP" altLang="en-US" sz="2400" dirty="0"/>
-          </a:p>
-        </p:txBody>
-      </p:sp>
-      <p:sp>
-        <p:nvSpPr>
-          <p:cNvPr id="8" name="正方形/長方形 7">
-            <a:extLst>
-              <a:ext uri="{FF2B5EF4-FFF2-40B4-BE49-F238E27FC236}">
-                <a16:creationId xmlns:a16="http://schemas.microsoft.com/office/drawing/2014/main" id="{DFAC4876-C0DA-4436-B842-D697F7B606D2}"/>
-              </a:ext>
-            </a:extLst>
-          </p:cNvPr>
-          <p:cNvSpPr/>
-          <p:nvPr/>
-        </p:nvSpPr>
-        <p:spPr>
-          <a:xfrm>
-            <a:off x="6284259" y="2151528"/>
-            <a:ext cx="896471" cy="376518"/>
-          </a:xfrm>
-          <a:prstGeom prst="rect">
-            <a:avLst/>
-          </a:prstGeom>
-          <a:ln w="9525">
-            <a:solidFill>
-              <a:schemeClr val="tx1"/>
-            </a:solidFill>
-          </a:ln>
-        </p:spPr>
-        <p:style>
-          <a:lnRef idx="1">
-            <a:schemeClr val="accent1"/>
-          </a:lnRef>
-          <a:fillRef idx="0">
-            <a:schemeClr val="accent1"/>
-          </a:fillRef>
-          <a:effectRef idx="0">
-            <a:schemeClr val="accent1"/>
-          </a:effectRef>
-          <a:fontRef idx="minor">
-            <a:schemeClr val="tx1"/>
-          </a:fontRef>
-        </p:style>
-        <p:txBody>
-          <a:bodyPr rtlCol="0" anchor="ctr"/>
-          <a:lstStyle/>
-          <a:p>
-            <a:pPr algn="ctr"/>
-            <a:endParaRPr kumimoji="1" lang="ja-JP" altLang="en-US"/>
-          </a:p>
-        </p:txBody>
-      </p:sp>
-      <mc:AlternateContent xmlns:mc="http://schemas.openxmlformats.org/markup-compatibility/2006">
-        <mc:Choice xmlns:a14="http://schemas.microsoft.com/office/drawing/2010/main" Requires="a14">
-          <p:sp>
-            <p:nvSpPr>
-              <p:cNvPr id="9" name="テキスト ボックス 8">
-                <a:extLst>
-                  <a:ext uri="{FF2B5EF4-FFF2-40B4-BE49-F238E27FC236}">
-                    <a16:creationId xmlns:a16="http://schemas.microsoft.com/office/drawing/2014/main" id="{E261C578-9A07-48CD-B1C4-B2FE371D00D2}"/>
-                  </a:ext>
-                </a:extLst>
-              </p:cNvPr>
-              <p:cNvSpPr txBox="1"/>
-              <p:nvPr/>
-            </p:nvSpPr>
-            <p:spPr>
-              <a:xfrm>
-                <a:off x="5844988" y="2613193"/>
-                <a:ext cx="1775012" cy="369332"/>
-              </a:xfrm>
-              <a:prstGeom prst="rect">
-                <a:avLst/>
-              </a:prstGeom>
-              <a:noFill/>
-            </p:spPr>
-            <p:txBody>
-              <a:bodyPr wrap="square" rtlCol="0">
-                <a:spAutoFit/>
-              </a:bodyPr>
-              <a:lstStyle/>
-              <a:p>
-                <a14:m>
-                  <m:oMathPara xmlns:m="http://schemas.openxmlformats.org/officeDocument/2006/math">
-                    <m:oMathParaPr>
-                      <m:jc m:val="centerGroup"/>
-                    </m:oMathParaPr>
-                    <m:oMath xmlns:m="http://schemas.openxmlformats.org/officeDocument/2006/math">
-                      <m:r>
-                        <a:rPr kumimoji="1" lang="en-US" altLang="ja-JP" b="0" i="1" smtClean="0">
-                          <a:latin typeface="Cambria Math" panose="02040503050406030204" pitchFamily="18" charset="0"/>
-                        </a:rPr>
-                        <m:t>𝑦</m:t>
-                      </m:r>
-                      <m:r>
-                        <a:rPr kumimoji="1" lang="en-US" altLang="ja-JP" b="0" i="1" smtClean="0">
-                          <a:latin typeface="Cambria Math" panose="02040503050406030204" pitchFamily="18" charset="0"/>
-                        </a:rPr>
-                        <m:t>=001101010</m:t>
-                      </m:r>
-                    </m:oMath>
-                  </m:oMathPara>
-                </a14:m>
-                <a:endParaRPr kumimoji="1" lang="ja-JP" altLang="en-US" dirty="0"/>
-              </a:p>
-            </p:txBody>
-          </p:sp>
-        </mc:Choice>
-        <mc:Fallback>
-          <p:sp>
-            <p:nvSpPr>
-              <p:cNvPr id="9" name="テキスト ボックス 8">
-                <a:extLst>
-                  <a:ext uri="{FF2B5EF4-FFF2-40B4-BE49-F238E27FC236}">
-                    <a16:creationId xmlns:a16="http://schemas.microsoft.com/office/drawing/2014/main" id="{E261C578-9A07-48CD-B1C4-B2FE371D00D2}"/>
-                  </a:ext>
-                </a:extLst>
-              </p:cNvPr>
-              <p:cNvSpPr txBox="1">
-                <a:spLocks noRot="1" noChangeAspect="1" noMove="1" noResize="1" noEditPoints="1" noAdjustHandles="1" noChangeArrowheads="1" noChangeShapeType="1" noTextEdit="1"/>
-              </p:cNvSpPr>
-              <p:nvPr/>
-            </p:nvSpPr>
-            <p:spPr>
-              <a:xfrm>
-                <a:off x="5844988" y="2613193"/>
-                <a:ext cx="1775012" cy="369332"/>
-              </a:xfrm>
-              <a:prstGeom prst="rect">
-                <a:avLst/>
-              </a:prstGeom>
-              <a:blipFill>
-                <a:blip r:embed="rId4"/>
-                <a:stretch>
-                  <a:fillRect b="-3333"/>
-                </a:stretch>
-              </a:blipFill>
-            </p:spPr>
-            <p:txBody>
-              <a:bodyPr/>
-              <a:lstStyle/>
-              <a:p>
-                <a:r>
-                  <a:rPr lang="ja-JP" altLang="en-US">
-                    <a:noFill/>
-                  </a:rPr>
-                  <a:t> </a:t>
-                </a:r>
-              </a:p>
-            </p:txBody>
-          </p:sp>
-        </mc:Fallback>
-      </mc:AlternateContent>
-      <p:sp>
-        <p:nvSpPr>
-          <p:cNvPr id="10" name="矢印: 左右 9">
-            <a:extLst>
-              <a:ext uri="{FF2B5EF4-FFF2-40B4-BE49-F238E27FC236}">
-                <a16:creationId xmlns:a16="http://schemas.microsoft.com/office/drawing/2014/main" id="{4C85541E-1FA4-4BBD-9FC1-68FE037D145A}"/>
-              </a:ext>
-            </a:extLst>
-          </p:cNvPr>
-          <p:cNvSpPr/>
-          <p:nvPr/>
-        </p:nvSpPr>
-        <p:spPr>
-          <a:xfrm>
-            <a:off x="3411070" y="2156900"/>
-            <a:ext cx="1649506" cy="667853"/>
-          </a:xfrm>
-          <a:prstGeom prst="leftRightArrow">
-            <a:avLst/>
-          </a:prstGeom>
-          <a:solidFill>
-            <a:schemeClr val="accent2">
-              <a:lumMod val="60000"/>
-              <a:lumOff val="40000"/>
-            </a:schemeClr>
-          </a:solidFill>
-          <a:ln w="28575">
-            <a:solidFill>
-              <a:schemeClr val="tx1"/>
-            </a:solidFill>
-          </a:ln>
-        </p:spPr>
-        <p:style>
-          <a:lnRef idx="1">
-            <a:schemeClr val="accent1"/>
-          </a:lnRef>
-          <a:fillRef idx="0">
-            <a:schemeClr val="accent1"/>
-          </a:fillRef>
-          <a:effectRef idx="0">
-            <a:schemeClr val="accent1"/>
-          </a:effectRef>
-          <a:fontRef idx="minor">
-            <a:schemeClr val="tx1"/>
-          </a:fontRef>
-        </p:style>
-        <p:txBody>
-          <a:bodyPr rtlCol="0" anchor="ctr"/>
-          <a:lstStyle/>
-          <a:p>
-            <a:pPr algn="ctr"/>
-            <a:endParaRPr kumimoji="1" lang="ja-JP" altLang="en-US"/>
-          </a:p>
-        </p:txBody>
-      </p:sp>
-      <p:sp>
-        <p:nvSpPr>
-          <p:cNvPr id="11" name="テキスト ボックス 10">
-            <a:extLst>
-              <a:ext uri="{FF2B5EF4-FFF2-40B4-BE49-F238E27FC236}">
-                <a16:creationId xmlns:a16="http://schemas.microsoft.com/office/drawing/2014/main" id="{7D773926-60EC-4CC3-ACED-0D85CAAC2A04}"/>
-              </a:ext>
-            </a:extLst>
-          </p:cNvPr>
-          <p:cNvSpPr txBox="1"/>
-          <p:nvPr/>
-        </p:nvSpPr>
-        <p:spPr>
-          <a:xfrm>
-            <a:off x="3958851" y="2339787"/>
-            <a:ext cx="707278" cy="369332"/>
-          </a:xfrm>
-          <a:prstGeom prst="rect">
-            <a:avLst/>
-          </a:prstGeom>
-          <a:noFill/>
-        </p:spPr>
-        <p:txBody>
-          <a:bodyPr wrap="square" rtlCol="0">
-            <a:spAutoFit/>
-          </a:bodyPr>
-          <a:lstStyle/>
-          <a:p>
-            <a:r>
-              <a:rPr kumimoji="1" lang="ja-JP" altLang="en-US" dirty="0"/>
-              <a:t>通信</a:t>
-            </a:r>
-          </a:p>
-        </p:txBody>
-      </p:sp>
-      <p:sp>
-        <p:nvSpPr>
-          <p:cNvPr id="13" name="矢印: 上下 12">
-            <a:extLst>
-              <a:ext uri="{FF2B5EF4-FFF2-40B4-BE49-F238E27FC236}">
-                <a16:creationId xmlns:a16="http://schemas.microsoft.com/office/drawing/2014/main" id="{CC6730F7-62D1-4CD6-905C-A89B79E508AB}"/>
-              </a:ext>
-            </a:extLst>
-          </p:cNvPr>
-          <p:cNvSpPr/>
-          <p:nvPr/>
-        </p:nvSpPr>
-        <p:spPr>
-          <a:xfrm>
-            <a:off x="1546411" y="2989711"/>
-            <a:ext cx="349623" cy="582706"/>
-          </a:xfrm>
-          <a:prstGeom prst="upDownArrow">
-            <a:avLst/>
-          </a:prstGeom>
-          <a:ln w="28575">
-            <a:solidFill>
-              <a:schemeClr val="tx1"/>
-            </a:solidFill>
-          </a:ln>
-        </p:spPr>
-        <p:style>
-          <a:lnRef idx="1">
-            <a:schemeClr val="accent1"/>
-          </a:lnRef>
-          <a:fillRef idx="0">
-            <a:schemeClr val="accent1"/>
-          </a:fillRef>
-          <a:effectRef idx="0">
-            <a:schemeClr val="accent1"/>
-          </a:effectRef>
-          <a:fontRef idx="minor">
-            <a:schemeClr val="tx1"/>
-          </a:fontRef>
-        </p:style>
-        <p:txBody>
-          <a:bodyPr rtlCol="0" anchor="ctr"/>
-          <a:lstStyle/>
-          <a:p>
-            <a:pPr algn="ctr"/>
-            <a:endParaRPr kumimoji="1" lang="ja-JP" altLang="en-US"/>
-          </a:p>
-        </p:txBody>
-      </p:sp>
-      <mc:AlternateContent xmlns:mc="http://schemas.openxmlformats.org/markup-compatibility/2006">
-        <mc:Choice xmlns:a14="http://schemas.microsoft.com/office/drawing/2010/main" Requires="a14">
-          <p:sp>
-            <p:nvSpPr>
-              <p:cNvPr id="14" name="テキスト ボックス 13">
-                <a:extLst>
-                  <a:ext uri="{FF2B5EF4-FFF2-40B4-BE49-F238E27FC236}">
-                    <a16:creationId xmlns:a16="http://schemas.microsoft.com/office/drawing/2014/main" id="{C66C531D-6E81-4265-A5DF-4C94B935BB6D}"/>
-                  </a:ext>
-                </a:extLst>
-              </p:cNvPr>
-              <p:cNvSpPr txBox="1"/>
-              <p:nvPr/>
-            </p:nvSpPr>
-            <p:spPr>
-              <a:xfrm>
-                <a:off x="918880" y="3668940"/>
-                <a:ext cx="1604683" cy="584775"/>
-              </a:xfrm>
-              <a:prstGeom prst="rect">
-                <a:avLst/>
-              </a:prstGeom>
-              <a:noFill/>
-            </p:spPr>
-            <p:txBody>
-              <a:bodyPr wrap="square" rtlCol="0">
-                <a:spAutoFit/>
-              </a:bodyPr>
-              <a:lstStyle/>
-              <a:p>
-                <a:pPr algn="ctr"/>
-                <a:r>
-                  <a:rPr kumimoji="1" lang="ja-JP" altLang="en-US" sz="1600" dirty="0"/>
-                  <a:t>アイテム集合</a:t>
-                </a:r>
-                <a:endParaRPr kumimoji="1" lang="en-US" altLang="ja-JP" sz="1600" dirty="0"/>
-              </a:p>
-              <a:p>
-                <a:pPr algn="ctr"/>
-                <a14:m>
-                  <m:oMathPara xmlns:m="http://schemas.openxmlformats.org/officeDocument/2006/math">
-                    <m:oMathParaPr>
-                      <m:jc m:val="centerGroup"/>
-                    </m:oMathParaPr>
-                    <m:oMath xmlns:m="http://schemas.openxmlformats.org/officeDocument/2006/math">
-                      <m:r>
-                        <a:rPr kumimoji="1" lang="en-US" altLang="ja-JP" sz="1600" b="0" i="1" smtClean="0">
-                          <a:latin typeface="Cambria Math" panose="02040503050406030204" pitchFamily="18" charset="0"/>
-                        </a:rPr>
-                        <m:t>{3, 5, 6, 9}</m:t>
-                      </m:r>
-                    </m:oMath>
-                  </m:oMathPara>
-                </a14:m>
-                <a:endParaRPr kumimoji="1" lang="ja-JP" altLang="en-US" sz="1600" dirty="0"/>
-              </a:p>
-            </p:txBody>
-          </p:sp>
-        </mc:Choice>
-        <mc:Fallback>
-          <p:sp>
-            <p:nvSpPr>
-              <p:cNvPr id="14" name="テキスト ボックス 13">
-                <a:extLst>
-                  <a:ext uri="{FF2B5EF4-FFF2-40B4-BE49-F238E27FC236}">
-                    <a16:creationId xmlns:a16="http://schemas.microsoft.com/office/drawing/2014/main" id="{C66C531D-6E81-4265-A5DF-4C94B935BB6D}"/>
-                  </a:ext>
-                </a:extLst>
-              </p:cNvPr>
-              <p:cNvSpPr txBox="1">
-                <a:spLocks noRot="1" noChangeAspect="1" noMove="1" noResize="1" noEditPoints="1" noAdjustHandles="1" noChangeArrowheads="1" noChangeShapeType="1" noTextEdit="1"/>
-              </p:cNvSpPr>
-              <p:nvPr/>
-            </p:nvSpPr>
-            <p:spPr>
-              <a:xfrm>
-                <a:off x="918880" y="3668940"/>
-                <a:ext cx="1604683" cy="584775"/>
-              </a:xfrm>
-              <a:prstGeom prst="rect">
-                <a:avLst/>
-              </a:prstGeom>
-              <a:blipFill>
-                <a:blip r:embed="rId5"/>
-                <a:stretch>
-                  <a:fillRect t="-3125" b="-3125"/>
-                </a:stretch>
-              </a:blipFill>
-            </p:spPr>
-            <p:txBody>
-              <a:bodyPr/>
-              <a:lstStyle/>
-              <a:p>
-                <a:r>
-                  <a:rPr lang="ja-JP" altLang="en-US">
-                    <a:noFill/>
-                  </a:rPr>
-                  <a:t> </a:t>
-                </a:r>
-              </a:p>
-            </p:txBody>
-          </p:sp>
-        </mc:Fallback>
-      </mc:AlternateContent>
-      <p:sp>
-        <p:nvSpPr>
-          <p:cNvPr id="15" name="矢印: 上下 14">
-            <a:extLst>
-              <a:ext uri="{FF2B5EF4-FFF2-40B4-BE49-F238E27FC236}">
-                <a16:creationId xmlns:a16="http://schemas.microsoft.com/office/drawing/2014/main" id="{C60DDBD6-D0DE-4424-86F8-D7D54E43F116}"/>
-              </a:ext>
-            </a:extLst>
-          </p:cNvPr>
-          <p:cNvSpPr/>
-          <p:nvPr/>
-        </p:nvSpPr>
-        <p:spPr>
-          <a:xfrm>
-            <a:off x="6620437" y="2982525"/>
-            <a:ext cx="349623" cy="582706"/>
-          </a:xfrm>
-          <a:prstGeom prst="upDownArrow">
-            <a:avLst/>
-          </a:prstGeom>
-          <a:ln w="28575">
-            <a:solidFill>
-              <a:schemeClr val="tx1"/>
-            </a:solidFill>
-          </a:ln>
-        </p:spPr>
-        <p:style>
-          <a:lnRef idx="1">
-            <a:schemeClr val="accent1"/>
-          </a:lnRef>
-          <a:fillRef idx="0">
-            <a:schemeClr val="accent1"/>
-          </a:fillRef>
-          <a:effectRef idx="0">
-            <a:schemeClr val="accent1"/>
-          </a:effectRef>
-          <a:fontRef idx="minor">
-            <a:schemeClr val="tx1"/>
-          </a:fontRef>
-        </p:style>
-        <p:txBody>
-          <a:bodyPr rtlCol="0" anchor="ctr"/>
-          <a:lstStyle/>
-          <a:p>
-            <a:pPr algn="ctr"/>
-            <a:endParaRPr kumimoji="1" lang="ja-JP" altLang="en-US"/>
-          </a:p>
-        </p:txBody>
-      </p:sp>
-      <mc:AlternateContent xmlns:mc="http://schemas.openxmlformats.org/markup-compatibility/2006">
-        <mc:Choice xmlns:a14="http://schemas.microsoft.com/office/drawing/2010/main" Requires="a14">
-          <p:sp>
-            <p:nvSpPr>
-              <p:cNvPr id="16" name="テキスト ボックス 15">
-                <a:extLst>
-                  <a:ext uri="{FF2B5EF4-FFF2-40B4-BE49-F238E27FC236}">
-                    <a16:creationId xmlns:a16="http://schemas.microsoft.com/office/drawing/2014/main" id="{A7146EF4-E151-4BCC-9AB7-765C4C3AEF88}"/>
-                  </a:ext>
-                </a:extLst>
-              </p:cNvPr>
-              <p:cNvSpPr txBox="1"/>
-              <p:nvPr/>
-            </p:nvSpPr>
-            <p:spPr>
-              <a:xfrm>
-                <a:off x="5992906" y="3661754"/>
-                <a:ext cx="1604683" cy="584775"/>
-              </a:xfrm>
-              <a:prstGeom prst="rect">
-                <a:avLst/>
-              </a:prstGeom>
-              <a:noFill/>
-            </p:spPr>
-            <p:txBody>
-              <a:bodyPr wrap="square" rtlCol="0">
-                <a:spAutoFit/>
-              </a:bodyPr>
-              <a:lstStyle/>
-              <a:p>
-                <a:pPr algn="ctr"/>
-                <a:r>
-                  <a:rPr kumimoji="1" lang="ja-JP" altLang="en-US" sz="1600" dirty="0"/>
-                  <a:t>アイテム集合</a:t>
-                </a:r>
-                <a:endParaRPr kumimoji="1" lang="en-US" altLang="ja-JP" sz="1600" dirty="0"/>
-              </a:p>
-              <a:p>
-                <a:pPr algn="ctr"/>
-                <a14:m>
-                  <m:oMathPara xmlns:m="http://schemas.openxmlformats.org/officeDocument/2006/math">
-                    <m:oMathParaPr>
-                      <m:jc m:val="centerGroup"/>
-                    </m:oMathParaPr>
-                    <m:oMath xmlns:m="http://schemas.openxmlformats.org/officeDocument/2006/math">
-                      <m:r>
-                        <a:rPr kumimoji="1" lang="en-US" altLang="ja-JP" sz="1600" b="0" i="1" smtClean="0">
-                          <a:latin typeface="Cambria Math" panose="02040503050406030204" pitchFamily="18" charset="0"/>
-                        </a:rPr>
-                        <m:t>{3, 4, 6, 8}</m:t>
-                      </m:r>
-                    </m:oMath>
-                  </m:oMathPara>
-                </a14:m>
-                <a:endParaRPr kumimoji="1" lang="ja-JP" altLang="en-US" sz="1600" dirty="0"/>
-              </a:p>
-            </p:txBody>
-          </p:sp>
-        </mc:Choice>
-        <mc:Fallback>
-          <p:sp>
-            <p:nvSpPr>
-              <p:cNvPr id="16" name="テキスト ボックス 15">
-                <a:extLst>
-                  <a:ext uri="{FF2B5EF4-FFF2-40B4-BE49-F238E27FC236}">
-                    <a16:creationId xmlns:a16="http://schemas.microsoft.com/office/drawing/2014/main" id="{A7146EF4-E151-4BCC-9AB7-765C4C3AEF88}"/>
-                  </a:ext>
-                </a:extLst>
-              </p:cNvPr>
-              <p:cNvSpPr txBox="1">
-                <a:spLocks noRot="1" noChangeAspect="1" noMove="1" noResize="1" noEditPoints="1" noAdjustHandles="1" noChangeArrowheads="1" noChangeShapeType="1" noTextEdit="1"/>
-              </p:cNvSpPr>
-              <p:nvPr/>
-            </p:nvSpPr>
-            <p:spPr>
-              <a:xfrm>
-                <a:off x="5992906" y="3661754"/>
-                <a:ext cx="1604683" cy="584775"/>
-              </a:xfrm>
-              <a:prstGeom prst="rect">
-                <a:avLst/>
-              </a:prstGeom>
-              <a:blipFill>
-                <a:blip r:embed="rId6"/>
-                <a:stretch>
-                  <a:fillRect t="-3125" b="-3125"/>
-                </a:stretch>
-              </a:blipFill>
-            </p:spPr>
-            <p:txBody>
-              <a:bodyPr/>
-              <a:lstStyle/>
-              <a:p>
-                <a:r>
-                  <a:rPr lang="ja-JP" altLang="en-US">
-                    <a:noFill/>
-                  </a:rPr>
-                  <a:t> </a:t>
-                </a:r>
-              </a:p>
-            </p:txBody>
-          </p:sp>
-        </mc:Fallback>
-      </mc:AlternateContent>
     </p:spTree>
     <p:extLst>
       <p:ext uri="{BB962C8B-B14F-4D97-AF65-F5344CB8AC3E}">
-        <p14:creationId xmlns:p14="http://schemas.microsoft.com/office/powerpoint/2010/main" val="3484008835"/>
+        <p14:creationId xmlns:p14="http://schemas.microsoft.com/office/powerpoint/2010/main" val="294027188"/>
       </p:ext>
     </p:extLst>
   </p:cSld>

--- a/chukan/chukan2020_sato.pptx
+++ b/chukan/chukan2020_sato.pptx
@@ -5172,8 +5172,8 @@
           </a:p>
         </p:txBody>
       </p:sp>
-      <mc:AlternateContent xmlns:mc="http://schemas.openxmlformats.org/markup-compatibility/2006">
-        <mc:Choice xmlns:a14="http://schemas.microsoft.com/office/drawing/2010/main" Requires="a14">
+      <mc:AlternateContent xmlns:mc="http://schemas.openxmlformats.org/markup-compatibility/2006" xmlns:a14="http://schemas.microsoft.com/office/drawing/2010/main">
+        <mc:Choice Requires="a14">
           <p:sp>
             <p:nvSpPr>
               <p:cNvPr id="3" name="コンテンツ プレースホルダー 2"/>
@@ -5307,7 +5307,7 @@
             </p:txBody>
           </p:sp>
         </mc:Choice>
-        <mc:Fallback>
+        <mc:Fallback xmlns="">
           <p:sp>
             <p:nvSpPr>
               <p:cNvPr id="3" name="コンテンツ プレースホルダー 2"/>
@@ -5393,8 +5393,8 @@
           </a:p>
         </p:txBody>
       </p:sp>
-      <mc:AlternateContent xmlns:mc="http://schemas.openxmlformats.org/markup-compatibility/2006">
-        <mc:Choice xmlns:a14="http://schemas.microsoft.com/office/drawing/2010/main" Requires="a14">
+      <mc:AlternateContent xmlns:mc="http://schemas.openxmlformats.org/markup-compatibility/2006" xmlns:a14="http://schemas.microsoft.com/office/drawing/2010/main">
+        <mc:Choice Requires="a14">
           <p:sp>
             <p:nvSpPr>
               <p:cNvPr id="3" name="コンテンツ プレースホルダー 2"/>
@@ -5528,7 +5528,7 @@
             </p:txBody>
           </p:sp>
         </mc:Choice>
-        <mc:Fallback>
+        <mc:Fallback xmlns="">
           <p:sp>
             <p:nvSpPr>
               <p:cNvPr id="3" name="コンテンツ プレースホルダー 2"/>
@@ -7680,8 +7680,8 @@
           </a:p>
         </p:txBody>
       </p:sp>
-      <mc:AlternateContent xmlns:mc="http://schemas.openxmlformats.org/markup-compatibility/2006">
-        <mc:Choice xmlns:a14="http://schemas.microsoft.com/office/drawing/2010/main" Requires="a14">
+      <mc:AlternateContent xmlns:mc="http://schemas.openxmlformats.org/markup-compatibility/2006" xmlns:a14="http://schemas.microsoft.com/office/drawing/2010/main">
+        <mc:Choice Requires="a14">
           <p:sp>
             <p:nvSpPr>
               <p:cNvPr id="3" name="コンテンツ プレースホルダー 2"/>
@@ -7872,7 +7872,7 @@
             </p:txBody>
           </p:sp>
         </mc:Choice>
-        <mc:Fallback>
+        <mc:Fallback xmlns="">
           <p:sp>
             <p:nvSpPr>
               <p:cNvPr id="3" name="コンテンツ プレースホルダー 2"/>
@@ -11140,8 +11140,8 @@
           </a:p>
         </p:txBody>
       </p:sp>
-      <mc:AlternateContent xmlns:mc="http://schemas.openxmlformats.org/markup-compatibility/2006">
-        <mc:Choice xmlns:a14="http://schemas.microsoft.com/office/drawing/2010/main" Requires="a14">
+      <mc:AlternateContent xmlns:mc="http://schemas.openxmlformats.org/markup-compatibility/2006" xmlns:a14="http://schemas.microsoft.com/office/drawing/2010/main">
+        <mc:Choice Requires="a14">
           <p:sp>
             <p:nvSpPr>
               <p:cNvPr id="3" name="コンテンツ プレースホルダー 2"/>
@@ -11321,7 +11321,7 @@
             </p:txBody>
           </p:sp>
         </mc:Choice>
-        <mc:Fallback>
+        <mc:Fallback xmlns="">
           <p:sp>
             <p:nvSpPr>
               <p:cNvPr id="3" name="コンテンツ プレースホルダー 2"/>
@@ -11407,8 +11407,8 @@
           </a:p>
         </p:txBody>
       </p:sp>
-      <mc:AlternateContent xmlns:mc="http://schemas.openxmlformats.org/markup-compatibility/2006">
-        <mc:Choice xmlns:a14="http://schemas.microsoft.com/office/drawing/2010/main" Requires="a14">
+      <mc:AlternateContent xmlns:mc="http://schemas.openxmlformats.org/markup-compatibility/2006" xmlns:a14="http://schemas.microsoft.com/office/drawing/2010/main">
+        <mc:Choice Requires="a14">
           <p:sp>
             <p:nvSpPr>
               <p:cNvPr id="3" name="コンテンツ プレースホルダー 2"/>
@@ -11607,7 +11607,7 @@
             </p:txBody>
           </p:sp>
         </mc:Choice>
-        <mc:Fallback>
+        <mc:Fallback xmlns="">
           <p:sp>
             <p:nvSpPr>
               <p:cNvPr id="3" name="コンテンツ プレースホルダー 2"/>
@@ -11641,8 +11641,8 @@
           </p:sp>
         </mc:Fallback>
       </mc:AlternateContent>
-      <mc:AlternateContent xmlns:mc="http://schemas.openxmlformats.org/markup-compatibility/2006">
-        <mc:Choice xmlns:a14="http://schemas.microsoft.com/office/drawing/2010/main" Requires="a14">
+      <mc:AlternateContent xmlns:mc="http://schemas.openxmlformats.org/markup-compatibility/2006" xmlns:a14="http://schemas.microsoft.com/office/drawing/2010/main">
+        <mc:Choice Requires="a14">
           <p:sp>
             <p:nvSpPr>
               <p:cNvPr id="4" name="吹き出し: 角を丸めた四角形 3">
@@ -11717,7 +11717,7 @@
             </p:txBody>
           </p:sp>
         </mc:Choice>
-        <mc:Fallback>
+        <mc:Fallback xmlns="">
           <p:sp>
             <p:nvSpPr>
               <p:cNvPr id="4" name="吹き出し: 角を丸めた四角形 3">
@@ -11846,7 +11846,14 @@
           <a:bodyPr/>
           <a:lstStyle/>
           <a:p>
-            <a:endParaRPr kumimoji="1" lang="ja-JP" altLang="en-US"/>
+            <a:r>
+              <a:rPr kumimoji="1" lang="en-US" altLang="ja-JP" dirty="0"/>
+              <a:t>1-MIS</a:t>
+            </a:r>
+            <a:r>
+              <a:rPr kumimoji="1" lang="ja-JP" altLang="en-US"/>
+              <a:t>検証問題に対する</a:t>
+            </a:r>
           </a:p>
         </p:txBody>
       </p:sp>
@@ -11912,8 +11919,8 @@
           </a:p>
         </p:txBody>
       </p:sp>
-      <mc:AlternateContent xmlns:mc="http://schemas.openxmlformats.org/markup-compatibility/2006">
-        <mc:Choice xmlns:a14="http://schemas.microsoft.com/office/drawing/2010/main" Requires="a14">
+      <mc:AlternateContent xmlns:mc="http://schemas.openxmlformats.org/markup-compatibility/2006" xmlns:a14="http://schemas.microsoft.com/office/drawing/2010/main">
+        <mc:Choice Requires="a14">
           <p:sp>
             <p:nvSpPr>
               <p:cNvPr id="3" name="コンテンツ プレースホルダー 2">
@@ -12216,7 +12223,7 @@
             </p:txBody>
           </p:sp>
         </mc:Choice>
-        <mc:Fallback>
+        <mc:Fallback xmlns="">
           <p:sp>
             <p:nvSpPr>
               <p:cNvPr id="3" name="コンテンツ プレースホルダー 2">
@@ -12341,8 +12348,8 @@
           </a:p>
         </p:txBody>
       </p:sp>
-      <mc:AlternateContent xmlns:mc="http://schemas.openxmlformats.org/markup-compatibility/2006">
-        <mc:Choice xmlns:a14="http://schemas.microsoft.com/office/drawing/2010/main" Requires="a14">
+      <mc:AlternateContent xmlns:mc="http://schemas.openxmlformats.org/markup-compatibility/2006" xmlns:a14="http://schemas.microsoft.com/office/drawing/2010/main">
+        <mc:Choice Requires="a14">
           <p:sp>
             <p:nvSpPr>
               <p:cNvPr id="6" name="テキスト ボックス 5">
@@ -12398,7 +12405,7 @@
             </p:txBody>
           </p:sp>
         </mc:Choice>
-        <mc:Fallback>
+        <mc:Fallback xmlns="">
           <p:sp>
             <p:nvSpPr>
               <p:cNvPr id="6" name="テキスト ボックス 5">
@@ -12529,8 +12536,8 @@
           </a:p>
         </p:txBody>
       </p:sp>
-      <mc:AlternateContent xmlns:mc="http://schemas.openxmlformats.org/markup-compatibility/2006">
-        <mc:Choice xmlns:a14="http://schemas.microsoft.com/office/drawing/2010/main" Requires="a14">
+      <mc:AlternateContent xmlns:mc="http://schemas.openxmlformats.org/markup-compatibility/2006" xmlns:a14="http://schemas.microsoft.com/office/drawing/2010/main">
+        <mc:Choice Requires="a14">
           <p:sp>
             <p:nvSpPr>
               <p:cNvPr id="9" name="テキスト ボックス 8">
@@ -12586,7 +12593,7 @@
             </p:txBody>
           </p:sp>
         </mc:Choice>
-        <mc:Fallback>
+        <mc:Fallback xmlns="">
           <p:sp>
             <p:nvSpPr>
               <p:cNvPr id="9" name="テキスト ボックス 8">
@@ -14891,8 +14898,8 @@
           </a:p>
         </p:txBody>
       </p:sp>
-      <mc:AlternateContent xmlns:mc="http://schemas.openxmlformats.org/markup-compatibility/2006">
-        <mc:Choice xmlns:a14="http://schemas.microsoft.com/office/drawing/2010/main" Requires="a14">
+      <mc:AlternateContent xmlns:mc="http://schemas.openxmlformats.org/markup-compatibility/2006" xmlns:a14="http://schemas.microsoft.com/office/drawing/2010/main">
+        <mc:Choice Requires="a14">
           <p:sp>
             <p:nvSpPr>
               <p:cNvPr id="3" name="コンテンツ プレースホルダー 2"/>
@@ -15278,7 +15285,7 @@
             </p:txBody>
           </p:sp>
         </mc:Choice>
-        <mc:Fallback>
+        <mc:Fallback xmlns="">
           <p:sp>
             <p:nvSpPr>
               <p:cNvPr id="3" name="コンテンツ プレースホルダー 2"/>
@@ -34415,8 +34422,8 @@
           </a:p>
         </p:txBody>
       </p:sp>
-      <mc:AlternateContent xmlns:mc="http://schemas.openxmlformats.org/markup-compatibility/2006">
-        <mc:Choice xmlns:a14="http://schemas.microsoft.com/office/drawing/2010/main" Requires="a14">
+      <mc:AlternateContent xmlns:mc="http://schemas.openxmlformats.org/markup-compatibility/2006" xmlns:a14="http://schemas.microsoft.com/office/drawing/2010/main">
+        <mc:Choice Requires="a14">
           <p:sp>
             <p:nvSpPr>
               <p:cNvPr id="3" name="コンテンツ プレースホルダー 2"/>
@@ -34884,7 +34891,7 @@
             </p:txBody>
           </p:sp>
         </mc:Choice>
-        <mc:Fallback>
+        <mc:Fallback xmlns="">
           <p:sp>
             <p:nvSpPr>
               <p:cNvPr id="3" name="コンテンツ プレースホルダー 2"/>
@@ -34970,8 +34977,8 @@
           </a:p>
         </p:txBody>
       </p:sp>
-      <mc:AlternateContent xmlns:mc="http://schemas.openxmlformats.org/markup-compatibility/2006">
-        <mc:Choice xmlns:a14="http://schemas.microsoft.com/office/drawing/2010/main" Requires="a14">
+      <mc:AlternateContent xmlns:mc="http://schemas.openxmlformats.org/markup-compatibility/2006" xmlns:a14="http://schemas.microsoft.com/office/drawing/2010/main">
+        <mc:Choice Requires="a14">
           <p:sp>
             <p:nvSpPr>
               <p:cNvPr id="3" name="コンテンツ プレースホルダー 2"/>
@@ -35130,7 +35137,7 @@
             </p:txBody>
           </p:sp>
         </mc:Choice>
-        <mc:Fallback>
+        <mc:Fallback xmlns="">
           <p:sp>
             <p:nvSpPr>
               <p:cNvPr id="3" name="コンテンツ プレースホルダー 2"/>

--- a/chukan/chukan2020_sato.pptx
+++ b/chukan/chukan2020_sato.pptx
@@ -5,7 +5,7 @@
     <p:sldMasterId id="2147483660" r:id="rId1"/>
   </p:sldMasterIdLst>
   <p:notesMasterIdLst>
-    <p:notesMasterId r:id="rId25"/>
+    <p:notesMasterId r:id="rId26"/>
   </p:notesMasterIdLst>
   <p:sldIdLst>
     <p:sldId id="256" r:id="rId2"/>
@@ -25,12 +25,13 @@
     <p:sldId id="429" r:id="rId16"/>
     <p:sldId id="423" r:id="rId17"/>
     <p:sldId id="264" r:id="rId18"/>
-    <p:sldId id="424" r:id="rId19"/>
-    <p:sldId id="420" r:id="rId20"/>
-    <p:sldId id="262" r:id="rId21"/>
-    <p:sldId id="263" r:id="rId22"/>
-    <p:sldId id="261" r:id="rId23"/>
-    <p:sldId id="425" r:id="rId24"/>
+    <p:sldId id="435" r:id="rId19"/>
+    <p:sldId id="424" r:id="rId20"/>
+    <p:sldId id="420" r:id="rId21"/>
+    <p:sldId id="262" r:id="rId22"/>
+    <p:sldId id="263" r:id="rId23"/>
+    <p:sldId id="261" r:id="rId24"/>
+    <p:sldId id="425" r:id="rId25"/>
   </p:sldIdLst>
   <p:sldSz cx="9144000" cy="6858000" type="screen4x3"/>
   <p:notesSz cx="6858000" cy="9144000"/>
@@ -219,7 +220,7 @@
           <a:p>
             <a:fld id="{0FB9BC34-7631-4F07-B44B-E8A1F99FCDCB}" type="datetimeFigureOut">
               <a:rPr kumimoji="1" lang="ja-JP" altLang="en-US" smtClean="0"/>
-              <a:t>2020/12/10</a:t>
+              <a:t>2020/12/11</a:t>
             </a:fld>
             <a:endParaRPr kumimoji="1" lang="ja-JP" altLang="en-US"/>
           </a:p>
@@ -562,7 +563,23 @@
           <a:bodyPr/>
           <a:lstStyle/>
           <a:p>
-            <a:endParaRPr kumimoji="1" lang="ja-JP" altLang="en-US"/>
+            <a:r>
+              <a:rPr kumimoji="1" lang="ja-JP" altLang="en-US" dirty="0"/>
+              <a:t>計算機を頂点</a:t>
+            </a:r>
+            <a:r>
+              <a:rPr kumimoji="1" lang="en-US" altLang="ja-JP" dirty="0"/>
+              <a:t>,</a:t>
+            </a:r>
+            <a:r>
+              <a:rPr kumimoji="1" lang="ja-JP" altLang="en-US" dirty="0"/>
+              <a:t>辺を通信リンクとみなしてネットワークをグラフにモデル化して</a:t>
+            </a:r>
+            <a:r>
+              <a:rPr kumimoji="1" lang="en-US" altLang="ja-JP" dirty="0"/>
+              <a:t>,</a:t>
+            </a:r>
+            <a:endParaRPr kumimoji="1" lang="ja-JP" altLang="en-US" dirty="0"/>
           </a:p>
         </p:txBody>
       </p:sp>
@@ -593,6 +610,2067 @@
     <p:extLst>
       <p:ext uri="{BB962C8B-B14F-4D97-AF65-F5344CB8AC3E}">
         <p14:creationId xmlns:p14="http://schemas.microsoft.com/office/powerpoint/2010/main" val="1899668615"/>
+      </p:ext>
+    </p:extLst>
+  </p:cSld>
+  <p:clrMapOvr>
+    <a:masterClrMapping/>
+  </p:clrMapOvr>
+</p:notes>
+</file>
+
+<file path=ppt/notesSlides/notesSlide10.xml><?xml version="1.0" encoding="utf-8"?>
+<p:notes xmlns:a="http://schemas.openxmlformats.org/drawingml/2006/main" xmlns:r="http://schemas.openxmlformats.org/officeDocument/2006/relationships" xmlns:p="http://schemas.openxmlformats.org/presentationml/2006/main">
+  <p:cSld>
+    <p:spTree>
+      <p:nvGrpSpPr>
+        <p:cNvPr id="1" name=""/>
+        <p:cNvGrpSpPr/>
+        <p:nvPr/>
+      </p:nvGrpSpPr>
+      <p:grpSpPr>
+        <a:xfrm>
+          <a:off x="0" y="0"/>
+          <a:ext cx="0" cy="0"/>
+          <a:chOff x="0" y="0"/>
+          <a:chExt cx="0" cy="0"/>
+        </a:xfrm>
+      </p:grpSpPr>
+      <p:sp>
+        <p:nvSpPr>
+          <p:cNvPr id="2" name="スライド イメージ プレースホルダー 1"/>
+          <p:cNvSpPr>
+            <a:spLocks noGrp="1" noRot="1" noChangeAspect="1"/>
+          </p:cNvSpPr>
+          <p:nvPr>
+            <p:ph type="sldImg"/>
+          </p:nvPr>
+        </p:nvSpPr>
+        <p:spPr/>
+      </p:sp>
+      <p:sp>
+        <p:nvSpPr>
+          <p:cNvPr id="3" name="ノート プレースホルダー 2"/>
+          <p:cNvSpPr>
+            <a:spLocks noGrp="1"/>
+          </p:cNvSpPr>
+          <p:nvPr>
+            <p:ph type="body" idx="1"/>
+          </p:nvPr>
+        </p:nvSpPr>
+        <p:spPr/>
+        <p:txBody>
+          <a:bodyPr/>
+          <a:lstStyle/>
+          <a:p>
+            <a:r>
+              <a:rPr kumimoji="1" lang="ja-JP" altLang="en-US" dirty="0"/>
+              <a:t>右の例では</a:t>
+            </a:r>
+            <a:r>
+              <a:rPr kumimoji="1" lang="en-US" altLang="ja-JP" dirty="0"/>
+              <a:t>,</a:t>
+            </a:r>
+            <a:r>
+              <a:rPr kumimoji="1" lang="ja-JP" altLang="en-US" dirty="0"/>
+              <a:t>この頂点を取り除くと図のように独立集合を維持したまま</a:t>
+            </a:r>
+            <a:r>
+              <a:rPr kumimoji="1" lang="en-US" altLang="ja-JP" dirty="0"/>
+              <a:t>2</a:t>
+            </a:r>
+            <a:r>
+              <a:rPr kumimoji="1" lang="ja-JP" altLang="en-US" dirty="0"/>
+              <a:t>つの頂点を追加することができるので</a:t>
+            </a:r>
+            <a:r>
+              <a:rPr kumimoji="1" lang="en-US" altLang="ja-JP" dirty="0"/>
+              <a:t>1-MIS</a:t>
+            </a:r>
+            <a:r>
+              <a:rPr kumimoji="1" lang="ja-JP" altLang="en-US" dirty="0"/>
+              <a:t>ではありません</a:t>
+            </a:r>
+            <a:r>
+              <a:rPr kumimoji="1" lang="en-US" altLang="ja-JP" dirty="0"/>
+              <a:t>.</a:t>
+            </a:r>
+          </a:p>
+          <a:p>
+            <a:r>
+              <a:rPr kumimoji="1" lang="ja-JP" altLang="en-US" dirty="0"/>
+              <a:t>逆に左の例では</a:t>
+            </a:r>
+            <a:r>
+              <a:rPr kumimoji="1" lang="en-US" altLang="ja-JP" dirty="0"/>
+              <a:t>,</a:t>
+            </a:r>
+            <a:r>
+              <a:rPr kumimoji="1" lang="ja-JP" altLang="en-US" dirty="0"/>
+              <a:t>独立集合の頂点のうちどの</a:t>
+            </a:r>
+            <a:r>
+              <a:rPr kumimoji="1" lang="en-US" altLang="ja-JP" dirty="0"/>
+              <a:t>1</a:t>
+            </a:r>
+            <a:r>
+              <a:rPr kumimoji="1" lang="ja-JP" altLang="en-US" dirty="0"/>
+              <a:t>つ取り除いても新たに</a:t>
+            </a:r>
+            <a:r>
+              <a:rPr kumimoji="1" lang="en-US" altLang="ja-JP" dirty="0"/>
+              <a:t>2</a:t>
+            </a:r>
+            <a:r>
+              <a:rPr kumimoji="1" lang="ja-JP" altLang="en-US" dirty="0"/>
+              <a:t>つ以上の頂点を追加できないため</a:t>
+            </a:r>
+            <a:r>
+              <a:rPr kumimoji="1" lang="en-US" altLang="ja-JP" dirty="0"/>
+              <a:t>1-MIS</a:t>
+            </a:r>
+            <a:r>
+              <a:rPr kumimoji="1" lang="ja-JP" altLang="en-US" dirty="0"/>
+              <a:t>となります</a:t>
+            </a:r>
+            <a:r>
+              <a:rPr kumimoji="1" lang="en-US" altLang="ja-JP" dirty="0"/>
+              <a:t>.</a:t>
+            </a:r>
+          </a:p>
+          <a:p>
+            <a:r>
+              <a:rPr kumimoji="1" lang="ja-JP" altLang="en-US" dirty="0"/>
+              <a:t>与えられたネットワーク上の</a:t>
+            </a:r>
+            <a:r>
+              <a:rPr kumimoji="1" lang="en-US" altLang="ja-JP" dirty="0"/>
+              <a:t>k-MIS</a:t>
+            </a:r>
+            <a:r>
+              <a:rPr kumimoji="1" lang="ja-JP" altLang="en-US" dirty="0"/>
+              <a:t>を発見する</a:t>
+            </a:r>
+            <a:r>
+              <a:rPr kumimoji="1" lang="en-US" altLang="ja-JP" dirty="0"/>
+              <a:t>~</a:t>
+            </a:r>
+            <a:r>
+              <a:rPr kumimoji="1" lang="ja-JP" altLang="en-US" dirty="0"/>
+              <a:t>ため</a:t>
+            </a:r>
+            <a:r>
+              <a:rPr kumimoji="1" lang="en-US" altLang="ja-JP" dirty="0"/>
+              <a:t>,</a:t>
+            </a:r>
+            <a:r>
+              <a:rPr kumimoji="1" lang="ja-JP" altLang="en-US" dirty="0"/>
+              <a:t>先ほどの問題点をクリアすることができます</a:t>
+            </a:r>
+            <a:r>
+              <a:rPr kumimoji="1" lang="en-US" altLang="ja-JP" dirty="0"/>
+              <a:t>.</a:t>
+            </a:r>
+            <a:endParaRPr kumimoji="1" lang="ja-JP" altLang="en-US" dirty="0"/>
+          </a:p>
+        </p:txBody>
+      </p:sp>
+      <p:sp>
+        <p:nvSpPr>
+          <p:cNvPr id="4" name="スライド番号プレースホルダー 3"/>
+          <p:cNvSpPr>
+            <a:spLocks noGrp="1"/>
+          </p:cNvSpPr>
+          <p:nvPr>
+            <p:ph type="sldNum" sz="quarter" idx="5"/>
+          </p:nvPr>
+        </p:nvSpPr>
+        <p:spPr/>
+        <p:txBody>
+          <a:bodyPr/>
+          <a:lstStyle/>
+          <a:p>
+            <a:fld id="{4161D5E1-FE6F-4674-AAC8-28163DEE8E71}" type="slidenum">
+              <a:rPr kumimoji="1" lang="ja-JP" altLang="en-US" smtClean="0"/>
+              <a:t>12</a:t>
+            </a:fld>
+            <a:endParaRPr kumimoji="1" lang="ja-JP" altLang="en-US"/>
+          </a:p>
+        </p:txBody>
+      </p:sp>
+    </p:spTree>
+    <p:extLst>
+      <p:ext uri="{BB962C8B-B14F-4D97-AF65-F5344CB8AC3E}">
+        <p14:creationId xmlns:p14="http://schemas.microsoft.com/office/powerpoint/2010/main" val="2349342432"/>
+      </p:ext>
+    </p:extLst>
+  </p:cSld>
+  <p:clrMapOvr>
+    <a:masterClrMapping/>
+  </p:clrMapOvr>
+</p:notes>
+</file>
+
+<file path=ppt/notesSlides/notesSlide11.xml><?xml version="1.0" encoding="utf-8"?>
+<p:notes xmlns:a="http://schemas.openxmlformats.org/drawingml/2006/main" xmlns:r="http://schemas.openxmlformats.org/officeDocument/2006/relationships" xmlns:p="http://schemas.openxmlformats.org/presentationml/2006/main">
+  <p:cSld>
+    <p:spTree>
+      <p:nvGrpSpPr>
+        <p:cNvPr id="1" name=""/>
+        <p:cNvGrpSpPr/>
+        <p:nvPr/>
+      </p:nvGrpSpPr>
+      <p:grpSpPr>
+        <a:xfrm>
+          <a:off x="0" y="0"/>
+          <a:ext cx="0" cy="0"/>
+          <a:chOff x="0" y="0"/>
+          <a:chExt cx="0" cy="0"/>
+        </a:xfrm>
+      </p:grpSpPr>
+      <p:sp>
+        <p:nvSpPr>
+          <p:cNvPr id="2" name="スライド イメージ プレースホルダー 1"/>
+          <p:cNvSpPr>
+            <a:spLocks noGrp="1" noRot="1" noChangeAspect="1"/>
+          </p:cNvSpPr>
+          <p:nvPr>
+            <p:ph type="sldImg"/>
+          </p:nvPr>
+        </p:nvSpPr>
+        <p:spPr/>
+      </p:sp>
+      <p:sp>
+        <p:nvSpPr>
+          <p:cNvPr id="3" name="ノート プレースホルダー 2"/>
+          <p:cNvSpPr>
+            <a:spLocks noGrp="1"/>
+          </p:cNvSpPr>
+          <p:nvPr>
+            <p:ph type="body" idx="1"/>
+          </p:nvPr>
+        </p:nvSpPr>
+        <p:spPr/>
+        <p:txBody>
+          <a:bodyPr/>
+          <a:lstStyle/>
+          <a:p>
+            <a:r>
+              <a:rPr kumimoji="1" lang="en-US" altLang="ja-JP" dirty="0"/>
+              <a:t>~.</a:t>
+            </a:r>
+          </a:p>
+          <a:p>
+            <a:r>
+              <a:rPr kumimoji="1" lang="en-US" altLang="ja-JP" dirty="0"/>
+              <a:t>k-MIS</a:t>
+            </a:r>
+            <a:r>
+              <a:rPr kumimoji="1" lang="ja-JP" altLang="en-US" dirty="0"/>
+              <a:t>の</a:t>
+            </a:r>
+            <a:r>
+              <a:rPr kumimoji="1" lang="en-US" altLang="ja-JP" dirty="0"/>
+              <a:t>verification</a:t>
+            </a:r>
+            <a:r>
+              <a:rPr kumimoji="1" lang="ja-JP" altLang="en-US" dirty="0"/>
+              <a:t>とは</a:t>
+            </a:r>
+            <a:r>
+              <a:rPr kumimoji="1" lang="en-US" altLang="ja-JP" dirty="0"/>
+              <a:t>~</a:t>
+            </a:r>
+            <a:r>
+              <a:rPr kumimoji="1" lang="ja-JP" altLang="en-US" dirty="0"/>
+              <a:t>です</a:t>
+            </a:r>
+            <a:r>
+              <a:rPr kumimoji="1" lang="en-US" altLang="ja-JP" dirty="0"/>
+              <a:t>.</a:t>
+            </a:r>
+          </a:p>
+          <a:p>
+            <a:r>
+              <a:rPr kumimoji="1" lang="ja-JP" altLang="en-US" dirty="0"/>
+              <a:t>集中型の</a:t>
+            </a:r>
+            <a:r>
+              <a:rPr kumimoji="1" lang="en-US" altLang="ja-JP" dirty="0"/>
+              <a:t>~</a:t>
+            </a:r>
+            <a:r>
+              <a:rPr kumimoji="1" lang="ja-JP" altLang="en-US" dirty="0"/>
+              <a:t>は、というフェーズを含みます</a:t>
+            </a:r>
+            <a:r>
+              <a:rPr kumimoji="1" lang="en-US" altLang="ja-JP" dirty="0"/>
+              <a:t>.</a:t>
+            </a:r>
+            <a:endParaRPr kumimoji="1" lang="ja-JP" altLang="en-US" dirty="0"/>
+          </a:p>
+        </p:txBody>
+      </p:sp>
+      <p:sp>
+        <p:nvSpPr>
+          <p:cNvPr id="4" name="スライド番号プレースホルダー 3"/>
+          <p:cNvSpPr>
+            <a:spLocks noGrp="1"/>
+          </p:cNvSpPr>
+          <p:nvPr>
+            <p:ph type="sldNum" sz="quarter" idx="5"/>
+          </p:nvPr>
+        </p:nvSpPr>
+        <p:spPr/>
+        <p:txBody>
+          <a:bodyPr/>
+          <a:lstStyle/>
+          <a:p>
+            <a:fld id="{4161D5E1-FE6F-4674-AAC8-28163DEE8E71}" type="slidenum">
+              <a:rPr kumimoji="1" lang="ja-JP" altLang="en-US" smtClean="0"/>
+              <a:t>13</a:t>
+            </a:fld>
+            <a:endParaRPr kumimoji="1" lang="ja-JP" altLang="en-US"/>
+          </a:p>
+        </p:txBody>
+      </p:sp>
+    </p:spTree>
+    <p:extLst>
+      <p:ext uri="{BB962C8B-B14F-4D97-AF65-F5344CB8AC3E}">
+        <p14:creationId xmlns:p14="http://schemas.microsoft.com/office/powerpoint/2010/main" val="3355316477"/>
+      </p:ext>
+    </p:extLst>
+  </p:cSld>
+  <p:clrMapOvr>
+    <a:masterClrMapping/>
+  </p:clrMapOvr>
+</p:notes>
+</file>
+
+<file path=ppt/notesSlides/notesSlide12.xml><?xml version="1.0" encoding="utf-8"?>
+<p:notes xmlns:a="http://schemas.openxmlformats.org/drawingml/2006/main" xmlns:r="http://schemas.openxmlformats.org/officeDocument/2006/relationships" xmlns:p="http://schemas.openxmlformats.org/presentationml/2006/main">
+  <p:cSld>
+    <p:spTree>
+      <p:nvGrpSpPr>
+        <p:cNvPr id="1" name=""/>
+        <p:cNvGrpSpPr/>
+        <p:nvPr/>
+      </p:nvGrpSpPr>
+      <p:grpSpPr>
+        <a:xfrm>
+          <a:off x="0" y="0"/>
+          <a:ext cx="0" cy="0"/>
+          <a:chOff x="0" y="0"/>
+          <a:chExt cx="0" cy="0"/>
+        </a:xfrm>
+      </p:grpSpPr>
+      <p:sp>
+        <p:nvSpPr>
+          <p:cNvPr id="2" name="スライド イメージ プレースホルダー 1"/>
+          <p:cNvSpPr>
+            <a:spLocks noGrp="1" noRot="1" noChangeAspect="1"/>
+          </p:cNvSpPr>
+          <p:nvPr>
+            <p:ph type="sldImg"/>
+          </p:nvPr>
+        </p:nvSpPr>
+        <p:spPr/>
+      </p:sp>
+      <p:sp>
+        <p:nvSpPr>
+          <p:cNvPr id="3" name="ノート プレースホルダー 2"/>
+          <p:cNvSpPr>
+            <a:spLocks noGrp="1"/>
+          </p:cNvSpPr>
+          <p:nvPr>
+            <p:ph type="body" idx="1"/>
+          </p:nvPr>
+        </p:nvSpPr>
+        <p:spPr/>
+        <p:txBody>
+          <a:bodyPr/>
+          <a:lstStyle/>
+          <a:p>
+            <a:r>
+              <a:rPr kumimoji="1" lang="ja-JP" altLang="en-US" dirty="0"/>
+              <a:t>この部分が</a:t>
+            </a:r>
+            <a:r>
+              <a:rPr kumimoji="1" lang="en-US" altLang="ja-JP" dirty="0"/>
+              <a:t>~</a:t>
+            </a:r>
+            <a:r>
+              <a:rPr kumimoji="1" lang="ja-JP" altLang="en-US" dirty="0"/>
+              <a:t>なので</a:t>
+            </a:r>
+            <a:r>
+              <a:rPr kumimoji="1" lang="en-US" altLang="ja-JP" dirty="0"/>
+              <a:t>,k-MIS</a:t>
+            </a:r>
+            <a:r>
+              <a:rPr kumimoji="1" lang="ja-JP" altLang="en-US" dirty="0"/>
+              <a:t>検証問題は</a:t>
+            </a:r>
+            <a:r>
+              <a:rPr kumimoji="1" lang="en-US" altLang="ja-JP" dirty="0"/>
+              <a:t>k-MIS</a:t>
+            </a:r>
+            <a:r>
+              <a:rPr kumimoji="1" lang="ja-JP" altLang="en-US" dirty="0"/>
+              <a:t>問題に関連づいた問題であることが分かります</a:t>
+            </a:r>
+            <a:r>
+              <a:rPr kumimoji="1" lang="en-US" altLang="ja-JP" dirty="0"/>
+              <a:t>.</a:t>
+            </a:r>
+          </a:p>
+          <a:p>
+            <a:endParaRPr kumimoji="1" lang="en-US" altLang="ja-JP" dirty="0"/>
+          </a:p>
+          <a:p>
+            <a:r>
+              <a:rPr kumimoji="1" lang="en-US" altLang="ja-JP" dirty="0"/>
+              <a:t>6</a:t>
+            </a:r>
+            <a:r>
+              <a:rPr kumimoji="1" lang="ja-JP" altLang="en-US"/>
+              <a:t>分</a:t>
+            </a:r>
+            <a:endParaRPr kumimoji="1" lang="ja-JP" altLang="en-US" dirty="0"/>
+          </a:p>
+        </p:txBody>
+      </p:sp>
+      <p:sp>
+        <p:nvSpPr>
+          <p:cNvPr id="4" name="スライド番号プレースホルダー 3"/>
+          <p:cNvSpPr>
+            <a:spLocks noGrp="1"/>
+          </p:cNvSpPr>
+          <p:nvPr>
+            <p:ph type="sldNum" sz="quarter" idx="5"/>
+          </p:nvPr>
+        </p:nvSpPr>
+        <p:spPr/>
+        <p:txBody>
+          <a:bodyPr/>
+          <a:lstStyle/>
+          <a:p>
+            <a:fld id="{4161D5E1-FE6F-4674-AAC8-28163DEE8E71}" type="slidenum">
+              <a:rPr kumimoji="1" lang="ja-JP" altLang="en-US" smtClean="0"/>
+              <a:t>14</a:t>
+            </a:fld>
+            <a:endParaRPr kumimoji="1" lang="ja-JP" altLang="en-US"/>
+          </a:p>
+        </p:txBody>
+      </p:sp>
+    </p:spTree>
+    <p:extLst>
+      <p:ext uri="{BB962C8B-B14F-4D97-AF65-F5344CB8AC3E}">
+        <p14:creationId xmlns:p14="http://schemas.microsoft.com/office/powerpoint/2010/main" val="2357450639"/>
+      </p:ext>
+    </p:extLst>
+  </p:cSld>
+  <p:clrMapOvr>
+    <a:masterClrMapping/>
+  </p:clrMapOvr>
+</p:notes>
+</file>
+
+<file path=ppt/notesSlides/notesSlide13.xml><?xml version="1.0" encoding="utf-8"?>
+<p:notes xmlns:a="http://schemas.openxmlformats.org/drawingml/2006/main" xmlns:r="http://schemas.openxmlformats.org/officeDocument/2006/relationships" xmlns:p="http://schemas.openxmlformats.org/presentationml/2006/main">
+  <p:cSld>
+    <p:spTree>
+      <p:nvGrpSpPr>
+        <p:cNvPr id="1" name=""/>
+        <p:cNvGrpSpPr/>
+        <p:nvPr/>
+      </p:nvGrpSpPr>
+      <p:grpSpPr>
+        <a:xfrm>
+          <a:off x="0" y="0"/>
+          <a:ext cx="0" cy="0"/>
+          <a:chOff x="0" y="0"/>
+          <a:chExt cx="0" cy="0"/>
+        </a:xfrm>
+      </p:grpSpPr>
+      <p:sp>
+        <p:nvSpPr>
+          <p:cNvPr id="2" name="スライド イメージ プレースホルダー 1"/>
+          <p:cNvSpPr>
+            <a:spLocks noGrp="1" noRot="1" noChangeAspect="1"/>
+          </p:cNvSpPr>
+          <p:nvPr>
+            <p:ph type="sldImg"/>
+          </p:nvPr>
+        </p:nvSpPr>
+        <p:spPr/>
+      </p:sp>
+      <p:sp>
+        <p:nvSpPr>
+          <p:cNvPr id="3" name="ノート プレースホルダー 2"/>
+          <p:cNvSpPr>
+            <a:spLocks noGrp="1"/>
+          </p:cNvSpPr>
+          <p:nvPr>
+            <p:ph type="body" idx="1"/>
+          </p:nvPr>
+        </p:nvSpPr>
+        <p:spPr/>
+        <p:txBody>
+          <a:bodyPr/>
+          <a:lstStyle/>
+          <a:p>
+            <a:r>
+              <a:rPr kumimoji="1" lang="ja-JP" altLang="en-US" dirty="0"/>
+              <a:t>結果と今後の課題についてです</a:t>
+            </a:r>
+            <a:r>
+              <a:rPr kumimoji="1" lang="en-US" altLang="ja-JP" dirty="0"/>
+              <a:t>.</a:t>
+            </a:r>
+          </a:p>
+          <a:p>
+            <a:r>
+              <a:rPr kumimoji="1" lang="ja-JP" altLang="en-US" dirty="0"/>
+              <a:t>今回</a:t>
+            </a:r>
+            <a:r>
+              <a:rPr kumimoji="1" lang="en-US" altLang="ja-JP" dirty="0"/>
+              <a:t>,</a:t>
+            </a:r>
+            <a:r>
+              <a:rPr kumimoji="1" lang="ja-JP" altLang="en-US" dirty="0"/>
+              <a:t>我々は</a:t>
+            </a:r>
+            <a:r>
+              <a:rPr kumimoji="1" lang="en-US" altLang="ja-JP" dirty="0"/>
+              <a:t>~,~,~</a:t>
+            </a:r>
+            <a:r>
+              <a:rPr kumimoji="1" lang="ja-JP" altLang="en-US" dirty="0"/>
+              <a:t>の</a:t>
+            </a:r>
+            <a:r>
+              <a:rPr kumimoji="1" lang="en-US" altLang="ja-JP" dirty="0"/>
+              <a:t>3</a:t>
+            </a:r>
+            <a:r>
+              <a:rPr kumimoji="1" lang="ja-JP" altLang="en-US" dirty="0"/>
+              <a:t>つを提案します</a:t>
+            </a:r>
+            <a:r>
+              <a:rPr kumimoji="1" lang="en-US" altLang="ja-JP" dirty="0"/>
+              <a:t>.</a:t>
+            </a:r>
+          </a:p>
+          <a:p>
+            <a:r>
+              <a:rPr kumimoji="1" lang="ja-JP" altLang="en-US" dirty="0"/>
+              <a:t>また</a:t>
+            </a:r>
+            <a:r>
+              <a:rPr kumimoji="1" lang="en-US" altLang="ja-JP" dirty="0"/>
+              <a:t>,~</a:t>
+            </a:r>
+            <a:r>
+              <a:rPr kumimoji="1" lang="ja-JP" altLang="en-US" dirty="0"/>
+              <a:t>を現在考えているところです</a:t>
+            </a:r>
+            <a:r>
+              <a:rPr kumimoji="1" lang="en-US" altLang="ja-JP" dirty="0"/>
+              <a:t>.</a:t>
+            </a:r>
+          </a:p>
+          <a:p>
+            <a:endParaRPr kumimoji="1" lang="en-US" altLang="ja-JP" dirty="0"/>
+          </a:p>
+          <a:p>
+            <a:r>
+              <a:rPr kumimoji="1" lang="en-US" altLang="ja-JP" dirty="0"/>
+              <a:t>~.</a:t>
+            </a:r>
+            <a:endParaRPr kumimoji="1" lang="ja-JP" altLang="en-US" dirty="0"/>
+          </a:p>
+        </p:txBody>
+      </p:sp>
+      <p:sp>
+        <p:nvSpPr>
+          <p:cNvPr id="4" name="スライド番号プレースホルダー 3"/>
+          <p:cNvSpPr>
+            <a:spLocks noGrp="1"/>
+          </p:cNvSpPr>
+          <p:nvPr>
+            <p:ph type="sldNum" sz="quarter" idx="5"/>
+          </p:nvPr>
+        </p:nvSpPr>
+        <p:spPr/>
+        <p:txBody>
+          <a:bodyPr/>
+          <a:lstStyle/>
+          <a:p>
+            <a:fld id="{4161D5E1-FE6F-4674-AAC8-28163DEE8E71}" type="slidenum">
+              <a:rPr kumimoji="1" lang="ja-JP" altLang="en-US" smtClean="0"/>
+              <a:t>15</a:t>
+            </a:fld>
+            <a:endParaRPr kumimoji="1" lang="ja-JP" altLang="en-US"/>
+          </a:p>
+        </p:txBody>
+      </p:sp>
+    </p:spTree>
+    <p:extLst>
+      <p:ext uri="{BB962C8B-B14F-4D97-AF65-F5344CB8AC3E}">
+        <p14:creationId xmlns:p14="http://schemas.microsoft.com/office/powerpoint/2010/main" val="4234574812"/>
+      </p:ext>
+    </p:extLst>
+  </p:cSld>
+  <p:clrMapOvr>
+    <a:masterClrMapping/>
+  </p:clrMapOvr>
+</p:notes>
+</file>
+
+<file path=ppt/notesSlides/notesSlide14.xml><?xml version="1.0" encoding="utf-8"?>
+<p:notes xmlns:a="http://schemas.openxmlformats.org/drawingml/2006/main" xmlns:r="http://schemas.openxmlformats.org/officeDocument/2006/relationships" xmlns:p="http://schemas.openxmlformats.org/presentationml/2006/main">
+  <p:cSld>
+    <p:spTree>
+      <p:nvGrpSpPr>
+        <p:cNvPr id="1" name=""/>
+        <p:cNvGrpSpPr/>
+        <p:nvPr/>
+      </p:nvGrpSpPr>
+      <p:grpSpPr>
+        <a:xfrm>
+          <a:off x="0" y="0"/>
+          <a:ext cx="0" cy="0"/>
+          <a:chOff x="0" y="0"/>
+          <a:chExt cx="0" cy="0"/>
+        </a:xfrm>
+      </p:grpSpPr>
+      <p:sp>
+        <p:nvSpPr>
+          <p:cNvPr id="2" name="スライド イメージ プレースホルダー 1"/>
+          <p:cNvSpPr>
+            <a:spLocks noGrp="1" noRot="1" noChangeAspect="1"/>
+          </p:cNvSpPr>
+          <p:nvPr>
+            <p:ph type="sldImg"/>
+          </p:nvPr>
+        </p:nvSpPr>
+        <p:spPr/>
+      </p:sp>
+      <p:sp>
+        <p:nvSpPr>
+          <p:cNvPr id="3" name="ノート プレースホルダー 2"/>
+          <p:cNvSpPr>
+            <a:spLocks noGrp="1"/>
+          </p:cNvSpPr>
+          <p:nvPr>
+            <p:ph type="body" idx="1"/>
+          </p:nvPr>
+        </p:nvSpPr>
+        <p:spPr/>
+        <p:txBody>
+          <a:bodyPr/>
+          <a:lstStyle/>
+          <a:p>
+            <a:r>
+              <a:rPr kumimoji="1" lang="en-US" altLang="ja-JP" dirty="0"/>
+              <a:t>~</a:t>
+            </a:r>
+            <a:r>
+              <a:rPr kumimoji="1" lang="ja-JP" altLang="en-US" dirty="0"/>
+              <a:t>についてお話します</a:t>
+            </a:r>
+            <a:r>
+              <a:rPr kumimoji="1" lang="en-US" altLang="ja-JP" dirty="0"/>
+              <a:t>.</a:t>
+            </a:r>
+          </a:p>
+          <a:p>
+            <a:r>
+              <a:rPr kumimoji="1" lang="ja-JP" altLang="en-US" dirty="0"/>
+              <a:t>今</a:t>
+            </a:r>
+            <a:r>
+              <a:rPr kumimoji="1" lang="en-US" altLang="ja-JP" dirty="0"/>
+              <a:t>,~</a:t>
+            </a:r>
+            <a:r>
+              <a:rPr kumimoji="1" lang="ja-JP" altLang="en-US" dirty="0"/>
+              <a:t>とします</a:t>
+            </a:r>
+            <a:r>
+              <a:rPr kumimoji="1" lang="en-US" altLang="ja-JP" dirty="0"/>
+              <a:t>.</a:t>
+            </a:r>
+          </a:p>
+          <a:p>
+            <a:r>
+              <a:rPr kumimoji="1" lang="ja-JP" altLang="en-US" dirty="0"/>
+              <a:t>目的は</a:t>
+            </a:r>
+            <a:r>
+              <a:rPr kumimoji="1" lang="en-US" altLang="ja-JP" dirty="0"/>
+              <a:t>,</a:t>
+            </a:r>
+            <a:r>
+              <a:rPr kumimoji="1" lang="ja-JP" altLang="en-US" dirty="0"/>
+              <a:t>結合関数</a:t>
+            </a:r>
+            <a:r>
+              <a:rPr kumimoji="1" lang="en-US" altLang="ja-JP" dirty="0"/>
+              <a:t>~</a:t>
+            </a:r>
+            <a:r>
+              <a:rPr kumimoji="1" lang="ja-JP" altLang="en-US" dirty="0"/>
+              <a:t>であり</a:t>
+            </a:r>
+            <a:r>
+              <a:rPr kumimoji="1" lang="en-US" altLang="ja-JP" dirty="0"/>
+              <a:t>,~</a:t>
+            </a:r>
+            <a:r>
+              <a:rPr kumimoji="1" lang="ja-JP" altLang="en-US" dirty="0"/>
+              <a:t>というのが問題となります</a:t>
+            </a:r>
+            <a:r>
+              <a:rPr kumimoji="1" lang="en-US" altLang="ja-JP" dirty="0"/>
+              <a:t>.</a:t>
+            </a:r>
+          </a:p>
+          <a:p>
+            <a:r>
+              <a:rPr kumimoji="1" lang="ja-JP" altLang="en-US" dirty="0"/>
+              <a:t>また</a:t>
+            </a:r>
+            <a:r>
+              <a:rPr kumimoji="1" lang="en-US" altLang="ja-JP" dirty="0"/>
+              <a:t>,~.</a:t>
+            </a:r>
+            <a:endParaRPr kumimoji="1" lang="ja-JP" altLang="en-US" dirty="0"/>
+          </a:p>
+        </p:txBody>
+      </p:sp>
+      <p:sp>
+        <p:nvSpPr>
+          <p:cNvPr id="4" name="スライド番号プレースホルダー 3"/>
+          <p:cNvSpPr>
+            <a:spLocks noGrp="1"/>
+          </p:cNvSpPr>
+          <p:nvPr>
+            <p:ph type="sldNum" sz="quarter" idx="5"/>
+          </p:nvPr>
+        </p:nvSpPr>
+        <p:spPr/>
+        <p:txBody>
+          <a:bodyPr/>
+          <a:lstStyle/>
+          <a:p>
+            <a:fld id="{4161D5E1-FE6F-4674-AAC8-28163DEE8E71}" type="slidenum">
+              <a:rPr kumimoji="1" lang="ja-JP" altLang="en-US" smtClean="0"/>
+              <a:t>16</a:t>
+            </a:fld>
+            <a:endParaRPr kumimoji="1" lang="ja-JP" altLang="en-US"/>
+          </a:p>
+        </p:txBody>
+      </p:sp>
+    </p:spTree>
+    <p:extLst>
+      <p:ext uri="{BB962C8B-B14F-4D97-AF65-F5344CB8AC3E}">
+        <p14:creationId xmlns:p14="http://schemas.microsoft.com/office/powerpoint/2010/main" val="1874110597"/>
+      </p:ext>
+    </p:extLst>
+  </p:cSld>
+  <p:clrMapOvr>
+    <a:masterClrMapping/>
+  </p:clrMapOvr>
+</p:notes>
+</file>
+
+<file path=ppt/notesSlides/notesSlide15.xml><?xml version="1.0" encoding="utf-8"?>
+<p:notes xmlns:a="http://schemas.openxmlformats.org/drawingml/2006/main" xmlns:r="http://schemas.openxmlformats.org/officeDocument/2006/relationships" xmlns:p="http://schemas.openxmlformats.org/presentationml/2006/main">
+  <p:cSld>
+    <p:spTree>
+      <p:nvGrpSpPr>
+        <p:cNvPr id="1" name=""/>
+        <p:cNvGrpSpPr/>
+        <p:nvPr/>
+      </p:nvGrpSpPr>
+      <p:grpSpPr>
+        <a:xfrm>
+          <a:off x="0" y="0"/>
+          <a:ext cx="0" cy="0"/>
+          <a:chOff x="0" y="0"/>
+          <a:chExt cx="0" cy="0"/>
+        </a:xfrm>
+      </p:grpSpPr>
+      <p:sp>
+        <p:nvSpPr>
+          <p:cNvPr id="2" name="スライド イメージ プレースホルダー 1"/>
+          <p:cNvSpPr>
+            <a:spLocks noGrp="1" noRot="1" noChangeAspect="1"/>
+          </p:cNvSpPr>
+          <p:nvPr>
+            <p:ph type="sldImg"/>
+          </p:nvPr>
+        </p:nvSpPr>
+        <p:spPr/>
+      </p:sp>
+      <p:sp>
+        <p:nvSpPr>
+          <p:cNvPr id="3" name="ノート プレースホルダー 2"/>
+          <p:cNvSpPr>
+            <a:spLocks noGrp="1"/>
+          </p:cNvSpPr>
+          <p:nvPr>
+            <p:ph type="body" idx="1"/>
+          </p:nvPr>
+        </p:nvSpPr>
+        <p:spPr/>
+        <p:txBody>
+          <a:bodyPr/>
+          <a:lstStyle/>
+          <a:p>
+            <a:r>
+              <a:rPr kumimoji="1" lang="ja-JP" altLang="en-US" dirty="0"/>
+              <a:t>二者間通信の枠組みにおける重要な問題として交叉判定問題があります</a:t>
+            </a:r>
+            <a:r>
+              <a:rPr kumimoji="1" lang="en-US" altLang="ja-JP" dirty="0"/>
+              <a:t>.</a:t>
+            </a:r>
+          </a:p>
+          <a:p>
+            <a:r>
+              <a:rPr kumimoji="1" lang="en-US" altLang="ja-JP" dirty="0"/>
+              <a:t>~</a:t>
+            </a:r>
+            <a:r>
+              <a:rPr kumimoji="1" lang="ja-JP" altLang="en-US" dirty="0"/>
+              <a:t>とします</a:t>
+            </a:r>
+            <a:r>
+              <a:rPr kumimoji="1" lang="en-US" altLang="ja-JP" dirty="0"/>
+              <a:t>.</a:t>
+            </a:r>
+            <a:r>
+              <a:rPr kumimoji="1" lang="ja-JP" altLang="en-US" dirty="0"/>
+              <a:t>この</a:t>
+            </a:r>
+            <a:r>
+              <a:rPr kumimoji="1" lang="en-US" altLang="ja-JP" dirty="0"/>
+              <a:t>0/1</a:t>
+            </a:r>
+            <a:r>
+              <a:rPr kumimoji="1" lang="ja-JP" altLang="en-US" dirty="0"/>
+              <a:t>の文字列はアイテム集合と見ることもできます</a:t>
+            </a:r>
+            <a:r>
+              <a:rPr kumimoji="1" lang="en-US" altLang="ja-JP" dirty="0"/>
+              <a:t>.</a:t>
+            </a:r>
+          </a:p>
+          <a:p>
+            <a:r>
+              <a:rPr kumimoji="1" lang="ja-JP" altLang="en-US" dirty="0"/>
+              <a:t>このとき</a:t>
+            </a:r>
+            <a:r>
+              <a:rPr kumimoji="1" lang="en-US" altLang="ja-JP" dirty="0"/>
+              <a:t>,</a:t>
+            </a:r>
+            <a:r>
+              <a:rPr kumimoji="1" lang="ja-JP" altLang="en-US" dirty="0"/>
+              <a:t>二人が共通のアイテムを持っているかどうかを判定する問題が交叉判定問題になります</a:t>
+            </a:r>
+            <a:r>
+              <a:rPr kumimoji="1" lang="en-US" altLang="ja-JP" dirty="0"/>
+              <a:t>.</a:t>
+            </a:r>
+          </a:p>
+          <a:p>
+            <a:r>
+              <a:rPr kumimoji="1" lang="en-US" altLang="ja-JP" dirty="0"/>
+              <a:t>~</a:t>
+            </a:r>
+            <a:r>
+              <a:rPr kumimoji="1" lang="ja-JP" altLang="en-US" dirty="0"/>
+              <a:t>は</a:t>
+            </a:r>
+            <a:r>
+              <a:rPr kumimoji="1" lang="en-US" altLang="ja-JP" dirty="0"/>
+              <a:t>~</a:t>
+            </a:r>
+            <a:r>
+              <a:rPr kumimoji="1" lang="ja-JP" altLang="en-US" dirty="0"/>
+              <a:t>と置き換えることもできます</a:t>
+            </a:r>
+            <a:r>
+              <a:rPr kumimoji="1" lang="en-US" altLang="ja-JP" dirty="0"/>
+              <a:t>.</a:t>
+            </a:r>
+            <a:endParaRPr kumimoji="1" lang="ja-JP" altLang="en-US" dirty="0"/>
+          </a:p>
+        </p:txBody>
+      </p:sp>
+      <p:sp>
+        <p:nvSpPr>
+          <p:cNvPr id="4" name="スライド番号プレースホルダー 3"/>
+          <p:cNvSpPr>
+            <a:spLocks noGrp="1"/>
+          </p:cNvSpPr>
+          <p:nvPr>
+            <p:ph type="sldNum" sz="quarter" idx="5"/>
+          </p:nvPr>
+        </p:nvSpPr>
+        <p:spPr/>
+        <p:txBody>
+          <a:bodyPr/>
+          <a:lstStyle/>
+          <a:p>
+            <a:fld id="{4161D5E1-FE6F-4674-AAC8-28163DEE8E71}" type="slidenum">
+              <a:rPr kumimoji="1" lang="ja-JP" altLang="en-US" smtClean="0"/>
+              <a:t>17</a:t>
+            </a:fld>
+            <a:endParaRPr kumimoji="1" lang="ja-JP" altLang="en-US"/>
+          </a:p>
+        </p:txBody>
+      </p:sp>
+    </p:spTree>
+    <p:extLst>
+      <p:ext uri="{BB962C8B-B14F-4D97-AF65-F5344CB8AC3E}">
+        <p14:creationId xmlns:p14="http://schemas.microsoft.com/office/powerpoint/2010/main" val="2211065520"/>
+      </p:ext>
+    </p:extLst>
+  </p:cSld>
+  <p:clrMapOvr>
+    <a:masterClrMapping/>
+  </p:clrMapOvr>
+</p:notes>
+</file>
+
+<file path=ppt/notesSlides/notesSlide16.xml><?xml version="1.0" encoding="utf-8"?>
+<p:notes xmlns:a="http://schemas.openxmlformats.org/drawingml/2006/main" xmlns:r="http://schemas.openxmlformats.org/officeDocument/2006/relationships" xmlns:p="http://schemas.openxmlformats.org/presentationml/2006/main">
+  <p:cSld>
+    <p:spTree>
+      <p:nvGrpSpPr>
+        <p:cNvPr id="1" name=""/>
+        <p:cNvGrpSpPr/>
+        <p:nvPr/>
+      </p:nvGrpSpPr>
+      <p:grpSpPr>
+        <a:xfrm>
+          <a:off x="0" y="0"/>
+          <a:ext cx="0" cy="0"/>
+          <a:chOff x="0" y="0"/>
+          <a:chExt cx="0" cy="0"/>
+        </a:xfrm>
+      </p:grpSpPr>
+      <p:sp>
+        <p:nvSpPr>
+          <p:cNvPr id="2" name="スライド イメージ プレースホルダー 1"/>
+          <p:cNvSpPr>
+            <a:spLocks noGrp="1" noRot="1" noChangeAspect="1"/>
+          </p:cNvSpPr>
+          <p:nvPr>
+            <p:ph type="sldImg"/>
+          </p:nvPr>
+        </p:nvSpPr>
+        <p:spPr/>
+      </p:sp>
+      <p:sp>
+        <p:nvSpPr>
+          <p:cNvPr id="3" name="ノート プレースホルダー 2"/>
+          <p:cNvSpPr>
+            <a:spLocks noGrp="1"/>
+          </p:cNvSpPr>
+          <p:nvPr>
+            <p:ph type="body" idx="1"/>
+          </p:nvPr>
+        </p:nvSpPr>
+        <p:spPr/>
+        <p:txBody>
+          <a:bodyPr/>
+          <a:lstStyle/>
+          <a:p>
+            <a:r>
+              <a:rPr kumimoji="1" lang="en-US" altLang="ja-JP" dirty="0"/>
+              <a:t>n</a:t>
+            </a:r>
+            <a:r>
+              <a:rPr kumimoji="1" lang="ja-JP" altLang="en-US" dirty="0"/>
+              <a:t>ビット交換すれば交叉判定問題が解けるのは自明ですが</a:t>
+            </a:r>
+            <a:r>
+              <a:rPr kumimoji="1" lang="en-US" altLang="ja-JP" dirty="0"/>
+              <a:t>,</a:t>
+            </a:r>
+            <a:r>
+              <a:rPr kumimoji="1" lang="ja-JP" altLang="en-US" dirty="0"/>
+              <a:t>逆に</a:t>
+            </a:r>
+            <a:r>
+              <a:rPr kumimoji="1" lang="en-US" altLang="ja-JP" dirty="0"/>
+              <a:t>~.</a:t>
+            </a:r>
+            <a:endParaRPr kumimoji="1" lang="ja-JP" altLang="en-US" dirty="0"/>
+          </a:p>
+        </p:txBody>
+      </p:sp>
+      <p:sp>
+        <p:nvSpPr>
+          <p:cNvPr id="4" name="スライド番号プレースホルダー 3"/>
+          <p:cNvSpPr>
+            <a:spLocks noGrp="1"/>
+          </p:cNvSpPr>
+          <p:nvPr>
+            <p:ph type="sldNum" sz="quarter" idx="5"/>
+          </p:nvPr>
+        </p:nvSpPr>
+        <p:spPr/>
+        <p:txBody>
+          <a:bodyPr/>
+          <a:lstStyle/>
+          <a:p>
+            <a:fld id="{4161D5E1-FE6F-4674-AAC8-28163DEE8E71}" type="slidenum">
+              <a:rPr kumimoji="1" lang="ja-JP" altLang="en-US" smtClean="0"/>
+              <a:t>18</a:t>
+            </a:fld>
+            <a:endParaRPr kumimoji="1" lang="ja-JP" altLang="en-US"/>
+          </a:p>
+        </p:txBody>
+      </p:sp>
+    </p:spTree>
+    <p:extLst>
+      <p:ext uri="{BB962C8B-B14F-4D97-AF65-F5344CB8AC3E}">
+        <p14:creationId xmlns:p14="http://schemas.microsoft.com/office/powerpoint/2010/main" val="1713663487"/>
+      </p:ext>
+    </p:extLst>
+  </p:cSld>
+  <p:clrMapOvr>
+    <a:masterClrMapping/>
+  </p:clrMapOvr>
+</p:notes>
+</file>
+
+<file path=ppt/notesSlides/notesSlide2.xml><?xml version="1.0" encoding="utf-8"?>
+<p:notes xmlns:a="http://schemas.openxmlformats.org/drawingml/2006/main" xmlns:r="http://schemas.openxmlformats.org/officeDocument/2006/relationships" xmlns:p="http://schemas.openxmlformats.org/presentationml/2006/main">
+  <p:cSld>
+    <p:spTree>
+      <p:nvGrpSpPr>
+        <p:cNvPr id="1" name=""/>
+        <p:cNvGrpSpPr/>
+        <p:nvPr/>
+      </p:nvGrpSpPr>
+      <p:grpSpPr>
+        <a:xfrm>
+          <a:off x="0" y="0"/>
+          <a:ext cx="0" cy="0"/>
+          <a:chOff x="0" y="0"/>
+          <a:chExt cx="0" cy="0"/>
+        </a:xfrm>
+      </p:grpSpPr>
+      <p:sp>
+        <p:nvSpPr>
+          <p:cNvPr id="2" name="スライド イメージ プレースホルダー 1"/>
+          <p:cNvSpPr>
+            <a:spLocks noGrp="1" noRot="1" noChangeAspect="1"/>
+          </p:cNvSpPr>
+          <p:nvPr>
+            <p:ph type="sldImg"/>
+          </p:nvPr>
+        </p:nvSpPr>
+        <p:spPr/>
+      </p:sp>
+      <p:sp>
+        <p:nvSpPr>
+          <p:cNvPr id="3" name="ノート プレースホルダー 2"/>
+          <p:cNvSpPr>
+            <a:spLocks noGrp="1"/>
+          </p:cNvSpPr>
+          <p:nvPr>
+            <p:ph type="body" idx="1"/>
+          </p:nvPr>
+        </p:nvSpPr>
+        <p:spPr/>
+        <p:txBody>
+          <a:bodyPr/>
+          <a:lstStyle/>
+          <a:p>
+            <a:r>
+              <a:rPr kumimoji="1" lang="ja-JP" altLang="en-US" dirty="0"/>
+              <a:t>そのネットワーク自身を入力とみなしてグラフ上の問題を解く枠組みを分散グラフアルゴリズムといいます</a:t>
+            </a:r>
+            <a:r>
+              <a:rPr kumimoji="1" lang="en-US" altLang="ja-JP" dirty="0"/>
+              <a:t>.</a:t>
+            </a:r>
+            <a:endParaRPr kumimoji="1" lang="ja-JP" altLang="en-US" dirty="0"/>
+          </a:p>
+        </p:txBody>
+      </p:sp>
+      <p:sp>
+        <p:nvSpPr>
+          <p:cNvPr id="4" name="スライド番号プレースホルダー 3"/>
+          <p:cNvSpPr>
+            <a:spLocks noGrp="1"/>
+          </p:cNvSpPr>
+          <p:nvPr>
+            <p:ph type="sldNum" sz="quarter" idx="5"/>
+          </p:nvPr>
+        </p:nvSpPr>
+        <p:spPr/>
+        <p:txBody>
+          <a:bodyPr/>
+          <a:lstStyle/>
+          <a:p>
+            <a:fld id="{4161D5E1-FE6F-4674-AAC8-28163DEE8E71}" type="slidenum">
+              <a:rPr kumimoji="1" lang="ja-JP" altLang="en-US" smtClean="0"/>
+              <a:t>4</a:t>
+            </a:fld>
+            <a:endParaRPr kumimoji="1" lang="ja-JP" altLang="en-US"/>
+          </a:p>
+        </p:txBody>
+      </p:sp>
+    </p:spTree>
+    <p:extLst>
+      <p:ext uri="{BB962C8B-B14F-4D97-AF65-F5344CB8AC3E}">
+        <p14:creationId xmlns:p14="http://schemas.microsoft.com/office/powerpoint/2010/main" val="802790557"/>
+      </p:ext>
+    </p:extLst>
+  </p:cSld>
+  <p:clrMapOvr>
+    <a:masterClrMapping/>
+  </p:clrMapOvr>
+</p:notes>
+</file>
+
+<file path=ppt/notesSlides/notesSlide3.xml><?xml version="1.0" encoding="utf-8"?>
+<p:notes xmlns:a="http://schemas.openxmlformats.org/drawingml/2006/main" xmlns:r="http://schemas.openxmlformats.org/officeDocument/2006/relationships" xmlns:p="http://schemas.openxmlformats.org/presentationml/2006/main">
+  <p:cSld>
+    <p:spTree>
+      <p:nvGrpSpPr>
+        <p:cNvPr id="1" name=""/>
+        <p:cNvGrpSpPr/>
+        <p:nvPr/>
+      </p:nvGrpSpPr>
+      <p:grpSpPr>
+        <a:xfrm>
+          <a:off x="0" y="0"/>
+          <a:ext cx="0" cy="0"/>
+          <a:chOff x="0" y="0"/>
+          <a:chExt cx="0" cy="0"/>
+        </a:xfrm>
+      </p:grpSpPr>
+      <p:sp>
+        <p:nvSpPr>
+          <p:cNvPr id="2" name="スライド イメージ プレースホルダー 1"/>
+          <p:cNvSpPr>
+            <a:spLocks noGrp="1" noRot="1" noChangeAspect="1"/>
+          </p:cNvSpPr>
+          <p:nvPr>
+            <p:ph type="sldImg"/>
+          </p:nvPr>
+        </p:nvSpPr>
+        <p:spPr/>
+      </p:sp>
+      <p:sp>
+        <p:nvSpPr>
+          <p:cNvPr id="3" name="ノート プレースホルダー 2"/>
+          <p:cNvSpPr>
+            <a:spLocks noGrp="1"/>
+          </p:cNvSpPr>
+          <p:nvPr>
+            <p:ph type="body" idx="1"/>
+          </p:nvPr>
+        </p:nvSpPr>
+        <p:spPr/>
+        <p:txBody>
+          <a:bodyPr/>
+          <a:lstStyle/>
+          <a:p>
+            <a:r>
+              <a:rPr kumimoji="1" lang="ja-JP" altLang="en-US" dirty="0"/>
+              <a:t>分散グラフアルゴリズムにおける代表的なモデルの一つとして</a:t>
+            </a:r>
+            <a:r>
+              <a:rPr kumimoji="1" lang="en-US" altLang="ja-JP" dirty="0"/>
+              <a:t>CONGEST</a:t>
+            </a:r>
+            <a:r>
+              <a:rPr kumimoji="1" lang="ja-JP" altLang="en-US" dirty="0"/>
+              <a:t>モデルがあります。</a:t>
+            </a:r>
+            <a:endParaRPr kumimoji="1" lang="en-US" altLang="ja-JP" dirty="0"/>
+          </a:p>
+          <a:p>
+            <a:r>
+              <a:rPr kumimoji="1" lang="en-US" altLang="ja-JP" dirty="0"/>
+              <a:t>CONGEST</a:t>
+            </a:r>
+            <a:r>
+              <a:rPr kumimoji="1" lang="ja-JP" altLang="en-US" dirty="0"/>
+              <a:t>モデルにおいて</a:t>
+            </a:r>
+            <a:r>
+              <a:rPr kumimoji="1" lang="en-US" altLang="ja-JP" dirty="0"/>
+              <a:t>,~</a:t>
+            </a:r>
+            <a:r>
+              <a:rPr kumimoji="1" lang="ja-JP" altLang="en-US" dirty="0"/>
+              <a:t>解決しようとします</a:t>
+            </a:r>
+            <a:r>
+              <a:rPr kumimoji="1" lang="en-US" altLang="ja-JP" dirty="0"/>
+              <a:t>.</a:t>
+            </a:r>
+          </a:p>
+          <a:p>
+            <a:r>
+              <a:rPr kumimoji="1" lang="ja-JP" altLang="en-US" dirty="0"/>
+              <a:t>各ノードは各ラウンドで</a:t>
+            </a:r>
+            <a:r>
+              <a:rPr kumimoji="1" lang="en-US" altLang="ja-JP" dirty="0"/>
+              <a:t>~</a:t>
+            </a:r>
+            <a:r>
+              <a:rPr kumimoji="1" lang="ja-JP" altLang="en-US" dirty="0"/>
+              <a:t>を行うことができます</a:t>
+            </a:r>
+            <a:r>
+              <a:rPr kumimoji="1" lang="en-US" altLang="ja-JP" dirty="0"/>
+              <a:t>.</a:t>
+            </a:r>
+          </a:p>
+          <a:p>
+            <a:r>
+              <a:rPr kumimoji="1" lang="ja-JP" altLang="en-US" dirty="0"/>
+              <a:t>各ノードは</a:t>
+            </a:r>
+            <a:r>
+              <a:rPr kumimoji="1" lang="en-US" altLang="ja-JP" dirty="0"/>
+              <a:t>,~</a:t>
+            </a:r>
+            <a:r>
+              <a:rPr kumimoji="1" lang="ja-JP" altLang="en-US" dirty="0"/>
+              <a:t>解決することを目標とします</a:t>
+            </a:r>
+            <a:r>
+              <a:rPr kumimoji="1" lang="en-US" altLang="ja-JP" dirty="0"/>
+              <a:t>.</a:t>
+            </a:r>
+          </a:p>
+          <a:p>
+            <a:r>
+              <a:rPr kumimoji="1" lang="ja-JP" altLang="en-US" dirty="0"/>
+              <a:t>また</a:t>
+            </a:r>
+            <a:r>
+              <a:rPr kumimoji="1" lang="en-US" altLang="ja-JP" dirty="0"/>
+              <a:t>,</a:t>
+            </a:r>
+            <a:r>
+              <a:rPr kumimoji="1" lang="ja-JP" altLang="en-US" dirty="0"/>
+              <a:t>標準的には</a:t>
+            </a:r>
+            <a:r>
+              <a:rPr kumimoji="1" lang="en-US" altLang="ja-JP" dirty="0"/>
+              <a:t>~</a:t>
+            </a:r>
+            <a:r>
+              <a:rPr kumimoji="1" lang="ja-JP" altLang="en-US" dirty="0"/>
+              <a:t>とします</a:t>
+            </a:r>
+            <a:r>
+              <a:rPr kumimoji="1" lang="en-US" altLang="ja-JP" dirty="0"/>
+              <a:t>.</a:t>
+            </a:r>
+            <a:endParaRPr kumimoji="1" lang="ja-JP" altLang="en-US" dirty="0"/>
+          </a:p>
+        </p:txBody>
+      </p:sp>
+      <p:sp>
+        <p:nvSpPr>
+          <p:cNvPr id="4" name="スライド番号プレースホルダー 3"/>
+          <p:cNvSpPr>
+            <a:spLocks noGrp="1"/>
+          </p:cNvSpPr>
+          <p:nvPr>
+            <p:ph type="sldNum" sz="quarter" idx="5"/>
+          </p:nvPr>
+        </p:nvSpPr>
+        <p:spPr/>
+        <p:txBody>
+          <a:bodyPr/>
+          <a:lstStyle/>
+          <a:p>
+            <a:fld id="{4161D5E1-FE6F-4674-AAC8-28163DEE8E71}" type="slidenum">
+              <a:rPr kumimoji="1" lang="ja-JP" altLang="en-US" smtClean="0"/>
+              <a:t>5</a:t>
+            </a:fld>
+            <a:endParaRPr kumimoji="1" lang="ja-JP" altLang="en-US"/>
+          </a:p>
+        </p:txBody>
+      </p:sp>
+    </p:spTree>
+    <p:extLst>
+      <p:ext uri="{BB962C8B-B14F-4D97-AF65-F5344CB8AC3E}">
+        <p14:creationId xmlns:p14="http://schemas.microsoft.com/office/powerpoint/2010/main" val="2677516019"/>
+      </p:ext>
+    </p:extLst>
+  </p:cSld>
+  <p:clrMapOvr>
+    <a:masterClrMapping/>
+  </p:clrMapOvr>
+</p:notes>
+</file>
+
+<file path=ppt/notesSlides/notesSlide4.xml><?xml version="1.0" encoding="utf-8"?>
+<p:notes xmlns:a="http://schemas.openxmlformats.org/drawingml/2006/main" xmlns:r="http://schemas.openxmlformats.org/officeDocument/2006/relationships" xmlns:p="http://schemas.openxmlformats.org/presentationml/2006/main">
+  <p:cSld>
+    <p:spTree>
+      <p:nvGrpSpPr>
+        <p:cNvPr id="1" name=""/>
+        <p:cNvGrpSpPr/>
+        <p:nvPr/>
+      </p:nvGrpSpPr>
+      <p:grpSpPr>
+        <a:xfrm>
+          <a:off x="0" y="0"/>
+          <a:ext cx="0" cy="0"/>
+          <a:chOff x="0" y="0"/>
+          <a:chExt cx="0" cy="0"/>
+        </a:xfrm>
+      </p:grpSpPr>
+      <p:sp>
+        <p:nvSpPr>
+          <p:cNvPr id="2" name="スライド イメージ プレースホルダー 1"/>
+          <p:cNvSpPr>
+            <a:spLocks noGrp="1" noRot="1" noChangeAspect="1"/>
+          </p:cNvSpPr>
+          <p:nvPr>
+            <p:ph type="sldImg"/>
+          </p:nvPr>
+        </p:nvSpPr>
+        <p:spPr/>
+      </p:sp>
+      <p:sp>
+        <p:nvSpPr>
+          <p:cNvPr id="3" name="ノート プレースホルダー 2"/>
+          <p:cNvSpPr>
+            <a:spLocks noGrp="1"/>
+          </p:cNvSpPr>
+          <p:nvPr>
+            <p:ph type="body" idx="1"/>
+          </p:nvPr>
+        </p:nvSpPr>
+        <p:spPr/>
+        <p:txBody>
+          <a:bodyPr/>
+          <a:lstStyle/>
+          <a:p>
+            <a:r>
+              <a:rPr kumimoji="1" lang="ja-JP" altLang="en-US" dirty="0"/>
+              <a:t>近年</a:t>
+            </a:r>
+            <a:r>
+              <a:rPr kumimoji="1" lang="en-US" altLang="ja-JP" dirty="0"/>
+              <a:t>,</a:t>
+            </a:r>
+            <a:r>
+              <a:rPr kumimoji="1" lang="ja-JP" altLang="en-US" dirty="0"/>
+              <a:t>与えられたネットワーク上の最大独立集合を発見する</a:t>
+            </a:r>
+            <a:r>
+              <a:rPr kumimoji="1" lang="en-US" altLang="ja-JP" dirty="0"/>
+              <a:t>~.</a:t>
+            </a:r>
+            <a:endParaRPr kumimoji="1" lang="ja-JP" altLang="en-US" dirty="0"/>
+          </a:p>
+        </p:txBody>
+      </p:sp>
+      <p:sp>
+        <p:nvSpPr>
+          <p:cNvPr id="4" name="スライド番号プレースホルダー 3"/>
+          <p:cNvSpPr>
+            <a:spLocks noGrp="1"/>
+          </p:cNvSpPr>
+          <p:nvPr>
+            <p:ph type="sldNum" sz="quarter" idx="5"/>
+          </p:nvPr>
+        </p:nvSpPr>
+        <p:spPr/>
+        <p:txBody>
+          <a:bodyPr/>
+          <a:lstStyle/>
+          <a:p>
+            <a:fld id="{4161D5E1-FE6F-4674-AAC8-28163DEE8E71}" type="slidenum">
+              <a:rPr kumimoji="1" lang="ja-JP" altLang="en-US" smtClean="0"/>
+              <a:t>6</a:t>
+            </a:fld>
+            <a:endParaRPr kumimoji="1" lang="ja-JP" altLang="en-US"/>
+          </a:p>
+        </p:txBody>
+      </p:sp>
+    </p:spTree>
+    <p:extLst>
+      <p:ext uri="{BB962C8B-B14F-4D97-AF65-F5344CB8AC3E}">
+        <p14:creationId xmlns:p14="http://schemas.microsoft.com/office/powerpoint/2010/main" val="1560424491"/>
+      </p:ext>
+    </p:extLst>
+  </p:cSld>
+  <p:clrMapOvr>
+    <a:masterClrMapping/>
+  </p:clrMapOvr>
+</p:notes>
+</file>
+
+<file path=ppt/notesSlides/notesSlide5.xml><?xml version="1.0" encoding="utf-8"?>
+<p:notes xmlns:a="http://schemas.openxmlformats.org/drawingml/2006/main" xmlns:r="http://schemas.openxmlformats.org/officeDocument/2006/relationships" xmlns:p="http://schemas.openxmlformats.org/presentationml/2006/main">
+  <p:cSld>
+    <p:spTree>
+      <p:nvGrpSpPr>
+        <p:cNvPr id="1" name=""/>
+        <p:cNvGrpSpPr/>
+        <p:nvPr/>
+      </p:nvGrpSpPr>
+      <p:grpSpPr>
+        <a:xfrm>
+          <a:off x="0" y="0"/>
+          <a:ext cx="0" cy="0"/>
+          <a:chOff x="0" y="0"/>
+          <a:chExt cx="0" cy="0"/>
+        </a:xfrm>
+      </p:grpSpPr>
+      <p:sp>
+        <p:nvSpPr>
+          <p:cNvPr id="2" name="スライド イメージ プレースホルダー 1"/>
+          <p:cNvSpPr>
+            <a:spLocks noGrp="1" noRot="1" noChangeAspect="1"/>
+          </p:cNvSpPr>
+          <p:nvPr>
+            <p:ph type="sldImg"/>
+          </p:nvPr>
+        </p:nvSpPr>
+        <p:spPr/>
+      </p:sp>
+      <p:sp>
+        <p:nvSpPr>
+          <p:cNvPr id="3" name="ノート プレースホルダー 2"/>
+          <p:cNvSpPr>
+            <a:spLocks noGrp="1"/>
+          </p:cNvSpPr>
+          <p:nvPr>
+            <p:ph type="body" idx="1"/>
+          </p:nvPr>
+        </p:nvSpPr>
+        <p:spPr/>
+        <p:txBody>
+          <a:bodyPr/>
+          <a:lstStyle/>
+          <a:p>
+            <a:r>
+              <a:rPr kumimoji="1" lang="ja-JP" altLang="en-US" dirty="0"/>
+              <a:t>例えば</a:t>
+            </a:r>
+            <a:r>
+              <a:rPr kumimoji="1" lang="en-US" altLang="ja-JP" dirty="0"/>
+              <a:t>,</a:t>
+            </a:r>
+            <a:r>
+              <a:rPr kumimoji="1" lang="ja-JP" altLang="en-US" dirty="0"/>
+              <a:t>上のグラフにおいてこれらの頂点集合は独立集合になります</a:t>
+            </a:r>
+            <a:r>
+              <a:rPr kumimoji="1" lang="en-US" altLang="ja-JP" dirty="0"/>
+              <a:t>.</a:t>
+            </a:r>
+          </a:p>
+          <a:p>
+            <a:r>
+              <a:rPr kumimoji="1" lang="ja-JP" altLang="en-US" dirty="0"/>
+              <a:t>特に</a:t>
+            </a:r>
+            <a:r>
+              <a:rPr kumimoji="1" lang="en-US" altLang="ja-JP" dirty="0"/>
+              <a:t>,5</a:t>
+            </a:r>
+            <a:r>
+              <a:rPr kumimoji="1" lang="ja-JP" altLang="en-US" dirty="0"/>
+              <a:t>頂点の独立集合は構成できないため</a:t>
+            </a:r>
+            <a:r>
+              <a:rPr kumimoji="1" lang="en-US" altLang="ja-JP" dirty="0"/>
+              <a:t>,</a:t>
+            </a:r>
+            <a:r>
+              <a:rPr kumimoji="1" lang="ja-JP" altLang="en-US" dirty="0"/>
+              <a:t>右は最大独立集合になっています</a:t>
+            </a:r>
+            <a:r>
+              <a:rPr kumimoji="1" lang="en-US" altLang="ja-JP" dirty="0"/>
+              <a:t>.</a:t>
+            </a:r>
+          </a:p>
+          <a:p>
+            <a:endParaRPr kumimoji="1" lang="en-US" altLang="ja-JP" dirty="0"/>
+          </a:p>
+          <a:p>
+            <a:r>
+              <a:rPr kumimoji="1" lang="ja-JP" altLang="en-US" dirty="0"/>
+              <a:t>下の例ではこのようにとると合計重みが最大の独立集合になります</a:t>
+            </a:r>
+            <a:r>
+              <a:rPr kumimoji="1" lang="en-US" altLang="ja-JP" dirty="0"/>
+              <a:t>.</a:t>
+            </a:r>
+            <a:endParaRPr kumimoji="1" lang="ja-JP" altLang="en-US" dirty="0"/>
+          </a:p>
+        </p:txBody>
+      </p:sp>
+      <p:sp>
+        <p:nvSpPr>
+          <p:cNvPr id="4" name="スライド番号プレースホルダー 3"/>
+          <p:cNvSpPr>
+            <a:spLocks noGrp="1"/>
+          </p:cNvSpPr>
+          <p:nvPr>
+            <p:ph type="sldNum" sz="quarter" idx="5"/>
+          </p:nvPr>
+        </p:nvSpPr>
+        <p:spPr/>
+        <p:txBody>
+          <a:bodyPr/>
+          <a:lstStyle/>
+          <a:p>
+            <a:fld id="{4161D5E1-FE6F-4674-AAC8-28163DEE8E71}" type="slidenum">
+              <a:rPr kumimoji="1" lang="ja-JP" altLang="en-US" smtClean="0"/>
+              <a:t>7</a:t>
+            </a:fld>
+            <a:endParaRPr kumimoji="1" lang="ja-JP" altLang="en-US"/>
+          </a:p>
+        </p:txBody>
+      </p:sp>
+    </p:spTree>
+    <p:extLst>
+      <p:ext uri="{BB962C8B-B14F-4D97-AF65-F5344CB8AC3E}">
+        <p14:creationId xmlns:p14="http://schemas.microsoft.com/office/powerpoint/2010/main" val="4252128738"/>
+      </p:ext>
+    </p:extLst>
+  </p:cSld>
+  <p:clrMapOvr>
+    <a:masterClrMapping/>
+  </p:clrMapOvr>
+</p:notes>
+</file>
+
+<file path=ppt/notesSlides/notesSlide6.xml><?xml version="1.0" encoding="utf-8"?>
+<p:notes xmlns:a="http://schemas.openxmlformats.org/drawingml/2006/main" xmlns:r="http://schemas.openxmlformats.org/officeDocument/2006/relationships" xmlns:p="http://schemas.openxmlformats.org/presentationml/2006/main">
+  <p:cSld>
+    <p:spTree>
+      <p:nvGrpSpPr>
+        <p:cNvPr id="1" name=""/>
+        <p:cNvGrpSpPr/>
+        <p:nvPr/>
+      </p:nvGrpSpPr>
+      <p:grpSpPr>
+        <a:xfrm>
+          <a:off x="0" y="0"/>
+          <a:ext cx="0" cy="0"/>
+          <a:chOff x="0" y="0"/>
+          <a:chExt cx="0" cy="0"/>
+        </a:xfrm>
+      </p:grpSpPr>
+      <p:sp>
+        <p:nvSpPr>
+          <p:cNvPr id="2" name="スライド イメージ プレースホルダー 1"/>
+          <p:cNvSpPr>
+            <a:spLocks noGrp="1" noRot="1" noChangeAspect="1"/>
+          </p:cNvSpPr>
+          <p:nvPr>
+            <p:ph type="sldImg"/>
+          </p:nvPr>
+        </p:nvSpPr>
+        <p:spPr/>
+      </p:sp>
+      <p:sp>
+        <p:nvSpPr>
+          <p:cNvPr id="3" name="ノート プレースホルダー 2"/>
+          <p:cNvSpPr>
+            <a:spLocks noGrp="1"/>
+          </p:cNvSpPr>
+          <p:nvPr>
+            <p:ph type="body" idx="1"/>
+          </p:nvPr>
+        </p:nvSpPr>
+        <p:spPr/>
+        <p:txBody>
+          <a:bodyPr/>
+          <a:lstStyle/>
+          <a:p>
+            <a:r>
+              <a:rPr kumimoji="1" lang="en-US" altLang="ja-JP" dirty="0"/>
+              <a:t>~</a:t>
+            </a:r>
+            <a:r>
+              <a:rPr kumimoji="1" lang="ja-JP" altLang="en-US" dirty="0"/>
+              <a:t>に関する結果として</a:t>
+            </a:r>
+            <a:r>
+              <a:rPr kumimoji="1" lang="en-US" altLang="ja-JP" dirty="0"/>
+              <a:t>,</a:t>
+            </a:r>
+            <a:r>
+              <a:rPr kumimoji="1" lang="ja-JP" altLang="en-US" dirty="0"/>
+              <a:t>このようなものがあります</a:t>
+            </a:r>
+            <a:endParaRPr kumimoji="1" lang="en-US" altLang="ja-JP" dirty="0"/>
+          </a:p>
+          <a:p>
+            <a:r>
+              <a:rPr kumimoji="1" lang="ja-JP" altLang="en-US" dirty="0"/>
+              <a:t>それぞれ最大独立集合の近似を見つけるアルゴリズムに対する通信複雑性の結果で</a:t>
+            </a:r>
+            <a:r>
+              <a:rPr kumimoji="1" lang="en-US" altLang="ja-JP" dirty="0"/>
+              <a:t>,</a:t>
+            </a:r>
+          </a:p>
+          <a:p>
+            <a:r>
+              <a:rPr kumimoji="1" lang="ja-JP" altLang="en-US" dirty="0"/>
+              <a:t>上は上限</a:t>
+            </a:r>
+            <a:r>
+              <a:rPr kumimoji="1" lang="en-US" altLang="ja-JP" dirty="0"/>
+              <a:t>,</a:t>
+            </a:r>
+            <a:r>
+              <a:rPr kumimoji="1" lang="ja-JP" altLang="en-US" dirty="0"/>
+              <a:t>下は下限を示しています</a:t>
+            </a:r>
+            <a:r>
+              <a:rPr kumimoji="1" lang="en-US" altLang="ja-JP" dirty="0"/>
+              <a:t>.</a:t>
+            </a:r>
+            <a:endParaRPr kumimoji="1" lang="ja-JP" altLang="en-US" dirty="0"/>
+          </a:p>
+        </p:txBody>
+      </p:sp>
+      <p:sp>
+        <p:nvSpPr>
+          <p:cNvPr id="4" name="スライド番号プレースホルダー 3"/>
+          <p:cNvSpPr>
+            <a:spLocks noGrp="1"/>
+          </p:cNvSpPr>
+          <p:nvPr>
+            <p:ph type="sldNum" sz="quarter" idx="5"/>
+          </p:nvPr>
+        </p:nvSpPr>
+        <p:spPr/>
+        <p:txBody>
+          <a:bodyPr/>
+          <a:lstStyle/>
+          <a:p>
+            <a:fld id="{4161D5E1-FE6F-4674-AAC8-28163DEE8E71}" type="slidenum">
+              <a:rPr kumimoji="1" lang="ja-JP" altLang="en-US" smtClean="0"/>
+              <a:t>8</a:t>
+            </a:fld>
+            <a:endParaRPr kumimoji="1" lang="ja-JP" altLang="en-US"/>
+          </a:p>
+        </p:txBody>
+      </p:sp>
+    </p:spTree>
+    <p:extLst>
+      <p:ext uri="{BB962C8B-B14F-4D97-AF65-F5344CB8AC3E}">
+        <p14:creationId xmlns:p14="http://schemas.microsoft.com/office/powerpoint/2010/main" val="667462544"/>
+      </p:ext>
+    </p:extLst>
+  </p:cSld>
+  <p:clrMapOvr>
+    <a:masterClrMapping/>
+  </p:clrMapOvr>
+</p:notes>
+</file>
+
+<file path=ppt/notesSlides/notesSlide7.xml><?xml version="1.0" encoding="utf-8"?>
+<p:notes xmlns:a="http://schemas.openxmlformats.org/drawingml/2006/main" xmlns:r="http://schemas.openxmlformats.org/officeDocument/2006/relationships" xmlns:p="http://schemas.openxmlformats.org/presentationml/2006/main">
+  <p:cSld>
+    <p:spTree>
+      <p:nvGrpSpPr>
+        <p:cNvPr id="1" name=""/>
+        <p:cNvGrpSpPr/>
+        <p:nvPr/>
+      </p:nvGrpSpPr>
+      <p:grpSpPr>
+        <a:xfrm>
+          <a:off x="0" y="0"/>
+          <a:ext cx="0" cy="0"/>
+          <a:chOff x="0" y="0"/>
+          <a:chExt cx="0" cy="0"/>
+        </a:xfrm>
+      </p:grpSpPr>
+      <p:sp>
+        <p:nvSpPr>
+          <p:cNvPr id="2" name="スライド イメージ プレースホルダー 1"/>
+          <p:cNvSpPr>
+            <a:spLocks noGrp="1" noRot="1" noChangeAspect="1"/>
+          </p:cNvSpPr>
+          <p:nvPr>
+            <p:ph type="sldImg"/>
+          </p:nvPr>
+        </p:nvSpPr>
+        <p:spPr/>
+      </p:sp>
+      <p:sp>
+        <p:nvSpPr>
+          <p:cNvPr id="3" name="ノート プレースホルダー 2"/>
+          <p:cNvSpPr>
+            <a:spLocks noGrp="1"/>
+          </p:cNvSpPr>
+          <p:nvPr>
+            <p:ph type="body" idx="1"/>
+          </p:nvPr>
+        </p:nvSpPr>
+        <p:spPr/>
+        <p:txBody>
+          <a:bodyPr/>
+          <a:lstStyle/>
+          <a:p>
+            <a:r>
+              <a:rPr kumimoji="1" lang="en-US" altLang="ja-JP" dirty="0"/>
+              <a:t>~.</a:t>
+            </a:r>
+          </a:p>
+          <a:p>
+            <a:r>
+              <a:rPr kumimoji="1" lang="ja-JP" altLang="en-US" dirty="0"/>
+              <a:t>しかし</a:t>
+            </a:r>
+            <a:r>
+              <a:rPr kumimoji="1" lang="en-US" altLang="ja-JP" dirty="0"/>
+              <a:t>,</a:t>
+            </a:r>
+            <a:r>
+              <a:rPr kumimoji="1" lang="ja-JP" altLang="en-US" dirty="0"/>
+              <a:t> </a:t>
+            </a:r>
+            <a:r>
+              <a:rPr kumimoji="1" lang="en-US" altLang="ja-JP" dirty="0"/>
+              <a:t>~</a:t>
+            </a:r>
+            <a:r>
+              <a:rPr kumimoji="1" lang="ja-JP" altLang="en-US" dirty="0"/>
+              <a:t>であり</a:t>
+            </a:r>
+            <a:r>
+              <a:rPr kumimoji="1" lang="en-US" altLang="ja-JP" dirty="0"/>
+              <a:t>,~</a:t>
+            </a:r>
+            <a:r>
+              <a:rPr kumimoji="1" lang="ja-JP" altLang="en-US" dirty="0"/>
+              <a:t>とされています</a:t>
+            </a:r>
+            <a:r>
+              <a:rPr kumimoji="1" lang="en-US" altLang="ja-JP" dirty="0"/>
+              <a:t>.</a:t>
+            </a:r>
+          </a:p>
+          <a:p>
+            <a:r>
+              <a:rPr kumimoji="1" lang="ja-JP" altLang="en-US" dirty="0"/>
+              <a:t>つまり</a:t>
+            </a:r>
+            <a:r>
+              <a:rPr kumimoji="1" lang="en-US" altLang="ja-JP" dirty="0"/>
+              <a:t>,~</a:t>
+            </a:r>
+            <a:r>
+              <a:rPr kumimoji="1" lang="ja-JP" altLang="en-US" dirty="0"/>
+              <a:t>について議論しても</a:t>
+            </a:r>
+            <a:r>
+              <a:rPr kumimoji="1" lang="en-US" altLang="ja-JP" dirty="0"/>
+              <a:t>,</a:t>
+            </a:r>
+            <a:r>
+              <a:rPr kumimoji="1" lang="ja-JP" altLang="en-US" dirty="0"/>
+              <a:t>結局のところ</a:t>
+            </a:r>
+            <a:r>
+              <a:rPr kumimoji="1" lang="en-US" altLang="ja-JP" dirty="0"/>
+              <a:t>~</a:t>
+            </a:r>
+            <a:r>
+              <a:rPr kumimoji="1" lang="ja-JP" altLang="en-US" dirty="0"/>
+              <a:t>が残ります</a:t>
+            </a:r>
+            <a:r>
+              <a:rPr kumimoji="1" lang="en-US" altLang="ja-JP" dirty="0"/>
+              <a:t>.</a:t>
+            </a:r>
+          </a:p>
+          <a:p>
+            <a:r>
+              <a:rPr kumimoji="1" lang="ja-JP" altLang="en-US" dirty="0"/>
+              <a:t>そこで</a:t>
+            </a:r>
+            <a:r>
+              <a:rPr kumimoji="1" lang="en-US" altLang="ja-JP" dirty="0"/>
+              <a:t>,</a:t>
+            </a:r>
+            <a:r>
+              <a:rPr kumimoji="1" lang="ja-JP" altLang="en-US" dirty="0"/>
+              <a:t>今回我々は最大独立集合の</a:t>
+            </a:r>
+            <a:r>
+              <a:rPr kumimoji="1" lang="en-US" altLang="ja-JP" dirty="0"/>
+              <a:t>~.</a:t>
+            </a:r>
+            <a:endParaRPr kumimoji="1" lang="ja-JP" altLang="en-US" dirty="0"/>
+          </a:p>
+        </p:txBody>
+      </p:sp>
+      <p:sp>
+        <p:nvSpPr>
+          <p:cNvPr id="4" name="スライド番号プレースホルダー 3"/>
+          <p:cNvSpPr>
+            <a:spLocks noGrp="1"/>
+          </p:cNvSpPr>
+          <p:nvPr>
+            <p:ph type="sldNum" sz="quarter" idx="5"/>
+          </p:nvPr>
+        </p:nvSpPr>
+        <p:spPr/>
+        <p:txBody>
+          <a:bodyPr/>
+          <a:lstStyle/>
+          <a:p>
+            <a:fld id="{4161D5E1-FE6F-4674-AAC8-28163DEE8E71}" type="slidenum">
+              <a:rPr kumimoji="1" lang="ja-JP" altLang="en-US" smtClean="0"/>
+              <a:t>9</a:t>
+            </a:fld>
+            <a:endParaRPr kumimoji="1" lang="ja-JP" altLang="en-US"/>
+          </a:p>
+        </p:txBody>
+      </p:sp>
+    </p:spTree>
+    <p:extLst>
+      <p:ext uri="{BB962C8B-B14F-4D97-AF65-F5344CB8AC3E}">
+        <p14:creationId xmlns:p14="http://schemas.microsoft.com/office/powerpoint/2010/main" val="2319985658"/>
+      </p:ext>
+    </p:extLst>
+  </p:cSld>
+  <p:clrMapOvr>
+    <a:masterClrMapping/>
+  </p:clrMapOvr>
+</p:notes>
+</file>
+
+<file path=ppt/notesSlides/notesSlide8.xml><?xml version="1.0" encoding="utf-8"?>
+<p:notes xmlns:a="http://schemas.openxmlformats.org/drawingml/2006/main" xmlns:r="http://schemas.openxmlformats.org/officeDocument/2006/relationships" xmlns:p="http://schemas.openxmlformats.org/presentationml/2006/main">
+  <p:cSld>
+    <p:spTree>
+      <p:nvGrpSpPr>
+        <p:cNvPr id="1" name=""/>
+        <p:cNvGrpSpPr/>
+        <p:nvPr/>
+      </p:nvGrpSpPr>
+      <p:grpSpPr>
+        <a:xfrm>
+          <a:off x="0" y="0"/>
+          <a:ext cx="0" cy="0"/>
+          <a:chOff x="0" y="0"/>
+          <a:chExt cx="0" cy="0"/>
+        </a:xfrm>
+      </p:grpSpPr>
+      <p:sp>
+        <p:nvSpPr>
+          <p:cNvPr id="2" name="スライド イメージ プレースホルダー 1"/>
+          <p:cNvSpPr>
+            <a:spLocks noGrp="1" noRot="1" noChangeAspect="1"/>
+          </p:cNvSpPr>
+          <p:nvPr>
+            <p:ph type="sldImg"/>
+          </p:nvPr>
+        </p:nvSpPr>
+        <p:spPr/>
+      </p:sp>
+      <p:sp>
+        <p:nvSpPr>
+          <p:cNvPr id="3" name="ノート プレースホルダー 2"/>
+          <p:cNvSpPr>
+            <a:spLocks noGrp="1"/>
+          </p:cNvSpPr>
+          <p:nvPr>
+            <p:ph type="body" idx="1"/>
+          </p:nvPr>
+        </p:nvSpPr>
+        <p:spPr/>
+        <p:txBody>
+          <a:bodyPr/>
+          <a:lstStyle/>
+          <a:p>
+            <a:r>
+              <a:rPr kumimoji="1" lang="en-US" altLang="ja-JP" dirty="0"/>
+              <a:t>~</a:t>
+            </a:r>
+            <a:r>
+              <a:rPr kumimoji="1" lang="ja-JP" altLang="en-US" dirty="0"/>
+              <a:t>とは</a:t>
+            </a:r>
+            <a:r>
+              <a:rPr kumimoji="1" lang="en-US" altLang="ja-JP" dirty="0"/>
+              <a:t>,~</a:t>
+            </a:r>
+            <a:r>
+              <a:rPr kumimoji="1" lang="ja-JP" altLang="en-US" dirty="0"/>
+              <a:t>をいいます</a:t>
+            </a:r>
+            <a:r>
+              <a:rPr kumimoji="1" lang="en-US" altLang="ja-JP" dirty="0"/>
+              <a:t>.</a:t>
+            </a:r>
+            <a:endParaRPr kumimoji="1" lang="ja-JP" altLang="en-US" dirty="0"/>
+          </a:p>
+        </p:txBody>
+      </p:sp>
+      <p:sp>
+        <p:nvSpPr>
+          <p:cNvPr id="4" name="スライド番号プレースホルダー 3"/>
+          <p:cNvSpPr>
+            <a:spLocks noGrp="1"/>
+          </p:cNvSpPr>
+          <p:nvPr>
+            <p:ph type="sldNum" sz="quarter" idx="5"/>
+          </p:nvPr>
+        </p:nvSpPr>
+        <p:spPr/>
+        <p:txBody>
+          <a:bodyPr/>
+          <a:lstStyle/>
+          <a:p>
+            <a:fld id="{4161D5E1-FE6F-4674-AAC8-28163DEE8E71}" type="slidenum">
+              <a:rPr kumimoji="1" lang="ja-JP" altLang="en-US" smtClean="0"/>
+              <a:t>10</a:t>
+            </a:fld>
+            <a:endParaRPr kumimoji="1" lang="ja-JP" altLang="en-US"/>
+          </a:p>
+        </p:txBody>
+      </p:sp>
+    </p:spTree>
+    <p:extLst>
+      <p:ext uri="{BB962C8B-B14F-4D97-AF65-F5344CB8AC3E}">
+        <p14:creationId xmlns:p14="http://schemas.microsoft.com/office/powerpoint/2010/main" val="2230318155"/>
+      </p:ext>
+    </p:extLst>
+  </p:cSld>
+  <p:clrMapOvr>
+    <a:masterClrMapping/>
+  </p:clrMapOvr>
+</p:notes>
+</file>
+
+<file path=ppt/notesSlides/notesSlide9.xml><?xml version="1.0" encoding="utf-8"?>
+<p:notes xmlns:a="http://schemas.openxmlformats.org/drawingml/2006/main" xmlns:r="http://schemas.openxmlformats.org/officeDocument/2006/relationships" xmlns:p="http://schemas.openxmlformats.org/presentationml/2006/main">
+  <p:cSld>
+    <p:spTree>
+      <p:nvGrpSpPr>
+        <p:cNvPr id="1" name=""/>
+        <p:cNvGrpSpPr/>
+        <p:nvPr/>
+      </p:nvGrpSpPr>
+      <p:grpSpPr>
+        <a:xfrm>
+          <a:off x="0" y="0"/>
+          <a:ext cx="0" cy="0"/>
+          <a:chOff x="0" y="0"/>
+          <a:chExt cx="0" cy="0"/>
+        </a:xfrm>
+      </p:grpSpPr>
+      <p:sp>
+        <p:nvSpPr>
+          <p:cNvPr id="2" name="スライド イメージ プレースホルダー 1"/>
+          <p:cNvSpPr>
+            <a:spLocks noGrp="1" noRot="1" noChangeAspect="1"/>
+          </p:cNvSpPr>
+          <p:nvPr>
+            <p:ph type="sldImg"/>
+          </p:nvPr>
+        </p:nvSpPr>
+        <p:spPr/>
+      </p:sp>
+      <p:sp>
+        <p:nvSpPr>
+          <p:cNvPr id="3" name="ノート プレースホルダー 2"/>
+          <p:cNvSpPr>
+            <a:spLocks noGrp="1"/>
+          </p:cNvSpPr>
+          <p:nvPr>
+            <p:ph type="body" idx="1"/>
+          </p:nvPr>
+        </p:nvSpPr>
+        <p:spPr/>
+        <p:txBody>
+          <a:bodyPr/>
+          <a:lstStyle/>
+          <a:p>
+            <a:r>
+              <a:rPr kumimoji="1" lang="ja-JP" altLang="en-US" dirty="0"/>
+              <a:t>例えば</a:t>
+            </a:r>
+            <a:r>
+              <a:rPr kumimoji="1" lang="en-US" altLang="ja-JP" dirty="0"/>
+              <a:t>,</a:t>
+            </a:r>
+            <a:r>
+              <a:rPr kumimoji="1" lang="ja-JP" altLang="en-US" dirty="0"/>
+              <a:t>左右</a:t>
+            </a:r>
+            <a:r>
+              <a:rPr kumimoji="1" lang="en-US" altLang="ja-JP" dirty="0"/>
+              <a:t>2</a:t>
+            </a:r>
+            <a:r>
+              <a:rPr kumimoji="1" lang="ja-JP" altLang="en-US" dirty="0"/>
+              <a:t>つのグラフに赤丸で示した独立集合があるとします</a:t>
+            </a:r>
+            <a:r>
+              <a:rPr kumimoji="1" lang="en-US" altLang="ja-JP" dirty="0"/>
+              <a:t>.</a:t>
+            </a:r>
+            <a:endParaRPr kumimoji="1" lang="ja-JP" altLang="en-US" dirty="0"/>
+          </a:p>
+        </p:txBody>
+      </p:sp>
+      <p:sp>
+        <p:nvSpPr>
+          <p:cNvPr id="4" name="スライド番号プレースホルダー 3"/>
+          <p:cNvSpPr>
+            <a:spLocks noGrp="1"/>
+          </p:cNvSpPr>
+          <p:nvPr>
+            <p:ph type="sldNum" sz="quarter" idx="5"/>
+          </p:nvPr>
+        </p:nvSpPr>
+        <p:spPr/>
+        <p:txBody>
+          <a:bodyPr/>
+          <a:lstStyle/>
+          <a:p>
+            <a:fld id="{4161D5E1-FE6F-4674-AAC8-28163DEE8E71}" type="slidenum">
+              <a:rPr kumimoji="1" lang="ja-JP" altLang="en-US" smtClean="0"/>
+              <a:t>11</a:t>
+            </a:fld>
+            <a:endParaRPr kumimoji="1" lang="ja-JP" altLang="en-US"/>
+          </a:p>
+        </p:txBody>
+      </p:sp>
+    </p:spTree>
+    <p:extLst>
+      <p:ext uri="{BB962C8B-B14F-4D97-AF65-F5344CB8AC3E}">
+        <p14:creationId xmlns:p14="http://schemas.microsoft.com/office/powerpoint/2010/main" val="3031657909"/>
       </p:ext>
     </p:extLst>
   </p:cSld>
@@ -893,7 +2971,7 @@
           <a:p>
             <a:fld id="{844F5DE2-B296-4507-AFDA-C68D4D277656}" type="datetimeFigureOut">
               <a:rPr kumimoji="1" lang="ja-JP" altLang="en-US" smtClean="0"/>
-              <a:t>2020/12/10</a:t>
+              <a:t>2020/12/11</a:t>
             </a:fld>
             <a:endParaRPr kumimoji="1" lang="ja-JP" altLang="en-US"/>
           </a:p>
@@ -1053,7 +3131,7 @@
           <a:p>
             <a:fld id="{844F5DE2-B296-4507-AFDA-C68D4D277656}" type="datetimeFigureOut">
               <a:rPr kumimoji="1" lang="ja-JP" altLang="en-US" smtClean="0"/>
-              <a:t>2020/12/10</a:t>
+              <a:t>2020/12/11</a:t>
             </a:fld>
             <a:endParaRPr kumimoji="1" lang="ja-JP" altLang="en-US"/>
           </a:p>
@@ -1275,7 +3353,7 @@
           <a:p>
             <a:fld id="{844F5DE2-B296-4507-AFDA-C68D4D277656}" type="datetimeFigureOut">
               <a:rPr kumimoji="1" lang="ja-JP" altLang="en-US" smtClean="0"/>
-              <a:t>2020/12/10</a:t>
+              <a:t>2020/12/11</a:t>
             </a:fld>
             <a:endParaRPr kumimoji="1" lang="ja-JP" altLang="en-US"/>
           </a:p>
@@ -1903,7 +3981,7 @@
           <a:p>
             <a:fld id="{844F5DE2-B296-4507-AFDA-C68D4D277656}" type="datetimeFigureOut">
               <a:rPr kumimoji="1" lang="ja-JP" altLang="en-US" smtClean="0"/>
-              <a:t>2020/12/10</a:t>
+              <a:t>2020/12/11</a:t>
             </a:fld>
             <a:endParaRPr kumimoji="1" lang="ja-JP" altLang="en-US"/>
           </a:p>
@@ -2194,7 +4272,7 @@
           <a:p>
             <a:fld id="{844F5DE2-B296-4507-AFDA-C68D4D277656}" type="datetimeFigureOut">
               <a:rPr kumimoji="1" lang="ja-JP" altLang="en-US" smtClean="0"/>
-              <a:t>2020/12/10</a:t>
+              <a:t>2020/12/11</a:t>
             </a:fld>
             <a:endParaRPr kumimoji="1" lang="ja-JP" altLang="en-US"/>
           </a:p>
@@ -2548,7 +4626,7 @@
           <a:p>
             <a:fld id="{844F5DE2-B296-4507-AFDA-C68D4D277656}" type="datetimeFigureOut">
               <a:rPr kumimoji="1" lang="ja-JP" altLang="en-US" smtClean="0"/>
-              <a:t>2020/12/10</a:t>
+              <a:t>2020/12/11</a:t>
             </a:fld>
             <a:endParaRPr kumimoji="1" lang="ja-JP" altLang="en-US"/>
           </a:p>
@@ -2869,7 +4947,7 @@
           <a:p>
             <a:fld id="{844F5DE2-B296-4507-AFDA-C68D4D277656}" type="datetimeFigureOut">
               <a:rPr kumimoji="1" lang="ja-JP" altLang="en-US" smtClean="0"/>
-              <a:t>2020/12/10</a:t>
+              <a:t>2020/12/11</a:t>
             </a:fld>
             <a:endParaRPr kumimoji="1" lang="ja-JP" altLang="en-US"/>
           </a:p>
@@ -3184,7 +5262,7 @@
           <a:p>
             <a:fld id="{844F5DE2-B296-4507-AFDA-C68D4D277656}" type="datetimeFigureOut">
               <a:rPr kumimoji="1" lang="ja-JP" altLang="en-US" smtClean="0"/>
-              <a:t>2020/12/10</a:t>
+              <a:t>2020/12/11</a:t>
             </a:fld>
             <a:endParaRPr kumimoji="1" lang="ja-JP" altLang="en-US"/>
           </a:p>
@@ -3394,7 +5472,7 @@
           <a:p>
             <a:fld id="{844F5DE2-B296-4507-AFDA-C68D4D277656}" type="datetimeFigureOut">
               <a:rPr kumimoji="1" lang="ja-JP" altLang="en-US" smtClean="0"/>
-              <a:t>2020/12/10</a:t>
+              <a:t>2020/12/11</a:t>
             </a:fld>
             <a:endParaRPr kumimoji="1" lang="ja-JP" altLang="en-US"/>
           </a:p>
@@ -3502,7 +5580,7 @@
           <a:p>
             <a:fld id="{844F5DE2-B296-4507-AFDA-C68D4D277656}" type="datetimeFigureOut">
               <a:rPr kumimoji="1" lang="ja-JP" altLang="en-US" smtClean="0"/>
-              <a:t>2020/12/10</a:t>
+              <a:t>2020/12/11</a:t>
             </a:fld>
             <a:endParaRPr kumimoji="1" lang="ja-JP" altLang="en-US"/>
           </a:p>
@@ -3643,7 +5721,7 @@
           <a:p>
             <a:fld id="{844F5DE2-B296-4507-AFDA-C68D4D277656}" type="datetimeFigureOut">
               <a:rPr kumimoji="1" lang="ja-JP" altLang="en-US" smtClean="0"/>
-              <a:t>2020/12/10</a:t>
+              <a:t>2020/12/11</a:t>
             </a:fld>
             <a:endParaRPr kumimoji="1" lang="ja-JP" altLang="en-US"/>
           </a:p>
@@ -4198,7 +6276,7 @@
           <a:p>
             <a:fld id="{844F5DE2-B296-4507-AFDA-C68D4D277656}" type="datetimeFigureOut">
               <a:rPr kumimoji="1" lang="ja-JP" altLang="en-US" smtClean="0"/>
-              <a:t>2020/12/10</a:t>
+              <a:t>2020/12/11</a:t>
             </a:fld>
             <a:endParaRPr kumimoji="1" lang="ja-JP" altLang="en-US"/>
           </a:p>
@@ -4496,7 +6574,7 @@
           <a:p>
             <a:fld id="{844F5DE2-B296-4507-AFDA-C68D4D277656}" type="datetimeFigureOut">
               <a:rPr kumimoji="1" lang="ja-JP" altLang="en-US" smtClean="0"/>
-              <a:t>2020/12/10</a:t>
+              <a:t>2020/12/11</a:t>
             </a:fld>
             <a:endParaRPr kumimoji="1" lang="ja-JP" altLang="en-US"/>
           </a:p>
@@ -5150,28 +7228,79 @@
           <a:chExt cx="0" cy="0"/>
         </a:xfrm>
       </p:grpSpPr>
-      <p:sp>
-        <p:nvSpPr>
-          <p:cNvPr id="2" name="タイトル 1"/>
-          <p:cNvSpPr>
-            <a:spLocks noGrp="1"/>
-          </p:cNvSpPr>
-          <p:nvPr>
-            <p:ph type="title"/>
-          </p:nvPr>
-        </p:nvSpPr>
-        <p:spPr/>
-        <p:txBody>
-          <a:bodyPr/>
-          <a:lstStyle/>
-          <a:p>
-            <a:r>
-              <a:rPr lang="ja-JP" altLang="en-US" dirty="0"/>
-              <a:t>問題</a:t>
-            </a:r>
-          </a:p>
-        </p:txBody>
-      </p:sp>
+      <mc:AlternateContent xmlns:mc="http://schemas.openxmlformats.org/markup-compatibility/2006">
+        <mc:Choice xmlns:a14="http://schemas.microsoft.com/office/drawing/2010/main" Requires="a14">
+          <p:sp>
+            <p:nvSpPr>
+              <p:cNvPr id="2" name="タイトル 1"/>
+              <p:cNvSpPr>
+                <a:spLocks noGrp="1"/>
+              </p:cNvSpPr>
+              <p:nvPr>
+                <p:ph type="title"/>
+              </p:nvPr>
+            </p:nvSpPr>
+            <p:spPr/>
+            <p:txBody>
+              <a:bodyPr/>
+              <a:lstStyle/>
+              <a:p>
+                <a14:m>
+                  <m:oMath xmlns:m="http://schemas.openxmlformats.org/officeDocument/2006/math">
+                    <m:r>
+                      <a:rPr lang="en-US" altLang="ja-JP" b="1" i="1" smtClean="0">
+                        <a:latin typeface="Cambria Math" panose="02040503050406030204" pitchFamily="18" charset="0"/>
+                      </a:rPr>
+                      <m:t>𝒌</m:t>
+                    </m:r>
+                  </m:oMath>
+                </a14:m>
+                <a:r>
+                  <a:rPr lang="en-US" altLang="ja-JP" dirty="0"/>
+                  <a:t>-</a:t>
+                </a:r>
+                <a:r>
+                  <a:rPr lang="ja-JP" altLang="en-US" dirty="0"/>
+                  <a:t>極大独立集合</a:t>
+                </a:r>
+              </a:p>
+            </p:txBody>
+          </p:sp>
+        </mc:Choice>
+        <mc:Fallback>
+          <p:sp>
+            <p:nvSpPr>
+              <p:cNvPr id="2" name="タイトル 1"/>
+              <p:cNvSpPr>
+                <a:spLocks noGrp="1" noRot="1" noChangeAspect="1" noMove="1" noResize="1" noEditPoints="1" noAdjustHandles="1" noChangeArrowheads="1" noChangeShapeType="1" noTextEdit="1"/>
+              </p:cNvSpPr>
+              <p:nvPr>
+                <p:ph type="title"/>
+              </p:nvPr>
+            </p:nvSpPr>
+            <p:spPr>
+              <a:blipFill>
+                <a:blip r:embed="rId3"/>
+                <a:stretch>
+                  <a:fillRect l="-347" b="-19000"/>
+                </a:stretch>
+              </a:blipFill>
+            </p:spPr>
+            <p:txBody>
+              <a:bodyPr/>
+              <a:lstStyle/>
+              <a:p>
+                <a:r>
+                  <a:rPr lang="ja-JP" altLang="en-US">
+                    <a:noFill/>
+                  </a:rPr>
+                  <a:t> </a:t>
+                </a:r>
+              </a:p>
+            </p:txBody>
+          </p:sp>
+        </mc:Fallback>
+      </mc:AlternateContent>
       <mc:AlternateContent xmlns:mc="http://schemas.openxmlformats.org/markup-compatibility/2006" xmlns:a14="http://schemas.microsoft.com/office/drawing/2010/main">
         <mc:Choice Requires="a14">
           <p:sp>
@@ -5320,7 +7449,7 @@
             </p:nvSpPr>
             <p:spPr>
               <a:blipFill>
-                <a:blip r:embed="rId2"/>
+                <a:blip r:embed="rId4"/>
                 <a:stretch>
                   <a:fillRect l="-139" t="-696"/>
                 </a:stretch>
@@ -5371,28 +7500,79 @@
           <a:chExt cx="0" cy="0"/>
         </a:xfrm>
       </p:grpSpPr>
-      <p:sp>
-        <p:nvSpPr>
-          <p:cNvPr id="2" name="タイトル 1"/>
-          <p:cNvSpPr>
-            <a:spLocks noGrp="1"/>
-          </p:cNvSpPr>
-          <p:nvPr>
-            <p:ph type="title"/>
-          </p:nvPr>
-        </p:nvSpPr>
-        <p:spPr/>
-        <p:txBody>
-          <a:bodyPr/>
-          <a:lstStyle/>
-          <a:p>
-            <a:r>
-              <a:rPr lang="ja-JP" altLang="en-US" dirty="0"/>
-              <a:t>問題</a:t>
-            </a:r>
-          </a:p>
-        </p:txBody>
-      </p:sp>
+      <mc:AlternateContent xmlns:mc="http://schemas.openxmlformats.org/markup-compatibility/2006">
+        <mc:Choice xmlns:a14="http://schemas.microsoft.com/office/drawing/2010/main" Requires="a14">
+          <p:sp>
+            <p:nvSpPr>
+              <p:cNvPr id="2" name="タイトル 1"/>
+              <p:cNvSpPr>
+                <a:spLocks noGrp="1"/>
+              </p:cNvSpPr>
+              <p:nvPr>
+                <p:ph type="title"/>
+              </p:nvPr>
+            </p:nvSpPr>
+            <p:spPr/>
+            <p:txBody>
+              <a:bodyPr/>
+              <a:lstStyle/>
+              <a:p>
+                <a14:m>
+                  <m:oMath xmlns:m="http://schemas.openxmlformats.org/officeDocument/2006/math">
+                    <m:r>
+                      <a:rPr lang="en-US" altLang="ja-JP" i="1">
+                        <a:latin typeface="Cambria Math" panose="02040503050406030204" pitchFamily="18" charset="0"/>
+                      </a:rPr>
+                      <m:t>𝒌</m:t>
+                    </m:r>
+                  </m:oMath>
+                </a14:m>
+                <a:r>
+                  <a:rPr lang="en-US" altLang="ja-JP" dirty="0"/>
+                  <a:t>-</a:t>
+                </a:r>
+                <a:r>
+                  <a:rPr lang="ja-JP" altLang="en-US" dirty="0"/>
+                  <a:t>極大独立集合</a:t>
+                </a:r>
+              </a:p>
+            </p:txBody>
+          </p:sp>
+        </mc:Choice>
+        <mc:Fallback>
+          <p:sp>
+            <p:nvSpPr>
+              <p:cNvPr id="2" name="タイトル 1"/>
+              <p:cNvSpPr>
+                <a:spLocks noGrp="1" noRot="1" noChangeAspect="1" noMove="1" noResize="1" noEditPoints="1" noAdjustHandles="1" noChangeArrowheads="1" noChangeShapeType="1" noTextEdit="1"/>
+              </p:cNvSpPr>
+              <p:nvPr>
+                <p:ph type="title"/>
+              </p:nvPr>
+            </p:nvSpPr>
+            <p:spPr>
+              <a:blipFill>
+                <a:blip r:embed="rId3"/>
+                <a:stretch>
+                  <a:fillRect l="-347" b="-19000"/>
+                </a:stretch>
+              </a:blipFill>
+            </p:spPr>
+            <p:txBody>
+              <a:bodyPr/>
+              <a:lstStyle/>
+              <a:p>
+                <a:r>
+                  <a:rPr lang="ja-JP" altLang="en-US">
+                    <a:noFill/>
+                  </a:rPr>
+                  <a:t> </a:t>
+                </a:r>
+              </a:p>
+            </p:txBody>
+          </p:sp>
+        </mc:Fallback>
+      </mc:AlternateContent>
       <mc:AlternateContent xmlns:mc="http://schemas.openxmlformats.org/markup-compatibility/2006" xmlns:a14="http://schemas.microsoft.com/office/drawing/2010/main">
         <mc:Choice Requires="a14">
           <p:sp>
@@ -5541,7 +7721,7 @@
             </p:nvSpPr>
             <p:spPr>
               <a:blipFill>
-                <a:blip r:embed="rId2"/>
+                <a:blip r:embed="rId4"/>
                 <a:stretch>
                   <a:fillRect l="-139" t="-696"/>
                 </a:stretch>
@@ -7658,28 +9838,79 @@
           <a:chExt cx="0" cy="0"/>
         </a:xfrm>
       </p:grpSpPr>
-      <p:sp>
-        <p:nvSpPr>
-          <p:cNvPr id="2" name="タイトル 1"/>
-          <p:cNvSpPr>
-            <a:spLocks noGrp="1"/>
-          </p:cNvSpPr>
-          <p:nvPr>
-            <p:ph type="title"/>
-          </p:nvPr>
-        </p:nvSpPr>
-        <p:spPr/>
-        <p:txBody>
-          <a:bodyPr/>
-          <a:lstStyle/>
-          <a:p>
-            <a:r>
-              <a:rPr lang="ja-JP" altLang="en-US" dirty="0"/>
-              <a:t>問題</a:t>
-            </a:r>
-          </a:p>
-        </p:txBody>
-      </p:sp>
+      <mc:AlternateContent xmlns:mc="http://schemas.openxmlformats.org/markup-compatibility/2006">
+        <mc:Choice xmlns:a14="http://schemas.microsoft.com/office/drawing/2010/main" Requires="a14">
+          <p:sp>
+            <p:nvSpPr>
+              <p:cNvPr id="2" name="タイトル 1"/>
+              <p:cNvSpPr>
+                <a:spLocks noGrp="1"/>
+              </p:cNvSpPr>
+              <p:nvPr>
+                <p:ph type="title"/>
+              </p:nvPr>
+            </p:nvSpPr>
+            <p:spPr/>
+            <p:txBody>
+              <a:bodyPr/>
+              <a:lstStyle/>
+              <a:p>
+                <a14:m>
+                  <m:oMath xmlns:m="http://schemas.openxmlformats.org/officeDocument/2006/math">
+                    <m:r>
+                      <a:rPr lang="en-US" altLang="ja-JP" i="1">
+                        <a:latin typeface="Cambria Math" panose="02040503050406030204" pitchFamily="18" charset="0"/>
+                      </a:rPr>
+                      <m:t>𝒌</m:t>
+                    </m:r>
+                  </m:oMath>
+                </a14:m>
+                <a:r>
+                  <a:rPr lang="en-US" altLang="ja-JP" dirty="0"/>
+                  <a:t>-</a:t>
+                </a:r>
+                <a:r>
+                  <a:rPr lang="ja-JP" altLang="en-US" dirty="0"/>
+                  <a:t>極大独立集合</a:t>
+                </a:r>
+              </a:p>
+            </p:txBody>
+          </p:sp>
+        </mc:Choice>
+        <mc:Fallback>
+          <p:sp>
+            <p:nvSpPr>
+              <p:cNvPr id="2" name="タイトル 1"/>
+              <p:cNvSpPr>
+                <a:spLocks noGrp="1" noRot="1" noChangeAspect="1" noMove="1" noResize="1" noEditPoints="1" noAdjustHandles="1" noChangeArrowheads="1" noChangeShapeType="1" noTextEdit="1"/>
+              </p:cNvSpPr>
+              <p:nvPr>
+                <p:ph type="title"/>
+              </p:nvPr>
+            </p:nvSpPr>
+            <p:spPr>
+              <a:blipFill>
+                <a:blip r:embed="rId3"/>
+                <a:stretch>
+                  <a:fillRect l="-347" b="-19000"/>
+                </a:stretch>
+              </a:blipFill>
+            </p:spPr>
+            <p:txBody>
+              <a:bodyPr/>
+              <a:lstStyle/>
+              <a:p>
+                <a:r>
+                  <a:rPr lang="ja-JP" altLang="en-US">
+                    <a:noFill/>
+                  </a:rPr>
+                  <a:t> </a:t>
+                </a:r>
+              </a:p>
+            </p:txBody>
+          </p:sp>
+        </mc:Fallback>
+      </mc:AlternateContent>
       <mc:AlternateContent xmlns:mc="http://schemas.openxmlformats.org/markup-compatibility/2006" xmlns:a14="http://schemas.microsoft.com/office/drawing/2010/main">
         <mc:Choice Requires="a14">
           <p:sp>
@@ -7885,7 +10116,7 @@
             </p:nvSpPr>
             <p:spPr>
               <a:blipFill>
-                <a:blip r:embed="rId2"/>
+                <a:blip r:embed="rId4"/>
                 <a:stretch>
                   <a:fillRect l="-139" t="-696" b="-8585"/>
                 </a:stretch>
@@ -11118,28 +13349,79 @@
           <a:chExt cx="0" cy="0"/>
         </a:xfrm>
       </p:grpSpPr>
-      <p:sp>
-        <p:nvSpPr>
-          <p:cNvPr id="2" name="タイトル 1"/>
-          <p:cNvSpPr>
-            <a:spLocks noGrp="1"/>
-          </p:cNvSpPr>
-          <p:nvPr>
-            <p:ph type="title"/>
-          </p:nvPr>
-        </p:nvSpPr>
-        <p:spPr/>
-        <p:txBody>
-          <a:bodyPr/>
-          <a:lstStyle/>
-          <a:p>
-            <a:r>
-              <a:rPr lang="ja-JP" altLang="en-US" dirty="0"/>
-              <a:t>問題</a:t>
-            </a:r>
-          </a:p>
-        </p:txBody>
-      </p:sp>
+      <mc:AlternateContent xmlns:mc="http://schemas.openxmlformats.org/markup-compatibility/2006">
+        <mc:Choice xmlns:a14="http://schemas.microsoft.com/office/drawing/2010/main" Requires="a14">
+          <p:sp>
+            <p:nvSpPr>
+              <p:cNvPr id="2" name="タイトル 1"/>
+              <p:cNvSpPr>
+                <a:spLocks noGrp="1"/>
+              </p:cNvSpPr>
+              <p:nvPr>
+                <p:ph type="title"/>
+              </p:nvPr>
+            </p:nvSpPr>
+            <p:spPr/>
+            <p:txBody>
+              <a:bodyPr/>
+              <a:lstStyle/>
+              <a:p>
+                <a14:m>
+                  <m:oMath xmlns:m="http://schemas.openxmlformats.org/officeDocument/2006/math">
+                    <m:r>
+                      <a:rPr lang="en-US" altLang="ja-JP" b="1" i="1" smtClean="0">
+                        <a:latin typeface="Cambria Math" panose="02040503050406030204" pitchFamily="18" charset="0"/>
+                      </a:rPr>
+                      <m:t>𝒌</m:t>
+                    </m:r>
+                  </m:oMath>
+                </a14:m>
+                <a:r>
+                  <a:rPr lang="en-US" altLang="ja-JP" dirty="0"/>
+                  <a:t>-MIS</a:t>
+                </a:r>
+                <a:r>
+                  <a:rPr lang="ja-JP" altLang="en-US" dirty="0"/>
+                  <a:t>検証問題</a:t>
+                </a:r>
+              </a:p>
+            </p:txBody>
+          </p:sp>
+        </mc:Choice>
+        <mc:Fallback>
+          <p:sp>
+            <p:nvSpPr>
+              <p:cNvPr id="2" name="タイトル 1"/>
+              <p:cNvSpPr>
+                <a:spLocks noGrp="1" noRot="1" noChangeAspect="1" noMove="1" noResize="1" noEditPoints="1" noAdjustHandles="1" noChangeArrowheads="1" noChangeShapeType="1" noTextEdit="1"/>
+              </p:cNvSpPr>
+              <p:nvPr>
+                <p:ph type="title"/>
+              </p:nvPr>
+            </p:nvSpPr>
+            <p:spPr>
+              <a:blipFill>
+                <a:blip r:embed="rId3"/>
+                <a:stretch>
+                  <a:fillRect l="-347" b="-19000"/>
+                </a:stretch>
+              </a:blipFill>
+            </p:spPr>
+            <p:txBody>
+              <a:bodyPr/>
+              <a:lstStyle/>
+              <a:p>
+                <a:r>
+                  <a:rPr lang="ja-JP" altLang="en-US">
+                    <a:noFill/>
+                  </a:rPr>
+                  <a:t> </a:t>
+                </a:r>
+              </a:p>
+            </p:txBody>
+          </p:sp>
+        </mc:Fallback>
+      </mc:AlternateContent>
       <mc:AlternateContent xmlns:mc="http://schemas.openxmlformats.org/markup-compatibility/2006" xmlns:a14="http://schemas.microsoft.com/office/drawing/2010/main">
         <mc:Choice Requires="a14">
           <p:sp>
@@ -11334,7 +13616,7 @@
             </p:nvSpPr>
             <p:spPr>
               <a:blipFill>
-                <a:blip r:embed="rId2"/>
+                <a:blip r:embed="rId4"/>
                 <a:stretch>
                   <a:fillRect l="-555" t="-696"/>
                 </a:stretch>
@@ -11385,28 +13667,79 @@
           <a:chExt cx="0" cy="0"/>
         </a:xfrm>
       </p:grpSpPr>
-      <p:sp>
-        <p:nvSpPr>
-          <p:cNvPr id="2" name="タイトル 1"/>
-          <p:cNvSpPr>
-            <a:spLocks noGrp="1"/>
-          </p:cNvSpPr>
-          <p:nvPr>
-            <p:ph type="title"/>
-          </p:nvPr>
-        </p:nvSpPr>
-        <p:spPr/>
-        <p:txBody>
-          <a:bodyPr/>
-          <a:lstStyle/>
-          <a:p>
-            <a:r>
-              <a:rPr lang="ja-JP" altLang="en-US" dirty="0"/>
-              <a:t>問題</a:t>
-            </a:r>
-          </a:p>
-        </p:txBody>
-      </p:sp>
+      <mc:AlternateContent xmlns:mc="http://schemas.openxmlformats.org/markup-compatibility/2006">
+        <mc:Choice xmlns:a14="http://schemas.microsoft.com/office/drawing/2010/main" Requires="a14">
+          <p:sp>
+            <p:nvSpPr>
+              <p:cNvPr id="2" name="タイトル 1"/>
+              <p:cNvSpPr>
+                <a:spLocks noGrp="1"/>
+              </p:cNvSpPr>
+              <p:nvPr>
+                <p:ph type="title"/>
+              </p:nvPr>
+            </p:nvSpPr>
+            <p:spPr/>
+            <p:txBody>
+              <a:bodyPr/>
+              <a:lstStyle/>
+              <a:p>
+                <a14:m>
+                  <m:oMath xmlns:m="http://schemas.openxmlformats.org/officeDocument/2006/math">
+                    <m:r>
+                      <a:rPr lang="en-US" altLang="ja-JP" i="1">
+                        <a:latin typeface="Cambria Math" panose="02040503050406030204" pitchFamily="18" charset="0"/>
+                      </a:rPr>
+                      <m:t>𝒌</m:t>
+                    </m:r>
+                  </m:oMath>
+                </a14:m>
+                <a:r>
+                  <a:rPr lang="en-US" altLang="ja-JP" dirty="0"/>
+                  <a:t>-MIS</a:t>
+                </a:r>
+                <a:r>
+                  <a:rPr lang="ja-JP" altLang="en-US" dirty="0"/>
+                  <a:t>検証問題</a:t>
+                </a:r>
+              </a:p>
+            </p:txBody>
+          </p:sp>
+        </mc:Choice>
+        <mc:Fallback>
+          <p:sp>
+            <p:nvSpPr>
+              <p:cNvPr id="2" name="タイトル 1"/>
+              <p:cNvSpPr>
+                <a:spLocks noGrp="1" noRot="1" noChangeAspect="1" noMove="1" noResize="1" noEditPoints="1" noAdjustHandles="1" noChangeArrowheads="1" noChangeShapeType="1" noTextEdit="1"/>
+              </p:cNvSpPr>
+              <p:nvPr>
+                <p:ph type="title"/>
+              </p:nvPr>
+            </p:nvSpPr>
+            <p:spPr>
+              <a:blipFill>
+                <a:blip r:embed="rId3"/>
+                <a:stretch>
+                  <a:fillRect l="-347" b="-19000"/>
+                </a:stretch>
+              </a:blipFill>
+            </p:spPr>
+            <p:txBody>
+              <a:bodyPr/>
+              <a:lstStyle/>
+              <a:p>
+                <a:r>
+                  <a:rPr lang="ja-JP" altLang="en-US">
+                    <a:noFill/>
+                  </a:rPr>
+                  <a:t> </a:t>
+                </a:r>
+              </a:p>
+            </p:txBody>
+          </p:sp>
+        </mc:Fallback>
+      </mc:AlternateContent>
       <mc:AlternateContent xmlns:mc="http://schemas.openxmlformats.org/markup-compatibility/2006" xmlns:a14="http://schemas.microsoft.com/office/drawing/2010/main">
         <mc:Choice Requires="a14">
           <p:sp>
@@ -11620,7 +13953,7 @@
             </p:nvSpPr>
             <p:spPr>
               <a:blipFill>
-                <a:blip r:embed="rId2"/>
+                <a:blip r:embed="rId4"/>
                 <a:stretch>
                   <a:fillRect l="-555" t="-696"/>
                 </a:stretch>
@@ -11741,7 +14074,7 @@
                 <a:avLst/>
               </a:prstGeom>
               <a:blipFill>
-                <a:blip r:embed="rId3"/>
+                <a:blip r:embed="rId5"/>
                 <a:stretch>
                   <a:fillRect/>
                 </a:stretch>
@@ -11820,43 +14153,265 @@
           <a:p>
             <a:r>
               <a:rPr kumimoji="1" lang="ja-JP" altLang="en-US" dirty="0"/>
-              <a:t>結果</a:t>
+              <a:t>結果・今後の課題</a:t>
             </a:r>
           </a:p>
         </p:txBody>
       </p:sp>
-      <p:sp>
-        <p:nvSpPr>
-          <p:cNvPr id="3" name="コンテンツ プレースホルダー 2">
-            <a:extLst>
-              <a:ext uri="{FF2B5EF4-FFF2-40B4-BE49-F238E27FC236}">
-                <a16:creationId xmlns:a16="http://schemas.microsoft.com/office/drawing/2014/main" id="{30162B45-EC63-4FE1-8880-E974016124A8}"/>
-              </a:ext>
-            </a:extLst>
-          </p:cNvPr>
-          <p:cNvSpPr>
-            <a:spLocks noGrp="1"/>
-          </p:cNvSpPr>
-          <p:nvPr>
-            <p:ph sz="quarter" idx="1"/>
-          </p:nvPr>
-        </p:nvSpPr>
-        <p:spPr/>
-        <p:txBody>
-          <a:bodyPr/>
-          <a:lstStyle/>
-          <a:p>
-            <a:r>
-              <a:rPr kumimoji="1" lang="en-US" altLang="ja-JP" dirty="0"/>
-              <a:t>1-MIS</a:t>
-            </a:r>
-            <a:r>
-              <a:rPr kumimoji="1" lang="ja-JP" altLang="en-US"/>
-              <a:t>検証問題に対する</a:t>
-            </a:r>
-          </a:p>
-        </p:txBody>
-      </p:sp>
+      <mc:AlternateContent xmlns:mc="http://schemas.openxmlformats.org/markup-compatibility/2006">
+        <mc:Choice xmlns:a14="http://schemas.microsoft.com/office/drawing/2010/main" Requires="a14">
+          <p:sp>
+            <p:nvSpPr>
+              <p:cNvPr id="3" name="コンテンツ プレースホルダー 2">
+                <a:extLst>
+                  <a:ext uri="{FF2B5EF4-FFF2-40B4-BE49-F238E27FC236}">
+                    <a16:creationId xmlns:a16="http://schemas.microsoft.com/office/drawing/2014/main" id="{30162B45-EC63-4FE1-8880-E974016124A8}"/>
+                  </a:ext>
+                </a:extLst>
+              </p:cNvPr>
+              <p:cNvSpPr>
+                <a:spLocks noGrp="1"/>
+              </p:cNvSpPr>
+              <p:nvPr>
+                <p:ph sz="quarter" idx="1"/>
+              </p:nvPr>
+            </p:nvSpPr>
+            <p:spPr/>
+            <p:txBody>
+              <a:bodyPr/>
+              <a:lstStyle/>
+              <a:p>
+                <a:r>
+                  <a:rPr kumimoji="1" lang="en-US" altLang="ja-JP" dirty="0"/>
+                  <a:t>1-MIS</a:t>
+                </a:r>
+                <a:r>
+                  <a:rPr kumimoji="1" lang="ja-JP" altLang="en-US" dirty="0"/>
+                  <a:t>検証問題に対する</a:t>
+                </a:r>
+                <a14:m>
+                  <m:oMath xmlns:m="http://schemas.openxmlformats.org/officeDocument/2006/math">
+                    <m:r>
+                      <a:rPr kumimoji="1" lang="en-US" altLang="ja-JP" b="0" i="1" smtClean="0">
+                        <a:latin typeface="Cambria Math" panose="02040503050406030204" pitchFamily="18" charset="0"/>
+                      </a:rPr>
+                      <m:t>𝑂</m:t>
+                    </m:r>
+                    <m:r>
+                      <a:rPr kumimoji="1" lang="en-US" altLang="ja-JP" b="0" i="1" smtClean="0">
+                        <a:latin typeface="Cambria Math" panose="02040503050406030204" pitchFamily="18" charset="0"/>
+                      </a:rPr>
+                      <m:t>(1)</m:t>
+                    </m:r>
+                  </m:oMath>
+                </a14:m>
+                <a:r>
+                  <a:rPr kumimoji="1" lang="ja-JP" altLang="en-US" dirty="0"/>
+                  <a:t>ラウンドアルゴリズムを提案</a:t>
+                </a:r>
+                <a:endParaRPr kumimoji="1" lang="en-US" altLang="ja-JP" dirty="0"/>
+              </a:p>
+              <a:p>
+                <a:r>
+                  <a:rPr lang="en-US" altLang="ja-JP" dirty="0"/>
+                  <a:t>2-MIS</a:t>
+                </a:r>
+                <a:r>
+                  <a:rPr lang="ja-JP" altLang="en-US" dirty="0"/>
+                  <a:t>検証問題に対する</a:t>
+                </a:r>
+                <a14:m>
+                  <m:oMath xmlns:m="http://schemas.openxmlformats.org/officeDocument/2006/math">
+                    <m:r>
+                      <m:rPr>
+                        <m:sty m:val="p"/>
+                      </m:rPr>
+                      <a:rPr lang="el-GR" altLang="ja-JP" i="1" smtClean="0">
+                        <a:latin typeface="Cambria Math" panose="02040503050406030204" pitchFamily="18" charset="0"/>
+                        <a:ea typeface="Cambria Math" panose="02040503050406030204" pitchFamily="18" charset="0"/>
+                      </a:rPr>
+                      <m:t>Ω</m:t>
+                    </m:r>
+                    <m:r>
+                      <a:rPr lang="en-US" altLang="ja-JP" i="1">
+                        <a:latin typeface="Cambria Math" panose="02040503050406030204" pitchFamily="18" charset="0"/>
+                      </a:rPr>
+                      <m:t>(</m:t>
+                    </m:r>
+                    <m:rad>
+                      <m:radPr>
+                        <m:degHide m:val="on"/>
+                        <m:ctrlPr>
+                          <a:rPr lang="en-US" altLang="ja-JP" i="1" smtClean="0">
+                            <a:latin typeface="Cambria Math" panose="02040503050406030204" pitchFamily="18" charset="0"/>
+                          </a:rPr>
+                        </m:ctrlPr>
+                      </m:radPr>
+                      <m:deg/>
+                      <m:e>
+                        <m:r>
+                          <a:rPr lang="en-US" altLang="ja-JP" b="0" i="1" smtClean="0">
+                            <a:latin typeface="Cambria Math" panose="02040503050406030204" pitchFamily="18" charset="0"/>
+                          </a:rPr>
+                          <m:t>𝑛</m:t>
+                        </m:r>
+                      </m:e>
+                    </m:rad>
+                    <m:r>
+                      <a:rPr lang="en-US" altLang="ja-JP" i="1">
+                        <a:latin typeface="Cambria Math" panose="02040503050406030204" pitchFamily="18" charset="0"/>
+                      </a:rPr>
+                      <m:t>)</m:t>
+                    </m:r>
+                  </m:oMath>
+                </a14:m>
+                <a:r>
+                  <a:rPr lang="ja-JP" altLang="en-US" dirty="0"/>
+                  <a:t>ラウンドの下限を提案</a:t>
+                </a:r>
+                <a:endParaRPr lang="en-US" altLang="ja-JP" dirty="0"/>
+              </a:p>
+              <a:p>
+                <a:r>
+                  <a:rPr lang="en-US" altLang="ja-JP" dirty="0"/>
+                  <a:t>3-MIS</a:t>
+                </a:r>
+                <a:r>
+                  <a:rPr lang="ja-JP" altLang="en-US" dirty="0"/>
+                  <a:t>検証問題に対する</a:t>
+                </a:r>
+                <a14:m>
+                  <m:oMath xmlns:m="http://schemas.openxmlformats.org/officeDocument/2006/math">
+                    <m:r>
+                      <m:rPr>
+                        <m:sty m:val="p"/>
+                      </m:rPr>
+                      <a:rPr lang="el-GR" altLang="ja-JP" i="1">
+                        <a:latin typeface="Cambria Math" panose="02040503050406030204" pitchFamily="18" charset="0"/>
+                        <a:ea typeface="Cambria Math" panose="02040503050406030204" pitchFamily="18" charset="0"/>
+                      </a:rPr>
+                      <m:t>Ω</m:t>
+                    </m:r>
+                    <m:r>
+                      <a:rPr lang="en-US" altLang="ja-JP" i="1">
+                        <a:latin typeface="Cambria Math" panose="02040503050406030204" pitchFamily="18" charset="0"/>
+                      </a:rPr>
+                      <m:t>(</m:t>
+                    </m:r>
+                    <m:r>
+                      <a:rPr lang="en-US" altLang="ja-JP" b="0" i="1" smtClean="0">
+                        <a:latin typeface="Cambria Math" panose="02040503050406030204" pitchFamily="18" charset="0"/>
+                      </a:rPr>
+                      <m:t>𝑛</m:t>
+                    </m:r>
+                    <m:r>
+                      <a:rPr lang="en-US" altLang="ja-JP" i="1">
+                        <a:latin typeface="Cambria Math" panose="02040503050406030204" pitchFamily="18" charset="0"/>
+                      </a:rPr>
+                      <m:t>)</m:t>
+                    </m:r>
+                  </m:oMath>
+                </a14:m>
+                <a:r>
+                  <a:rPr lang="ja-JP" altLang="en-US" dirty="0"/>
+                  <a:t>ラウンドの下限を提案</a:t>
+                </a:r>
+                <a:endParaRPr lang="en-US" altLang="ja-JP" dirty="0"/>
+              </a:p>
+              <a:p>
+                <a:pPr lvl="1"/>
+                <a:r>
+                  <a:rPr lang="ja-JP" altLang="en-US" dirty="0"/>
+                  <a:t>この下限を一般の</a:t>
+                </a:r>
+                <a14:m>
+                  <m:oMath xmlns:m="http://schemas.openxmlformats.org/officeDocument/2006/math">
+                    <m:r>
+                      <a:rPr lang="en-US" altLang="ja-JP" b="0" i="1" smtClean="0">
+                        <a:latin typeface="Cambria Math" panose="02040503050406030204" pitchFamily="18" charset="0"/>
+                      </a:rPr>
+                      <m:t>𝑘</m:t>
+                    </m:r>
+                  </m:oMath>
+                </a14:m>
+                <a:r>
+                  <a:rPr lang="ja-JP" altLang="en-US" dirty="0"/>
+                  <a:t>に応用できないか</a:t>
+                </a:r>
+                <a:endParaRPr lang="en-US" altLang="ja-JP" dirty="0"/>
+              </a:p>
+              <a:p>
+                <a:endParaRPr kumimoji="1" lang="en-US" altLang="ja-JP" dirty="0"/>
+              </a:p>
+              <a:p>
+                <a:r>
+                  <a:rPr lang="ja-JP" altLang="en-US" dirty="0"/>
+                  <a:t>後半の</a:t>
+                </a:r>
+                <a:r>
+                  <a:rPr lang="en-US" altLang="ja-JP" dirty="0"/>
+                  <a:t>2</a:t>
+                </a:r>
+                <a:r>
+                  <a:rPr lang="ja-JP" altLang="en-US" dirty="0"/>
+                  <a:t>つの下限の証明のアイデアは</a:t>
+                </a:r>
+                <a:br>
+                  <a:rPr lang="en-US" altLang="ja-JP" dirty="0"/>
+                </a:br>
+                <a:r>
+                  <a:rPr lang="en-US" altLang="ja-JP" dirty="0"/>
+                  <a:t>2</a:t>
+                </a:r>
+                <a:r>
+                  <a:rPr lang="ja-JP" altLang="en-US" dirty="0"/>
+                  <a:t>者間通信複雑性からの帰着を用いている</a:t>
+                </a:r>
+                <a:endParaRPr kumimoji="1" lang="ja-JP" altLang="en-US" dirty="0"/>
+              </a:p>
+            </p:txBody>
+          </p:sp>
+        </mc:Choice>
+        <mc:Fallback>
+          <p:sp>
+            <p:nvSpPr>
+              <p:cNvPr id="3" name="コンテンツ プレースホルダー 2">
+                <a:extLst>
+                  <a:ext uri="{FF2B5EF4-FFF2-40B4-BE49-F238E27FC236}">
+                    <a16:creationId xmlns:a16="http://schemas.microsoft.com/office/drawing/2014/main" id="{30162B45-EC63-4FE1-8880-E974016124A8}"/>
+                  </a:ext>
+                </a:extLst>
+              </p:cNvPr>
+              <p:cNvSpPr>
+                <a:spLocks noGrp="1" noRot="1" noChangeAspect="1" noMove="1" noResize="1" noEditPoints="1" noAdjustHandles="1" noChangeArrowheads="1" noChangeShapeType="1" noTextEdit="1"/>
+              </p:cNvSpPr>
+              <p:nvPr>
+                <p:ph sz="quarter" idx="1"/>
+              </p:nvPr>
+            </p:nvSpPr>
+            <p:spPr>
+              <a:blipFill>
+                <a:blip r:embed="rId3"/>
+                <a:stretch>
+                  <a:fillRect l="-139" t="-696"/>
+                </a:stretch>
+              </a:blipFill>
+            </p:spPr>
+            <p:txBody>
+              <a:bodyPr/>
+              <a:lstStyle/>
+              <a:p>
+                <a:r>
+                  <a:rPr lang="ja-JP" altLang="en-US">
+                    <a:noFill/>
+                  </a:rPr>
+                  <a:t> </a:t>
+                </a:r>
+              </a:p>
+            </p:txBody>
+          </p:sp>
+        </mc:Fallback>
+      </mc:AlternateContent>
     </p:spTree>
     <p:extLst>
       <p:ext uri="{BB962C8B-B14F-4D97-AF65-F5344CB8AC3E}">
@@ -12242,7 +14797,7 @@
             </p:nvSpPr>
             <p:spPr>
               <a:blipFill>
-                <a:blip r:embed="rId2"/>
+                <a:blip r:embed="rId3"/>
                 <a:stretch>
                   <a:fillRect l="-139" t="-928"/>
                 </a:stretch>
@@ -12429,7 +14984,7 @@
                 <a:avLst/>
               </a:prstGeom>
               <a:blipFill>
-                <a:blip r:embed="rId3"/>
+                <a:blip r:embed="rId4"/>
                 <a:stretch>
                   <a:fillRect/>
                 </a:stretch>
@@ -12617,7 +15172,7 @@
                 <a:avLst/>
               </a:prstGeom>
               <a:blipFill>
-                <a:blip r:embed="rId4"/>
+                <a:blip r:embed="rId5"/>
                 <a:stretch>
                   <a:fillRect b="-3333"/>
                 </a:stretch>
@@ -13046,7 +15601,7 @@
             </p:nvSpPr>
             <p:spPr>
               <a:blipFill>
-                <a:blip r:embed="rId2"/>
+                <a:blip r:embed="rId3"/>
                 <a:stretch>
                   <a:fillRect l="-139" t="-928"/>
                 </a:stretch>
@@ -13152,8 +15707,8 @@
           </a:p>
         </p:txBody>
       </p:sp>
-      <mc:AlternateContent xmlns:mc="http://schemas.openxmlformats.org/markup-compatibility/2006" xmlns:a14="http://schemas.microsoft.com/office/drawing/2010/main">
-        <mc:Choice Requires="a14">
+      <mc:AlternateContent xmlns:mc="http://schemas.openxmlformats.org/markup-compatibility/2006">
+        <mc:Choice xmlns:a14="http://schemas.microsoft.com/office/drawing/2010/main" Requires="a14">
           <p:sp>
             <p:nvSpPr>
               <p:cNvPr id="6" name="テキスト ボックス 5">
@@ -13199,7 +15754,7 @@
                         <a:rPr kumimoji="1" lang="en-US" altLang="ja-JP" b="0" i="1" smtClean="0">
                           <a:latin typeface="Cambria Math" panose="02040503050406030204" pitchFamily="18" charset="0"/>
                         </a:rPr>
-                        <m:t>=001011001</m:t>
+                        <m:t>=001010101</m:t>
                       </m:r>
                     </m:oMath>
                   </m:oMathPara>
@@ -13209,7 +15764,7 @@
             </p:txBody>
           </p:sp>
         </mc:Choice>
-        <mc:Fallback xmlns="">
+        <mc:Fallback>
           <p:sp>
             <p:nvSpPr>
               <p:cNvPr id="6" name="テキスト ボックス 5">
@@ -13233,7 +15788,7 @@
                 <a:avLst/>
               </a:prstGeom>
               <a:blipFill>
-                <a:blip r:embed="rId3"/>
+                <a:blip r:embed="rId4"/>
                 <a:stretch>
                   <a:fillRect/>
                 </a:stretch>
@@ -13421,7 +15976,7 @@
                 <a:avLst/>
               </a:prstGeom>
               <a:blipFill>
-                <a:blip r:embed="rId4"/>
+                <a:blip r:embed="rId5"/>
                 <a:stretch>
                   <a:fillRect b="-3333"/>
                 </a:stretch>
@@ -13581,8 +16136,8 @@
           </a:p>
         </p:txBody>
       </p:sp>
-      <mc:AlternateContent xmlns:mc="http://schemas.openxmlformats.org/markup-compatibility/2006" xmlns:a14="http://schemas.microsoft.com/office/drawing/2010/main">
-        <mc:Choice Requires="a14">
+      <mc:AlternateContent xmlns:mc="http://schemas.openxmlformats.org/markup-compatibility/2006">
+        <mc:Choice xmlns:a14="http://schemas.microsoft.com/office/drawing/2010/main" Requires="a14">
           <p:sp>
             <p:nvSpPr>
               <p:cNvPr id="14" name="テキスト ボックス 13">
@@ -13630,7 +16185,19 @@
                         <a:rPr kumimoji="1" lang="en-US" altLang="ja-JP" sz="1600" b="0" i="1" smtClean="0">
                           <a:latin typeface="Cambria Math" panose="02040503050406030204" pitchFamily="18" charset="0"/>
                         </a:rPr>
-                        <m:t>{3, 5, 6, 9}</m:t>
+                        <m:t>{3, 5, </m:t>
+                      </m:r>
+                      <m:r>
+                        <a:rPr kumimoji="1" lang="en-US" altLang="ja-JP" sz="1600" b="0" i="1" smtClean="0">
+                          <a:latin typeface="Cambria Math" panose="02040503050406030204" pitchFamily="18" charset="0"/>
+                        </a:rPr>
+                        <m:t>7</m:t>
+                      </m:r>
+                      <m:r>
+                        <a:rPr kumimoji="1" lang="en-US" altLang="ja-JP" sz="1600" b="0" i="1" smtClean="0">
+                          <a:latin typeface="Cambria Math" panose="02040503050406030204" pitchFamily="18" charset="0"/>
+                        </a:rPr>
+                        <m:t>, 9}</m:t>
                       </m:r>
                     </m:oMath>
                   </m:oMathPara>
@@ -13640,7 +16207,7 @@
             </p:txBody>
           </p:sp>
         </mc:Choice>
-        <mc:Fallback xmlns="">
+        <mc:Fallback>
           <p:sp>
             <p:nvSpPr>
               <p:cNvPr id="14" name="テキスト ボックス 13">
@@ -13664,7 +16231,7 @@
                 <a:avLst/>
               </a:prstGeom>
               <a:blipFill>
-                <a:blip r:embed="rId5"/>
+                <a:blip r:embed="rId6"/>
                 <a:stretch>
                   <a:fillRect t="-3125" b="-3125"/>
                 </a:stretch>
@@ -13817,7 +16384,7 @@
                 <a:avLst/>
               </a:prstGeom>
               <a:blipFill>
-                <a:blip r:embed="rId6"/>
+                <a:blip r:embed="rId7"/>
                 <a:stretch>
                   <a:fillRect t="-3125" b="-3125"/>
                 </a:stretch>
@@ -13853,6 +16420,773 @@
 
 <file path=ppt/slides/slide18.xml><?xml version="1.0" encoding="utf-8"?>
 <p:sld xmlns:a="http://schemas.openxmlformats.org/drawingml/2006/main" xmlns:r="http://schemas.openxmlformats.org/officeDocument/2006/relationships" xmlns:p="http://schemas.openxmlformats.org/presentationml/2006/main">
+  <p:cSld>
+    <p:spTree>
+      <p:nvGrpSpPr>
+        <p:cNvPr id="1" name=""/>
+        <p:cNvGrpSpPr/>
+        <p:nvPr/>
+      </p:nvGrpSpPr>
+      <p:grpSpPr>
+        <a:xfrm>
+          <a:off x="0" y="0"/>
+          <a:ext cx="0" cy="0"/>
+          <a:chOff x="0" y="0"/>
+          <a:chExt cx="0" cy="0"/>
+        </a:xfrm>
+      </p:grpSpPr>
+      <p:sp>
+        <p:nvSpPr>
+          <p:cNvPr id="2" name="タイトル 1">
+            <a:extLst>
+              <a:ext uri="{FF2B5EF4-FFF2-40B4-BE49-F238E27FC236}">
+                <a16:creationId xmlns:a16="http://schemas.microsoft.com/office/drawing/2014/main" id="{89B5080C-4114-4489-B9C1-0956A90971FF}"/>
+              </a:ext>
+            </a:extLst>
+          </p:cNvPr>
+          <p:cNvSpPr>
+            <a:spLocks noGrp="1"/>
+          </p:cNvSpPr>
+          <p:nvPr>
+            <p:ph type="title"/>
+          </p:nvPr>
+        </p:nvSpPr>
+        <p:spPr/>
+        <p:txBody>
+          <a:bodyPr/>
+          <a:lstStyle/>
+          <a:p>
+            <a:r>
+              <a:rPr lang="ja-JP" altLang="en-US" dirty="0"/>
+              <a:t>交叉判定問題</a:t>
+            </a:r>
+            <a:endParaRPr kumimoji="1" lang="ja-JP" altLang="en-US" dirty="0"/>
+          </a:p>
+        </p:txBody>
+      </p:sp>
+      <mc:AlternateContent xmlns:mc="http://schemas.openxmlformats.org/markup-compatibility/2006">
+        <mc:Choice xmlns:a14="http://schemas.microsoft.com/office/drawing/2010/main" Requires="a14">
+          <p:sp>
+            <p:nvSpPr>
+              <p:cNvPr id="3" name="コンテンツ プレースホルダー 2">
+                <a:extLst>
+                  <a:ext uri="{FF2B5EF4-FFF2-40B4-BE49-F238E27FC236}">
+                    <a16:creationId xmlns:a16="http://schemas.microsoft.com/office/drawing/2014/main" id="{8740F7D8-D5CB-4078-8165-961AC04E5531}"/>
+                  </a:ext>
+                </a:extLst>
+              </p:cNvPr>
+              <p:cNvSpPr>
+                <a:spLocks noGrp="1"/>
+              </p:cNvSpPr>
+              <p:nvPr>
+                <p:ph sz="quarter" idx="1"/>
+              </p:nvPr>
+            </p:nvSpPr>
+            <p:spPr/>
+            <p:txBody>
+              <a:bodyPr/>
+              <a:lstStyle/>
+              <a:p>
+                <a:r>
+                  <a:rPr kumimoji="1" lang="en-US" altLang="ja-JP" dirty="0"/>
+                  <a:t>Alice </a:t>
+                </a:r>
+                <a:r>
+                  <a:rPr kumimoji="1" lang="ja-JP" altLang="en-US" dirty="0"/>
+                  <a:t>と </a:t>
+                </a:r>
+                <a:r>
+                  <a:rPr kumimoji="1" lang="en-US" altLang="ja-JP" dirty="0"/>
+                  <a:t>Bob</a:t>
+                </a:r>
+                <a:r>
+                  <a:rPr kumimoji="1" lang="ja-JP" altLang="en-US" dirty="0"/>
+                  <a:t>の</a:t>
+                </a:r>
+                <a:r>
+                  <a:rPr kumimoji="1" lang="en-US" altLang="ja-JP" dirty="0"/>
+                  <a:t>2</a:t>
+                </a:r>
+                <a:r>
+                  <a:rPr kumimoji="1" lang="ja-JP" altLang="en-US" dirty="0"/>
+                  <a:t>人のプレイヤーがいてそれぞれが</a:t>
+                </a:r>
+                <a:br>
+                  <a:rPr kumimoji="1" lang="en-US" altLang="ja-JP" dirty="0"/>
+                </a:br>
+                <a14:m>
+                  <m:oMath xmlns:m="http://schemas.openxmlformats.org/officeDocument/2006/math">
+                    <m:r>
+                      <a:rPr kumimoji="1" lang="en-US" altLang="ja-JP" b="0" i="1" smtClean="0">
+                        <a:latin typeface="Cambria Math" panose="02040503050406030204" pitchFamily="18" charset="0"/>
+                      </a:rPr>
+                      <m:t>𝑛</m:t>
+                    </m:r>
+                  </m:oMath>
+                </a14:m>
+                <a:r>
+                  <a:rPr kumimoji="1" lang="ja-JP" altLang="en-US" dirty="0"/>
+                  <a:t>ビットのデータ列</a:t>
+                </a:r>
+                <a14:m>
+                  <m:oMath xmlns:m="http://schemas.openxmlformats.org/officeDocument/2006/math">
+                    <m:r>
+                      <a:rPr kumimoji="1" lang="en-US" altLang="ja-JP" b="0" i="1" smtClean="0">
+                        <a:latin typeface="Cambria Math" panose="02040503050406030204" pitchFamily="18" charset="0"/>
+                      </a:rPr>
+                      <m:t>𝑥</m:t>
+                    </m:r>
+                    <m:r>
+                      <a:rPr kumimoji="1" lang="en-US" altLang="ja-JP" b="0" i="1" smtClean="0">
+                        <a:latin typeface="Cambria Math" panose="02040503050406030204" pitchFamily="18" charset="0"/>
+                      </a:rPr>
+                      <m:t>, </m:t>
+                    </m:r>
+                    <m:r>
+                      <a:rPr kumimoji="1" lang="en-US" altLang="ja-JP" b="0" i="1" smtClean="0">
+                        <a:latin typeface="Cambria Math" panose="02040503050406030204" pitchFamily="18" charset="0"/>
+                      </a:rPr>
+                      <m:t>𝑦</m:t>
+                    </m:r>
+                  </m:oMath>
+                </a14:m>
+                <a:r>
+                  <a:rPr kumimoji="1" lang="ja-JP" altLang="en-US" dirty="0"/>
+                  <a:t>を持っている</a:t>
+                </a:r>
+                <a:endParaRPr kumimoji="1" lang="en-US" altLang="ja-JP" dirty="0"/>
+              </a:p>
+              <a:p>
+                <a:pPr marL="0" indent="0">
+                  <a:buNone/>
+                </a:pPr>
+                <a:endParaRPr kumimoji="1" lang="en-US" altLang="ja-JP" dirty="0"/>
+              </a:p>
+              <a:p>
+                <a:pPr marL="0" indent="0">
+                  <a:buNone/>
+                </a:pPr>
+                <a:endParaRPr kumimoji="1" lang="en-US" altLang="ja-JP" dirty="0"/>
+              </a:p>
+              <a:p>
+                <a:r>
+                  <a:rPr lang="ja-JP" altLang="en-US" dirty="0"/>
+                  <a:t>交叉判定問題を解くために</a:t>
+                </a:r>
+                <a:r>
+                  <a:rPr lang="en-US" altLang="ja-JP" dirty="0"/>
+                  <a:t>,</a:t>
+                </a:r>
+                <a:r>
+                  <a:rPr lang="ja-JP" altLang="en-US" dirty="0"/>
+                  <a:t>アリスとボブは通信によって</a:t>
+                </a:r>
+                <a:br>
+                  <a:rPr lang="en-US" altLang="ja-JP" dirty="0"/>
+                </a:br>
+                <a14:m>
+                  <m:oMath xmlns:m="http://schemas.openxmlformats.org/officeDocument/2006/math">
+                    <m:r>
+                      <m:rPr>
+                        <m:sty m:val="p"/>
+                      </m:rPr>
+                      <a:rPr lang="el-GR" altLang="ja-JP" i="1" smtClean="0">
+                        <a:latin typeface="Cambria Math" panose="02040503050406030204" pitchFamily="18" charset="0"/>
+                        <a:ea typeface="Cambria Math" panose="02040503050406030204" pitchFamily="18" charset="0"/>
+                      </a:rPr>
+                      <m:t>Ω</m:t>
+                    </m:r>
+                    <m:r>
+                      <a:rPr lang="en-US" altLang="ja-JP" b="0" i="1" smtClean="0">
+                        <a:latin typeface="Cambria Math" panose="02040503050406030204" pitchFamily="18" charset="0"/>
+                        <a:ea typeface="Cambria Math" panose="02040503050406030204" pitchFamily="18" charset="0"/>
+                      </a:rPr>
+                      <m:t>(</m:t>
+                    </m:r>
+                    <m:r>
+                      <a:rPr lang="en-US" altLang="ja-JP" b="0" i="1" smtClean="0">
+                        <a:latin typeface="Cambria Math" panose="02040503050406030204" pitchFamily="18" charset="0"/>
+                        <a:ea typeface="Cambria Math" panose="02040503050406030204" pitchFamily="18" charset="0"/>
+                      </a:rPr>
+                      <m:t>𝑛</m:t>
+                    </m:r>
+                    <m:r>
+                      <a:rPr lang="en-US" altLang="ja-JP" b="0" i="1" smtClean="0">
+                        <a:latin typeface="Cambria Math" panose="02040503050406030204" pitchFamily="18" charset="0"/>
+                        <a:ea typeface="Cambria Math" panose="02040503050406030204" pitchFamily="18" charset="0"/>
+                      </a:rPr>
+                      <m:t>)</m:t>
+                    </m:r>
+                  </m:oMath>
+                </a14:m>
+                <a:r>
+                  <a:rPr kumimoji="1" lang="ja-JP" altLang="en-US" dirty="0"/>
+                  <a:t>ビット交換する必要があることが知られている</a:t>
+                </a:r>
+                <a:endParaRPr kumimoji="1" lang="en-US" altLang="ja-JP" dirty="0"/>
+              </a:p>
+              <a:p>
+                <a:r>
+                  <a:rPr lang="ja-JP" altLang="en-US" dirty="0"/>
+                  <a:t>この事実を用いて様々な問題の下限の証明がされている</a:t>
+                </a:r>
+                <a:endParaRPr lang="en-US" altLang="ja-JP" dirty="0"/>
+              </a:p>
+              <a:p>
+                <a:pPr lvl="1"/>
+                <a:r>
+                  <a:rPr kumimoji="1" lang="ja-JP" altLang="en-US" dirty="0"/>
+                  <a:t>最小全域</a:t>
+                </a:r>
+                <a:r>
+                  <a:rPr lang="ja-JP" altLang="en-US" dirty="0"/>
+                  <a:t>木構築</a:t>
+                </a:r>
+                <a:endParaRPr lang="en-US" altLang="ja-JP" dirty="0"/>
+              </a:p>
+              <a:p>
+                <a:pPr lvl="1"/>
+                <a:r>
+                  <a:rPr kumimoji="1" lang="ja-JP" altLang="en-US" dirty="0"/>
+                  <a:t>部分グラフ検出</a:t>
+                </a:r>
+                <a:endParaRPr kumimoji="1" lang="en-US" altLang="ja-JP" dirty="0"/>
+              </a:p>
+              <a:p>
+                <a:pPr lvl="1"/>
+                <a:r>
+                  <a:rPr lang="ja-JP" altLang="en-US" dirty="0"/>
+                  <a:t>近似クリーク検出 </a:t>
+                </a:r>
+                <a:r>
+                  <a:rPr lang="en-US" altLang="ja-JP" dirty="0"/>
+                  <a:t>etc.</a:t>
+                </a:r>
+                <a:endParaRPr kumimoji="1" lang="en-US" altLang="ja-JP" dirty="0"/>
+              </a:p>
+            </p:txBody>
+          </p:sp>
+        </mc:Choice>
+        <mc:Fallback>
+          <p:sp>
+            <p:nvSpPr>
+              <p:cNvPr id="3" name="コンテンツ プレースホルダー 2">
+                <a:extLst>
+                  <a:ext uri="{FF2B5EF4-FFF2-40B4-BE49-F238E27FC236}">
+                    <a16:creationId xmlns:a16="http://schemas.microsoft.com/office/drawing/2014/main" id="{8740F7D8-D5CB-4078-8165-961AC04E5531}"/>
+                  </a:ext>
+                </a:extLst>
+              </p:cNvPr>
+              <p:cNvSpPr>
+                <a:spLocks noGrp="1" noRot="1" noChangeAspect="1" noMove="1" noResize="1" noEditPoints="1" noAdjustHandles="1" noChangeArrowheads="1" noChangeShapeType="1" noTextEdit="1"/>
+              </p:cNvSpPr>
+              <p:nvPr>
+                <p:ph sz="quarter" idx="1"/>
+              </p:nvPr>
+            </p:nvSpPr>
+            <p:spPr>
+              <a:blipFill>
+                <a:blip r:embed="rId3"/>
+                <a:stretch>
+                  <a:fillRect l="-139" t="-928"/>
+                </a:stretch>
+              </a:blipFill>
+            </p:spPr>
+            <p:txBody>
+              <a:bodyPr/>
+              <a:lstStyle/>
+              <a:p>
+                <a:r>
+                  <a:rPr lang="ja-JP" altLang="en-US">
+                    <a:noFill/>
+                  </a:rPr>
+                  <a:t> </a:t>
+                </a:r>
+              </a:p>
+            </p:txBody>
+          </p:sp>
+        </mc:Fallback>
+      </mc:AlternateContent>
+      <p:sp>
+        <p:nvSpPr>
+          <p:cNvPr id="17" name="テキスト ボックス 16">
+            <a:extLst>
+              <a:ext uri="{FF2B5EF4-FFF2-40B4-BE49-F238E27FC236}">
+                <a16:creationId xmlns:a16="http://schemas.microsoft.com/office/drawing/2014/main" id="{A38C6E0C-69CC-4A42-B9C3-94E582A5B349}"/>
+              </a:ext>
+            </a:extLst>
+          </p:cNvPr>
+          <p:cNvSpPr txBox="1"/>
+          <p:nvPr/>
+        </p:nvSpPr>
+        <p:spPr>
+          <a:xfrm>
+            <a:off x="1272988" y="2151528"/>
+            <a:ext cx="896471" cy="461665"/>
+          </a:xfrm>
+          <a:prstGeom prst="rect">
+            <a:avLst/>
+          </a:prstGeom>
+          <a:noFill/>
+        </p:spPr>
+        <p:txBody>
+          <a:bodyPr wrap="square" rtlCol="0">
+            <a:spAutoFit/>
+          </a:bodyPr>
+          <a:lstStyle/>
+          <a:p>
+            <a:r>
+              <a:rPr kumimoji="1" lang="en-US" altLang="ja-JP" sz="2400" dirty="0"/>
+              <a:t>Alice</a:t>
+            </a:r>
+            <a:endParaRPr kumimoji="1" lang="ja-JP" altLang="en-US" sz="2400" dirty="0"/>
+          </a:p>
+        </p:txBody>
+      </p:sp>
+      <p:sp>
+        <p:nvSpPr>
+          <p:cNvPr id="18" name="正方形/長方形 17">
+            <a:extLst>
+              <a:ext uri="{FF2B5EF4-FFF2-40B4-BE49-F238E27FC236}">
+                <a16:creationId xmlns:a16="http://schemas.microsoft.com/office/drawing/2014/main" id="{2CD20226-AC53-45A9-A0F4-878F7F40D24B}"/>
+              </a:ext>
+            </a:extLst>
+          </p:cNvPr>
+          <p:cNvSpPr/>
+          <p:nvPr/>
+        </p:nvSpPr>
+        <p:spPr>
+          <a:xfrm>
+            <a:off x="1272988" y="2151528"/>
+            <a:ext cx="896471" cy="376518"/>
+          </a:xfrm>
+          <a:prstGeom prst="rect">
+            <a:avLst/>
+          </a:prstGeom>
+          <a:ln w="9525">
+            <a:solidFill>
+              <a:schemeClr val="tx1"/>
+            </a:solidFill>
+          </a:ln>
+        </p:spPr>
+        <p:style>
+          <a:lnRef idx="1">
+            <a:schemeClr val="accent1"/>
+          </a:lnRef>
+          <a:fillRef idx="0">
+            <a:schemeClr val="accent1"/>
+          </a:fillRef>
+          <a:effectRef idx="0">
+            <a:schemeClr val="accent1"/>
+          </a:effectRef>
+          <a:fontRef idx="minor">
+            <a:schemeClr val="tx1"/>
+          </a:fontRef>
+        </p:style>
+        <p:txBody>
+          <a:bodyPr rtlCol="0" anchor="ctr"/>
+          <a:lstStyle/>
+          <a:p>
+            <a:pPr algn="ctr"/>
+            <a:endParaRPr kumimoji="1" lang="ja-JP" altLang="en-US"/>
+          </a:p>
+        </p:txBody>
+      </p:sp>
+      <mc:AlternateContent xmlns:mc="http://schemas.openxmlformats.org/markup-compatibility/2006">
+        <mc:Choice xmlns:a14="http://schemas.microsoft.com/office/drawing/2010/main" Requires="a14">
+          <p:sp>
+            <p:nvSpPr>
+              <p:cNvPr id="19" name="テキスト ボックス 18">
+                <a:extLst>
+                  <a:ext uri="{FF2B5EF4-FFF2-40B4-BE49-F238E27FC236}">
+                    <a16:creationId xmlns:a16="http://schemas.microsoft.com/office/drawing/2014/main" id="{CCA8A18F-2626-4CE1-BF9B-C487866E5265}"/>
+                  </a:ext>
+                </a:extLst>
+              </p:cNvPr>
+              <p:cNvSpPr txBox="1"/>
+              <p:nvPr/>
+            </p:nvSpPr>
+            <p:spPr>
+              <a:xfrm>
+                <a:off x="833717" y="2613193"/>
+                <a:ext cx="1775012" cy="369332"/>
+              </a:xfrm>
+              <a:prstGeom prst="rect">
+                <a:avLst/>
+              </a:prstGeom>
+              <a:noFill/>
+            </p:spPr>
+            <p:txBody>
+              <a:bodyPr wrap="square" rtlCol="0">
+                <a:spAutoFit/>
+              </a:bodyPr>
+              <a:lstStyle/>
+              <a:p>
+                <a:pPr/>
+                <a14:m>
+                  <m:oMathPara xmlns:m="http://schemas.openxmlformats.org/officeDocument/2006/math">
+                    <m:oMathParaPr>
+                      <m:jc m:val="centerGroup"/>
+                    </m:oMathParaPr>
+                    <m:oMath xmlns:m="http://schemas.openxmlformats.org/officeDocument/2006/math">
+                      <m:r>
+                        <a:rPr kumimoji="1" lang="en-US" altLang="ja-JP" b="0" i="1" smtClean="0">
+                          <a:latin typeface="Cambria Math" panose="02040503050406030204" pitchFamily="18" charset="0"/>
+                        </a:rPr>
+                        <m:t>𝑥</m:t>
+                      </m:r>
+                      <m:r>
+                        <a:rPr kumimoji="1" lang="en-US" altLang="ja-JP" b="0" i="1" smtClean="0">
+                          <a:latin typeface="Cambria Math" panose="02040503050406030204" pitchFamily="18" charset="0"/>
+                        </a:rPr>
+                        <m:t>=001010101</m:t>
+                      </m:r>
+                    </m:oMath>
+                  </m:oMathPara>
+                </a14:m>
+                <a:endParaRPr kumimoji="1" lang="ja-JP" altLang="en-US" dirty="0"/>
+              </a:p>
+            </p:txBody>
+          </p:sp>
+        </mc:Choice>
+        <mc:Fallback>
+          <p:sp>
+            <p:nvSpPr>
+              <p:cNvPr id="19" name="テキスト ボックス 18">
+                <a:extLst>
+                  <a:ext uri="{FF2B5EF4-FFF2-40B4-BE49-F238E27FC236}">
+                    <a16:creationId xmlns:a16="http://schemas.microsoft.com/office/drawing/2014/main" id="{CCA8A18F-2626-4CE1-BF9B-C487866E5265}"/>
+                  </a:ext>
+                </a:extLst>
+              </p:cNvPr>
+              <p:cNvSpPr txBox="1">
+                <a:spLocks noRot="1" noChangeAspect="1" noMove="1" noResize="1" noEditPoints="1" noAdjustHandles="1" noChangeArrowheads="1" noChangeShapeType="1" noTextEdit="1"/>
+              </p:cNvSpPr>
+              <p:nvPr/>
+            </p:nvSpPr>
+            <p:spPr>
+              <a:xfrm>
+                <a:off x="833717" y="2613193"/>
+                <a:ext cx="1775012" cy="369332"/>
+              </a:xfrm>
+              <a:prstGeom prst="rect">
+                <a:avLst/>
+              </a:prstGeom>
+              <a:blipFill>
+                <a:blip r:embed="rId4"/>
+                <a:stretch>
+                  <a:fillRect/>
+                </a:stretch>
+              </a:blipFill>
+            </p:spPr>
+            <p:txBody>
+              <a:bodyPr/>
+              <a:lstStyle/>
+              <a:p>
+                <a:r>
+                  <a:rPr lang="ja-JP" altLang="en-US">
+                    <a:noFill/>
+                  </a:rPr>
+                  <a:t> </a:t>
+                </a:r>
+              </a:p>
+            </p:txBody>
+          </p:sp>
+        </mc:Fallback>
+      </mc:AlternateContent>
+      <p:sp>
+        <p:nvSpPr>
+          <p:cNvPr id="20" name="テキスト ボックス 19">
+            <a:extLst>
+              <a:ext uri="{FF2B5EF4-FFF2-40B4-BE49-F238E27FC236}">
+                <a16:creationId xmlns:a16="http://schemas.microsoft.com/office/drawing/2014/main" id="{4320811E-71FD-4D86-9F5E-F60646F038BA}"/>
+              </a:ext>
+            </a:extLst>
+          </p:cNvPr>
+          <p:cNvSpPr txBox="1"/>
+          <p:nvPr/>
+        </p:nvSpPr>
+        <p:spPr>
+          <a:xfrm>
+            <a:off x="6284259" y="2151528"/>
+            <a:ext cx="896471" cy="461665"/>
+          </a:xfrm>
+          <a:prstGeom prst="rect">
+            <a:avLst/>
+          </a:prstGeom>
+          <a:noFill/>
+        </p:spPr>
+        <p:txBody>
+          <a:bodyPr wrap="square" rtlCol="0">
+            <a:spAutoFit/>
+          </a:bodyPr>
+          <a:lstStyle/>
+          <a:p>
+            <a:pPr algn="ctr"/>
+            <a:r>
+              <a:rPr lang="en-US" altLang="ja-JP" sz="2400" dirty="0"/>
+              <a:t>Bob</a:t>
+            </a:r>
+            <a:endParaRPr kumimoji="1" lang="ja-JP" altLang="en-US" sz="2400" dirty="0"/>
+          </a:p>
+        </p:txBody>
+      </p:sp>
+      <p:sp>
+        <p:nvSpPr>
+          <p:cNvPr id="21" name="正方形/長方形 20">
+            <a:extLst>
+              <a:ext uri="{FF2B5EF4-FFF2-40B4-BE49-F238E27FC236}">
+                <a16:creationId xmlns:a16="http://schemas.microsoft.com/office/drawing/2014/main" id="{C1ED9A7C-CA55-45FA-8147-08731CE58742}"/>
+              </a:ext>
+            </a:extLst>
+          </p:cNvPr>
+          <p:cNvSpPr/>
+          <p:nvPr/>
+        </p:nvSpPr>
+        <p:spPr>
+          <a:xfrm>
+            <a:off x="6284259" y="2151528"/>
+            <a:ext cx="896471" cy="376518"/>
+          </a:xfrm>
+          <a:prstGeom prst="rect">
+            <a:avLst/>
+          </a:prstGeom>
+          <a:ln w="9525">
+            <a:solidFill>
+              <a:schemeClr val="tx1"/>
+            </a:solidFill>
+          </a:ln>
+        </p:spPr>
+        <p:style>
+          <a:lnRef idx="1">
+            <a:schemeClr val="accent1"/>
+          </a:lnRef>
+          <a:fillRef idx="0">
+            <a:schemeClr val="accent1"/>
+          </a:fillRef>
+          <a:effectRef idx="0">
+            <a:schemeClr val="accent1"/>
+          </a:effectRef>
+          <a:fontRef idx="minor">
+            <a:schemeClr val="tx1"/>
+          </a:fontRef>
+        </p:style>
+        <p:txBody>
+          <a:bodyPr rtlCol="0" anchor="ctr"/>
+          <a:lstStyle/>
+          <a:p>
+            <a:pPr algn="ctr"/>
+            <a:endParaRPr kumimoji="1" lang="ja-JP" altLang="en-US"/>
+          </a:p>
+        </p:txBody>
+      </p:sp>
+      <mc:AlternateContent xmlns:mc="http://schemas.openxmlformats.org/markup-compatibility/2006">
+        <mc:Choice xmlns:a14="http://schemas.microsoft.com/office/drawing/2010/main" Requires="a14">
+          <p:sp>
+            <p:nvSpPr>
+              <p:cNvPr id="22" name="テキスト ボックス 21">
+                <a:extLst>
+                  <a:ext uri="{FF2B5EF4-FFF2-40B4-BE49-F238E27FC236}">
+                    <a16:creationId xmlns:a16="http://schemas.microsoft.com/office/drawing/2014/main" id="{32F588D6-D2E7-41C8-AD62-A216F0427B5C}"/>
+                  </a:ext>
+                </a:extLst>
+              </p:cNvPr>
+              <p:cNvSpPr txBox="1"/>
+              <p:nvPr/>
+            </p:nvSpPr>
+            <p:spPr>
+              <a:xfrm>
+                <a:off x="5844988" y="2613193"/>
+                <a:ext cx="1775012" cy="369332"/>
+              </a:xfrm>
+              <a:prstGeom prst="rect">
+                <a:avLst/>
+              </a:prstGeom>
+              <a:noFill/>
+            </p:spPr>
+            <p:txBody>
+              <a:bodyPr wrap="square" rtlCol="0">
+                <a:spAutoFit/>
+              </a:bodyPr>
+              <a:lstStyle/>
+              <a:p>
+                <a:pPr/>
+                <a14:m>
+                  <m:oMathPara xmlns:m="http://schemas.openxmlformats.org/officeDocument/2006/math">
+                    <m:oMathParaPr>
+                      <m:jc m:val="centerGroup"/>
+                    </m:oMathParaPr>
+                    <m:oMath xmlns:m="http://schemas.openxmlformats.org/officeDocument/2006/math">
+                      <m:r>
+                        <a:rPr kumimoji="1" lang="en-US" altLang="ja-JP" b="0" i="1" smtClean="0">
+                          <a:latin typeface="Cambria Math" panose="02040503050406030204" pitchFamily="18" charset="0"/>
+                        </a:rPr>
+                        <m:t>𝑦</m:t>
+                      </m:r>
+                      <m:r>
+                        <a:rPr kumimoji="1" lang="en-US" altLang="ja-JP" b="0" i="1" smtClean="0">
+                          <a:latin typeface="Cambria Math" panose="02040503050406030204" pitchFamily="18" charset="0"/>
+                        </a:rPr>
+                        <m:t>=001101010</m:t>
+                      </m:r>
+                    </m:oMath>
+                  </m:oMathPara>
+                </a14:m>
+                <a:endParaRPr kumimoji="1" lang="ja-JP" altLang="en-US" dirty="0"/>
+              </a:p>
+            </p:txBody>
+          </p:sp>
+        </mc:Choice>
+        <mc:Fallback>
+          <p:sp>
+            <p:nvSpPr>
+              <p:cNvPr id="22" name="テキスト ボックス 21">
+                <a:extLst>
+                  <a:ext uri="{FF2B5EF4-FFF2-40B4-BE49-F238E27FC236}">
+                    <a16:creationId xmlns:a16="http://schemas.microsoft.com/office/drawing/2014/main" id="{32F588D6-D2E7-41C8-AD62-A216F0427B5C}"/>
+                  </a:ext>
+                </a:extLst>
+              </p:cNvPr>
+              <p:cNvSpPr txBox="1">
+                <a:spLocks noRot="1" noChangeAspect="1" noMove="1" noResize="1" noEditPoints="1" noAdjustHandles="1" noChangeArrowheads="1" noChangeShapeType="1" noTextEdit="1"/>
+              </p:cNvSpPr>
+              <p:nvPr/>
+            </p:nvSpPr>
+            <p:spPr>
+              <a:xfrm>
+                <a:off x="5844988" y="2613193"/>
+                <a:ext cx="1775012" cy="369332"/>
+              </a:xfrm>
+              <a:prstGeom prst="rect">
+                <a:avLst/>
+              </a:prstGeom>
+              <a:blipFill>
+                <a:blip r:embed="rId5"/>
+                <a:stretch>
+                  <a:fillRect b="-3333"/>
+                </a:stretch>
+              </a:blipFill>
+            </p:spPr>
+            <p:txBody>
+              <a:bodyPr/>
+              <a:lstStyle/>
+              <a:p>
+                <a:r>
+                  <a:rPr lang="ja-JP" altLang="en-US">
+                    <a:noFill/>
+                  </a:rPr>
+                  <a:t> </a:t>
+                </a:r>
+              </a:p>
+            </p:txBody>
+          </p:sp>
+        </mc:Fallback>
+      </mc:AlternateContent>
+      <p:sp>
+        <p:nvSpPr>
+          <p:cNvPr id="23" name="矢印: 左右 22">
+            <a:extLst>
+              <a:ext uri="{FF2B5EF4-FFF2-40B4-BE49-F238E27FC236}">
+                <a16:creationId xmlns:a16="http://schemas.microsoft.com/office/drawing/2014/main" id="{54F3D6A7-2640-4CCC-A43D-14CEF42C821C}"/>
+              </a:ext>
+            </a:extLst>
+          </p:cNvPr>
+          <p:cNvSpPr/>
+          <p:nvPr/>
+        </p:nvSpPr>
+        <p:spPr>
+          <a:xfrm>
+            <a:off x="3411070" y="2156900"/>
+            <a:ext cx="1649506" cy="667853"/>
+          </a:xfrm>
+          <a:prstGeom prst="leftRightArrow">
+            <a:avLst/>
+          </a:prstGeom>
+          <a:solidFill>
+            <a:schemeClr val="accent2">
+              <a:lumMod val="60000"/>
+              <a:lumOff val="40000"/>
+            </a:schemeClr>
+          </a:solidFill>
+          <a:ln w="28575">
+            <a:solidFill>
+              <a:schemeClr val="tx1"/>
+            </a:solidFill>
+          </a:ln>
+        </p:spPr>
+        <p:style>
+          <a:lnRef idx="1">
+            <a:schemeClr val="accent1"/>
+          </a:lnRef>
+          <a:fillRef idx="0">
+            <a:schemeClr val="accent1"/>
+          </a:fillRef>
+          <a:effectRef idx="0">
+            <a:schemeClr val="accent1"/>
+          </a:effectRef>
+          <a:fontRef idx="minor">
+            <a:schemeClr val="tx1"/>
+          </a:fontRef>
+        </p:style>
+        <p:txBody>
+          <a:bodyPr rtlCol="0" anchor="ctr"/>
+          <a:lstStyle/>
+          <a:p>
+            <a:pPr algn="ctr"/>
+            <a:endParaRPr kumimoji="1" lang="ja-JP" altLang="en-US"/>
+          </a:p>
+        </p:txBody>
+      </p:sp>
+      <p:sp>
+        <p:nvSpPr>
+          <p:cNvPr id="24" name="テキスト ボックス 23">
+            <a:extLst>
+              <a:ext uri="{FF2B5EF4-FFF2-40B4-BE49-F238E27FC236}">
+                <a16:creationId xmlns:a16="http://schemas.microsoft.com/office/drawing/2014/main" id="{40DD6F27-8D4C-4149-881F-FFC56691AF5C}"/>
+              </a:ext>
+            </a:extLst>
+          </p:cNvPr>
+          <p:cNvSpPr txBox="1"/>
+          <p:nvPr/>
+        </p:nvSpPr>
+        <p:spPr>
+          <a:xfrm>
+            <a:off x="3958851" y="2339787"/>
+            <a:ext cx="707278" cy="369332"/>
+          </a:xfrm>
+          <a:prstGeom prst="rect">
+            <a:avLst/>
+          </a:prstGeom>
+          <a:noFill/>
+        </p:spPr>
+        <p:txBody>
+          <a:bodyPr wrap="square" rtlCol="0">
+            <a:spAutoFit/>
+          </a:bodyPr>
+          <a:lstStyle/>
+          <a:p>
+            <a:r>
+              <a:rPr kumimoji="1" lang="ja-JP" altLang="en-US" dirty="0"/>
+              <a:t>通信</a:t>
+            </a:r>
+          </a:p>
+        </p:txBody>
+      </p:sp>
+    </p:spTree>
+    <p:extLst>
+      <p:ext uri="{BB962C8B-B14F-4D97-AF65-F5344CB8AC3E}">
+        <p14:creationId xmlns:p14="http://schemas.microsoft.com/office/powerpoint/2010/main" val="2577350717"/>
+      </p:ext>
+    </p:extLst>
+  </p:cSld>
+  <p:clrMapOvr>
+    <a:masterClrMapping/>
+  </p:clrMapOvr>
+</p:sld>
+</file>
+
+<file path=ppt/slides/slide19.xml><?xml version="1.0" encoding="utf-8"?>
+<p:sld xmlns:a="http://schemas.openxmlformats.org/drawingml/2006/main" xmlns:r="http://schemas.openxmlformats.org/officeDocument/2006/relationships" xmlns:p="http://schemas.openxmlformats.org/presentationml/2006/main" show="0">
   <p:cSld>
     <p:spTree>
       <p:nvGrpSpPr>
@@ -14858,7 +18192,7 @@
 </p:sld>
 </file>
 
-<file path=ppt/slides/slide19.xml><?xml version="1.0" encoding="utf-8"?>
+<file path=ppt/slides/slide2.xml><?xml version="1.0" encoding="utf-8"?>
 <p:sld xmlns:a="http://schemas.openxmlformats.org/drawingml/2006/main" xmlns:r="http://schemas.openxmlformats.org/officeDocument/2006/relationships" xmlns:p="http://schemas.openxmlformats.org/presentationml/2006/main">
   <p:cSld>
     <p:spTree>
@@ -14891,6 +18225,911 @@
           <a:lstStyle/>
           <a:p>
             <a:r>
+              <a:rPr lang="ja-JP" altLang="en-US" dirty="0"/>
+              <a:t>分散アルゴリズム</a:t>
+            </a:r>
+          </a:p>
+        </p:txBody>
+      </p:sp>
+      <p:sp>
+        <p:nvSpPr>
+          <p:cNvPr id="6" name="コンテンツ プレースホルダー 5"/>
+          <p:cNvSpPr>
+            <a:spLocks noGrp="1"/>
+          </p:cNvSpPr>
+          <p:nvPr>
+            <p:ph sz="quarter" idx="1"/>
+          </p:nvPr>
+        </p:nvSpPr>
+        <p:spPr/>
+        <p:txBody>
+          <a:bodyPr/>
+          <a:lstStyle/>
+          <a:p>
+            <a:r>
+              <a:rPr lang="ja-JP" altLang="en-US" dirty="0"/>
+              <a:t>ネットワーク</a:t>
+            </a:r>
+            <a:r>
+              <a:rPr lang="en-US" altLang="ja-JP" dirty="0"/>
+              <a:t>=</a:t>
+            </a:r>
+            <a:r>
+              <a:rPr lang="ja-JP" altLang="en-US" dirty="0"/>
+              <a:t>グラフ</a:t>
+            </a:r>
+            <a:endParaRPr lang="en-US" altLang="ja-JP" dirty="0"/>
+          </a:p>
+          <a:p>
+            <a:pPr lvl="1"/>
+            <a:r>
+              <a:rPr lang="ja-JP" altLang="en-US" dirty="0"/>
+              <a:t>頂点</a:t>
+            </a:r>
+            <a:r>
+              <a:rPr lang="en-US" altLang="ja-JP" dirty="0"/>
+              <a:t>=</a:t>
+            </a:r>
+            <a:r>
+              <a:rPr lang="ja-JP" altLang="en-US" dirty="0"/>
+              <a:t>計算機</a:t>
+            </a:r>
+            <a:endParaRPr lang="en-US" altLang="ja-JP" dirty="0"/>
+          </a:p>
+          <a:p>
+            <a:pPr lvl="1"/>
+            <a:r>
+              <a:rPr lang="ja-JP" altLang="en-US" dirty="0"/>
+              <a:t>辺</a:t>
+            </a:r>
+            <a:r>
+              <a:rPr lang="en-US" altLang="ja-JP" dirty="0"/>
+              <a:t>=</a:t>
+            </a:r>
+            <a:r>
+              <a:rPr lang="ja-JP" altLang="en-US" dirty="0"/>
+              <a:t>通信リンク</a:t>
+            </a:r>
+          </a:p>
+        </p:txBody>
+      </p:sp>
+      <p:pic>
+        <p:nvPicPr>
+          <p:cNvPr id="7" name="Picture 5" descr="C:\Documents and Settings\Taisuke Izumi\Local Settings\Temporary Internet Files\Content.IE5\0DCFGVSR\MCj03980390000[1].wmf"/>
+          <p:cNvPicPr>
+            <a:picLocks noChangeAspect="1" noChangeArrowheads="1"/>
+          </p:cNvPicPr>
+          <p:nvPr/>
+        </p:nvPicPr>
+        <p:blipFill>
+          <a:blip r:embed="rId3" cstate="print"/>
+          <a:srcRect/>
+          <a:stretch>
+            <a:fillRect/>
+          </a:stretch>
+        </p:blipFill>
+        <p:spPr bwMode="auto">
+          <a:xfrm>
+            <a:off x="2843760" y="5743616"/>
+            <a:ext cx="622708" cy="642942"/>
+          </a:xfrm>
+          <a:prstGeom prst="rect">
+            <a:avLst/>
+          </a:prstGeom>
+          <a:noFill/>
+        </p:spPr>
+      </p:pic>
+      <p:pic>
+        <p:nvPicPr>
+          <p:cNvPr id="8" name="Picture 5" descr="C:\Documents and Settings\Taisuke Izumi\Local Settings\Temporary Internet Files\Content.IE5\0DCFGVSR\MCj03980390000[1].wmf"/>
+          <p:cNvPicPr>
+            <a:picLocks noChangeAspect="1" noChangeArrowheads="1"/>
+          </p:cNvPicPr>
+          <p:nvPr/>
+        </p:nvPicPr>
+        <p:blipFill>
+          <a:blip r:embed="rId3" cstate="print"/>
+          <a:srcRect/>
+          <a:stretch>
+            <a:fillRect/>
+          </a:stretch>
+        </p:blipFill>
+        <p:spPr bwMode="auto">
+          <a:xfrm>
+            <a:off x="3347830" y="4519446"/>
+            <a:ext cx="622708" cy="642942"/>
+          </a:xfrm>
+          <a:prstGeom prst="rect">
+            <a:avLst/>
+          </a:prstGeom>
+          <a:noFill/>
+        </p:spPr>
+      </p:pic>
+      <p:pic>
+        <p:nvPicPr>
+          <p:cNvPr id="9" name="Picture 5" descr="C:\Documents and Settings\Taisuke Izumi\Local Settings\Temporary Internet Files\Content.IE5\0DCFGVSR\MCj03980390000[1].wmf"/>
+          <p:cNvPicPr>
+            <a:picLocks noChangeAspect="1" noChangeArrowheads="1"/>
+          </p:cNvPicPr>
+          <p:nvPr/>
+        </p:nvPicPr>
+        <p:blipFill>
+          <a:blip r:embed="rId3" cstate="print"/>
+          <a:srcRect/>
+          <a:stretch>
+            <a:fillRect/>
+          </a:stretch>
+        </p:blipFill>
+        <p:spPr bwMode="auto">
+          <a:xfrm>
+            <a:off x="5508130" y="5594448"/>
+            <a:ext cx="622708" cy="642942"/>
+          </a:xfrm>
+          <a:prstGeom prst="rect">
+            <a:avLst/>
+          </a:prstGeom>
+          <a:noFill/>
+        </p:spPr>
+      </p:pic>
+      <p:cxnSp>
+        <p:nvCxnSpPr>
+          <p:cNvPr id="10" name="直線コネクタ 9"/>
+          <p:cNvCxnSpPr>
+            <a:stCxn id="17" idx="3"/>
+            <a:endCxn id="8" idx="1"/>
+          </p:cNvCxnSpPr>
+          <p:nvPr/>
+        </p:nvCxnSpPr>
+        <p:spPr>
+          <a:xfrm flipV="1">
+            <a:off x="2314308" y="4840917"/>
+            <a:ext cx="1033522" cy="216030"/>
+          </a:xfrm>
+          <a:prstGeom prst="line">
+            <a:avLst/>
+          </a:prstGeom>
+          <a:ln w="76200">
+            <a:solidFill>
+              <a:srgbClr val="0070C0"/>
+            </a:solidFill>
+          </a:ln>
+        </p:spPr>
+        <p:style>
+          <a:lnRef idx="1">
+            <a:schemeClr val="accent1"/>
+          </a:lnRef>
+          <a:fillRef idx="0">
+            <a:schemeClr val="accent1"/>
+          </a:fillRef>
+          <a:effectRef idx="0">
+            <a:schemeClr val="accent1"/>
+          </a:effectRef>
+          <a:fontRef idx="minor">
+            <a:schemeClr val="tx1"/>
+          </a:fontRef>
+        </p:style>
+      </p:cxnSp>
+      <p:pic>
+        <p:nvPicPr>
+          <p:cNvPr id="11" name="Picture 5" descr="C:\Documents and Settings\Taisuke Izumi\Local Settings\Temporary Internet Files\Content.IE5\0DCFGVSR\MCj03980390000[1].wmf"/>
+          <p:cNvPicPr>
+            <a:picLocks noChangeAspect="1" noChangeArrowheads="1"/>
+          </p:cNvPicPr>
+          <p:nvPr/>
+        </p:nvPicPr>
+        <p:blipFill>
+          <a:blip r:embed="rId3" cstate="print"/>
+          <a:srcRect/>
+          <a:stretch>
+            <a:fillRect/>
+          </a:stretch>
+        </p:blipFill>
+        <p:spPr bwMode="auto">
+          <a:xfrm>
+            <a:off x="755470" y="5810478"/>
+            <a:ext cx="622708" cy="642942"/>
+          </a:xfrm>
+          <a:prstGeom prst="rect">
+            <a:avLst/>
+          </a:prstGeom>
+          <a:noFill/>
+        </p:spPr>
+      </p:pic>
+      <p:pic>
+        <p:nvPicPr>
+          <p:cNvPr id="14" name="Picture 5" descr="C:\Documents and Settings\Taisuke Izumi\Local Settings\Temporary Internet Files\Content.IE5\0DCFGVSR\MCj03980390000[1].wmf"/>
+          <p:cNvPicPr>
+            <a:picLocks noChangeAspect="1" noChangeArrowheads="1"/>
+          </p:cNvPicPr>
+          <p:nvPr/>
+        </p:nvPicPr>
+        <p:blipFill>
+          <a:blip r:embed="rId3" cstate="print"/>
+          <a:srcRect/>
+          <a:stretch>
+            <a:fillRect/>
+          </a:stretch>
+        </p:blipFill>
+        <p:spPr bwMode="auto">
+          <a:xfrm>
+            <a:off x="2411700" y="3439296"/>
+            <a:ext cx="622708" cy="642942"/>
+          </a:xfrm>
+          <a:prstGeom prst="rect">
+            <a:avLst/>
+          </a:prstGeom>
+          <a:noFill/>
+        </p:spPr>
+      </p:pic>
+      <p:pic>
+        <p:nvPicPr>
+          <p:cNvPr id="17" name="Picture 5" descr="C:\Documents and Settings\Taisuke Izumi\Local Settings\Temporary Internet Files\Content.IE5\0DCFGVSR\MCj03980390000[1].wmf"/>
+          <p:cNvPicPr>
+            <a:picLocks noChangeAspect="1" noChangeArrowheads="1"/>
+          </p:cNvPicPr>
+          <p:nvPr/>
+        </p:nvPicPr>
+        <p:blipFill>
+          <a:blip r:embed="rId3" cstate="print"/>
+          <a:srcRect/>
+          <a:stretch>
+            <a:fillRect/>
+          </a:stretch>
+        </p:blipFill>
+        <p:spPr bwMode="auto">
+          <a:xfrm>
+            <a:off x="1691600" y="4735476"/>
+            <a:ext cx="622708" cy="642942"/>
+          </a:xfrm>
+          <a:prstGeom prst="rect">
+            <a:avLst/>
+          </a:prstGeom>
+          <a:noFill/>
+        </p:spPr>
+      </p:pic>
+      <p:pic>
+        <p:nvPicPr>
+          <p:cNvPr id="18" name="Picture 5" descr="C:\Documents and Settings\Taisuke Izumi\Local Settings\Temporary Internet Files\Content.IE5\0DCFGVSR\MCj03980390000[1].wmf"/>
+          <p:cNvPicPr>
+            <a:picLocks noChangeAspect="1" noChangeArrowheads="1"/>
+          </p:cNvPicPr>
+          <p:nvPr/>
+        </p:nvPicPr>
+        <p:blipFill>
+          <a:blip r:embed="rId3" cstate="print"/>
+          <a:srcRect/>
+          <a:stretch>
+            <a:fillRect/>
+          </a:stretch>
+        </p:blipFill>
+        <p:spPr bwMode="auto">
+          <a:xfrm>
+            <a:off x="4499990" y="5018368"/>
+            <a:ext cx="622708" cy="642942"/>
+          </a:xfrm>
+          <a:prstGeom prst="rect">
+            <a:avLst/>
+          </a:prstGeom>
+          <a:noFill/>
+        </p:spPr>
+      </p:pic>
+      <p:pic>
+        <p:nvPicPr>
+          <p:cNvPr id="19" name="Picture 5" descr="C:\Documents and Settings\Taisuke Izumi\Local Settings\Temporary Internet Files\Content.IE5\0DCFGVSR\MCj03980390000[1].wmf"/>
+          <p:cNvPicPr>
+            <a:picLocks noChangeAspect="1" noChangeArrowheads="1"/>
+          </p:cNvPicPr>
+          <p:nvPr/>
+        </p:nvPicPr>
+        <p:blipFill>
+          <a:blip r:embed="rId3" cstate="print"/>
+          <a:srcRect/>
+          <a:stretch>
+            <a:fillRect/>
+          </a:stretch>
+        </p:blipFill>
+        <p:spPr bwMode="auto">
+          <a:xfrm>
+            <a:off x="7308380" y="5594448"/>
+            <a:ext cx="622708" cy="642942"/>
+          </a:xfrm>
+          <a:prstGeom prst="rect">
+            <a:avLst/>
+          </a:prstGeom>
+          <a:noFill/>
+        </p:spPr>
+      </p:pic>
+      <p:pic>
+        <p:nvPicPr>
+          <p:cNvPr id="20" name="Picture 5" descr="C:\Documents and Settings\Taisuke Izumi\Local Settings\Temporary Internet Files\Content.IE5\0DCFGVSR\MCj03980390000[1].wmf"/>
+          <p:cNvPicPr>
+            <a:picLocks noChangeAspect="1" noChangeArrowheads="1"/>
+          </p:cNvPicPr>
+          <p:nvPr/>
+        </p:nvPicPr>
+        <p:blipFill>
+          <a:blip r:embed="rId3" cstate="print"/>
+          <a:srcRect/>
+          <a:stretch>
+            <a:fillRect/>
+          </a:stretch>
+        </p:blipFill>
+        <p:spPr bwMode="auto">
+          <a:xfrm>
+            <a:off x="6948330" y="3511306"/>
+            <a:ext cx="622708" cy="642942"/>
+          </a:xfrm>
+          <a:prstGeom prst="rect">
+            <a:avLst/>
+          </a:prstGeom>
+          <a:noFill/>
+        </p:spPr>
+      </p:pic>
+      <p:pic>
+        <p:nvPicPr>
+          <p:cNvPr id="22" name="Picture 5" descr="C:\Documents and Settings\Taisuke Izumi\Local Settings\Temporary Internet Files\Content.IE5\0DCFGVSR\MCj03980390000[1].wmf"/>
+          <p:cNvPicPr>
+            <a:picLocks noChangeAspect="1" noChangeArrowheads="1"/>
+          </p:cNvPicPr>
+          <p:nvPr/>
+        </p:nvPicPr>
+        <p:blipFill>
+          <a:blip r:embed="rId3" cstate="print"/>
+          <a:srcRect/>
+          <a:stretch>
+            <a:fillRect/>
+          </a:stretch>
+        </p:blipFill>
+        <p:spPr bwMode="auto">
+          <a:xfrm>
+            <a:off x="4499990" y="3295276"/>
+            <a:ext cx="622708" cy="642942"/>
+          </a:xfrm>
+          <a:prstGeom prst="rect">
+            <a:avLst/>
+          </a:prstGeom>
+          <a:noFill/>
+        </p:spPr>
+      </p:pic>
+      <p:cxnSp>
+        <p:nvCxnSpPr>
+          <p:cNvPr id="26" name="直線コネクタ 25"/>
+          <p:cNvCxnSpPr/>
+          <p:nvPr/>
+        </p:nvCxnSpPr>
+        <p:spPr>
+          <a:xfrm>
+            <a:off x="2195670" y="5455576"/>
+            <a:ext cx="645088" cy="349752"/>
+          </a:xfrm>
+          <a:prstGeom prst="line">
+            <a:avLst/>
+          </a:prstGeom>
+          <a:ln w="76200">
+            <a:solidFill>
+              <a:srgbClr val="0070C0"/>
+            </a:solidFill>
+          </a:ln>
+        </p:spPr>
+        <p:style>
+          <a:lnRef idx="1">
+            <a:schemeClr val="accent1"/>
+          </a:lnRef>
+          <a:fillRef idx="0">
+            <a:schemeClr val="accent1"/>
+          </a:fillRef>
+          <a:effectRef idx="0">
+            <a:schemeClr val="accent1"/>
+          </a:effectRef>
+          <a:fontRef idx="minor">
+            <a:schemeClr val="tx1"/>
+          </a:fontRef>
+        </p:style>
+      </p:cxnSp>
+      <p:cxnSp>
+        <p:nvCxnSpPr>
+          <p:cNvPr id="27" name="直線コネクタ 26"/>
+          <p:cNvCxnSpPr/>
+          <p:nvPr/>
+        </p:nvCxnSpPr>
+        <p:spPr>
+          <a:xfrm flipH="1">
+            <a:off x="1331550" y="5306408"/>
+            <a:ext cx="288040" cy="432060"/>
+          </a:xfrm>
+          <a:prstGeom prst="line">
+            <a:avLst/>
+          </a:prstGeom>
+          <a:ln w="76200">
+            <a:solidFill>
+              <a:srgbClr val="0070C0"/>
+            </a:solidFill>
+          </a:ln>
+        </p:spPr>
+        <p:style>
+          <a:lnRef idx="1">
+            <a:schemeClr val="accent1"/>
+          </a:lnRef>
+          <a:fillRef idx="0">
+            <a:schemeClr val="accent1"/>
+          </a:fillRef>
+          <a:effectRef idx="0">
+            <a:schemeClr val="accent1"/>
+          </a:effectRef>
+          <a:fontRef idx="minor">
+            <a:schemeClr val="tx1"/>
+          </a:fontRef>
+        </p:style>
+      </p:cxnSp>
+      <p:cxnSp>
+        <p:nvCxnSpPr>
+          <p:cNvPr id="28" name="直線コネクタ 27"/>
+          <p:cNvCxnSpPr/>
+          <p:nvPr/>
+        </p:nvCxnSpPr>
+        <p:spPr>
+          <a:xfrm flipH="1">
+            <a:off x="2123660" y="4159396"/>
+            <a:ext cx="216030" cy="470619"/>
+          </a:xfrm>
+          <a:prstGeom prst="line">
+            <a:avLst/>
+          </a:prstGeom>
+          <a:ln w="76200">
+            <a:solidFill>
+              <a:srgbClr val="0070C0"/>
+            </a:solidFill>
+          </a:ln>
+        </p:spPr>
+        <p:style>
+          <a:lnRef idx="1">
+            <a:schemeClr val="accent1"/>
+          </a:lnRef>
+          <a:fillRef idx="0">
+            <a:schemeClr val="accent1"/>
+          </a:fillRef>
+          <a:effectRef idx="0">
+            <a:schemeClr val="accent1"/>
+          </a:effectRef>
+          <a:fontRef idx="minor">
+            <a:schemeClr val="tx1"/>
+          </a:fontRef>
+        </p:style>
+      </p:cxnSp>
+      <p:cxnSp>
+        <p:nvCxnSpPr>
+          <p:cNvPr id="29" name="直線コネクタ 28"/>
+          <p:cNvCxnSpPr>
+            <a:stCxn id="22" idx="1"/>
+            <a:endCxn id="14" idx="3"/>
+          </p:cNvCxnSpPr>
+          <p:nvPr/>
+        </p:nvCxnSpPr>
+        <p:spPr>
+          <a:xfrm flipH="1">
+            <a:off x="3034408" y="3616747"/>
+            <a:ext cx="1465582" cy="144020"/>
+          </a:xfrm>
+          <a:prstGeom prst="line">
+            <a:avLst/>
+          </a:prstGeom>
+          <a:ln w="76200">
+            <a:solidFill>
+              <a:srgbClr val="0070C0"/>
+            </a:solidFill>
+          </a:ln>
+        </p:spPr>
+        <p:style>
+          <a:lnRef idx="1">
+            <a:schemeClr val="accent1"/>
+          </a:lnRef>
+          <a:fillRef idx="0">
+            <a:schemeClr val="accent1"/>
+          </a:fillRef>
+          <a:effectRef idx="0">
+            <a:schemeClr val="accent1"/>
+          </a:effectRef>
+          <a:fontRef idx="minor">
+            <a:schemeClr val="tx1"/>
+          </a:fontRef>
+        </p:style>
+      </p:cxnSp>
+      <p:cxnSp>
+        <p:nvCxnSpPr>
+          <p:cNvPr id="30" name="直線コネクタ 29"/>
+          <p:cNvCxnSpPr/>
+          <p:nvPr/>
+        </p:nvCxnSpPr>
+        <p:spPr>
+          <a:xfrm flipH="1">
+            <a:off x="4067930" y="4015376"/>
+            <a:ext cx="648090" cy="576080"/>
+          </a:xfrm>
+          <a:prstGeom prst="line">
+            <a:avLst/>
+          </a:prstGeom>
+          <a:ln w="76200">
+            <a:solidFill>
+              <a:srgbClr val="0070C0"/>
+            </a:solidFill>
+          </a:ln>
+        </p:spPr>
+        <p:style>
+          <a:lnRef idx="1">
+            <a:schemeClr val="accent1"/>
+          </a:lnRef>
+          <a:fillRef idx="0">
+            <a:schemeClr val="accent1"/>
+          </a:fillRef>
+          <a:effectRef idx="0">
+            <a:schemeClr val="accent1"/>
+          </a:effectRef>
+          <a:fontRef idx="minor">
+            <a:schemeClr val="tx1"/>
+          </a:fontRef>
+        </p:style>
+      </p:cxnSp>
+      <p:cxnSp>
+        <p:nvCxnSpPr>
+          <p:cNvPr id="32" name="直線コネクタ 31"/>
+          <p:cNvCxnSpPr/>
+          <p:nvPr/>
+        </p:nvCxnSpPr>
+        <p:spPr>
+          <a:xfrm flipH="1" flipV="1">
+            <a:off x="3995920" y="5023518"/>
+            <a:ext cx="432060" cy="210880"/>
+          </a:xfrm>
+          <a:prstGeom prst="line">
+            <a:avLst/>
+          </a:prstGeom>
+          <a:ln w="76200">
+            <a:solidFill>
+              <a:srgbClr val="0070C0"/>
+            </a:solidFill>
+          </a:ln>
+        </p:spPr>
+        <p:style>
+          <a:lnRef idx="1">
+            <a:schemeClr val="accent1"/>
+          </a:lnRef>
+          <a:fillRef idx="0">
+            <a:schemeClr val="accent1"/>
+          </a:fillRef>
+          <a:effectRef idx="0">
+            <a:schemeClr val="accent1"/>
+          </a:effectRef>
+          <a:fontRef idx="minor">
+            <a:schemeClr val="tx1"/>
+          </a:fontRef>
+        </p:style>
+      </p:cxnSp>
+      <p:cxnSp>
+        <p:nvCxnSpPr>
+          <p:cNvPr id="33" name="直線コネクタ 32"/>
+          <p:cNvCxnSpPr/>
+          <p:nvPr/>
+        </p:nvCxnSpPr>
+        <p:spPr>
+          <a:xfrm flipV="1">
+            <a:off x="3563860" y="5594449"/>
+            <a:ext cx="817492" cy="360049"/>
+          </a:xfrm>
+          <a:prstGeom prst="line">
+            <a:avLst/>
+          </a:prstGeom>
+          <a:ln w="76200">
+            <a:solidFill>
+              <a:srgbClr val="0070C0"/>
+            </a:solidFill>
+          </a:ln>
+        </p:spPr>
+        <p:style>
+          <a:lnRef idx="1">
+            <a:schemeClr val="accent1"/>
+          </a:lnRef>
+          <a:fillRef idx="0">
+            <a:schemeClr val="accent1"/>
+          </a:fillRef>
+          <a:effectRef idx="0">
+            <a:schemeClr val="accent1"/>
+          </a:effectRef>
+          <a:fontRef idx="minor">
+            <a:schemeClr val="tx1"/>
+          </a:fontRef>
+        </p:style>
+      </p:cxnSp>
+      <p:cxnSp>
+        <p:nvCxnSpPr>
+          <p:cNvPr id="34" name="直線コネクタ 33"/>
+          <p:cNvCxnSpPr/>
+          <p:nvPr/>
+        </p:nvCxnSpPr>
+        <p:spPr>
+          <a:xfrm flipV="1">
+            <a:off x="3491850" y="6026508"/>
+            <a:ext cx="1872260" cy="216030"/>
+          </a:xfrm>
+          <a:prstGeom prst="line">
+            <a:avLst/>
+          </a:prstGeom>
+          <a:ln w="76200">
+            <a:solidFill>
+              <a:srgbClr val="0070C0"/>
+            </a:solidFill>
+          </a:ln>
+        </p:spPr>
+        <p:style>
+          <a:lnRef idx="1">
+            <a:schemeClr val="accent1"/>
+          </a:lnRef>
+          <a:fillRef idx="0">
+            <a:schemeClr val="accent1"/>
+          </a:fillRef>
+          <a:effectRef idx="0">
+            <a:schemeClr val="accent1"/>
+          </a:effectRef>
+          <a:fontRef idx="minor">
+            <a:schemeClr val="tx1"/>
+          </a:fontRef>
+        </p:style>
+      </p:cxnSp>
+      <p:cxnSp>
+        <p:nvCxnSpPr>
+          <p:cNvPr id="35" name="直線コネクタ 34"/>
+          <p:cNvCxnSpPr/>
+          <p:nvPr/>
+        </p:nvCxnSpPr>
+        <p:spPr>
+          <a:xfrm flipH="1">
+            <a:off x="6300240" y="5882488"/>
+            <a:ext cx="936130" cy="0"/>
+          </a:xfrm>
+          <a:prstGeom prst="line">
+            <a:avLst/>
+          </a:prstGeom>
+          <a:ln w="76200">
+            <a:solidFill>
+              <a:srgbClr val="0070C0"/>
+            </a:solidFill>
+          </a:ln>
+        </p:spPr>
+        <p:style>
+          <a:lnRef idx="1">
+            <a:schemeClr val="accent1"/>
+          </a:lnRef>
+          <a:fillRef idx="0">
+            <a:schemeClr val="accent1"/>
+          </a:fillRef>
+          <a:effectRef idx="0">
+            <a:schemeClr val="accent1"/>
+          </a:effectRef>
+          <a:fontRef idx="minor">
+            <a:schemeClr val="tx1"/>
+          </a:fontRef>
+        </p:style>
+      </p:cxnSp>
+      <p:cxnSp>
+        <p:nvCxnSpPr>
+          <p:cNvPr id="36" name="直線コネクタ 35"/>
+          <p:cNvCxnSpPr/>
+          <p:nvPr/>
+        </p:nvCxnSpPr>
+        <p:spPr>
+          <a:xfrm flipV="1">
+            <a:off x="6012200" y="4298268"/>
+            <a:ext cx="1008140" cy="1296180"/>
+          </a:xfrm>
+          <a:prstGeom prst="line">
+            <a:avLst/>
+          </a:prstGeom>
+          <a:ln w="76200">
+            <a:solidFill>
+              <a:srgbClr val="0070C0"/>
+            </a:solidFill>
+          </a:ln>
+        </p:spPr>
+        <p:style>
+          <a:lnRef idx="1">
+            <a:schemeClr val="accent1"/>
+          </a:lnRef>
+          <a:fillRef idx="0">
+            <a:schemeClr val="accent1"/>
+          </a:fillRef>
+          <a:effectRef idx="0">
+            <a:schemeClr val="accent1"/>
+          </a:effectRef>
+          <a:fontRef idx="minor">
+            <a:schemeClr val="tx1"/>
+          </a:fontRef>
+        </p:style>
+      </p:cxnSp>
+      <p:cxnSp>
+        <p:nvCxnSpPr>
+          <p:cNvPr id="37" name="直線コネクタ 36"/>
+          <p:cNvCxnSpPr/>
+          <p:nvPr/>
+        </p:nvCxnSpPr>
+        <p:spPr>
+          <a:xfrm flipV="1">
+            <a:off x="4139940" y="4159396"/>
+            <a:ext cx="2664370" cy="648090"/>
+          </a:xfrm>
+          <a:prstGeom prst="line">
+            <a:avLst/>
+          </a:prstGeom>
+          <a:ln w="76200">
+            <a:solidFill>
+              <a:srgbClr val="0070C0"/>
+            </a:solidFill>
+          </a:ln>
+        </p:spPr>
+        <p:style>
+          <a:lnRef idx="1">
+            <a:schemeClr val="accent1"/>
+          </a:lnRef>
+          <a:fillRef idx="0">
+            <a:schemeClr val="accent1"/>
+          </a:fillRef>
+          <a:effectRef idx="0">
+            <a:schemeClr val="accent1"/>
+          </a:effectRef>
+          <a:fontRef idx="minor">
+            <a:schemeClr val="tx1"/>
+          </a:fontRef>
+        </p:style>
+      </p:cxnSp>
+      <p:cxnSp>
+        <p:nvCxnSpPr>
+          <p:cNvPr id="38" name="直線コネクタ 37"/>
+          <p:cNvCxnSpPr/>
+          <p:nvPr/>
+        </p:nvCxnSpPr>
+        <p:spPr>
+          <a:xfrm>
+            <a:off x="5220090" y="5450428"/>
+            <a:ext cx="216030" cy="144020"/>
+          </a:xfrm>
+          <a:prstGeom prst="line">
+            <a:avLst/>
+          </a:prstGeom>
+          <a:ln w="76200">
+            <a:solidFill>
+              <a:srgbClr val="0070C0"/>
+            </a:solidFill>
+          </a:ln>
+        </p:spPr>
+        <p:style>
+          <a:lnRef idx="1">
+            <a:schemeClr val="accent1"/>
+          </a:lnRef>
+          <a:fillRef idx="0">
+            <a:schemeClr val="accent1"/>
+          </a:fillRef>
+          <a:effectRef idx="0">
+            <a:schemeClr val="accent1"/>
+          </a:effectRef>
+          <a:fontRef idx="minor">
+            <a:schemeClr val="tx1"/>
+          </a:fontRef>
+        </p:style>
+      </p:cxnSp>
+      <p:cxnSp>
+        <p:nvCxnSpPr>
+          <p:cNvPr id="39" name="直線コネクタ 38"/>
+          <p:cNvCxnSpPr/>
+          <p:nvPr/>
+        </p:nvCxnSpPr>
+        <p:spPr>
+          <a:xfrm>
+            <a:off x="5148080" y="4015376"/>
+            <a:ext cx="2232310" cy="1579072"/>
+          </a:xfrm>
+          <a:prstGeom prst="line">
+            <a:avLst/>
+          </a:prstGeom>
+          <a:ln w="76200">
+            <a:solidFill>
+              <a:srgbClr val="0070C0"/>
+            </a:solidFill>
+          </a:ln>
+        </p:spPr>
+        <p:style>
+          <a:lnRef idx="1">
+            <a:schemeClr val="accent1"/>
+          </a:lnRef>
+          <a:fillRef idx="0">
+            <a:schemeClr val="accent1"/>
+          </a:fillRef>
+          <a:effectRef idx="0">
+            <a:schemeClr val="accent1"/>
+          </a:effectRef>
+          <a:fontRef idx="minor">
+            <a:schemeClr val="tx1"/>
+          </a:fontRef>
+        </p:style>
+      </p:cxnSp>
+      <p:cxnSp>
+        <p:nvCxnSpPr>
+          <p:cNvPr id="44" name="直線コネクタ 43"/>
+          <p:cNvCxnSpPr/>
+          <p:nvPr/>
+        </p:nvCxnSpPr>
+        <p:spPr>
+          <a:xfrm>
+            <a:off x="5220090" y="3583316"/>
+            <a:ext cx="1584220" cy="216030"/>
+          </a:xfrm>
+          <a:prstGeom prst="line">
+            <a:avLst/>
+          </a:prstGeom>
+          <a:ln w="76200">
+            <a:solidFill>
+              <a:srgbClr val="0070C0"/>
+            </a:solidFill>
+          </a:ln>
+        </p:spPr>
+        <p:style>
+          <a:lnRef idx="1">
+            <a:schemeClr val="accent1"/>
+          </a:lnRef>
+          <a:fillRef idx="0">
+            <a:schemeClr val="accent1"/>
+          </a:fillRef>
+          <a:effectRef idx="0">
+            <a:schemeClr val="accent1"/>
+          </a:effectRef>
+          <a:fontRef idx="minor">
+            <a:schemeClr val="tx1"/>
+          </a:fontRef>
+        </p:style>
+      </p:cxnSp>
+    </p:spTree>
+    <p:extLst>
+      <p:ext uri="{BB962C8B-B14F-4D97-AF65-F5344CB8AC3E}">
+        <p14:creationId xmlns:p14="http://schemas.microsoft.com/office/powerpoint/2010/main" val="1160677214"/>
+      </p:ext>
+    </p:extLst>
+  </p:cSld>
+  <p:clrMapOvr>
+    <a:masterClrMapping/>
+  </p:clrMapOvr>
+</p:sld>
+</file>
+
+<file path=ppt/slides/slide20.xml><?xml version="1.0" encoding="utf-8"?>
+<p:sld xmlns:a="http://schemas.openxmlformats.org/drawingml/2006/main" xmlns:r="http://schemas.openxmlformats.org/officeDocument/2006/relationships" xmlns:p="http://schemas.openxmlformats.org/presentationml/2006/main">
+  <p:cSld>
+    <p:spTree>
+      <p:nvGrpSpPr>
+        <p:cNvPr id="1" name=""/>
+        <p:cNvGrpSpPr/>
+        <p:nvPr/>
+      </p:nvGrpSpPr>
+      <p:grpSpPr>
+        <a:xfrm>
+          <a:off x="0" y="0"/>
+          <a:ext cx="0" cy="0"/>
+          <a:chOff x="0" y="0"/>
+          <a:chExt cx="0" cy="0"/>
+        </a:xfrm>
+      </p:grpSpPr>
+      <p:sp>
+        <p:nvSpPr>
+          <p:cNvPr id="2" name="タイトル 1"/>
+          <p:cNvSpPr>
+            <a:spLocks noGrp="1"/>
+          </p:cNvSpPr>
+          <p:nvPr>
+            <p:ph type="title"/>
+          </p:nvPr>
+        </p:nvSpPr>
+        <p:spPr/>
+        <p:txBody>
+          <a:bodyPr/>
+          <a:lstStyle/>
+          <a:p>
+            <a:r>
               <a:rPr lang="ja-JP" altLang="en-US"/>
               <a:t>証明の戦略</a:t>
             </a:r>
@@ -14898,8 +19137,8 @@
           </a:p>
         </p:txBody>
       </p:sp>
-      <mc:AlternateContent xmlns:mc="http://schemas.openxmlformats.org/markup-compatibility/2006" xmlns:a14="http://schemas.microsoft.com/office/drawing/2010/main">
-        <mc:Choice Requires="a14">
+      <mc:AlternateContent xmlns:mc="http://schemas.openxmlformats.org/markup-compatibility/2006">
+        <mc:Choice xmlns:a14="http://schemas.microsoft.com/office/drawing/2010/main" Requires="a14">
           <p:sp>
             <p:nvSpPr>
               <p:cNvPr id="3" name="コンテンツ プレースホルダー 2"/>
@@ -15170,7 +19409,15 @@
                 </a14:m>
                 <a:r>
                   <a:rPr lang="ja-JP" altLang="en-US" dirty="0"/>
-                  <a:t>上の直径計算の</a:t>
+                  <a:t>上の</a:t>
+                </a:r>
+                <a:r>
+                  <a:rPr lang="en-US" altLang="ja-JP" dirty="0"/>
+                  <a:t>3-MIS</a:t>
+                </a:r>
+                <a:r>
+                  <a:rPr lang="ja-JP" altLang="en-US" dirty="0"/>
+                  <a:t>検証問題の</a:t>
                 </a:r>
                 <a:br>
                   <a:rPr lang="en-US" altLang="ja-JP" dirty="0"/>
@@ -15252,7 +19499,14 @@
                 </a14:m>
                 <a:r>
                   <a:rPr lang="ja-JP" altLang="en-US" dirty="0"/>
-                  <a:t>ビットぐらい通信していなければならない</a:t>
+                  <a:t>ビットぐらい</a:t>
+                </a:r>
+                <a:br>
+                  <a:rPr lang="en-US" altLang="ja-JP" dirty="0"/>
+                </a:br>
+                <a:r>
+                  <a:rPr lang="ja-JP" altLang="en-US" dirty="0"/>
+                  <a:t>通信していなければならない</a:t>
                 </a:r>
                 <a:r>
                   <a:rPr lang="en-US" altLang="ja-JP" dirty="0"/>
@@ -15285,7 +19539,7 @@
             </p:txBody>
           </p:sp>
         </mc:Choice>
-        <mc:Fallback xmlns="">
+        <mc:Fallback>
           <p:sp>
             <p:nvSpPr>
               <p:cNvPr id="3" name="コンテンツ プレースホルダー 2"/>
@@ -15319,52 +19573,6 @@
           </p:sp>
         </mc:Fallback>
       </mc:AlternateContent>
-      <p:sp>
-        <p:nvSpPr>
-          <p:cNvPr id="5" name="日付プレースホルダー 4"/>
-          <p:cNvSpPr>
-            <a:spLocks noGrp="1"/>
-          </p:cNvSpPr>
-          <p:nvPr>
-            <p:ph type="dt" sz="half" idx="2"/>
-          </p:nvPr>
-        </p:nvSpPr>
-        <p:spPr/>
-        <p:txBody>
-          <a:bodyPr/>
-          <a:lstStyle/>
-          <a:p>
-            <a:r>
-              <a:rPr lang="en-US" altLang="ja-JP"/>
-              <a:t>2015/3/17-18</a:t>
-            </a:r>
-            <a:endParaRPr lang="ja-JP" altLang="en-US"/>
-          </a:p>
-        </p:txBody>
-      </p:sp>
-      <p:sp>
-        <p:nvSpPr>
-          <p:cNvPr id="8" name="フッター プレースホルダー 7"/>
-          <p:cNvSpPr>
-            <a:spLocks noGrp="1"/>
-          </p:cNvSpPr>
-          <p:nvPr>
-            <p:ph type="ftr" sz="quarter" idx="3"/>
-          </p:nvPr>
-        </p:nvSpPr>
-        <p:spPr/>
-        <p:txBody>
-          <a:bodyPr/>
-          <a:lstStyle/>
-          <a:p>
-            <a:r>
-              <a:rPr lang="ja-JP" altLang="en-US"/>
-              <a:t>「符号理論とその応用セミナー」＠名古屋工業大学</a:t>
-            </a:r>
-            <a:endParaRPr lang="ja-JP" altLang="en-US" dirty="0"/>
-          </a:p>
-        </p:txBody>
-      </p:sp>
     </p:spTree>
     <p:extLst>
       <p:ext uri="{BB962C8B-B14F-4D97-AF65-F5344CB8AC3E}">
@@ -15378,913 +19586,7 @@
 </p:sld>
 </file>
 
-<file path=ppt/slides/slide2.xml><?xml version="1.0" encoding="utf-8"?>
-<p:sld xmlns:a="http://schemas.openxmlformats.org/drawingml/2006/main" xmlns:r="http://schemas.openxmlformats.org/officeDocument/2006/relationships" xmlns:p="http://schemas.openxmlformats.org/presentationml/2006/main">
-  <p:cSld>
-    <p:spTree>
-      <p:nvGrpSpPr>
-        <p:cNvPr id="1" name=""/>
-        <p:cNvGrpSpPr/>
-        <p:nvPr/>
-      </p:nvGrpSpPr>
-      <p:grpSpPr>
-        <a:xfrm>
-          <a:off x="0" y="0"/>
-          <a:ext cx="0" cy="0"/>
-          <a:chOff x="0" y="0"/>
-          <a:chExt cx="0" cy="0"/>
-        </a:xfrm>
-      </p:grpSpPr>
-      <p:sp>
-        <p:nvSpPr>
-          <p:cNvPr id="2" name="タイトル 1"/>
-          <p:cNvSpPr>
-            <a:spLocks noGrp="1"/>
-          </p:cNvSpPr>
-          <p:nvPr>
-            <p:ph type="title"/>
-          </p:nvPr>
-        </p:nvSpPr>
-        <p:spPr/>
-        <p:txBody>
-          <a:bodyPr/>
-          <a:lstStyle/>
-          <a:p>
-            <a:r>
-              <a:rPr lang="ja-JP" altLang="en-US"/>
-              <a:t>分散システム</a:t>
-            </a:r>
-            <a:endParaRPr lang="ja-JP" altLang="en-US" dirty="0"/>
-          </a:p>
-        </p:txBody>
-      </p:sp>
-      <p:sp>
-        <p:nvSpPr>
-          <p:cNvPr id="6" name="コンテンツ プレースホルダー 5"/>
-          <p:cNvSpPr>
-            <a:spLocks noGrp="1"/>
-          </p:cNvSpPr>
-          <p:nvPr>
-            <p:ph sz="quarter" idx="1"/>
-          </p:nvPr>
-        </p:nvSpPr>
-        <p:spPr/>
-        <p:txBody>
-          <a:bodyPr/>
-          <a:lstStyle/>
-          <a:p>
-            <a:r>
-              <a:rPr lang="ja-JP" altLang="en-US" dirty="0"/>
-              <a:t>ネットワーク</a:t>
-            </a:r>
-            <a:r>
-              <a:rPr lang="en-US" altLang="ja-JP" dirty="0"/>
-              <a:t>=</a:t>
-            </a:r>
-            <a:r>
-              <a:rPr lang="ja-JP" altLang="en-US" dirty="0"/>
-              <a:t>グラフ</a:t>
-            </a:r>
-            <a:endParaRPr lang="en-US" altLang="ja-JP" dirty="0"/>
-          </a:p>
-          <a:p>
-            <a:pPr lvl="1"/>
-            <a:r>
-              <a:rPr lang="ja-JP" altLang="en-US" dirty="0"/>
-              <a:t>頂点</a:t>
-            </a:r>
-            <a:r>
-              <a:rPr lang="en-US" altLang="ja-JP" dirty="0"/>
-              <a:t>=</a:t>
-            </a:r>
-            <a:r>
-              <a:rPr lang="ja-JP" altLang="en-US" dirty="0"/>
-              <a:t>計算機</a:t>
-            </a:r>
-            <a:endParaRPr lang="en-US" altLang="ja-JP" dirty="0"/>
-          </a:p>
-          <a:p>
-            <a:pPr lvl="1"/>
-            <a:r>
-              <a:rPr lang="ja-JP" altLang="en-US" dirty="0"/>
-              <a:t>辺</a:t>
-            </a:r>
-            <a:r>
-              <a:rPr lang="en-US" altLang="ja-JP" dirty="0"/>
-              <a:t>=</a:t>
-            </a:r>
-            <a:r>
-              <a:rPr lang="ja-JP" altLang="en-US" dirty="0"/>
-              <a:t>通信リンク</a:t>
-            </a:r>
-          </a:p>
-        </p:txBody>
-      </p:sp>
-      <p:pic>
-        <p:nvPicPr>
-          <p:cNvPr id="7" name="Picture 5" descr="C:\Documents and Settings\Taisuke Izumi\Local Settings\Temporary Internet Files\Content.IE5\0DCFGVSR\MCj03980390000[1].wmf"/>
-          <p:cNvPicPr>
-            <a:picLocks noChangeAspect="1" noChangeArrowheads="1"/>
-          </p:cNvPicPr>
-          <p:nvPr/>
-        </p:nvPicPr>
-        <p:blipFill>
-          <a:blip r:embed="rId3" cstate="print"/>
-          <a:srcRect/>
-          <a:stretch>
-            <a:fillRect/>
-          </a:stretch>
-        </p:blipFill>
-        <p:spPr bwMode="auto">
-          <a:xfrm>
-            <a:off x="2843760" y="5743616"/>
-            <a:ext cx="622708" cy="642942"/>
-          </a:xfrm>
-          <a:prstGeom prst="rect">
-            <a:avLst/>
-          </a:prstGeom>
-          <a:noFill/>
-        </p:spPr>
-      </p:pic>
-      <p:pic>
-        <p:nvPicPr>
-          <p:cNvPr id="8" name="Picture 5" descr="C:\Documents and Settings\Taisuke Izumi\Local Settings\Temporary Internet Files\Content.IE5\0DCFGVSR\MCj03980390000[1].wmf"/>
-          <p:cNvPicPr>
-            <a:picLocks noChangeAspect="1" noChangeArrowheads="1"/>
-          </p:cNvPicPr>
-          <p:nvPr/>
-        </p:nvPicPr>
-        <p:blipFill>
-          <a:blip r:embed="rId3" cstate="print"/>
-          <a:srcRect/>
-          <a:stretch>
-            <a:fillRect/>
-          </a:stretch>
-        </p:blipFill>
-        <p:spPr bwMode="auto">
-          <a:xfrm>
-            <a:off x="3347830" y="4519446"/>
-            <a:ext cx="622708" cy="642942"/>
-          </a:xfrm>
-          <a:prstGeom prst="rect">
-            <a:avLst/>
-          </a:prstGeom>
-          <a:noFill/>
-        </p:spPr>
-      </p:pic>
-      <p:pic>
-        <p:nvPicPr>
-          <p:cNvPr id="9" name="Picture 5" descr="C:\Documents and Settings\Taisuke Izumi\Local Settings\Temporary Internet Files\Content.IE5\0DCFGVSR\MCj03980390000[1].wmf"/>
-          <p:cNvPicPr>
-            <a:picLocks noChangeAspect="1" noChangeArrowheads="1"/>
-          </p:cNvPicPr>
-          <p:nvPr/>
-        </p:nvPicPr>
-        <p:blipFill>
-          <a:blip r:embed="rId3" cstate="print"/>
-          <a:srcRect/>
-          <a:stretch>
-            <a:fillRect/>
-          </a:stretch>
-        </p:blipFill>
-        <p:spPr bwMode="auto">
-          <a:xfrm>
-            <a:off x="5508130" y="5594448"/>
-            <a:ext cx="622708" cy="642942"/>
-          </a:xfrm>
-          <a:prstGeom prst="rect">
-            <a:avLst/>
-          </a:prstGeom>
-          <a:noFill/>
-        </p:spPr>
-      </p:pic>
-      <p:cxnSp>
-        <p:nvCxnSpPr>
-          <p:cNvPr id="10" name="直線コネクタ 9"/>
-          <p:cNvCxnSpPr>
-            <a:stCxn id="17" idx="3"/>
-            <a:endCxn id="8" idx="1"/>
-          </p:cNvCxnSpPr>
-          <p:nvPr/>
-        </p:nvCxnSpPr>
-        <p:spPr>
-          <a:xfrm flipV="1">
-            <a:off x="2314308" y="4840917"/>
-            <a:ext cx="1033522" cy="216030"/>
-          </a:xfrm>
-          <a:prstGeom prst="line">
-            <a:avLst/>
-          </a:prstGeom>
-          <a:ln w="76200">
-            <a:solidFill>
-              <a:srgbClr val="0070C0"/>
-            </a:solidFill>
-          </a:ln>
-        </p:spPr>
-        <p:style>
-          <a:lnRef idx="1">
-            <a:schemeClr val="accent1"/>
-          </a:lnRef>
-          <a:fillRef idx="0">
-            <a:schemeClr val="accent1"/>
-          </a:fillRef>
-          <a:effectRef idx="0">
-            <a:schemeClr val="accent1"/>
-          </a:effectRef>
-          <a:fontRef idx="minor">
-            <a:schemeClr val="tx1"/>
-          </a:fontRef>
-        </p:style>
-      </p:cxnSp>
-      <p:pic>
-        <p:nvPicPr>
-          <p:cNvPr id="11" name="Picture 5" descr="C:\Documents and Settings\Taisuke Izumi\Local Settings\Temporary Internet Files\Content.IE5\0DCFGVSR\MCj03980390000[1].wmf"/>
-          <p:cNvPicPr>
-            <a:picLocks noChangeAspect="1" noChangeArrowheads="1"/>
-          </p:cNvPicPr>
-          <p:nvPr/>
-        </p:nvPicPr>
-        <p:blipFill>
-          <a:blip r:embed="rId3" cstate="print"/>
-          <a:srcRect/>
-          <a:stretch>
-            <a:fillRect/>
-          </a:stretch>
-        </p:blipFill>
-        <p:spPr bwMode="auto">
-          <a:xfrm>
-            <a:off x="755470" y="5810478"/>
-            <a:ext cx="622708" cy="642942"/>
-          </a:xfrm>
-          <a:prstGeom prst="rect">
-            <a:avLst/>
-          </a:prstGeom>
-          <a:noFill/>
-        </p:spPr>
-      </p:pic>
-      <p:pic>
-        <p:nvPicPr>
-          <p:cNvPr id="14" name="Picture 5" descr="C:\Documents and Settings\Taisuke Izumi\Local Settings\Temporary Internet Files\Content.IE5\0DCFGVSR\MCj03980390000[1].wmf"/>
-          <p:cNvPicPr>
-            <a:picLocks noChangeAspect="1" noChangeArrowheads="1"/>
-          </p:cNvPicPr>
-          <p:nvPr/>
-        </p:nvPicPr>
-        <p:blipFill>
-          <a:blip r:embed="rId3" cstate="print"/>
-          <a:srcRect/>
-          <a:stretch>
-            <a:fillRect/>
-          </a:stretch>
-        </p:blipFill>
-        <p:spPr bwMode="auto">
-          <a:xfrm>
-            <a:off x="2411700" y="3439296"/>
-            <a:ext cx="622708" cy="642942"/>
-          </a:xfrm>
-          <a:prstGeom prst="rect">
-            <a:avLst/>
-          </a:prstGeom>
-          <a:noFill/>
-        </p:spPr>
-      </p:pic>
-      <p:pic>
-        <p:nvPicPr>
-          <p:cNvPr id="17" name="Picture 5" descr="C:\Documents and Settings\Taisuke Izumi\Local Settings\Temporary Internet Files\Content.IE5\0DCFGVSR\MCj03980390000[1].wmf"/>
-          <p:cNvPicPr>
-            <a:picLocks noChangeAspect="1" noChangeArrowheads="1"/>
-          </p:cNvPicPr>
-          <p:nvPr/>
-        </p:nvPicPr>
-        <p:blipFill>
-          <a:blip r:embed="rId3" cstate="print"/>
-          <a:srcRect/>
-          <a:stretch>
-            <a:fillRect/>
-          </a:stretch>
-        </p:blipFill>
-        <p:spPr bwMode="auto">
-          <a:xfrm>
-            <a:off x="1691600" y="4735476"/>
-            <a:ext cx="622708" cy="642942"/>
-          </a:xfrm>
-          <a:prstGeom prst="rect">
-            <a:avLst/>
-          </a:prstGeom>
-          <a:noFill/>
-        </p:spPr>
-      </p:pic>
-      <p:pic>
-        <p:nvPicPr>
-          <p:cNvPr id="18" name="Picture 5" descr="C:\Documents and Settings\Taisuke Izumi\Local Settings\Temporary Internet Files\Content.IE5\0DCFGVSR\MCj03980390000[1].wmf"/>
-          <p:cNvPicPr>
-            <a:picLocks noChangeAspect="1" noChangeArrowheads="1"/>
-          </p:cNvPicPr>
-          <p:nvPr/>
-        </p:nvPicPr>
-        <p:blipFill>
-          <a:blip r:embed="rId3" cstate="print"/>
-          <a:srcRect/>
-          <a:stretch>
-            <a:fillRect/>
-          </a:stretch>
-        </p:blipFill>
-        <p:spPr bwMode="auto">
-          <a:xfrm>
-            <a:off x="4499990" y="5018368"/>
-            <a:ext cx="622708" cy="642942"/>
-          </a:xfrm>
-          <a:prstGeom prst="rect">
-            <a:avLst/>
-          </a:prstGeom>
-          <a:noFill/>
-        </p:spPr>
-      </p:pic>
-      <p:pic>
-        <p:nvPicPr>
-          <p:cNvPr id="19" name="Picture 5" descr="C:\Documents and Settings\Taisuke Izumi\Local Settings\Temporary Internet Files\Content.IE5\0DCFGVSR\MCj03980390000[1].wmf"/>
-          <p:cNvPicPr>
-            <a:picLocks noChangeAspect="1" noChangeArrowheads="1"/>
-          </p:cNvPicPr>
-          <p:nvPr/>
-        </p:nvPicPr>
-        <p:blipFill>
-          <a:blip r:embed="rId3" cstate="print"/>
-          <a:srcRect/>
-          <a:stretch>
-            <a:fillRect/>
-          </a:stretch>
-        </p:blipFill>
-        <p:spPr bwMode="auto">
-          <a:xfrm>
-            <a:off x="7308380" y="5594448"/>
-            <a:ext cx="622708" cy="642942"/>
-          </a:xfrm>
-          <a:prstGeom prst="rect">
-            <a:avLst/>
-          </a:prstGeom>
-          <a:noFill/>
-        </p:spPr>
-      </p:pic>
-      <p:pic>
-        <p:nvPicPr>
-          <p:cNvPr id="20" name="Picture 5" descr="C:\Documents and Settings\Taisuke Izumi\Local Settings\Temporary Internet Files\Content.IE5\0DCFGVSR\MCj03980390000[1].wmf"/>
-          <p:cNvPicPr>
-            <a:picLocks noChangeAspect="1" noChangeArrowheads="1"/>
-          </p:cNvPicPr>
-          <p:nvPr/>
-        </p:nvPicPr>
-        <p:blipFill>
-          <a:blip r:embed="rId3" cstate="print"/>
-          <a:srcRect/>
-          <a:stretch>
-            <a:fillRect/>
-          </a:stretch>
-        </p:blipFill>
-        <p:spPr bwMode="auto">
-          <a:xfrm>
-            <a:off x="6948330" y="3511306"/>
-            <a:ext cx="622708" cy="642942"/>
-          </a:xfrm>
-          <a:prstGeom prst="rect">
-            <a:avLst/>
-          </a:prstGeom>
-          <a:noFill/>
-        </p:spPr>
-      </p:pic>
-      <p:pic>
-        <p:nvPicPr>
-          <p:cNvPr id="22" name="Picture 5" descr="C:\Documents and Settings\Taisuke Izumi\Local Settings\Temporary Internet Files\Content.IE5\0DCFGVSR\MCj03980390000[1].wmf"/>
-          <p:cNvPicPr>
-            <a:picLocks noChangeAspect="1" noChangeArrowheads="1"/>
-          </p:cNvPicPr>
-          <p:nvPr/>
-        </p:nvPicPr>
-        <p:blipFill>
-          <a:blip r:embed="rId3" cstate="print"/>
-          <a:srcRect/>
-          <a:stretch>
-            <a:fillRect/>
-          </a:stretch>
-        </p:blipFill>
-        <p:spPr bwMode="auto">
-          <a:xfrm>
-            <a:off x="4499990" y="3295276"/>
-            <a:ext cx="622708" cy="642942"/>
-          </a:xfrm>
-          <a:prstGeom prst="rect">
-            <a:avLst/>
-          </a:prstGeom>
-          <a:noFill/>
-        </p:spPr>
-      </p:pic>
-      <p:cxnSp>
-        <p:nvCxnSpPr>
-          <p:cNvPr id="26" name="直線コネクタ 25"/>
-          <p:cNvCxnSpPr/>
-          <p:nvPr/>
-        </p:nvCxnSpPr>
-        <p:spPr>
-          <a:xfrm>
-            <a:off x="2195670" y="5455576"/>
-            <a:ext cx="645088" cy="349752"/>
-          </a:xfrm>
-          <a:prstGeom prst="line">
-            <a:avLst/>
-          </a:prstGeom>
-          <a:ln w="76200">
-            <a:solidFill>
-              <a:srgbClr val="0070C0"/>
-            </a:solidFill>
-          </a:ln>
-        </p:spPr>
-        <p:style>
-          <a:lnRef idx="1">
-            <a:schemeClr val="accent1"/>
-          </a:lnRef>
-          <a:fillRef idx="0">
-            <a:schemeClr val="accent1"/>
-          </a:fillRef>
-          <a:effectRef idx="0">
-            <a:schemeClr val="accent1"/>
-          </a:effectRef>
-          <a:fontRef idx="minor">
-            <a:schemeClr val="tx1"/>
-          </a:fontRef>
-        </p:style>
-      </p:cxnSp>
-      <p:cxnSp>
-        <p:nvCxnSpPr>
-          <p:cNvPr id="27" name="直線コネクタ 26"/>
-          <p:cNvCxnSpPr/>
-          <p:nvPr/>
-        </p:nvCxnSpPr>
-        <p:spPr>
-          <a:xfrm flipH="1">
-            <a:off x="1331550" y="5306408"/>
-            <a:ext cx="288040" cy="432060"/>
-          </a:xfrm>
-          <a:prstGeom prst="line">
-            <a:avLst/>
-          </a:prstGeom>
-          <a:ln w="76200">
-            <a:solidFill>
-              <a:srgbClr val="0070C0"/>
-            </a:solidFill>
-          </a:ln>
-        </p:spPr>
-        <p:style>
-          <a:lnRef idx="1">
-            <a:schemeClr val="accent1"/>
-          </a:lnRef>
-          <a:fillRef idx="0">
-            <a:schemeClr val="accent1"/>
-          </a:fillRef>
-          <a:effectRef idx="0">
-            <a:schemeClr val="accent1"/>
-          </a:effectRef>
-          <a:fontRef idx="minor">
-            <a:schemeClr val="tx1"/>
-          </a:fontRef>
-        </p:style>
-      </p:cxnSp>
-      <p:cxnSp>
-        <p:nvCxnSpPr>
-          <p:cNvPr id="28" name="直線コネクタ 27"/>
-          <p:cNvCxnSpPr/>
-          <p:nvPr/>
-        </p:nvCxnSpPr>
-        <p:spPr>
-          <a:xfrm flipH="1">
-            <a:off x="2123660" y="4159396"/>
-            <a:ext cx="216030" cy="470619"/>
-          </a:xfrm>
-          <a:prstGeom prst="line">
-            <a:avLst/>
-          </a:prstGeom>
-          <a:ln w="76200">
-            <a:solidFill>
-              <a:srgbClr val="0070C0"/>
-            </a:solidFill>
-          </a:ln>
-        </p:spPr>
-        <p:style>
-          <a:lnRef idx="1">
-            <a:schemeClr val="accent1"/>
-          </a:lnRef>
-          <a:fillRef idx="0">
-            <a:schemeClr val="accent1"/>
-          </a:fillRef>
-          <a:effectRef idx="0">
-            <a:schemeClr val="accent1"/>
-          </a:effectRef>
-          <a:fontRef idx="minor">
-            <a:schemeClr val="tx1"/>
-          </a:fontRef>
-        </p:style>
-      </p:cxnSp>
-      <p:cxnSp>
-        <p:nvCxnSpPr>
-          <p:cNvPr id="29" name="直線コネクタ 28"/>
-          <p:cNvCxnSpPr>
-            <a:stCxn id="22" idx="1"/>
-            <a:endCxn id="14" idx="3"/>
-          </p:cNvCxnSpPr>
-          <p:nvPr/>
-        </p:nvCxnSpPr>
-        <p:spPr>
-          <a:xfrm flipH="1">
-            <a:off x="3034408" y="3616747"/>
-            <a:ext cx="1465582" cy="144020"/>
-          </a:xfrm>
-          <a:prstGeom prst="line">
-            <a:avLst/>
-          </a:prstGeom>
-          <a:ln w="76200">
-            <a:solidFill>
-              <a:srgbClr val="0070C0"/>
-            </a:solidFill>
-          </a:ln>
-        </p:spPr>
-        <p:style>
-          <a:lnRef idx="1">
-            <a:schemeClr val="accent1"/>
-          </a:lnRef>
-          <a:fillRef idx="0">
-            <a:schemeClr val="accent1"/>
-          </a:fillRef>
-          <a:effectRef idx="0">
-            <a:schemeClr val="accent1"/>
-          </a:effectRef>
-          <a:fontRef idx="minor">
-            <a:schemeClr val="tx1"/>
-          </a:fontRef>
-        </p:style>
-      </p:cxnSp>
-      <p:cxnSp>
-        <p:nvCxnSpPr>
-          <p:cNvPr id="30" name="直線コネクタ 29"/>
-          <p:cNvCxnSpPr/>
-          <p:nvPr/>
-        </p:nvCxnSpPr>
-        <p:spPr>
-          <a:xfrm flipH="1">
-            <a:off x="4067930" y="4015376"/>
-            <a:ext cx="648090" cy="576080"/>
-          </a:xfrm>
-          <a:prstGeom prst="line">
-            <a:avLst/>
-          </a:prstGeom>
-          <a:ln w="76200">
-            <a:solidFill>
-              <a:srgbClr val="0070C0"/>
-            </a:solidFill>
-          </a:ln>
-        </p:spPr>
-        <p:style>
-          <a:lnRef idx="1">
-            <a:schemeClr val="accent1"/>
-          </a:lnRef>
-          <a:fillRef idx="0">
-            <a:schemeClr val="accent1"/>
-          </a:fillRef>
-          <a:effectRef idx="0">
-            <a:schemeClr val="accent1"/>
-          </a:effectRef>
-          <a:fontRef idx="minor">
-            <a:schemeClr val="tx1"/>
-          </a:fontRef>
-        </p:style>
-      </p:cxnSp>
-      <p:cxnSp>
-        <p:nvCxnSpPr>
-          <p:cNvPr id="32" name="直線コネクタ 31"/>
-          <p:cNvCxnSpPr/>
-          <p:nvPr/>
-        </p:nvCxnSpPr>
-        <p:spPr>
-          <a:xfrm flipH="1" flipV="1">
-            <a:off x="3995920" y="5023518"/>
-            <a:ext cx="432060" cy="210880"/>
-          </a:xfrm>
-          <a:prstGeom prst="line">
-            <a:avLst/>
-          </a:prstGeom>
-          <a:ln w="76200">
-            <a:solidFill>
-              <a:srgbClr val="0070C0"/>
-            </a:solidFill>
-          </a:ln>
-        </p:spPr>
-        <p:style>
-          <a:lnRef idx="1">
-            <a:schemeClr val="accent1"/>
-          </a:lnRef>
-          <a:fillRef idx="0">
-            <a:schemeClr val="accent1"/>
-          </a:fillRef>
-          <a:effectRef idx="0">
-            <a:schemeClr val="accent1"/>
-          </a:effectRef>
-          <a:fontRef idx="minor">
-            <a:schemeClr val="tx1"/>
-          </a:fontRef>
-        </p:style>
-      </p:cxnSp>
-      <p:cxnSp>
-        <p:nvCxnSpPr>
-          <p:cNvPr id="33" name="直線コネクタ 32"/>
-          <p:cNvCxnSpPr/>
-          <p:nvPr/>
-        </p:nvCxnSpPr>
-        <p:spPr>
-          <a:xfrm flipV="1">
-            <a:off x="3563860" y="5594449"/>
-            <a:ext cx="817492" cy="360049"/>
-          </a:xfrm>
-          <a:prstGeom prst="line">
-            <a:avLst/>
-          </a:prstGeom>
-          <a:ln w="76200">
-            <a:solidFill>
-              <a:srgbClr val="0070C0"/>
-            </a:solidFill>
-          </a:ln>
-        </p:spPr>
-        <p:style>
-          <a:lnRef idx="1">
-            <a:schemeClr val="accent1"/>
-          </a:lnRef>
-          <a:fillRef idx="0">
-            <a:schemeClr val="accent1"/>
-          </a:fillRef>
-          <a:effectRef idx="0">
-            <a:schemeClr val="accent1"/>
-          </a:effectRef>
-          <a:fontRef idx="minor">
-            <a:schemeClr val="tx1"/>
-          </a:fontRef>
-        </p:style>
-      </p:cxnSp>
-      <p:cxnSp>
-        <p:nvCxnSpPr>
-          <p:cNvPr id="34" name="直線コネクタ 33"/>
-          <p:cNvCxnSpPr/>
-          <p:nvPr/>
-        </p:nvCxnSpPr>
-        <p:spPr>
-          <a:xfrm flipV="1">
-            <a:off x="3491850" y="6026508"/>
-            <a:ext cx="1872260" cy="216030"/>
-          </a:xfrm>
-          <a:prstGeom prst="line">
-            <a:avLst/>
-          </a:prstGeom>
-          <a:ln w="76200">
-            <a:solidFill>
-              <a:srgbClr val="0070C0"/>
-            </a:solidFill>
-          </a:ln>
-        </p:spPr>
-        <p:style>
-          <a:lnRef idx="1">
-            <a:schemeClr val="accent1"/>
-          </a:lnRef>
-          <a:fillRef idx="0">
-            <a:schemeClr val="accent1"/>
-          </a:fillRef>
-          <a:effectRef idx="0">
-            <a:schemeClr val="accent1"/>
-          </a:effectRef>
-          <a:fontRef idx="minor">
-            <a:schemeClr val="tx1"/>
-          </a:fontRef>
-        </p:style>
-      </p:cxnSp>
-      <p:cxnSp>
-        <p:nvCxnSpPr>
-          <p:cNvPr id="35" name="直線コネクタ 34"/>
-          <p:cNvCxnSpPr/>
-          <p:nvPr/>
-        </p:nvCxnSpPr>
-        <p:spPr>
-          <a:xfrm flipH="1">
-            <a:off x="6300240" y="5882488"/>
-            <a:ext cx="936130" cy="0"/>
-          </a:xfrm>
-          <a:prstGeom prst="line">
-            <a:avLst/>
-          </a:prstGeom>
-          <a:ln w="76200">
-            <a:solidFill>
-              <a:srgbClr val="0070C0"/>
-            </a:solidFill>
-          </a:ln>
-        </p:spPr>
-        <p:style>
-          <a:lnRef idx="1">
-            <a:schemeClr val="accent1"/>
-          </a:lnRef>
-          <a:fillRef idx="0">
-            <a:schemeClr val="accent1"/>
-          </a:fillRef>
-          <a:effectRef idx="0">
-            <a:schemeClr val="accent1"/>
-          </a:effectRef>
-          <a:fontRef idx="minor">
-            <a:schemeClr val="tx1"/>
-          </a:fontRef>
-        </p:style>
-      </p:cxnSp>
-      <p:cxnSp>
-        <p:nvCxnSpPr>
-          <p:cNvPr id="36" name="直線コネクタ 35"/>
-          <p:cNvCxnSpPr/>
-          <p:nvPr/>
-        </p:nvCxnSpPr>
-        <p:spPr>
-          <a:xfrm flipV="1">
-            <a:off x="6012200" y="4298268"/>
-            <a:ext cx="1008140" cy="1296180"/>
-          </a:xfrm>
-          <a:prstGeom prst="line">
-            <a:avLst/>
-          </a:prstGeom>
-          <a:ln w="76200">
-            <a:solidFill>
-              <a:srgbClr val="0070C0"/>
-            </a:solidFill>
-          </a:ln>
-        </p:spPr>
-        <p:style>
-          <a:lnRef idx="1">
-            <a:schemeClr val="accent1"/>
-          </a:lnRef>
-          <a:fillRef idx="0">
-            <a:schemeClr val="accent1"/>
-          </a:fillRef>
-          <a:effectRef idx="0">
-            <a:schemeClr val="accent1"/>
-          </a:effectRef>
-          <a:fontRef idx="minor">
-            <a:schemeClr val="tx1"/>
-          </a:fontRef>
-        </p:style>
-      </p:cxnSp>
-      <p:cxnSp>
-        <p:nvCxnSpPr>
-          <p:cNvPr id="37" name="直線コネクタ 36"/>
-          <p:cNvCxnSpPr/>
-          <p:nvPr/>
-        </p:nvCxnSpPr>
-        <p:spPr>
-          <a:xfrm flipV="1">
-            <a:off x="4139940" y="4159396"/>
-            <a:ext cx="2664370" cy="648090"/>
-          </a:xfrm>
-          <a:prstGeom prst="line">
-            <a:avLst/>
-          </a:prstGeom>
-          <a:ln w="76200">
-            <a:solidFill>
-              <a:srgbClr val="0070C0"/>
-            </a:solidFill>
-          </a:ln>
-        </p:spPr>
-        <p:style>
-          <a:lnRef idx="1">
-            <a:schemeClr val="accent1"/>
-          </a:lnRef>
-          <a:fillRef idx="0">
-            <a:schemeClr val="accent1"/>
-          </a:fillRef>
-          <a:effectRef idx="0">
-            <a:schemeClr val="accent1"/>
-          </a:effectRef>
-          <a:fontRef idx="minor">
-            <a:schemeClr val="tx1"/>
-          </a:fontRef>
-        </p:style>
-      </p:cxnSp>
-      <p:cxnSp>
-        <p:nvCxnSpPr>
-          <p:cNvPr id="38" name="直線コネクタ 37"/>
-          <p:cNvCxnSpPr/>
-          <p:nvPr/>
-        </p:nvCxnSpPr>
-        <p:spPr>
-          <a:xfrm>
-            <a:off x="5220090" y="5450428"/>
-            <a:ext cx="216030" cy="144020"/>
-          </a:xfrm>
-          <a:prstGeom prst="line">
-            <a:avLst/>
-          </a:prstGeom>
-          <a:ln w="76200">
-            <a:solidFill>
-              <a:srgbClr val="0070C0"/>
-            </a:solidFill>
-          </a:ln>
-        </p:spPr>
-        <p:style>
-          <a:lnRef idx="1">
-            <a:schemeClr val="accent1"/>
-          </a:lnRef>
-          <a:fillRef idx="0">
-            <a:schemeClr val="accent1"/>
-          </a:fillRef>
-          <a:effectRef idx="0">
-            <a:schemeClr val="accent1"/>
-          </a:effectRef>
-          <a:fontRef idx="minor">
-            <a:schemeClr val="tx1"/>
-          </a:fontRef>
-        </p:style>
-      </p:cxnSp>
-      <p:cxnSp>
-        <p:nvCxnSpPr>
-          <p:cNvPr id="39" name="直線コネクタ 38"/>
-          <p:cNvCxnSpPr/>
-          <p:nvPr/>
-        </p:nvCxnSpPr>
-        <p:spPr>
-          <a:xfrm>
-            <a:off x="5148080" y="4015376"/>
-            <a:ext cx="2232310" cy="1579072"/>
-          </a:xfrm>
-          <a:prstGeom prst="line">
-            <a:avLst/>
-          </a:prstGeom>
-          <a:ln w="76200">
-            <a:solidFill>
-              <a:srgbClr val="0070C0"/>
-            </a:solidFill>
-          </a:ln>
-        </p:spPr>
-        <p:style>
-          <a:lnRef idx="1">
-            <a:schemeClr val="accent1"/>
-          </a:lnRef>
-          <a:fillRef idx="0">
-            <a:schemeClr val="accent1"/>
-          </a:fillRef>
-          <a:effectRef idx="0">
-            <a:schemeClr val="accent1"/>
-          </a:effectRef>
-          <a:fontRef idx="minor">
-            <a:schemeClr val="tx1"/>
-          </a:fontRef>
-        </p:style>
-      </p:cxnSp>
-      <p:cxnSp>
-        <p:nvCxnSpPr>
-          <p:cNvPr id="44" name="直線コネクタ 43"/>
-          <p:cNvCxnSpPr/>
-          <p:nvPr/>
-        </p:nvCxnSpPr>
-        <p:spPr>
-          <a:xfrm>
-            <a:off x="5220090" y="3583316"/>
-            <a:ext cx="1584220" cy="216030"/>
-          </a:xfrm>
-          <a:prstGeom prst="line">
-            <a:avLst/>
-          </a:prstGeom>
-          <a:ln w="76200">
-            <a:solidFill>
-              <a:srgbClr val="0070C0"/>
-            </a:solidFill>
-          </a:ln>
-        </p:spPr>
-        <p:style>
-          <a:lnRef idx="1">
-            <a:schemeClr val="accent1"/>
-          </a:lnRef>
-          <a:fillRef idx="0">
-            <a:schemeClr val="accent1"/>
-          </a:fillRef>
-          <a:effectRef idx="0">
-            <a:schemeClr val="accent1"/>
-          </a:effectRef>
-          <a:fontRef idx="minor">
-            <a:schemeClr val="tx1"/>
-          </a:fontRef>
-        </p:style>
-      </p:cxnSp>
-    </p:spTree>
-    <p:extLst>
-      <p:ext uri="{BB962C8B-B14F-4D97-AF65-F5344CB8AC3E}">
-        <p14:creationId xmlns:p14="http://schemas.microsoft.com/office/powerpoint/2010/main" val="1160677214"/>
-      </p:ext>
-    </p:extLst>
-  </p:cSld>
-  <p:clrMapOvr>
-    <a:masterClrMapping/>
-  </p:clrMapOvr>
-</p:sld>
-</file>
-
-<file path=ppt/slides/slide20.xml><?xml version="1.0" encoding="utf-8"?>
+<file path=ppt/slides/slide21.xml><?xml version="1.0" encoding="utf-8"?>
 <p:sld xmlns:a="http://schemas.openxmlformats.org/drawingml/2006/main" xmlns:r="http://schemas.openxmlformats.org/officeDocument/2006/relationships" xmlns:p="http://schemas.openxmlformats.org/presentationml/2006/main">
   <p:cSld>
     <p:spTree>
@@ -20454,7 +23756,7 @@
 </p:sld>
 </file>
 
-<file path=ppt/slides/slide21.xml><?xml version="1.0" encoding="utf-8"?>
+<file path=ppt/slides/slide22.xml><?xml version="1.0" encoding="utf-8"?>
 <p:sld xmlns:a="http://schemas.openxmlformats.org/drawingml/2006/main" xmlns:r="http://schemas.openxmlformats.org/officeDocument/2006/relationships" xmlns:p="http://schemas.openxmlformats.org/presentationml/2006/main">
   <p:cSld>
     <p:spTree>
@@ -25655,7 +28957,7 @@
 </p:sld>
 </file>
 
-<file path=ppt/slides/slide22.xml><?xml version="1.0" encoding="utf-8"?>
+<file path=ppt/slides/slide23.xml><?xml version="1.0" encoding="utf-8"?>
 <p:sld xmlns:a="http://schemas.openxmlformats.org/drawingml/2006/main" xmlns:r="http://schemas.openxmlformats.org/officeDocument/2006/relationships" xmlns:p="http://schemas.openxmlformats.org/presentationml/2006/main">
   <p:cSld>
     <p:spTree>
@@ -25738,7 +29040,7 @@
 </p:sld>
 </file>
 
-<file path=ppt/slides/slide23.xml><?xml version="1.0" encoding="utf-8"?>
+<file path=ppt/slides/slide24.xml><?xml version="1.0" encoding="utf-8"?>
 <p:sld xmlns:a="http://schemas.openxmlformats.org/drawingml/2006/main" xmlns:r="http://schemas.openxmlformats.org/officeDocument/2006/relationships" xmlns:p="http://schemas.openxmlformats.org/presentationml/2006/main" show="0">
   <p:cSld>
     <p:spTree>
@@ -25877,7 +29179,7 @@
 </file>
 
 <file path=ppt/slides/slide3.xml><?xml version="1.0" encoding="utf-8"?>
-<p:sld xmlns:a="http://schemas.openxmlformats.org/drawingml/2006/main" xmlns:r="http://schemas.openxmlformats.org/officeDocument/2006/relationships" xmlns:p="http://schemas.openxmlformats.org/presentationml/2006/main">
+<p:sld xmlns:a="http://schemas.openxmlformats.org/drawingml/2006/main" xmlns:r="http://schemas.openxmlformats.org/officeDocument/2006/relationships" xmlns:p="http://schemas.openxmlformats.org/presentationml/2006/main" show="0">
   <p:cSld>
     <p:spTree>
       <p:nvGrpSpPr>
@@ -25909,10 +29211,9 @@
           <a:lstStyle/>
           <a:p>
             <a:r>
-              <a:rPr lang="ja-JP" altLang="en-US"/>
-              <a:t>分散システム</a:t>
-            </a:r>
-            <a:endParaRPr lang="ja-JP" altLang="en-US" dirty="0"/>
+              <a:rPr lang="ja-JP" altLang="en-US" dirty="0"/>
+              <a:t>分散アルゴリズム</a:t>
+            </a:r>
           </a:p>
         </p:txBody>
       </p:sp>
@@ -27692,10 +30993,9 @@
           <a:lstStyle/>
           <a:p>
             <a:r>
-              <a:rPr lang="ja-JP" altLang="en-US"/>
-              <a:t>分散システム</a:t>
-            </a:r>
-            <a:endParaRPr lang="ja-JP" altLang="en-US" dirty="0"/>
+              <a:rPr lang="ja-JP" altLang="en-US" dirty="0"/>
+              <a:t>分散アルゴリズム</a:t>
+            </a:r>
           </a:p>
         </p:txBody>
       </p:sp>
@@ -28382,7 +31682,7 @@
                 <a:avLst/>
               </a:prstGeom>
               <a:blipFill rotWithShape="0">
-                <a:blip r:embed="rId2"/>
+                <a:blip r:embed="rId3"/>
                 <a:stretch>
                   <a:fillRect/>
                 </a:stretch>
@@ -28496,7 +31796,7 @@
                 <a:avLst/>
               </a:prstGeom>
               <a:blipFill rotWithShape="0">
-                <a:blip r:embed="rId3"/>
+                <a:blip r:embed="rId4"/>
                 <a:stretch>
                   <a:fillRect/>
                 </a:stretch>
@@ -28610,7 +31910,7 @@
                 <a:avLst/>
               </a:prstGeom>
               <a:blipFill rotWithShape="0">
-                <a:blip r:embed="rId4"/>
+                <a:blip r:embed="rId5"/>
                 <a:stretch>
                   <a:fillRect/>
                 </a:stretch>
@@ -28724,7 +32024,7 @@
                 <a:avLst/>
               </a:prstGeom>
               <a:blipFill rotWithShape="0">
-                <a:blip r:embed="rId5"/>
+                <a:blip r:embed="rId6"/>
                 <a:stretch>
                   <a:fillRect/>
                 </a:stretch>
@@ -28838,7 +32138,7 @@
                 <a:avLst/>
               </a:prstGeom>
               <a:blipFill rotWithShape="0">
-                <a:blip r:embed="rId6"/>
+                <a:blip r:embed="rId7"/>
                 <a:stretch>
                   <a:fillRect/>
                 </a:stretch>
@@ -28952,7 +32252,7 @@
                 <a:avLst/>
               </a:prstGeom>
               <a:blipFill rotWithShape="0">
-                <a:blip r:embed="rId7"/>
+                <a:blip r:embed="rId8"/>
                 <a:stretch>
                   <a:fillRect/>
                 </a:stretch>
@@ -29066,7 +32366,7 @@
                 <a:avLst/>
               </a:prstGeom>
               <a:blipFill rotWithShape="0">
-                <a:blip r:embed="rId8"/>
+                <a:blip r:embed="rId9"/>
                 <a:stretch>
                   <a:fillRect/>
                 </a:stretch>
@@ -29180,7 +32480,7 @@
                 <a:avLst/>
               </a:prstGeom>
               <a:blipFill rotWithShape="0">
-                <a:blip r:embed="rId9"/>
+                <a:blip r:embed="rId10"/>
                 <a:stretch>
                   <a:fillRect/>
                 </a:stretch>
@@ -29294,7 +32594,7 @@
                 <a:avLst/>
               </a:prstGeom>
               <a:blipFill rotWithShape="0">
-                <a:blip r:embed="rId10"/>
+                <a:blip r:embed="rId11"/>
                 <a:stretch>
                   <a:fillRect/>
                 </a:stretch>
@@ -29408,7 +32708,7 @@
                 <a:avLst/>
               </a:prstGeom>
               <a:blipFill rotWithShape="0">
-                <a:blip r:embed="rId11"/>
+                <a:blip r:embed="rId12"/>
                 <a:stretch>
                   <a:fillRect/>
                 </a:stretch>
@@ -29538,8 +32838,8 @@
           </a:p>
         </p:txBody>
       </p:sp>
-      <mc:AlternateContent xmlns:mc="http://schemas.openxmlformats.org/markup-compatibility/2006" xmlns:a14="http://schemas.microsoft.com/office/drawing/2010/main">
-        <mc:Choice Requires="a14">
+      <mc:AlternateContent xmlns:mc="http://schemas.openxmlformats.org/markup-compatibility/2006">
+        <mc:Choice xmlns:a14="http://schemas.microsoft.com/office/drawing/2010/main" Requires="a14">
           <p:sp>
             <p:nvSpPr>
               <p:cNvPr id="3" name="コンテンツ プレースホルダー 2"/>
@@ -29608,7 +32908,7 @@
                 </a14:m>
                 <a:r>
                   <a:rPr lang="ja-JP" altLang="en-US" dirty="0"/>
-                  <a:t>ビットのメッセージを近傍に送信</a:t>
+                  <a:t>ビットのメッセージを隣接ノードに送信</a:t>
                 </a:r>
                 <a:endParaRPr lang="en-US" altLang="ja-JP" dirty="0"/>
               </a:p>
@@ -29616,7 +32916,7 @@
                 <a:pPr lvl="2"/>
                 <a:r>
                   <a:rPr lang="ja-JP" altLang="en-US" dirty="0"/>
-                  <a:t>近傍からメッセージを受信</a:t>
+                  <a:t>隣接ノードからメッセージを受信</a:t>
                 </a:r>
                 <a:endParaRPr lang="en-US" altLang="ja-JP" dirty="0"/>
               </a:p>
@@ -29710,7 +33010,7 @@
                 </a14:m>
                 <a:r>
                   <a:rPr lang="ja-JP" altLang="en-US" dirty="0"/>
-                  <a:t>はグラフの頂点数</a:t>
+                  <a:t>はグラフのノード数</a:t>
                 </a:r>
                 <a:r>
                   <a:rPr lang="en-US" altLang="ja-JP" dirty="0"/>
@@ -29720,7 +33020,7 @@
             </p:txBody>
           </p:sp>
         </mc:Choice>
-        <mc:Fallback xmlns="">
+        <mc:Fallback>
           <p:sp>
             <p:nvSpPr>
               <p:cNvPr id="3" name="コンテンツ プレースホルダー 2"/>
@@ -29733,7 +33033,7 @@
             </p:nvSpPr>
             <p:spPr>
               <a:blipFill>
-                <a:blip r:embed="rId2"/>
+                <a:blip r:embed="rId3"/>
                 <a:stretch>
                   <a:fillRect l="-139" t="-696"/>
                 </a:stretch>
@@ -29951,7 +33251,7 @@
           <a:p>
             <a:r>
               <a:rPr lang="ja-JP" altLang="en-US" dirty="0"/>
-              <a:t>背景</a:t>
+              <a:t>独立集合</a:t>
             </a:r>
             <a:endParaRPr kumimoji="1" lang="ja-JP" altLang="en-US" dirty="0"/>
           </a:p>
@@ -34904,7 +38204,7 @@
             </p:nvSpPr>
             <p:spPr>
               <a:blipFill>
-                <a:blip r:embed="rId2"/>
+                <a:blip r:embed="rId3"/>
                 <a:stretch>
                   <a:fillRect l="-139" t="-928"/>
                 </a:stretch>
@@ -35150,7 +38450,7 @@
             </p:nvSpPr>
             <p:spPr>
               <a:blipFill>
-                <a:blip r:embed="rId2"/>
+                <a:blip r:embed="rId3"/>
                 <a:stretch>
                   <a:fillRect l="-139" t="-928"/>
                 </a:stretch>

--- a/chukan/chukan2020_sato.pptx
+++ b/chukan/chukan2020_sato.pptx
@@ -7228,8 +7228,8 @@
           <a:chExt cx="0" cy="0"/>
         </a:xfrm>
       </p:grpSpPr>
-      <mc:AlternateContent xmlns:mc="http://schemas.openxmlformats.org/markup-compatibility/2006">
-        <mc:Choice xmlns:a14="http://schemas.microsoft.com/office/drawing/2010/main" Requires="a14">
+      <mc:AlternateContent xmlns:mc="http://schemas.openxmlformats.org/markup-compatibility/2006" xmlns:a14="http://schemas.microsoft.com/office/drawing/2010/main">
+        <mc:Choice Requires="a14">
           <p:sp>
             <p:nvSpPr>
               <p:cNvPr id="2" name="タイトル 1"/>
@@ -7267,7 +7267,7 @@
             </p:txBody>
           </p:sp>
         </mc:Choice>
-        <mc:Fallback>
+        <mc:Fallback xmlns="">
           <p:sp>
             <p:nvSpPr>
               <p:cNvPr id="2" name="タイトル 1"/>
@@ -7500,8 +7500,8 @@
           <a:chExt cx="0" cy="0"/>
         </a:xfrm>
       </p:grpSpPr>
-      <mc:AlternateContent xmlns:mc="http://schemas.openxmlformats.org/markup-compatibility/2006">
-        <mc:Choice xmlns:a14="http://schemas.microsoft.com/office/drawing/2010/main" Requires="a14">
+      <mc:AlternateContent xmlns:mc="http://schemas.openxmlformats.org/markup-compatibility/2006" xmlns:a14="http://schemas.microsoft.com/office/drawing/2010/main">
+        <mc:Choice Requires="a14">
           <p:sp>
             <p:nvSpPr>
               <p:cNvPr id="2" name="タイトル 1"/>
@@ -7539,7 +7539,7 @@
             </p:txBody>
           </p:sp>
         </mc:Choice>
-        <mc:Fallback>
+        <mc:Fallback xmlns="">
           <p:sp>
             <p:nvSpPr>
               <p:cNvPr id="2" name="タイトル 1"/>
@@ -9838,8 +9838,8 @@
           <a:chExt cx="0" cy="0"/>
         </a:xfrm>
       </p:grpSpPr>
-      <mc:AlternateContent xmlns:mc="http://schemas.openxmlformats.org/markup-compatibility/2006">
-        <mc:Choice xmlns:a14="http://schemas.microsoft.com/office/drawing/2010/main" Requires="a14">
+      <mc:AlternateContent xmlns:mc="http://schemas.openxmlformats.org/markup-compatibility/2006" xmlns:a14="http://schemas.microsoft.com/office/drawing/2010/main">
+        <mc:Choice Requires="a14">
           <p:sp>
             <p:nvSpPr>
               <p:cNvPr id="2" name="タイトル 1"/>
@@ -9877,7 +9877,7 @@
             </p:txBody>
           </p:sp>
         </mc:Choice>
-        <mc:Fallback>
+        <mc:Fallback xmlns="">
           <p:sp>
             <p:nvSpPr>
               <p:cNvPr id="2" name="タイトル 1"/>
@@ -13349,8 +13349,8 @@
           <a:chExt cx="0" cy="0"/>
         </a:xfrm>
       </p:grpSpPr>
-      <mc:AlternateContent xmlns:mc="http://schemas.openxmlformats.org/markup-compatibility/2006">
-        <mc:Choice xmlns:a14="http://schemas.microsoft.com/office/drawing/2010/main" Requires="a14">
+      <mc:AlternateContent xmlns:mc="http://schemas.openxmlformats.org/markup-compatibility/2006" xmlns:a14="http://schemas.microsoft.com/office/drawing/2010/main">
+        <mc:Choice Requires="a14">
           <p:sp>
             <p:nvSpPr>
               <p:cNvPr id="2" name="タイトル 1"/>
@@ -13388,7 +13388,7 @@
             </p:txBody>
           </p:sp>
         </mc:Choice>
-        <mc:Fallback>
+        <mc:Fallback xmlns="">
           <p:sp>
             <p:nvSpPr>
               <p:cNvPr id="2" name="タイトル 1"/>
@@ -13667,8 +13667,8 @@
           <a:chExt cx="0" cy="0"/>
         </a:xfrm>
       </p:grpSpPr>
-      <mc:AlternateContent xmlns:mc="http://schemas.openxmlformats.org/markup-compatibility/2006">
-        <mc:Choice xmlns:a14="http://schemas.microsoft.com/office/drawing/2010/main" Requires="a14">
+      <mc:AlternateContent xmlns:mc="http://schemas.openxmlformats.org/markup-compatibility/2006" xmlns:a14="http://schemas.microsoft.com/office/drawing/2010/main">
+        <mc:Choice Requires="a14">
           <p:sp>
             <p:nvSpPr>
               <p:cNvPr id="2" name="タイトル 1"/>
@@ -13706,7 +13706,7 @@
             </p:txBody>
           </p:sp>
         </mc:Choice>
-        <mc:Fallback>
+        <mc:Fallback xmlns="">
           <p:sp>
             <p:nvSpPr>
               <p:cNvPr id="2" name="タイトル 1"/>
@@ -14158,8 +14158,8 @@
           </a:p>
         </p:txBody>
       </p:sp>
-      <mc:AlternateContent xmlns:mc="http://schemas.openxmlformats.org/markup-compatibility/2006">
-        <mc:Choice xmlns:a14="http://schemas.microsoft.com/office/drawing/2010/main" Requires="a14">
+      <mc:AlternateContent xmlns:mc="http://schemas.openxmlformats.org/markup-compatibility/2006" xmlns:a14="http://schemas.microsoft.com/office/drawing/2010/main">
+        <mc:Choice Requires="a14">
           <p:sp>
             <p:nvSpPr>
               <p:cNvPr id="3" name="コンテンツ プレースホルダー 2">
@@ -14372,7 +14372,7 @@
             </p:txBody>
           </p:sp>
         </mc:Choice>
-        <mc:Fallback>
+        <mc:Fallback xmlns="">
           <p:sp>
             <p:nvSpPr>
               <p:cNvPr id="3" name="コンテンツ プレースホルダー 2">
@@ -15707,8 +15707,8 @@
           </a:p>
         </p:txBody>
       </p:sp>
-      <mc:AlternateContent xmlns:mc="http://schemas.openxmlformats.org/markup-compatibility/2006">
-        <mc:Choice xmlns:a14="http://schemas.microsoft.com/office/drawing/2010/main" Requires="a14">
+      <mc:AlternateContent xmlns:mc="http://schemas.openxmlformats.org/markup-compatibility/2006" xmlns:a14="http://schemas.microsoft.com/office/drawing/2010/main">
+        <mc:Choice Requires="a14">
           <p:sp>
             <p:nvSpPr>
               <p:cNvPr id="6" name="テキスト ボックス 5">
@@ -15764,7 +15764,7 @@
             </p:txBody>
           </p:sp>
         </mc:Choice>
-        <mc:Fallback>
+        <mc:Fallback xmlns="">
           <p:sp>
             <p:nvSpPr>
               <p:cNvPr id="6" name="テキスト ボックス 5">
@@ -16136,8 +16136,8 @@
           </a:p>
         </p:txBody>
       </p:sp>
-      <mc:AlternateContent xmlns:mc="http://schemas.openxmlformats.org/markup-compatibility/2006">
-        <mc:Choice xmlns:a14="http://schemas.microsoft.com/office/drawing/2010/main" Requires="a14">
+      <mc:AlternateContent xmlns:mc="http://schemas.openxmlformats.org/markup-compatibility/2006" xmlns:a14="http://schemas.microsoft.com/office/drawing/2010/main">
+        <mc:Choice Requires="a14">
           <p:sp>
             <p:nvSpPr>
               <p:cNvPr id="14" name="テキスト ボックス 13">
@@ -16185,19 +16185,7 @@
                         <a:rPr kumimoji="1" lang="en-US" altLang="ja-JP" sz="1600" b="0" i="1" smtClean="0">
                           <a:latin typeface="Cambria Math" panose="02040503050406030204" pitchFamily="18" charset="0"/>
                         </a:rPr>
-                        <m:t>{3, 5, </m:t>
-                      </m:r>
-                      <m:r>
-                        <a:rPr kumimoji="1" lang="en-US" altLang="ja-JP" sz="1600" b="0" i="1" smtClean="0">
-                          <a:latin typeface="Cambria Math" panose="02040503050406030204" pitchFamily="18" charset="0"/>
-                        </a:rPr>
-                        <m:t>7</m:t>
-                      </m:r>
-                      <m:r>
-                        <a:rPr kumimoji="1" lang="en-US" altLang="ja-JP" sz="1600" b="0" i="1" smtClean="0">
-                          <a:latin typeface="Cambria Math" panose="02040503050406030204" pitchFamily="18" charset="0"/>
-                        </a:rPr>
-                        <m:t>, 9}</m:t>
+                        <m:t>{3, 5, 7, 9}</m:t>
                       </m:r>
                     </m:oMath>
                   </m:oMathPara>
@@ -16207,7 +16195,7 @@
             </p:txBody>
           </p:sp>
         </mc:Choice>
-        <mc:Fallback>
+        <mc:Fallback xmlns="">
           <p:sp>
             <p:nvSpPr>
               <p:cNvPr id="14" name="テキスト ボックス 13">
@@ -16464,8 +16452,8 @@
           </a:p>
         </p:txBody>
       </p:sp>
-      <mc:AlternateContent xmlns:mc="http://schemas.openxmlformats.org/markup-compatibility/2006">
-        <mc:Choice xmlns:a14="http://schemas.microsoft.com/office/drawing/2010/main" Requires="a14">
+      <mc:AlternateContent xmlns:mc="http://schemas.openxmlformats.org/markup-compatibility/2006" xmlns:a14="http://schemas.microsoft.com/office/drawing/2010/main">
+        <mc:Choice Requires="a14">
           <p:sp>
             <p:nvSpPr>
               <p:cNvPr id="3" name="コンテンツ プレースホルダー 2">
@@ -16667,7 +16655,7 @@
             </p:txBody>
           </p:sp>
         </mc:Choice>
-        <mc:Fallback>
+        <mc:Fallback xmlns="">
           <p:sp>
             <p:nvSpPr>
               <p:cNvPr id="3" name="コンテンツ プレースホルダー 2">
@@ -16792,8 +16780,8 @@
           </a:p>
         </p:txBody>
       </p:sp>
-      <mc:AlternateContent xmlns:mc="http://schemas.openxmlformats.org/markup-compatibility/2006">
-        <mc:Choice xmlns:a14="http://schemas.microsoft.com/office/drawing/2010/main" Requires="a14">
+      <mc:AlternateContent xmlns:mc="http://schemas.openxmlformats.org/markup-compatibility/2006" xmlns:a14="http://schemas.microsoft.com/office/drawing/2010/main">
+        <mc:Choice Requires="a14">
           <p:sp>
             <p:nvSpPr>
               <p:cNvPr id="19" name="テキスト ボックス 18">
@@ -16849,7 +16837,7 @@
             </p:txBody>
           </p:sp>
         </mc:Choice>
-        <mc:Fallback>
+        <mc:Fallback xmlns="">
           <p:sp>
             <p:nvSpPr>
               <p:cNvPr id="19" name="テキスト ボックス 18">
@@ -16980,8 +16968,8 @@
           </a:p>
         </p:txBody>
       </p:sp>
-      <mc:AlternateContent xmlns:mc="http://schemas.openxmlformats.org/markup-compatibility/2006">
-        <mc:Choice xmlns:a14="http://schemas.microsoft.com/office/drawing/2010/main" Requires="a14">
+      <mc:AlternateContent xmlns:mc="http://schemas.openxmlformats.org/markup-compatibility/2006" xmlns:a14="http://schemas.microsoft.com/office/drawing/2010/main">
+        <mc:Choice Requires="a14">
           <p:sp>
             <p:nvSpPr>
               <p:cNvPr id="22" name="テキスト ボックス 21">
@@ -17037,7 +17025,7 @@
             </p:txBody>
           </p:sp>
         </mc:Choice>
-        <mc:Fallback>
+        <mc:Fallback xmlns="">
           <p:sp>
             <p:nvSpPr>
               <p:cNvPr id="22" name="テキスト ボックス 21">
@@ -19514,7 +19502,7 @@
                 </a:r>
                 <a:r>
                   <a:rPr lang="ja-JP" altLang="en-US" dirty="0"/>
-                  <a:t>← 通信複雑性下界より</a:t>
+                  <a:t>← 交叉判定の下界より</a:t>
                 </a:r>
                 <a:r>
                   <a:rPr lang="en-US" altLang="ja-JP" dirty="0"/>
@@ -19532,7 +19520,7 @@
                 </a:br>
                 <a:r>
                   <a:rPr lang="ja-JP" altLang="en-US" dirty="0"/>
-                  <a:t>→　十分な量の通信ができるぐらいの時間が必要</a:t>
+                  <a:t>→　十分な量の通信ができるぐらいのラウンド数が必要</a:t>
                 </a:r>
                 <a:endParaRPr lang="en-US" altLang="ja-JP" dirty="0"/>
               </a:p>
@@ -32838,8 +32826,8 @@
           </a:p>
         </p:txBody>
       </p:sp>
-      <mc:AlternateContent xmlns:mc="http://schemas.openxmlformats.org/markup-compatibility/2006">
-        <mc:Choice xmlns:a14="http://schemas.microsoft.com/office/drawing/2010/main" Requires="a14">
+      <mc:AlternateContent xmlns:mc="http://schemas.openxmlformats.org/markup-compatibility/2006" xmlns:a14="http://schemas.microsoft.com/office/drawing/2010/main">
+        <mc:Choice Requires="a14">
           <p:sp>
             <p:nvSpPr>
               <p:cNvPr id="3" name="コンテンツ プレースホルダー 2"/>
@@ -33020,7 +33008,7 @@
             </p:txBody>
           </p:sp>
         </mc:Choice>
-        <mc:Fallback>
+        <mc:Fallback xmlns="">
           <p:sp>
             <p:nvSpPr>
               <p:cNvPr id="3" name="コンテンツ プレースホルダー 2"/>

--- a/chukan/chukan2020_sato.pptx
+++ b/chukan/chukan2020_sato.pptx
@@ -5,7 +5,7 @@
     <p:sldMasterId id="2147483660" r:id="rId1"/>
   </p:sldMasterIdLst>
   <p:notesMasterIdLst>
-    <p:notesMasterId r:id="rId28"/>
+    <p:notesMasterId r:id="rId29"/>
   </p:notesMasterIdLst>
   <p:sldIdLst>
     <p:sldId id="256" r:id="rId2"/>
@@ -27,13 +27,14 @@
     <p:sldId id="435" r:id="rId18"/>
     <p:sldId id="420" r:id="rId19"/>
     <p:sldId id="262" r:id="rId20"/>
-    <p:sldId id="263" r:id="rId21"/>
-    <p:sldId id="261" r:id="rId22"/>
-    <p:sldId id="337" r:id="rId23"/>
-    <p:sldId id="436" r:id="rId24"/>
-    <p:sldId id="427" r:id="rId25"/>
-    <p:sldId id="424" r:id="rId26"/>
-    <p:sldId id="425" r:id="rId27"/>
+    <p:sldId id="438" r:id="rId21"/>
+    <p:sldId id="263" r:id="rId22"/>
+    <p:sldId id="261" r:id="rId23"/>
+    <p:sldId id="337" r:id="rId24"/>
+    <p:sldId id="436" r:id="rId25"/>
+    <p:sldId id="427" r:id="rId26"/>
+    <p:sldId id="424" r:id="rId27"/>
+    <p:sldId id="425" r:id="rId28"/>
   </p:sldIdLst>
   <p:sldSz cx="9144000" cy="6858000" type="screen4x3"/>
   <p:notesSz cx="6858000" cy="9144000"/>
@@ -222,7 +223,7 @@
           <a:p>
             <a:fld id="{0FB9BC34-7631-4F07-B44B-E8A1F99FCDCB}" type="datetimeFigureOut">
               <a:rPr kumimoji="1" lang="ja-JP" altLang="en-US" smtClean="0"/>
-              <a:t>2020/12/12</a:t>
+              <a:t>2020/12/13</a:t>
             </a:fld>
             <a:endParaRPr kumimoji="1" lang="ja-JP" altLang="en-US"/>
           </a:p>
@@ -1768,7 +1769,7 @@
           <a:p>
             <a:fld id="{4161D5E1-FE6F-4674-AAC8-28163DEE8E71}" type="slidenum">
               <a:rPr kumimoji="1" lang="ja-JP" altLang="en-US" smtClean="0"/>
-              <a:t>23</a:t>
+              <a:t>24</a:t>
             </a:fld>
             <a:endParaRPr kumimoji="1" lang="ja-JP" altLang="en-US"/>
           </a:p>
@@ -1907,7 +1908,7 @@
           <a:p>
             <a:fld id="{4161D5E1-FE6F-4674-AAC8-28163DEE8E71}" type="slidenum">
               <a:rPr kumimoji="1" lang="ja-JP" altLang="en-US" smtClean="0"/>
-              <a:t>24</a:t>
+              <a:t>25</a:t>
             </a:fld>
             <a:endParaRPr kumimoji="1" lang="ja-JP" altLang="en-US"/>
           </a:p>
@@ -3348,7 +3349,7 @@
           <a:p>
             <a:fld id="{844F5DE2-B296-4507-AFDA-C68D4D277656}" type="datetimeFigureOut">
               <a:rPr kumimoji="1" lang="ja-JP" altLang="en-US" smtClean="0"/>
-              <a:t>2020/12/12</a:t>
+              <a:t>2020/12/13</a:t>
             </a:fld>
             <a:endParaRPr kumimoji="1" lang="ja-JP" altLang="en-US"/>
           </a:p>
@@ -3508,7 +3509,7 @@
           <a:p>
             <a:fld id="{844F5DE2-B296-4507-AFDA-C68D4D277656}" type="datetimeFigureOut">
               <a:rPr kumimoji="1" lang="ja-JP" altLang="en-US" smtClean="0"/>
-              <a:t>2020/12/12</a:t>
+              <a:t>2020/12/13</a:t>
             </a:fld>
             <a:endParaRPr kumimoji="1" lang="ja-JP" altLang="en-US"/>
           </a:p>
@@ -3730,7 +3731,7 @@
           <a:p>
             <a:fld id="{844F5DE2-B296-4507-AFDA-C68D4D277656}" type="datetimeFigureOut">
               <a:rPr kumimoji="1" lang="ja-JP" altLang="en-US" smtClean="0"/>
-              <a:t>2020/12/12</a:t>
+              <a:t>2020/12/13</a:t>
             </a:fld>
             <a:endParaRPr kumimoji="1" lang="ja-JP" altLang="en-US"/>
           </a:p>
@@ -4358,7 +4359,7 @@
           <a:p>
             <a:fld id="{844F5DE2-B296-4507-AFDA-C68D4D277656}" type="datetimeFigureOut">
               <a:rPr kumimoji="1" lang="ja-JP" altLang="en-US" smtClean="0"/>
-              <a:t>2020/12/12</a:t>
+              <a:t>2020/12/13</a:t>
             </a:fld>
             <a:endParaRPr kumimoji="1" lang="ja-JP" altLang="en-US"/>
           </a:p>
@@ -4649,7 +4650,7 @@
           <a:p>
             <a:fld id="{844F5DE2-B296-4507-AFDA-C68D4D277656}" type="datetimeFigureOut">
               <a:rPr kumimoji="1" lang="ja-JP" altLang="en-US" smtClean="0"/>
-              <a:t>2020/12/12</a:t>
+              <a:t>2020/12/13</a:t>
             </a:fld>
             <a:endParaRPr kumimoji="1" lang="ja-JP" altLang="en-US"/>
           </a:p>
@@ -5003,7 +5004,7 @@
           <a:p>
             <a:fld id="{844F5DE2-B296-4507-AFDA-C68D4D277656}" type="datetimeFigureOut">
               <a:rPr kumimoji="1" lang="ja-JP" altLang="en-US" smtClean="0"/>
-              <a:t>2020/12/12</a:t>
+              <a:t>2020/12/13</a:t>
             </a:fld>
             <a:endParaRPr kumimoji="1" lang="ja-JP" altLang="en-US"/>
           </a:p>
@@ -5324,7 +5325,7 @@
           <a:p>
             <a:fld id="{844F5DE2-B296-4507-AFDA-C68D4D277656}" type="datetimeFigureOut">
               <a:rPr kumimoji="1" lang="ja-JP" altLang="en-US" smtClean="0"/>
-              <a:t>2020/12/12</a:t>
+              <a:t>2020/12/13</a:t>
             </a:fld>
             <a:endParaRPr kumimoji="1" lang="ja-JP" altLang="en-US"/>
           </a:p>
@@ -5639,7 +5640,7 @@
           <a:p>
             <a:fld id="{844F5DE2-B296-4507-AFDA-C68D4D277656}" type="datetimeFigureOut">
               <a:rPr kumimoji="1" lang="ja-JP" altLang="en-US" smtClean="0"/>
-              <a:t>2020/12/12</a:t>
+              <a:t>2020/12/13</a:t>
             </a:fld>
             <a:endParaRPr kumimoji="1" lang="ja-JP" altLang="en-US"/>
           </a:p>
@@ -5849,7 +5850,7 @@
           <a:p>
             <a:fld id="{844F5DE2-B296-4507-AFDA-C68D4D277656}" type="datetimeFigureOut">
               <a:rPr kumimoji="1" lang="ja-JP" altLang="en-US" smtClean="0"/>
-              <a:t>2020/12/12</a:t>
+              <a:t>2020/12/13</a:t>
             </a:fld>
             <a:endParaRPr kumimoji="1" lang="ja-JP" altLang="en-US"/>
           </a:p>
@@ -5957,7 +5958,7 @@
           <a:p>
             <a:fld id="{844F5DE2-B296-4507-AFDA-C68D4D277656}" type="datetimeFigureOut">
               <a:rPr kumimoji="1" lang="ja-JP" altLang="en-US" smtClean="0"/>
-              <a:t>2020/12/12</a:t>
+              <a:t>2020/12/13</a:t>
             </a:fld>
             <a:endParaRPr kumimoji="1" lang="ja-JP" altLang="en-US"/>
           </a:p>
@@ -6098,7 +6099,7 @@
           <a:p>
             <a:fld id="{844F5DE2-B296-4507-AFDA-C68D4D277656}" type="datetimeFigureOut">
               <a:rPr kumimoji="1" lang="ja-JP" altLang="en-US" smtClean="0"/>
-              <a:t>2020/12/12</a:t>
+              <a:t>2020/12/13</a:t>
             </a:fld>
             <a:endParaRPr kumimoji="1" lang="ja-JP" altLang="en-US"/>
           </a:p>
@@ -6653,7 +6654,7 @@
           <a:p>
             <a:fld id="{844F5DE2-B296-4507-AFDA-C68D4D277656}" type="datetimeFigureOut">
               <a:rPr kumimoji="1" lang="ja-JP" altLang="en-US" smtClean="0"/>
-              <a:t>2020/12/12</a:t>
+              <a:t>2020/12/13</a:t>
             </a:fld>
             <a:endParaRPr kumimoji="1" lang="ja-JP" altLang="en-US"/>
           </a:p>
@@ -6951,7 +6952,7 @@
           <a:p>
             <a:fld id="{844F5DE2-B296-4507-AFDA-C68D4D277656}" type="datetimeFigureOut">
               <a:rPr kumimoji="1" lang="ja-JP" altLang="en-US" smtClean="0"/>
-              <a:t>2020/12/12</a:t>
+              <a:t>2020/12/13</a:t>
             </a:fld>
             <a:endParaRPr kumimoji="1" lang="ja-JP" altLang="en-US"/>
           </a:p>
@@ -7742,8 +7743,8 @@
           </p:sp>
         </mc:Fallback>
       </mc:AlternateContent>
-      <mc:AlternateContent xmlns:mc="http://schemas.openxmlformats.org/markup-compatibility/2006">
-        <mc:Choice xmlns:a14="http://schemas.microsoft.com/office/drawing/2010/main" Requires="a14">
+      <mc:AlternateContent xmlns:mc="http://schemas.openxmlformats.org/markup-compatibility/2006" xmlns:a14="http://schemas.microsoft.com/office/drawing/2010/main">
+        <mc:Choice Requires="a14">
           <p:sp>
             <p:nvSpPr>
               <p:cNvPr id="3" name="コンテンツ プレースホルダー 2"/>
@@ -7878,7 +7879,7 @@
             </p:txBody>
           </p:sp>
         </mc:Choice>
-        <mc:Fallback>
+        <mc:Fallback xmlns="">
           <p:sp>
             <p:nvSpPr>
               <p:cNvPr id="3" name="コンテンツ プレースホルダー 2"/>
@@ -10081,8 +10082,8 @@
           </p:sp>
         </mc:Fallback>
       </mc:AlternateContent>
-      <mc:AlternateContent xmlns:mc="http://schemas.openxmlformats.org/markup-compatibility/2006">
-        <mc:Choice xmlns:a14="http://schemas.microsoft.com/office/drawing/2010/main" Requires="a14">
+      <mc:AlternateContent xmlns:mc="http://schemas.openxmlformats.org/markup-compatibility/2006" xmlns:a14="http://schemas.microsoft.com/office/drawing/2010/main">
+        <mc:Choice Requires="a14">
           <p:sp>
             <p:nvSpPr>
               <p:cNvPr id="3" name="コンテンツ プレースホルダー 2"/>
@@ -10346,7 +10347,7 @@
             </p:txBody>
           </p:sp>
         </mc:Choice>
-        <mc:Fallback>
+        <mc:Fallback xmlns="">
           <p:sp>
             <p:nvSpPr>
               <p:cNvPr id="3" name="コンテンツ プレースホルダー 2"/>
@@ -13665,8 +13666,8 @@
           </p:sp>
         </mc:Fallback>
       </mc:AlternateContent>
-      <mc:AlternateContent xmlns:mc="http://schemas.openxmlformats.org/markup-compatibility/2006">
-        <mc:Choice xmlns:a14="http://schemas.microsoft.com/office/drawing/2010/main" Requires="a14">
+      <mc:AlternateContent xmlns:mc="http://schemas.openxmlformats.org/markup-compatibility/2006" xmlns:a14="http://schemas.microsoft.com/office/drawing/2010/main">
+        <mc:Choice Requires="a14">
           <p:sp>
             <p:nvSpPr>
               <p:cNvPr id="3" name="コンテンツ プレースホルダー 2"/>
@@ -13846,7 +13847,7 @@
             </p:txBody>
           </p:sp>
         </mc:Choice>
-        <mc:Fallback>
+        <mc:Fallback xmlns="">
           <p:sp>
             <p:nvSpPr>
               <p:cNvPr id="3" name="コンテンツ プレースホルダー 2"/>
@@ -13983,8 +13984,8 @@
           </p:sp>
         </mc:Fallback>
       </mc:AlternateContent>
-      <mc:AlternateContent xmlns:mc="http://schemas.openxmlformats.org/markup-compatibility/2006">
-        <mc:Choice xmlns:a14="http://schemas.microsoft.com/office/drawing/2010/main" Requires="a14">
+      <mc:AlternateContent xmlns:mc="http://schemas.openxmlformats.org/markup-compatibility/2006" xmlns:a14="http://schemas.microsoft.com/office/drawing/2010/main">
+        <mc:Choice Requires="a14">
           <p:sp>
             <p:nvSpPr>
               <p:cNvPr id="3" name="コンテンツ プレースホルダー 2"/>
@@ -14183,7 +14184,7 @@
             </p:txBody>
           </p:sp>
         </mc:Choice>
-        <mc:Fallback>
+        <mc:Fallback xmlns="">
           <p:sp>
             <p:nvSpPr>
               <p:cNvPr id="3" name="コンテンツ プレースホルダー 2"/>
@@ -14401,8 +14402,8 @@
           </a:p>
         </p:txBody>
       </p:sp>
-      <mc:AlternateContent xmlns:mc="http://schemas.openxmlformats.org/markup-compatibility/2006">
-        <mc:Choice xmlns:a14="http://schemas.microsoft.com/office/drawing/2010/main" Requires="a14">
+      <mc:AlternateContent xmlns:mc="http://schemas.openxmlformats.org/markup-compatibility/2006" xmlns:a14="http://schemas.microsoft.com/office/drawing/2010/main">
+        <mc:Choice Requires="a14">
           <p:sp>
             <p:nvSpPr>
               <p:cNvPr id="3" name="コンテンツ プレースホルダー 2">
@@ -14619,7 +14620,7 @@
             </p:txBody>
           </p:sp>
         </mc:Choice>
-        <mc:Fallback>
+        <mc:Fallback xmlns="">
           <p:sp>
             <p:nvSpPr>
               <p:cNvPr id="3" name="コンテンツ プレースホルダー 2">
@@ -22985,6 +22986,103 @@
 </file>
 
 <file path=ppt/slides/slide20.xml><?xml version="1.0" encoding="utf-8"?>
+<p:sld xmlns:a="http://schemas.openxmlformats.org/drawingml/2006/main" xmlns:r="http://schemas.openxmlformats.org/officeDocument/2006/relationships" xmlns:p="http://schemas.openxmlformats.org/presentationml/2006/main">
+  <p:cSld>
+    <p:spTree>
+      <p:nvGrpSpPr>
+        <p:cNvPr id="1" name=""/>
+        <p:cNvGrpSpPr/>
+        <p:nvPr/>
+      </p:nvGrpSpPr>
+      <p:grpSpPr>
+        <a:xfrm>
+          <a:off x="0" y="0"/>
+          <a:ext cx="0" cy="0"/>
+          <a:chOff x="0" y="0"/>
+          <a:chExt cx="0" cy="0"/>
+        </a:xfrm>
+      </p:grpSpPr>
+      <p:sp>
+        <p:nvSpPr>
+          <p:cNvPr id="2" name="タイトル 1">
+            <a:extLst>
+              <a:ext uri="{FF2B5EF4-FFF2-40B4-BE49-F238E27FC236}">
+                <a16:creationId xmlns:a16="http://schemas.microsoft.com/office/drawing/2014/main" id="{E150F598-75C2-4945-A852-CF420032CDE3}"/>
+              </a:ext>
+            </a:extLst>
+          </p:cNvPr>
+          <p:cNvSpPr>
+            <a:spLocks noGrp="1"/>
+          </p:cNvSpPr>
+          <p:nvPr>
+            <p:ph type="title"/>
+          </p:nvPr>
+        </p:nvSpPr>
+        <p:spPr>
+          <a:xfrm>
+            <a:off x="179513" y="188642"/>
+            <a:ext cx="8784976" cy="608167"/>
+          </a:xfrm>
+        </p:spPr>
+        <p:txBody>
+          <a:bodyPr anchor="ctr">
+            <a:normAutofit/>
+          </a:bodyPr>
+          <a:lstStyle/>
+          <a:p>
+            <a:r>
+              <a:rPr lang="ja-JP" altLang="en-US" dirty="0"/>
+              <a:t>グラフの構成</a:t>
+            </a:r>
+            <a:endParaRPr kumimoji="1" lang="ja-JP" altLang="en-US" dirty="0"/>
+          </a:p>
+        </p:txBody>
+      </p:sp>
+      <p:pic>
+        <p:nvPicPr>
+          <p:cNvPr id="3" name="図 2" descr="背景パターン&#10;&#10;自動的に生成された説明">
+            <a:extLst>
+              <a:ext uri="{FF2B5EF4-FFF2-40B4-BE49-F238E27FC236}">
+                <a16:creationId xmlns:a16="http://schemas.microsoft.com/office/drawing/2014/main" id="{CBD47E48-D7FC-413C-94E0-667D6B6B4C9B}"/>
+              </a:ext>
+            </a:extLst>
+          </p:cNvPr>
+          <p:cNvPicPr>
+            <a:picLocks noChangeAspect="1"/>
+          </p:cNvPicPr>
+          <p:nvPr/>
+        </p:nvPicPr>
+        <p:blipFill>
+          <a:blip r:embed="rId2"/>
+          <a:stretch>
+            <a:fillRect/>
+          </a:stretch>
+        </p:blipFill>
+        <p:spPr>
+          <a:xfrm>
+            <a:off x="229397" y="1124744"/>
+            <a:ext cx="8685208" cy="5256666"/>
+          </a:xfrm>
+          <a:prstGeom prst="rect">
+            <a:avLst/>
+          </a:prstGeom>
+          <a:noFill/>
+        </p:spPr>
+      </p:pic>
+    </p:spTree>
+    <p:extLst>
+      <p:ext uri="{BB962C8B-B14F-4D97-AF65-F5344CB8AC3E}">
+        <p14:creationId xmlns:p14="http://schemas.microsoft.com/office/powerpoint/2010/main" val="2462355186"/>
+      </p:ext>
+    </p:extLst>
+  </p:cSld>
+  <p:clrMapOvr>
+    <a:masterClrMapping/>
+  </p:clrMapOvr>
+</p:sld>
+</file>
+
+<file path=ppt/slides/slide21.xml><?xml version="1.0" encoding="utf-8"?>
 <p:sld xmlns:a="http://schemas.openxmlformats.org/drawingml/2006/main" xmlns:r="http://schemas.openxmlformats.org/officeDocument/2006/relationships" xmlns:p="http://schemas.openxmlformats.org/presentationml/2006/main">
   <p:cSld>
     <p:spTree>
@@ -28185,7 +28283,7 @@
 </p:sld>
 </file>
 
-<file path=ppt/slides/slide21.xml><?xml version="1.0" encoding="utf-8"?>
+<file path=ppt/slides/slide22.xml><?xml version="1.0" encoding="utf-8"?>
 <p:sld xmlns:a="http://schemas.openxmlformats.org/drawingml/2006/main" xmlns:r="http://schemas.openxmlformats.org/officeDocument/2006/relationships" xmlns:p="http://schemas.openxmlformats.org/presentationml/2006/main">
   <p:cSld>
     <p:spTree>
@@ -28268,7 +28366,7 @@
 </p:sld>
 </file>
 
-<file path=ppt/slides/slide22.xml><?xml version="1.0" encoding="utf-8"?>
+<file path=ppt/slides/slide23.xml><?xml version="1.0" encoding="utf-8"?>
 <p:sld xmlns:a="http://schemas.openxmlformats.org/drawingml/2006/main" xmlns:r="http://schemas.openxmlformats.org/officeDocument/2006/relationships" xmlns:p="http://schemas.openxmlformats.org/presentationml/2006/main" show="0">
   <p:cSld>
     <p:spTree>
@@ -30050,7 +30148,7 @@
 </p:sld>
 </file>
 
-<file path=ppt/slides/slide23.xml><?xml version="1.0" encoding="utf-8"?>
+<file path=ppt/slides/slide24.xml><?xml version="1.0" encoding="utf-8"?>
 <p:sld xmlns:a="http://schemas.openxmlformats.org/drawingml/2006/main" xmlns:r="http://schemas.openxmlformats.org/officeDocument/2006/relationships" xmlns:p="http://schemas.openxmlformats.org/presentationml/2006/main" show="0">
   <p:cSld>
     <p:spTree>
@@ -30200,7 +30298,7 @@
 </p:sld>
 </file>
 
-<file path=ppt/slides/slide24.xml><?xml version="1.0" encoding="utf-8"?>
+<file path=ppt/slides/slide25.xml><?xml version="1.0" encoding="utf-8"?>
 <p:sld xmlns:a="http://schemas.openxmlformats.org/drawingml/2006/main" xmlns:r="http://schemas.openxmlformats.org/officeDocument/2006/relationships" xmlns:p="http://schemas.openxmlformats.org/presentationml/2006/main" show="0">
   <p:cSld>
     <p:spTree>
@@ -34672,7 +34770,7 @@
 </p:sld>
 </file>
 
-<file path=ppt/slides/slide25.xml><?xml version="1.0" encoding="utf-8"?>
+<file path=ppt/slides/slide26.xml><?xml version="1.0" encoding="utf-8"?>
 <p:sld xmlns:a="http://schemas.openxmlformats.org/drawingml/2006/main" xmlns:r="http://schemas.openxmlformats.org/officeDocument/2006/relationships" xmlns:p="http://schemas.openxmlformats.org/presentationml/2006/main" show="0">
   <p:cSld>
     <p:spTree>
@@ -35679,7 +35777,7 @@
 </p:sld>
 </file>
 
-<file path=ppt/slides/slide26.xml><?xml version="1.0" encoding="utf-8"?>
+<file path=ppt/slides/slide27.xml><?xml version="1.0" encoding="utf-8"?>
 <p:sld xmlns:a="http://schemas.openxmlformats.org/drawingml/2006/main" xmlns:r="http://schemas.openxmlformats.org/officeDocument/2006/relationships" xmlns:p="http://schemas.openxmlformats.org/presentationml/2006/main" show="0">
   <p:cSld>
     <p:spTree>
@@ -40679,8 +40777,8 @@
           </a:p>
         </p:txBody>
       </p:sp>
-      <mc:AlternateContent xmlns:mc="http://schemas.openxmlformats.org/markup-compatibility/2006">
-        <mc:Choice xmlns:a14="http://schemas.microsoft.com/office/drawing/2010/main" Requires="a14">
+      <mc:AlternateContent xmlns:mc="http://schemas.openxmlformats.org/markup-compatibility/2006" xmlns:a14="http://schemas.microsoft.com/office/drawing/2010/main">
+        <mc:Choice Requires="a14">
           <p:sp>
             <p:nvSpPr>
               <p:cNvPr id="3" name="コンテンツ プレースホルダー 2"/>
@@ -40804,7 +40902,7 @@
             </p:txBody>
           </p:sp>
         </mc:Choice>
-        <mc:Fallback>
+        <mc:Fallback xmlns="">
           <p:sp>
             <p:nvSpPr>
               <p:cNvPr id="3" name="コンテンツ プレースホルダー 2"/>
@@ -40890,8 +40988,8 @@
           </a:p>
         </p:txBody>
       </p:sp>
-      <mc:AlternateContent xmlns:mc="http://schemas.openxmlformats.org/markup-compatibility/2006">
-        <mc:Choice xmlns:a14="http://schemas.microsoft.com/office/drawing/2010/main" Requires="a14">
+      <mc:AlternateContent xmlns:mc="http://schemas.openxmlformats.org/markup-compatibility/2006" xmlns:a14="http://schemas.microsoft.com/office/drawing/2010/main">
+        <mc:Choice Requires="a14">
           <p:sp>
             <p:nvSpPr>
               <p:cNvPr id="3" name="コンテンツ プレースホルダー 2"/>
@@ -41547,7 +41645,7 @@
             </p:txBody>
           </p:sp>
         </mc:Choice>
-        <mc:Fallback>
+        <mc:Fallback xmlns="">
           <p:sp>
             <p:nvSpPr>
               <p:cNvPr id="3" name="コンテンツ プレースホルダー 2"/>
@@ -41633,8 +41731,8 @@
           </a:p>
         </p:txBody>
       </p:sp>
-      <mc:AlternateContent xmlns:mc="http://schemas.openxmlformats.org/markup-compatibility/2006">
-        <mc:Choice xmlns:a14="http://schemas.microsoft.com/office/drawing/2010/main" Requires="a14">
+      <mc:AlternateContent xmlns:mc="http://schemas.openxmlformats.org/markup-compatibility/2006" xmlns:a14="http://schemas.microsoft.com/office/drawing/2010/main">
+        <mc:Choice Requires="a14">
           <p:sp>
             <p:nvSpPr>
               <p:cNvPr id="3" name="コンテンツ プレースホルダー 2"/>
@@ -41701,7 +41799,7 @@
             </p:txBody>
           </p:sp>
         </mc:Choice>
-        <mc:Fallback>
+        <mc:Fallback xmlns="">
           <p:sp>
             <p:nvSpPr>
               <p:cNvPr id="3" name="コンテンツ プレースホルダー 2"/>
@@ -41890,8 +41988,8 @@
           </p:sp>
         </mc:Fallback>
       </mc:AlternateContent>
-      <mc:AlternateContent xmlns:mc="http://schemas.openxmlformats.org/markup-compatibility/2006">
-        <mc:Choice xmlns:a14="http://schemas.microsoft.com/office/drawing/2010/main" Requires="a14">
+      <mc:AlternateContent xmlns:mc="http://schemas.openxmlformats.org/markup-compatibility/2006" xmlns:a14="http://schemas.microsoft.com/office/drawing/2010/main">
+        <mc:Choice Requires="a14">
           <p:sp>
             <p:nvSpPr>
               <p:cNvPr id="3" name="コンテンツ プレースホルダー 2"/>
@@ -42379,7 +42477,7 @@
             </p:txBody>
           </p:sp>
         </mc:Choice>
-        <mc:Fallback>
+        <mc:Fallback xmlns="">
           <p:sp>
             <p:nvSpPr>
               <p:cNvPr id="3" name="コンテンツ プレースホルダー 2"/>
